--- a/docs/module1-1_rech_biblio.pptx
+++ b/docs/module1-1_rech_biblio.pptx
@@ -5,7 +5,7 @@
     <p:sldMasterId id="2147483648" r:id="rId1"/>
   </p:sldMasterIdLst>
   <p:notesMasterIdLst>
-    <p:notesMasterId r:id="rId33"/>
+    <p:notesMasterId r:id="rId35"/>
   </p:notesMasterIdLst>
   <p:sldIdLst>
     <p:sldId id="256" r:id="rId2"/>
@@ -37,8 +37,10 @@
     <p:sldId id="319" r:id="rId28"/>
     <p:sldId id="317" r:id="rId29"/>
     <p:sldId id="320" r:id="rId30"/>
-    <p:sldId id="318" r:id="rId31"/>
-    <p:sldId id="284" r:id="rId32"/>
+    <p:sldId id="322" r:id="rId31"/>
+    <p:sldId id="318" r:id="rId32"/>
+    <p:sldId id="321" r:id="rId33"/>
+    <p:sldId id="284" r:id="rId34"/>
   </p:sldIdLst>
   <p:sldSz cx="12192000" cy="6858000"/>
   <p:notesSz cx="6858000" cy="9144000"/>
@@ -2412,7 +2414,10 @@
           <a:r>
             <a:rPr lang="fr-FR" sz="4000" b="1" dirty="0" smtClean="0">
               <a:solidFill>
-                <a:srgbClr val="C00000"/>
+                <a:schemeClr val="accent4">
+                  <a:lumMod val="20000"/>
+                  <a:lumOff val="80000"/>
+                </a:schemeClr>
               </a:solidFill>
               <a:latin typeface="Corbel" panose="020B0503020204020204" pitchFamily="34" charset="0"/>
             </a:rPr>
@@ -2615,7 +2620,10 @@
           <a:r>
             <a:rPr lang="fr-FR" sz="4000" b="1" dirty="0" smtClean="0">
               <a:solidFill>
-                <a:srgbClr val="C00000"/>
+                <a:schemeClr val="accent4">
+                  <a:lumMod val="20000"/>
+                  <a:lumOff val="80000"/>
+                </a:schemeClr>
               </a:solidFill>
               <a:latin typeface="Corbel" panose="020B0503020204020204" pitchFamily="34" charset="0"/>
             </a:rPr>
@@ -2663,7 +2671,11 @@
         <a:bodyPr anchor="t" anchorCtr="1"/>
         <a:lstStyle/>
         <a:p>
-          <a:pPr algn="r"/>
+          <a:pPr marL="0" indent="0" algn="l">
+            <a:tabLst>
+              <a:tab pos="176213" algn="l"/>
+            </a:tabLst>
+          </a:pPr>
           <a:r>
             <a:rPr lang="fr-FR" sz="3600" b="1" dirty="0" smtClean="0">
               <a:solidFill>
@@ -2719,7 +2731,7 @@
       <dgm:spPr/>
     </dgm:pt>
     <dgm:pt modelId="{498039FD-F768-4651-9E91-57FCEB83B688}" type="pres">
-      <dgm:prSet presAssocID="{5DD28C95-A000-4C28-BDBE-24E78C45643D}" presName="circ1" presStyleLbl="vennNode1" presStyleIdx="0" presStyleCnt="2" custScaleX="102267" custScaleY="64096" custLinFactNeighborX="-20344" custLinFactNeighborY="16876"/>
+      <dgm:prSet presAssocID="{5DD28C95-A000-4C28-BDBE-24E78C45643D}" presName="circ1" presStyleLbl="vennNode1" presStyleIdx="0" presStyleCnt="2" custScaleX="102267" custScaleY="47656" custLinFactNeighborX="-4386" custLinFactNeighborY="24024"/>
       <dgm:spPr/>
       <dgm:t>
         <a:bodyPr/>
@@ -2747,7 +2759,7 @@
       </dgm:t>
     </dgm:pt>
     <dgm:pt modelId="{C7C63954-7E2B-4FE8-95A4-004AD82B030A}" type="pres">
-      <dgm:prSet presAssocID="{0FE557A0-E069-41A4-91A6-1EC55D2BDE6E}" presName="circ2" presStyleLbl="vennNode1" presStyleIdx="1" presStyleCnt="2" custScaleX="109124" custScaleY="108884" custLinFactNeighborX="-47963" custLinFactNeighborY="598"/>
+      <dgm:prSet presAssocID="{0FE557A0-E069-41A4-91A6-1EC55D2BDE6E}" presName="circ2" presStyleLbl="vennNode1" presStyleIdx="1" presStyleCnt="2" custScaleX="109124" custScaleY="108884" custLinFactNeighborX="-32727" custLinFactNeighborY="-1228"/>
       <dgm:spPr/>
       <dgm:t>
         <a:bodyPr/>
@@ -2777,8 +2789,8 @@
   </dgm:ptLst>
   <dgm:cxnLst>
     <dgm:cxn modelId="{934165C2-1F70-4B97-8EDA-9FFA33C2F83F}" type="presOf" srcId="{5DD28C95-A000-4C28-BDBE-24E78C45643D}" destId="{6E4C6411-A803-4AAE-B41B-C7C4D00C0B9D}" srcOrd="1" destOrd="0" presId="urn:microsoft.com/office/officeart/2005/8/layout/venn1"/>
+    <dgm:cxn modelId="{D9CA4116-C50A-4E5D-9CA2-611EA6E33341}" type="presOf" srcId="{0FE557A0-E069-41A4-91A6-1EC55D2BDE6E}" destId="{C7C63954-7E2B-4FE8-95A4-004AD82B030A}" srcOrd="0" destOrd="0" presId="urn:microsoft.com/office/officeart/2005/8/layout/venn1"/>
     <dgm:cxn modelId="{F399730D-1E06-4C61-9C16-DECCE7CF1DB6}" type="presOf" srcId="{0FE557A0-E069-41A4-91A6-1EC55D2BDE6E}" destId="{536D8587-5531-40AD-80D7-C2E8194B1185}" srcOrd="1" destOrd="0" presId="urn:microsoft.com/office/officeart/2005/8/layout/venn1"/>
-    <dgm:cxn modelId="{D9CA4116-C50A-4E5D-9CA2-611EA6E33341}" type="presOf" srcId="{0FE557A0-E069-41A4-91A6-1EC55D2BDE6E}" destId="{C7C63954-7E2B-4FE8-95A4-004AD82B030A}" srcOrd="0" destOrd="0" presId="urn:microsoft.com/office/officeart/2005/8/layout/venn1"/>
     <dgm:cxn modelId="{6D3F5E70-4ABF-4D52-90C1-520CB0703B33}" srcId="{A9B76ADE-6094-425D-8D9A-6AADCC607462}" destId="{0FE557A0-E069-41A4-91A6-1EC55D2BDE6E}" srcOrd="1" destOrd="0" parTransId="{E5193959-A210-4D36-8456-BCD45DC89D8C}" sibTransId="{8905A8D4-E309-45D8-A4BC-0D26895B2387}"/>
     <dgm:cxn modelId="{1718AA1C-DB1E-4D87-90A3-A03096047FF0}" srcId="{A9B76ADE-6094-425D-8D9A-6AADCC607462}" destId="{5DD28C95-A000-4C28-BDBE-24E78C45643D}" srcOrd="0" destOrd="0" parTransId="{34164B9F-C778-467B-9D47-33E610B61C2E}" sibTransId="{3ED2CA69-7559-4355-8AA0-07383AF30329}"/>
     <dgm:cxn modelId="{0BB3AF44-E720-4B46-98C8-61F8D04A468E}" type="presOf" srcId="{5DD28C95-A000-4C28-BDBE-24E78C45643D}" destId="{498039FD-F768-4651-9E91-57FCEB83B688}" srcOrd="0" destOrd="0" presId="urn:microsoft.com/office/officeart/2005/8/layout/venn1"/>
@@ -2816,13 +2828,20 @@
         <a:bodyPr anchor="t" anchorCtr="1"/>
         <a:lstStyle/>
         <a:p>
-          <a:pPr algn="l"/>
+          <a:pPr marL="360363" indent="0" algn="l" defTabSz="896938">
+            <a:tabLst>
+              <a:tab pos="2154238" algn="l"/>
+            </a:tabLst>
+          </a:pPr>
           <a:r>
             <a:rPr lang="fr-FR" sz="4000" b="1" dirty="0" smtClean="0">
               <a:solidFill>
-                <a:srgbClr val="C00000"/>
+                <a:schemeClr val="accent4">
+                  <a:lumMod val="20000"/>
+                  <a:lumOff val="80000"/>
+                </a:schemeClr>
               </a:solidFill>
-              <a:latin typeface="Calibri" pitchFamily="34" charset="0"/>
+              <a:latin typeface="Corbel" panose="020B0503020204020204" pitchFamily="34" charset="0"/>
             </a:rPr>
             <a:t>Résultats pertinents</a:t>
           </a:r>
@@ -2870,7 +2889,7 @@
               <a:solidFill>
                 <a:srgbClr val="C00000"/>
               </a:solidFill>
-              <a:latin typeface="Calibri" pitchFamily="34" charset="0"/>
+              <a:latin typeface="Corbel" panose="020B0503020204020204" pitchFamily="34" charset="0"/>
             </a:rPr>
             <a:t>Résultats obtenus</a:t>
           </a:r>
@@ -2878,7 +2897,7 @@
             <a:solidFill>
               <a:srgbClr val="C00000"/>
             </a:solidFill>
-            <a:latin typeface="Calibri" pitchFamily="34" charset="0"/>
+            <a:latin typeface="Corbel" panose="020B0503020204020204" pitchFamily="34" charset="0"/>
           </a:endParaRPr>
         </a:p>
       </dgm:t>
@@ -2916,7 +2935,7 @@
       <dgm:spPr/>
     </dgm:pt>
     <dgm:pt modelId="{498039FD-F768-4651-9E91-57FCEB83B688}" type="pres">
-      <dgm:prSet presAssocID="{5DD28C95-A000-4C28-BDBE-24E78C45643D}" presName="circ1" presStyleLbl="vennNode1" presStyleIdx="0" presStyleCnt="2" custScaleX="104351" custScaleY="120741" custLinFactNeighborX="10700" custLinFactNeighborY="11997"/>
+      <dgm:prSet presAssocID="{5DD28C95-A000-4C28-BDBE-24E78C45643D}" presName="circ1" presStyleLbl="vennNode1" presStyleIdx="0" presStyleCnt="2" custScaleX="117621" custScaleY="120741" custLinFactNeighborX="10700" custLinFactNeighborY="11997"/>
       <dgm:spPr/>
       <dgm:t>
         <a:bodyPr/>
@@ -2944,7 +2963,7 @@
       </dgm:t>
     </dgm:pt>
     <dgm:pt modelId="{C7C63954-7E2B-4FE8-95A4-004AD82B030A}" type="pres">
-      <dgm:prSet presAssocID="{0FE557A0-E069-41A4-91A6-1EC55D2BDE6E}" presName="circ2" presStyleLbl="vennNode1" presStyleIdx="1" presStyleCnt="2" custScaleX="80320" custScaleY="59503" custLinFactNeighborX="-97068" custLinFactNeighborY="26854"/>
+      <dgm:prSet presAssocID="{0FE557A0-E069-41A4-91A6-1EC55D2BDE6E}" presName="circ2" presStyleLbl="vennNode1" presStyleIdx="1" presStyleCnt="2" custScaleX="87704" custScaleY="59503" custLinFactNeighborX="-97068" custLinFactNeighborY="26854"/>
       <dgm:spPr/>
       <dgm:t>
         <a:bodyPr/>
@@ -3003,176 +3022,6 @@
       <dsp:cNvGrpSpPr/>
     </dsp:nvGrpSpPr>
     <dsp:grpSpPr/>
-    <dsp:sp modelId="{498039FD-F768-4651-9E91-57FCEB83B688}">
-      <dsp:nvSpPr>
-        <dsp:cNvPr id="0" name=""/>
-        <dsp:cNvSpPr/>
-      </dsp:nvSpPr>
-      <dsp:spPr>
-        <a:xfrm>
-          <a:off x="0" y="471122"/>
-          <a:ext cx="5324747" cy="3187799"/>
-        </a:xfrm>
-        <a:prstGeom prst="ellipse">
-          <a:avLst/>
-        </a:prstGeom>
-        <a:solidFill>
-          <a:srgbClr val="FF6600"/>
-        </a:solidFill>
-        <a:ln w="12700" cap="flat" cmpd="sng" algn="ctr">
-          <a:solidFill>
-            <a:schemeClr val="lt1">
-              <a:hueOff val="0"/>
-              <a:satOff val="0"/>
-              <a:lumOff val="0"/>
-              <a:alphaOff val="0"/>
-            </a:schemeClr>
-          </a:solidFill>
-          <a:prstDash val="solid"/>
-          <a:miter lim="800000"/>
-        </a:ln>
-        <a:effectLst/>
-      </dsp:spPr>
-      <dsp:style>
-        <a:lnRef idx="2">
-          <a:scrgbClr r="0" g="0" b="0"/>
-        </a:lnRef>
-        <a:fillRef idx="1">
-          <a:scrgbClr r="0" g="0" b="0"/>
-        </a:fillRef>
-        <a:effectRef idx="0">
-          <a:scrgbClr r="0" g="0" b="0"/>
-        </a:effectRef>
-        <a:fontRef idx="minor">
-          <a:schemeClr val="tx1"/>
-        </a:fontRef>
-      </dsp:style>
-      <dsp:txBody>
-        <a:bodyPr spcFirstLastPara="0" vert="horz" wrap="square" lIns="0" tIns="0" rIns="0" bIns="0" numCol="1" spcCol="1270" anchor="ctr" anchorCtr="0">
-          <a:noAutofit/>
-        </a:bodyPr>
-        <a:lstStyle/>
-        <a:p>
-          <a:pPr marL="0" lvl="0" indent="0" algn="l" defTabSz="1778000">
-            <a:lnSpc>
-              <a:spcPct val="90000"/>
-            </a:lnSpc>
-            <a:spcBef>
-              <a:spcPct val="0"/>
-            </a:spcBef>
-            <a:spcAft>
-              <a:spcPct val="35000"/>
-            </a:spcAft>
-            <a:tabLst>
-              <a:tab pos="266700" algn="l"/>
-            </a:tabLst>
-          </a:pPr>
-          <a:r>
-            <a:rPr lang="fr-FR" sz="4000" b="1" kern="1200" dirty="0" smtClean="0">
-              <a:solidFill>
-                <a:srgbClr val="C00000"/>
-              </a:solidFill>
-              <a:latin typeface="Corbel" panose="020B0503020204020204" pitchFamily="34" charset="0"/>
-            </a:rPr>
-            <a:t>Résultats pertinents</a:t>
-          </a:r>
-        </a:p>
-      </dsp:txBody>
-      <dsp:txXfrm>
-        <a:off x="743545" y="847032"/>
-        <a:ext cx="3070124" cy="2435979"/>
-      </dsp:txXfrm>
-    </dsp:sp>
-    <dsp:sp modelId="{C7C63954-7E2B-4FE8-95A4-004AD82B030A}">
-      <dsp:nvSpPr>
-        <dsp:cNvPr id="0" name=""/>
-        <dsp:cNvSpPr/>
-      </dsp:nvSpPr>
-      <dsp:spPr>
-        <a:xfrm>
-          <a:off x="3760255" y="507539"/>
-          <a:ext cx="4650964" cy="3073252"/>
-        </a:xfrm>
-        <a:prstGeom prst="ellipse">
-          <a:avLst/>
-        </a:prstGeom>
-        <a:solidFill>
-          <a:srgbClr val="FFC000">
-            <a:alpha val="50000"/>
-          </a:srgbClr>
-        </a:solidFill>
-        <a:ln w="12700" cap="flat" cmpd="sng" algn="ctr">
-          <a:solidFill>
-            <a:schemeClr val="lt1">
-              <a:hueOff val="0"/>
-              <a:satOff val="0"/>
-              <a:lumOff val="0"/>
-              <a:alphaOff val="0"/>
-            </a:schemeClr>
-          </a:solidFill>
-          <a:prstDash val="solid"/>
-          <a:miter lim="800000"/>
-        </a:ln>
-        <a:effectLst/>
-      </dsp:spPr>
-      <dsp:style>
-        <a:lnRef idx="2">
-          <a:scrgbClr r="0" g="0" b="0"/>
-        </a:lnRef>
-        <a:fillRef idx="1">
-          <a:scrgbClr r="0" g="0" b="0"/>
-        </a:fillRef>
-        <a:effectRef idx="0">
-          <a:scrgbClr r="0" g="0" b="0"/>
-        </a:effectRef>
-        <a:fontRef idx="minor">
-          <a:schemeClr val="tx1"/>
-        </a:fontRef>
-      </dsp:style>
-      <dsp:txBody>
-        <a:bodyPr spcFirstLastPara="0" vert="horz" wrap="square" lIns="0" tIns="0" rIns="0" bIns="0" numCol="1" spcCol="1270" anchor="ctr" anchorCtr="0">
-          <a:noAutofit/>
-        </a:bodyPr>
-        <a:lstStyle/>
-        <a:p>
-          <a:pPr marL="622300" lvl="0" indent="0" algn="l" defTabSz="901700">
-            <a:lnSpc>
-              <a:spcPct val="90000"/>
-            </a:lnSpc>
-            <a:spcBef>
-              <a:spcPct val="0"/>
-            </a:spcBef>
-            <a:spcAft>
-              <a:spcPct val="35000"/>
-            </a:spcAft>
-            <a:tabLst>
-              <a:tab pos="1079500" algn="l"/>
-              <a:tab pos="1168400" algn="l"/>
-              <a:tab pos="1790700" algn="l"/>
-            </a:tabLst>
-          </a:pPr>
-          <a:r>
-            <a:rPr lang="fr-FR" sz="4000" b="1" kern="1200" dirty="0" smtClean="0">
-              <a:solidFill>
-                <a:srgbClr val="C00000"/>
-              </a:solidFill>
-              <a:latin typeface="Corbel" panose="020B0503020204020204" pitchFamily="34" charset="0"/>
-            </a:rPr>
-            <a:t>Résultats obtenus</a:t>
-          </a:r>
-          <a:endParaRPr lang="fr-FR" sz="4000" b="1" kern="1200" dirty="0">
-            <a:solidFill>
-              <a:srgbClr val="C00000"/>
-            </a:solidFill>
-            <a:latin typeface="Corbel" panose="020B0503020204020204" pitchFamily="34" charset="0"/>
-          </a:endParaRPr>
-        </a:p>
-      </dsp:txBody>
-      <dsp:txXfrm>
-        <a:off x="5080123" y="869942"/>
-        <a:ext cx="2681637" cy="2348447"/>
-      </dsp:txXfrm>
-    </dsp:sp>
   </dsp:spTree>
 </dsp:drawing>
 </file>
@@ -3185,168 +3034,6 @@
       <dsp:cNvGrpSpPr/>
     </dsp:nvGrpSpPr>
     <dsp:grpSpPr/>
-    <dsp:sp modelId="{498039FD-F768-4651-9E91-57FCEB83B688}">
-      <dsp:nvSpPr>
-        <dsp:cNvPr id="0" name=""/>
-        <dsp:cNvSpPr/>
-      </dsp:nvSpPr>
-      <dsp:spPr>
-        <a:xfrm>
-          <a:off x="0" y="1744951"/>
-          <a:ext cx="4544214" cy="2848093"/>
-        </a:xfrm>
-        <a:prstGeom prst="ellipse">
-          <a:avLst/>
-        </a:prstGeom>
-        <a:solidFill>
-          <a:srgbClr val="FF6600"/>
-        </a:solidFill>
-        <a:ln w="12700" cap="flat" cmpd="sng" algn="ctr">
-          <a:solidFill>
-            <a:schemeClr val="lt1">
-              <a:hueOff val="0"/>
-              <a:satOff val="0"/>
-              <a:lumOff val="0"/>
-              <a:alphaOff val="0"/>
-            </a:schemeClr>
-          </a:solidFill>
-          <a:prstDash val="solid"/>
-          <a:miter lim="800000"/>
-        </a:ln>
-        <a:effectLst/>
-      </dsp:spPr>
-      <dsp:style>
-        <a:lnRef idx="2">
-          <a:scrgbClr r="0" g="0" b="0"/>
-        </a:lnRef>
-        <a:fillRef idx="1">
-          <a:scrgbClr r="0" g="0" b="0"/>
-        </a:fillRef>
-        <a:effectRef idx="0">
-          <a:scrgbClr r="0" g="0" b="0"/>
-        </a:effectRef>
-        <a:fontRef idx="minor">
-          <a:schemeClr val="tx1"/>
-        </a:fontRef>
-      </dsp:style>
-      <dsp:txBody>
-        <a:bodyPr spcFirstLastPara="0" vert="horz" wrap="square" lIns="0" tIns="0" rIns="0" bIns="0" numCol="1" spcCol="1270" anchor="t" anchorCtr="1">
-          <a:noAutofit/>
-        </a:bodyPr>
-        <a:lstStyle/>
-        <a:p>
-          <a:pPr lvl="0" algn="l" defTabSz="1778000">
-            <a:lnSpc>
-              <a:spcPct val="90000"/>
-            </a:lnSpc>
-            <a:spcBef>
-              <a:spcPct val="0"/>
-            </a:spcBef>
-            <a:spcAft>
-              <a:spcPct val="35000"/>
-            </a:spcAft>
-          </a:pPr>
-          <a:r>
-            <a:rPr lang="fr-FR" sz="4000" b="1" kern="1200" dirty="0" smtClean="0">
-              <a:solidFill>
-                <a:srgbClr val="C00000"/>
-              </a:solidFill>
-              <a:latin typeface="Corbel" panose="020B0503020204020204" pitchFamily="34" charset="0"/>
-            </a:rPr>
-            <a:t>Résultats pertinents</a:t>
-          </a:r>
-        </a:p>
-      </dsp:txBody>
-      <dsp:txXfrm>
-        <a:off x="634552" y="2080802"/>
-        <a:ext cx="2620087" cy="2176390"/>
-      </dsp:txXfrm>
-    </dsp:sp>
-    <dsp:sp modelId="{C7C63954-7E2B-4FE8-95A4-004AD82B030A}">
-      <dsp:nvSpPr>
-        <dsp:cNvPr id="0" name=""/>
-        <dsp:cNvSpPr/>
-      </dsp:nvSpPr>
-      <dsp:spPr>
-        <a:xfrm>
-          <a:off x="972539" y="-3"/>
-          <a:ext cx="4848904" cy="4838239"/>
-        </a:xfrm>
-        <a:prstGeom prst="ellipse">
-          <a:avLst/>
-        </a:prstGeom>
-        <a:solidFill>
-          <a:srgbClr val="FFC000">
-            <a:alpha val="34000"/>
-          </a:srgbClr>
-        </a:solidFill>
-        <a:ln w="12700" cap="flat" cmpd="sng" algn="ctr">
-          <a:solidFill>
-            <a:schemeClr val="lt1">
-              <a:hueOff val="0"/>
-              <a:satOff val="0"/>
-              <a:lumOff val="0"/>
-              <a:alphaOff val="0"/>
-            </a:schemeClr>
-          </a:solidFill>
-          <a:prstDash val="solid"/>
-          <a:miter lim="800000"/>
-        </a:ln>
-        <a:effectLst/>
-      </dsp:spPr>
-      <dsp:style>
-        <a:lnRef idx="2">
-          <a:scrgbClr r="0" g="0" b="0"/>
-        </a:lnRef>
-        <a:fillRef idx="1">
-          <a:scrgbClr r="0" g="0" b="0"/>
-        </a:fillRef>
-        <a:effectRef idx="0">
-          <a:scrgbClr r="0" g="0" b="0"/>
-        </a:effectRef>
-        <a:fontRef idx="minor">
-          <a:schemeClr val="tx1"/>
-        </a:fontRef>
-      </dsp:style>
-      <dsp:txBody>
-        <a:bodyPr spcFirstLastPara="0" vert="horz" wrap="square" lIns="0" tIns="0" rIns="0" bIns="0" numCol="1" spcCol="1270" anchor="t" anchorCtr="1">
-          <a:noAutofit/>
-        </a:bodyPr>
-        <a:lstStyle/>
-        <a:p>
-          <a:pPr lvl="0" algn="r" defTabSz="1600200">
-            <a:lnSpc>
-              <a:spcPct val="90000"/>
-            </a:lnSpc>
-            <a:spcBef>
-              <a:spcPct val="0"/>
-            </a:spcBef>
-            <a:spcAft>
-              <a:spcPct val="35000"/>
-            </a:spcAft>
-          </a:pPr>
-          <a:r>
-            <a:rPr lang="fr-FR" sz="3600" b="1" kern="1200" dirty="0" smtClean="0">
-              <a:solidFill>
-                <a:srgbClr val="C00000"/>
-              </a:solidFill>
-              <a:latin typeface="Corbel" panose="020B0503020204020204" pitchFamily="34" charset="0"/>
-            </a:rPr>
-            <a:t>Résultats obtenus</a:t>
-          </a:r>
-          <a:endParaRPr lang="fr-FR" sz="3600" b="1" kern="1200" dirty="0">
-            <a:solidFill>
-              <a:srgbClr val="C00000"/>
-            </a:solidFill>
-            <a:latin typeface="Corbel" panose="020B0503020204020204" pitchFamily="34" charset="0"/>
-          </a:endParaRPr>
-        </a:p>
-      </dsp:txBody>
-      <dsp:txXfrm>
-        <a:off x="2348579" y="570528"/>
-        <a:ext cx="2795764" cy="3697174"/>
-      </dsp:txXfrm>
-    </dsp:sp>
   </dsp:spTree>
 </dsp:drawing>
 </file>
@@ -3359,168 +3046,6 @@
       <dsp:cNvGrpSpPr/>
     </dsp:nvGrpSpPr>
     <dsp:grpSpPr/>
-    <dsp:sp modelId="{498039FD-F768-4651-9E91-57FCEB83B688}">
-      <dsp:nvSpPr>
-        <dsp:cNvPr id="0" name=""/>
-        <dsp:cNvSpPr/>
-      </dsp:nvSpPr>
-      <dsp:spPr>
-        <a:xfrm>
-          <a:off x="737804" y="207153"/>
-          <a:ext cx="4142330" cy="4792950"/>
-        </a:xfrm>
-        <a:prstGeom prst="ellipse">
-          <a:avLst/>
-        </a:prstGeom>
-        <a:solidFill>
-          <a:srgbClr val="FF6600"/>
-        </a:solidFill>
-        <a:ln w="12700" cap="flat" cmpd="sng" algn="ctr">
-          <a:solidFill>
-            <a:schemeClr val="lt1">
-              <a:hueOff val="0"/>
-              <a:satOff val="0"/>
-              <a:lumOff val="0"/>
-              <a:alphaOff val="0"/>
-            </a:schemeClr>
-          </a:solidFill>
-          <a:prstDash val="solid"/>
-          <a:miter lim="800000"/>
-        </a:ln>
-        <a:effectLst/>
-      </dsp:spPr>
-      <dsp:style>
-        <a:lnRef idx="2">
-          <a:scrgbClr r="0" g="0" b="0"/>
-        </a:lnRef>
-        <a:fillRef idx="1">
-          <a:scrgbClr r="0" g="0" b="0"/>
-        </a:fillRef>
-        <a:effectRef idx="0">
-          <a:scrgbClr r="0" g="0" b="0"/>
-        </a:effectRef>
-        <a:fontRef idx="minor">
-          <a:schemeClr val="tx1"/>
-        </a:fontRef>
-      </dsp:style>
-      <dsp:txBody>
-        <a:bodyPr spcFirstLastPara="0" vert="horz" wrap="square" lIns="0" tIns="0" rIns="0" bIns="0" numCol="1" spcCol="1270" anchor="t" anchorCtr="1">
-          <a:noAutofit/>
-        </a:bodyPr>
-        <a:lstStyle/>
-        <a:p>
-          <a:pPr lvl="0" algn="l" defTabSz="1778000">
-            <a:lnSpc>
-              <a:spcPct val="90000"/>
-            </a:lnSpc>
-            <a:spcBef>
-              <a:spcPct val="0"/>
-            </a:spcBef>
-            <a:spcAft>
-              <a:spcPct val="35000"/>
-            </a:spcAft>
-          </a:pPr>
-          <a:r>
-            <a:rPr lang="fr-FR" sz="4000" b="1" kern="1200" dirty="0" smtClean="0">
-              <a:solidFill>
-                <a:srgbClr val="C00000"/>
-              </a:solidFill>
-              <a:latin typeface="Calibri" pitchFamily="34" charset="0"/>
-            </a:rPr>
-            <a:t>Résultats pertinents</a:t>
-          </a:r>
-        </a:p>
-      </dsp:txBody>
-      <dsp:txXfrm>
-        <a:off x="1316237" y="772345"/>
-        <a:ext cx="2388370" cy="3662566"/>
-      </dsp:txXfrm>
-    </dsp:sp>
-    <dsp:sp modelId="{C7C63954-7E2B-4FE8-95A4-004AD82B030A}">
-      <dsp:nvSpPr>
-        <dsp:cNvPr id="0" name=""/>
-        <dsp:cNvSpPr/>
-      </dsp:nvSpPr>
-      <dsp:spPr>
-        <a:xfrm>
-          <a:off x="0" y="2385032"/>
-          <a:ext cx="3188393" cy="2362038"/>
-        </a:xfrm>
-        <a:prstGeom prst="ellipse">
-          <a:avLst/>
-        </a:prstGeom>
-        <a:solidFill>
-          <a:srgbClr val="FFFF00">
-            <a:alpha val="50000"/>
-          </a:srgbClr>
-        </a:solidFill>
-        <a:ln w="12700" cap="flat" cmpd="sng" algn="ctr">
-          <a:solidFill>
-            <a:schemeClr val="lt1">
-              <a:hueOff val="0"/>
-              <a:satOff val="0"/>
-              <a:lumOff val="0"/>
-              <a:alphaOff val="0"/>
-            </a:schemeClr>
-          </a:solidFill>
-          <a:prstDash val="solid"/>
-          <a:miter lim="800000"/>
-        </a:ln>
-        <a:effectLst/>
-      </dsp:spPr>
-      <dsp:style>
-        <a:lnRef idx="2">
-          <a:scrgbClr r="0" g="0" b="0"/>
-        </a:lnRef>
-        <a:fillRef idx="1">
-          <a:scrgbClr r="0" g="0" b="0"/>
-        </a:fillRef>
-        <a:effectRef idx="0">
-          <a:scrgbClr r="0" g="0" b="0"/>
-        </a:effectRef>
-        <a:fontRef idx="minor">
-          <a:schemeClr val="tx1"/>
-        </a:fontRef>
-      </dsp:style>
-      <dsp:txBody>
-        <a:bodyPr spcFirstLastPara="0" vert="horz" wrap="square" lIns="0" tIns="0" rIns="0" bIns="0" numCol="1" spcCol="1270" anchor="ctr" anchorCtr="0">
-          <a:noAutofit/>
-        </a:bodyPr>
-        <a:lstStyle/>
-        <a:p>
-          <a:pPr marL="0" lvl="0" indent="0" algn="l" defTabSz="1600200">
-            <a:lnSpc>
-              <a:spcPct val="90000"/>
-            </a:lnSpc>
-            <a:spcBef>
-              <a:spcPct val="0"/>
-            </a:spcBef>
-            <a:spcAft>
-              <a:spcPct val="35000"/>
-            </a:spcAft>
-          </a:pPr>
-          <a:r>
-            <a:rPr lang="fr-FR" sz="3600" b="1" kern="1200" dirty="0" smtClean="0">
-              <a:solidFill>
-                <a:srgbClr val="C00000"/>
-              </a:solidFill>
-              <a:latin typeface="Calibri" pitchFamily="34" charset="0"/>
-            </a:rPr>
-            <a:t>Résultats obtenus</a:t>
-          </a:r>
-          <a:endParaRPr lang="fr-FR" sz="3600" b="1" kern="1200" dirty="0">
-            <a:solidFill>
-              <a:srgbClr val="C00000"/>
-            </a:solidFill>
-            <a:latin typeface="Calibri" pitchFamily="34" charset="0"/>
-          </a:endParaRPr>
-        </a:p>
-      </dsp:txBody>
-      <dsp:txXfrm>
-        <a:off x="904814" y="2663567"/>
-        <a:ext cx="1838352" cy="1804968"/>
-      </dsp:txXfrm>
-    </dsp:sp>
   </dsp:spTree>
 </dsp:drawing>
 </file>
@@ -9297,11 +8822,13 @@
           <a:bodyPr vert="horz" lIns="91440" tIns="45720" rIns="91440" bIns="45720" rtlCol="0"/>
           <a:lstStyle>
             <a:lvl1pPr algn="l">
-              <a:defRPr sz="1200"/>
+              <a:defRPr sz="1200">
+                <a:latin typeface="Corbel" panose="020B0503020204020204" pitchFamily="34" charset="0"/>
+              </a:defRPr>
             </a:lvl1pPr>
           </a:lstStyle>
           <a:p>
-            <a:endParaRPr lang="fr-FR"/>
+            <a:endParaRPr lang="fr-FR" dirty="0"/>
           </a:p>
         </p:txBody>
       </p:sp>
@@ -9328,15 +8855,18 @@
           <a:bodyPr vert="horz" lIns="91440" tIns="45720" rIns="91440" bIns="45720" rtlCol="0"/>
           <a:lstStyle>
             <a:lvl1pPr algn="r">
-              <a:defRPr sz="1200"/>
+              <a:defRPr sz="1200">
+                <a:latin typeface="Corbel" panose="020B0503020204020204" pitchFamily="34" charset="0"/>
+              </a:defRPr>
             </a:lvl1pPr>
           </a:lstStyle>
           <a:p>
             <a:fld id="{91E9DC1B-7AD4-4493-BE2D-19F04AF919E8}" type="datetimeFigureOut">
               <a:rPr lang="fr-FR" smtClean="0"/>
-              <a:t>19/08/2021</a:t>
+              <a:pPr/>
+              <a:t>15/06/2022</a:t>
             </a:fld>
-            <a:endParaRPr lang="fr-FR"/>
+            <a:endParaRPr lang="fr-FR" dirty="0"/>
           </a:p>
         </p:txBody>
       </p:sp>
@@ -9369,7 +8899,7 @@
           <a:bodyPr vert="horz" lIns="91440" tIns="45720" rIns="91440" bIns="45720" rtlCol="0" anchor="ctr"/>
           <a:lstStyle/>
           <a:p>
-            <a:endParaRPr lang="fr-FR"/>
+            <a:endParaRPr lang="fr-FR" dirty="0"/>
           </a:p>
         </p:txBody>
       </p:sp>
@@ -9398,38 +8928,38 @@
           <a:p>
             <a:pPr lvl="0"/>
             <a:r>
-              <a:rPr lang="fr-FR" smtClean="0"/>
+              <a:rPr lang="fr-FR" dirty="0" smtClean="0"/>
               <a:t>Modifiez les styles du texte du masque</a:t>
             </a:r>
           </a:p>
           <a:p>
             <a:pPr lvl="1"/>
             <a:r>
-              <a:rPr lang="fr-FR" smtClean="0"/>
+              <a:rPr lang="fr-FR" dirty="0" smtClean="0"/>
               <a:t>Deuxième niveau</a:t>
             </a:r>
           </a:p>
           <a:p>
             <a:pPr lvl="2"/>
             <a:r>
-              <a:rPr lang="fr-FR" smtClean="0"/>
+              <a:rPr lang="fr-FR" dirty="0" smtClean="0"/>
               <a:t>Troisième niveau</a:t>
             </a:r>
           </a:p>
           <a:p>
             <a:pPr lvl="3"/>
             <a:r>
-              <a:rPr lang="fr-FR" smtClean="0"/>
+              <a:rPr lang="fr-FR" dirty="0" smtClean="0"/>
               <a:t>Quatrième niveau</a:t>
             </a:r>
           </a:p>
           <a:p>
             <a:pPr lvl="4"/>
             <a:r>
-              <a:rPr lang="fr-FR" smtClean="0"/>
+              <a:rPr lang="fr-FR" dirty="0" smtClean="0"/>
               <a:t>Cinquième niveau</a:t>
             </a:r>
-            <a:endParaRPr lang="fr-FR"/>
+            <a:endParaRPr lang="fr-FR" dirty="0"/>
           </a:p>
         </p:txBody>
       </p:sp>
@@ -9456,11 +8986,13 @@
           <a:bodyPr vert="horz" lIns="91440" tIns="45720" rIns="91440" bIns="45720" rtlCol="0" anchor="b"/>
           <a:lstStyle>
             <a:lvl1pPr algn="l">
-              <a:defRPr sz="1200"/>
+              <a:defRPr sz="1200">
+                <a:latin typeface="Corbel" panose="020B0503020204020204" pitchFamily="34" charset="0"/>
+              </a:defRPr>
             </a:lvl1pPr>
           </a:lstStyle>
           <a:p>
-            <a:endParaRPr lang="fr-FR"/>
+            <a:endParaRPr lang="fr-FR" dirty="0"/>
           </a:p>
         </p:txBody>
       </p:sp>
@@ -9487,15 +9019,18 @@
           <a:bodyPr vert="horz" lIns="91440" tIns="45720" rIns="91440" bIns="45720" rtlCol="0" anchor="b"/>
           <a:lstStyle>
             <a:lvl1pPr algn="r">
-              <a:defRPr sz="1200"/>
+              <a:defRPr sz="1200">
+                <a:latin typeface="Corbel" panose="020B0503020204020204" pitchFamily="34" charset="0"/>
+              </a:defRPr>
             </a:lvl1pPr>
           </a:lstStyle>
           <a:p>
             <a:fld id="{0145B376-959C-4F10-BF50-4FF0FAF5ADD9}" type="slidenum">
               <a:rPr lang="fr-FR" smtClean="0"/>
+              <a:pPr/>
               <a:t>‹N°›</a:t>
             </a:fld>
-            <a:endParaRPr lang="fr-FR"/>
+            <a:endParaRPr lang="fr-FR" dirty="0"/>
           </a:p>
         </p:txBody>
       </p:sp>
@@ -9513,7 +9048,7 @@
         <a:solidFill>
           <a:schemeClr val="tx1"/>
         </a:solidFill>
-        <a:latin typeface="+mn-lt"/>
+        <a:latin typeface="Corbel" panose="020B0503020204020204" pitchFamily="34" charset="0"/>
         <a:ea typeface="+mn-ea"/>
         <a:cs typeface="+mn-cs"/>
       </a:defRPr>
@@ -9523,7 +9058,7 @@
         <a:solidFill>
           <a:schemeClr val="tx1"/>
         </a:solidFill>
-        <a:latin typeface="+mn-lt"/>
+        <a:latin typeface="Corbel" panose="020B0503020204020204" pitchFamily="34" charset="0"/>
         <a:ea typeface="+mn-ea"/>
         <a:cs typeface="+mn-cs"/>
       </a:defRPr>
@@ -9533,7 +9068,7 @@
         <a:solidFill>
           <a:schemeClr val="tx1"/>
         </a:solidFill>
-        <a:latin typeface="+mn-lt"/>
+        <a:latin typeface="Corbel" panose="020B0503020204020204" pitchFamily="34" charset="0"/>
         <a:ea typeface="+mn-ea"/>
         <a:cs typeface="+mn-cs"/>
       </a:defRPr>
@@ -9543,7 +9078,7 @@
         <a:solidFill>
           <a:schemeClr val="tx1"/>
         </a:solidFill>
-        <a:latin typeface="+mn-lt"/>
+        <a:latin typeface="Corbel" panose="020B0503020204020204" pitchFamily="34" charset="0"/>
         <a:ea typeface="+mn-ea"/>
         <a:cs typeface="+mn-cs"/>
       </a:defRPr>
@@ -9553,7 +9088,7 @@
         <a:solidFill>
           <a:schemeClr val="tx1"/>
         </a:solidFill>
-        <a:latin typeface="+mn-lt"/>
+        <a:latin typeface="Corbel" panose="020B0503020204020204" pitchFamily="34" charset="0"/>
         <a:ea typeface="+mn-ea"/>
         <a:cs typeface="+mn-cs"/>
       </a:defRPr>
@@ -10850,6 +10385,175 @@
 </p:notes>
 </file>
 
+<file path=ppt/notesSlides/notesSlide22.xml><?xml version="1.0" encoding="utf-8"?>
+<p:notes xmlns:a="http://schemas.openxmlformats.org/drawingml/2006/main" xmlns:r="http://schemas.openxmlformats.org/officeDocument/2006/relationships" xmlns:p="http://schemas.openxmlformats.org/presentationml/2006/main">
+  <p:cSld>
+    <p:spTree>
+      <p:nvGrpSpPr>
+        <p:cNvPr id="1" name=""/>
+        <p:cNvGrpSpPr/>
+        <p:nvPr/>
+      </p:nvGrpSpPr>
+      <p:grpSpPr>
+        <a:xfrm>
+          <a:off x="0" y="0"/>
+          <a:ext cx="0" cy="0"/>
+          <a:chOff x="0" y="0"/>
+          <a:chExt cx="0" cy="0"/>
+        </a:xfrm>
+      </p:grpSpPr>
+      <p:sp>
+        <p:nvSpPr>
+          <p:cNvPr id="2" name="Espace réservé de l'image des diapositives 1"/>
+          <p:cNvSpPr>
+            <a:spLocks noGrp="1" noRot="1" noChangeAspect="1"/>
+          </p:cNvSpPr>
+          <p:nvPr>
+            <p:ph type="sldImg"/>
+          </p:nvPr>
+        </p:nvSpPr>
+        <p:spPr/>
+      </p:sp>
+      <p:sp>
+        <p:nvSpPr>
+          <p:cNvPr id="3" name="Espace réservé des commentaires 2"/>
+          <p:cNvSpPr>
+            <a:spLocks noGrp="1"/>
+          </p:cNvSpPr>
+          <p:nvPr>
+            <p:ph type="body" idx="1"/>
+          </p:nvPr>
+        </p:nvSpPr>
+        <p:spPr/>
+        <p:txBody>
+          <a:bodyPr/>
+          <a:lstStyle/>
+          <a:p>
+            <a:endParaRPr lang="fr-FR"/>
+          </a:p>
+        </p:txBody>
+      </p:sp>
+      <p:sp>
+        <p:nvSpPr>
+          <p:cNvPr id="4" name="Espace réservé du numéro de diapositive 3"/>
+          <p:cNvSpPr>
+            <a:spLocks noGrp="1"/>
+          </p:cNvSpPr>
+          <p:nvPr>
+            <p:ph type="sldNum" sz="quarter" idx="10"/>
+          </p:nvPr>
+        </p:nvSpPr>
+        <p:spPr/>
+        <p:txBody>
+          <a:bodyPr/>
+          <a:lstStyle/>
+          <a:p>
+            <a:fld id="{0145B376-959C-4F10-BF50-4FF0FAF5ADD9}" type="slidenum">
+              <a:rPr lang="fr-FR" smtClean="0"/>
+              <a:pPr/>
+              <a:t>29</a:t>
+            </a:fld>
+            <a:endParaRPr lang="fr-FR" dirty="0"/>
+          </a:p>
+        </p:txBody>
+      </p:sp>
+    </p:spTree>
+    <p:extLst>
+      <p:ext uri="{BB962C8B-B14F-4D97-AF65-F5344CB8AC3E}">
+        <p14:creationId xmlns:p14="http://schemas.microsoft.com/office/powerpoint/2010/main" val="1768943792"/>
+      </p:ext>
+    </p:extLst>
+  </p:cSld>
+  <p:clrMapOvr>
+    <a:masterClrMapping/>
+  </p:clrMapOvr>
+</p:notes>
+</file>
+
+<file path=ppt/notesSlides/notesSlide23.xml><?xml version="1.0" encoding="utf-8"?>
+<p:notes xmlns:a="http://schemas.openxmlformats.org/drawingml/2006/main" xmlns:r="http://schemas.openxmlformats.org/officeDocument/2006/relationships" xmlns:p="http://schemas.openxmlformats.org/presentationml/2006/main">
+  <p:cSld>
+    <p:spTree>
+      <p:nvGrpSpPr>
+        <p:cNvPr id="1" name=""/>
+        <p:cNvGrpSpPr/>
+        <p:nvPr/>
+      </p:nvGrpSpPr>
+      <p:grpSpPr>
+        <a:xfrm>
+          <a:off x="0" y="0"/>
+          <a:ext cx="0" cy="0"/>
+          <a:chOff x="0" y="0"/>
+          <a:chExt cx="0" cy="0"/>
+        </a:xfrm>
+      </p:grpSpPr>
+      <p:sp>
+        <p:nvSpPr>
+          <p:cNvPr id="2" name="Espace réservé de l'image des diapositives 1"/>
+          <p:cNvSpPr>
+            <a:spLocks noGrp="1" noRot="1" noChangeAspect="1"/>
+          </p:cNvSpPr>
+          <p:nvPr>
+            <p:ph type="sldImg"/>
+          </p:nvPr>
+        </p:nvSpPr>
+        <p:spPr/>
+      </p:sp>
+      <p:sp>
+        <p:nvSpPr>
+          <p:cNvPr id="3" name="Espace réservé des commentaires 2"/>
+          <p:cNvSpPr>
+            <a:spLocks noGrp="1"/>
+          </p:cNvSpPr>
+          <p:nvPr>
+            <p:ph type="body" idx="1"/>
+          </p:nvPr>
+        </p:nvSpPr>
+        <p:spPr/>
+        <p:txBody>
+          <a:bodyPr/>
+          <a:lstStyle/>
+          <a:p>
+            <a:endParaRPr lang="fr-FR" dirty="0"/>
+          </a:p>
+        </p:txBody>
+      </p:sp>
+      <p:sp>
+        <p:nvSpPr>
+          <p:cNvPr id="4" name="Espace réservé du numéro de diapositive 3"/>
+          <p:cNvSpPr>
+            <a:spLocks noGrp="1"/>
+          </p:cNvSpPr>
+          <p:nvPr>
+            <p:ph type="sldNum" sz="quarter" idx="10"/>
+          </p:nvPr>
+        </p:nvSpPr>
+        <p:spPr/>
+        <p:txBody>
+          <a:bodyPr/>
+          <a:lstStyle/>
+          <a:p>
+            <a:fld id="{0145B376-959C-4F10-BF50-4FF0FAF5ADD9}" type="slidenum">
+              <a:rPr lang="fr-FR" smtClean="0"/>
+              <a:t>30</a:t>
+            </a:fld>
+            <a:endParaRPr lang="fr-FR"/>
+          </a:p>
+        </p:txBody>
+      </p:sp>
+    </p:spTree>
+    <p:extLst>
+      <p:ext uri="{BB962C8B-B14F-4D97-AF65-F5344CB8AC3E}">
+        <p14:creationId xmlns:p14="http://schemas.microsoft.com/office/powerpoint/2010/main" val="2246164186"/>
+      </p:ext>
+    </p:extLst>
+  </p:cSld>
+  <p:clrMapOvr>
+    <a:masterClrMapping/>
+  </p:clrMapOvr>
+</p:notes>
+</file>
+
 <file path=ppt/notesSlides/notesSlide3.xml><?xml version="1.0" encoding="utf-8"?>
 <p:notes xmlns:a="http://schemas.openxmlformats.org/drawingml/2006/main" xmlns:r="http://schemas.openxmlformats.org/officeDocument/2006/relationships" xmlns:p="http://schemas.openxmlformats.org/presentationml/2006/main">
   <p:cSld>
@@ -11605,11 +11309,17 @@
         </p:spPr>
         <p:txBody>
           <a:bodyPr/>
-          <a:lstStyle/>
-          <a:p>
-            <a:fld id="{F2DB4AF8-CC16-4568-BB84-5D2ED33532A4}" type="datetime1">
+          <a:lstStyle>
+            <a:lvl1pPr>
+              <a:defRPr>
+                <a:latin typeface="Corbel" panose="020B0503020204020204" pitchFamily="34" charset="0"/>
+              </a:defRPr>
+            </a:lvl1pPr>
+          </a:lstStyle>
+          <a:p>
+            <a:fld id="{C2DEA8B0-7000-4F56-89DA-1A2E78E220B4}" type="datetime1">
               <a:rPr lang="fr-FR" smtClean="0"/>
-              <a:t>19/08/2021</a:t>
+              <a:t>15/06/2022</a:t>
             </a:fld>
             <a:endParaRPr lang="fr-FR" dirty="0"/>
           </a:p>
@@ -11632,7 +11342,7 @@
           <a:p>
             <a:r>
               <a:rPr lang="fr-FR" smtClean="0"/>
-              <a:t>F. Flamerie - Recherche doc - 2021-05-21</a:t>
+              <a:t>F. Flamerie - Recherche doc - 2022-05-03</a:t>
             </a:r>
             <a:endParaRPr lang="fr-FR"/>
           </a:p>
@@ -11787,13 +11497,19 @@
         </p:spPr>
         <p:txBody>
           <a:bodyPr/>
-          <a:lstStyle/>
-          <a:p>
-            <a:fld id="{35D10557-F6FF-418B-8C3B-D69736253EEE}" type="datetime1">
+          <a:lstStyle>
+            <a:lvl1pPr>
+              <a:defRPr>
+                <a:latin typeface="Corbel" panose="020B0503020204020204" pitchFamily="34" charset="0"/>
+              </a:defRPr>
+            </a:lvl1pPr>
+          </a:lstStyle>
+          <a:p>
+            <a:fld id="{B2329BA9-74B0-466E-A77B-208F66C250EC}" type="datetime1">
               <a:rPr lang="fr-FR" smtClean="0"/>
-              <a:t>19/08/2021</a:t>
+              <a:t>15/06/2022</a:t>
             </a:fld>
-            <a:endParaRPr lang="fr-FR"/>
+            <a:endParaRPr lang="fr-FR" dirty="0"/>
           </a:p>
         </p:txBody>
       </p:sp>
@@ -11814,7 +11530,7 @@
           <a:p>
             <a:r>
               <a:rPr lang="fr-FR" smtClean="0"/>
-              <a:t>F. Flamerie - Recherche doc - 2021-05-21</a:t>
+              <a:t>F. Flamerie - Recherche doc - 2022-05-03</a:t>
             </a:r>
             <a:endParaRPr lang="fr-FR"/>
           </a:p>
@@ -11979,13 +11695,19 @@
         </p:spPr>
         <p:txBody>
           <a:bodyPr/>
-          <a:lstStyle/>
-          <a:p>
-            <a:fld id="{4298F2D2-BAC5-4B31-92A7-3A9F599957FF}" type="datetime1">
+          <a:lstStyle>
+            <a:lvl1pPr>
+              <a:defRPr>
+                <a:latin typeface="Corbel" panose="020B0503020204020204" pitchFamily="34" charset="0"/>
+              </a:defRPr>
+            </a:lvl1pPr>
+          </a:lstStyle>
+          <a:p>
+            <a:fld id="{24D1E629-5F33-4529-9772-BE199F08EA72}" type="datetime1">
               <a:rPr lang="fr-FR" smtClean="0"/>
-              <a:t>19/08/2021</a:t>
+              <a:t>15/06/2022</a:t>
             </a:fld>
-            <a:endParaRPr lang="fr-FR"/>
+            <a:endParaRPr lang="fr-FR" dirty="0"/>
           </a:p>
         </p:txBody>
       </p:sp>
@@ -12006,7 +11728,7 @@
           <a:p>
             <a:r>
               <a:rPr lang="fr-FR" smtClean="0"/>
-              <a:t>F. Flamerie - Recherche doc - 2021-05-21</a:t>
+              <a:t>F. Flamerie - Recherche doc - 2022-05-03</a:t>
             </a:r>
             <a:endParaRPr lang="fr-FR"/>
           </a:p>
@@ -12207,9 +11929,9 @@
             </a:lvl1pPr>
           </a:lstStyle>
           <a:p>
-            <a:fld id="{BD25C4D5-A358-4C07-85C1-0DC146E28E02}" type="datetime1">
+            <a:fld id="{B5EC2883-D47A-4F5D-8057-23A534672283}" type="datetime1">
               <a:rPr lang="fr-FR" smtClean="0"/>
-              <a:t>19/08/2021</a:t>
+              <a:t>15/06/2022</a:t>
             </a:fld>
             <a:endParaRPr lang="fr-FR" dirty="0"/>
           </a:p>
@@ -12238,7 +11960,7 @@
           <a:p>
             <a:r>
               <a:rPr lang="fr-FR" smtClean="0"/>
-              <a:t>F. Flamerie - Recherche doc - 2021-05-21</a:t>
+              <a:t>F. Flamerie - Recherche doc - 2022-05-03</a:t>
             </a:r>
             <a:endParaRPr lang="fr-FR" dirty="0"/>
           </a:p>
@@ -12483,13 +12205,19 @@
         </p:spPr>
         <p:txBody>
           <a:bodyPr/>
-          <a:lstStyle/>
-          <a:p>
-            <a:fld id="{429C6858-7E28-4DEE-B271-B88FF53C2B7D}" type="datetime1">
+          <a:lstStyle>
+            <a:lvl1pPr>
+              <a:defRPr>
+                <a:latin typeface="Corbel" panose="020B0503020204020204" pitchFamily="34" charset="0"/>
+              </a:defRPr>
+            </a:lvl1pPr>
+          </a:lstStyle>
+          <a:p>
+            <a:fld id="{9E64C92B-9F9E-4295-9EAB-C3F443C285AC}" type="datetime1">
               <a:rPr lang="fr-FR" smtClean="0"/>
-              <a:t>19/08/2021</a:t>
+              <a:t>15/06/2022</a:t>
             </a:fld>
-            <a:endParaRPr lang="fr-FR"/>
+            <a:endParaRPr lang="fr-FR" dirty="0"/>
           </a:p>
         </p:txBody>
       </p:sp>
@@ -12510,7 +12238,7 @@
           <a:p>
             <a:r>
               <a:rPr lang="fr-FR" smtClean="0"/>
-              <a:t>F. Flamerie - Recherche doc - 2021-05-21</a:t>
+              <a:t>F. Flamerie - Recherche doc - 2022-05-03</a:t>
             </a:r>
             <a:endParaRPr lang="fr-FR"/>
           </a:p>
@@ -12791,13 +12519,19 @@
         </p:spPr>
         <p:txBody>
           <a:bodyPr/>
-          <a:lstStyle/>
-          <a:p>
-            <a:fld id="{99A929CE-94FE-47F0-A6EC-7080CC6AFEDA}" type="datetime1">
+          <a:lstStyle>
+            <a:lvl1pPr>
+              <a:defRPr>
+                <a:latin typeface="Corbel" panose="020B0503020204020204" pitchFamily="34" charset="0"/>
+              </a:defRPr>
+            </a:lvl1pPr>
+          </a:lstStyle>
+          <a:p>
+            <a:fld id="{B667F2F6-99F8-4B20-A640-51FA4449DC35}" type="datetime1">
               <a:rPr lang="fr-FR" smtClean="0"/>
-              <a:t>19/08/2021</a:t>
+              <a:t>15/06/2022</a:t>
             </a:fld>
-            <a:endParaRPr lang="fr-FR"/>
+            <a:endParaRPr lang="fr-FR" dirty="0"/>
           </a:p>
         </p:txBody>
       </p:sp>
@@ -12818,7 +12552,7 @@
           <a:p>
             <a:r>
               <a:rPr lang="fr-FR" smtClean="0"/>
-              <a:t>F. Flamerie - Recherche doc - 2021-05-21</a:t>
+              <a:t>F. Flamerie - Recherche doc - 2022-05-03</a:t>
             </a:r>
             <a:endParaRPr lang="fr-FR"/>
           </a:p>
@@ -13170,13 +12904,19 @@
         </p:spPr>
         <p:txBody>
           <a:bodyPr/>
-          <a:lstStyle/>
-          <a:p>
-            <a:fld id="{B281ED96-E015-4B17-968A-6CA970AD9ABB}" type="datetime1">
+          <a:lstStyle>
+            <a:lvl1pPr>
+              <a:defRPr>
+                <a:latin typeface="Corbel" panose="020B0503020204020204" pitchFamily="34" charset="0"/>
+              </a:defRPr>
+            </a:lvl1pPr>
+          </a:lstStyle>
+          <a:p>
+            <a:fld id="{124744AC-22DA-48D9-8DB9-BCBA16F3CE5B}" type="datetime1">
               <a:rPr lang="fr-FR" smtClean="0"/>
-              <a:t>19/08/2021</a:t>
+              <a:t>15/06/2022</a:t>
             </a:fld>
-            <a:endParaRPr lang="fr-FR"/>
+            <a:endParaRPr lang="fr-FR" dirty="0"/>
           </a:p>
         </p:txBody>
       </p:sp>
@@ -13197,7 +12937,7 @@
           <a:p>
             <a:r>
               <a:rPr lang="fr-FR" smtClean="0"/>
-              <a:t>F. Flamerie - Recherche doc - 2021-05-21</a:t>
+              <a:t>F. Flamerie - Recherche doc - 2022-05-03</a:t>
             </a:r>
             <a:endParaRPr lang="fr-FR"/>
           </a:p>
@@ -13300,13 +13040,19 @@
         </p:spPr>
         <p:txBody>
           <a:bodyPr/>
-          <a:lstStyle/>
-          <a:p>
-            <a:fld id="{9C6996D0-35E3-4943-B722-6216173D4E8A}" type="datetime1">
+          <a:lstStyle>
+            <a:lvl1pPr>
+              <a:defRPr>
+                <a:latin typeface="Corbel" panose="020B0503020204020204" pitchFamily="34" charset="0"/>
+              </a:defRPr>
+            </a:lvl1pPr>
+          </a:lstStyle>
+          <a:p>
+            <a:fld id="{E90A50AD-2EC6-4145-A85A-5061A8C2B478}" type="datetime1">
               <a:rPr lang="fr-FR" smtClean="0"/>
-              <a:t>19/08/2021</a:t>
+              <a:t>15/06/2022</a:t>
             </a:fld>
-            <a:endParaRPr lang="fr-FR"/>
+            <a:endParaRPr lang="fr-FR" dirty="0"/>
           </a:p>
         </p:txBody>
       </p:sp>
@@ -13327,7 +13073,7 @@
           <a:p>
             <a:r>
               <a:rPr lang="fr-FR" smtClean="0"/>
-              <a:t>F. Flamerie - Recherche doc - 2021-05-21</a:t>
+              <a:t>F. Flamerie - Recherche doc - 2022-05-03</a:t>
             </a:r>
             <a:endParaRPr lang="fr-FR"/>
           </a:p>
@@ -13407,13 +13153,19 @@
         </p:spPr>
         <p:txBody>
           <a:bodyPr/>
-          <a:lstStyle/>
-          <a:p>
-            <a:fld id="{4AE1D80E-471E-4BB3-A9E7-E7B443BCD791}" type="datetime1">
+          <a:lstStyle>
+            <a:lvl1pPr>
+              <a:defRPr>
+                <a:latin typeface="Corbel" panose="020B0503020204020204" pitchFamily="34" charset="0"/>
+              </a:defRPr>
+            </a:lvl1pPr>
+          </a:lstStyle>
+          <a:p>
+            <a:fld id="{AA062374-8034-4126-9AA3-C55F528380D6}" type="datetime1">
               <a:rPr lang="fr-FR" smtClean="0"/>
-              <a:t>19/08/2021</a:t>
+              <a:t>15/06/2022</a:t>
             </a:fld>
-            <a:endParaRPr lang="fr-FR"/>
+            <a:endParaRPr lang="fr-FR" dirty="0"/>
           </a:p>
         </p:txBody>
       </p:sp>
@@ -13434,7 +13186,7 @@
           <a:p>
             <a:r>
               <a:rPr lang="fr-FR" smtClean="0"/>
-              <a:t>F. Flamerie - Recherche doc - 2021-05-21</a:t>
+              <a:t>F. Flamerie - Recherche doc - 2022-05-03</a:t>
             </a:r>
             <a:endParaRPr lang="fr-FR"/>
           </a:p>
@@ -13696,13 +13448,19 @@
         </p:spPr>
         <p:txBody>
           <a:bodyPr/>
-          <a:lstStyle/>
-          <a:p>
-            <a:fld id="{A1FB160F-29DF-4220-ADD4-9371AA6C75BA}" type="datetime1">
+          <a:lstStyle>
+            <a:lvl1pPr>
+              <a:defRPr>
+                <a:latin typeface="Corbel" panose="020B0503020204020204" pitchFamily="34" charset="0"/>
+              </a:defRPr>
+            </a:lvl1pPr>
+          </a:lstStyle>
+          <a:p>
+            <a:fld id="{E4C50021-1119-4141-AC89-B6C015653AFA}" type="datetime1">
               <a:rPr lang="fr-FR" smtClean="0"/>
-              <a:t>19/08/2021</a:t>
+              <a:t>15/06/2022</a:t>
             </a:fld>
-            <a:endParaRPr lang="fr-FR"/>
+            <a:endParaRPr lang="fr-FR" dirty="0"/>
           </a:p>
         </p:txBody>
       </p:sp>
@@ -13723,7 +13481,7 @@
           <a:p>
             <a:r>
               <a:rPr lang="fr-FR" smtClean="0"/>
-              <a:t>F. Flamerie - Recherche doc - 2021-05-21</a:t>
+              <a:t>F. Flamerie - Recherche doc - 2022-05-03</a:t>
             </a:r>
             <a:endParaRPr lang="fr-FR"/>
           </a:p>
@@ -13961,13 +13719,19 @@
         </p:spPr>
         <p:txBody>
           <a:bodyPr/>
-          <a:lstStyle/>
-          <a:p>
-            <a:fld id="{E22FD93A-F1F6-44E8-94EE-CC449D26E4AE}" type="datetime1">
+          <a:lstStyle>
+            <a:lvl1pPr>
+              <a:defRPr>
+                <a:latin typeface="Corbel" panose="020B0503020204020204" pitchFamily="34" charset="0"/>
+              </a:defRPr>
+            </a:lvl1pPr>
+          </a:lstStyle>
+          <a:p>
+            <a:fld id="{F56F4C1B-4C2B-48C6-A443-C631AB0E77AC}" type="datetime1">
               <a:rPr lang="fr-FR" smtClean="0"/>
-              <a:t>19/08/2021</a:t>
+              <a:t>15/06/2022</a:t>
             </a:fld>
-            <a:endParaRPr lang="fr-FR"/>
+            <a:endParaRPr lang="fr-FR" dirty="0"/>
           </a:p>
         </p:txBody>
       </p:sp>
@@ -13988,7 +13752,7 @@
           <a:p>
             <a:r>
               <a:rPr lang="fr-FR" smtClean="0"/>
-              <a:t>F. Flamerie - Recherche doc - 2021-05-21</a:t>
+              <a:t>F. Flamerie - Recherche doc - 2022-05-03</a:t>
             </a:r>
             <a:endParaRPr lang="fr-FR"/>
           </a:p>
@@ -14176,15 +13940,16 @@
                     <a:tint val="75000"/>
                   </a:schemeClr>
                 </a:solidFill>
+                <a:latin typeface="Corbel" panose="020B0503020204020204" pitchFamily="34" charset="0"/>
               </a:defRPr>
             </a:lvl1pPr>
           </a:lstStyle>
           <a:p>
             <a:r>
-              <a:rPr lang="fr-FR" smtClean="0"/>
-              <a:t>F. Flamerie - Recherche doc - 2021-05-21</a:t>
-            </a:r>
-            <a:endParaRPr lang="fr-FR"/>
+              <a:rPr lang="fr-FR" dirty="0" smtClean="0"/>
+              <a:t>F. Flamerie - Recherche doc - 2022-05-03</a:t>
+            </a:r>
+            <a:endParaRPr lang="fr-FR" dirty="0"/>
           </a:p>
         </p:txBody>
       </p:sp>
@@ -14217,15 +13982,17 @@
                     <a:tint val="75000"/>
                   </a:schemeClr>
                 </a:solidFill>
+                <a:latin typeface="Corbel" panose="020B0503020204020204" pitchFamily="34" charset="0"/>
               </a:defRPr>
             </a:lvl1pPr>
           </a:lstStyle>
           <a:p>
             <a:fld id="{99E13252-68E5-4994-B57B-B03F39B52C7D}" type="slidenum">
               <a:rPr lang="fr-FR" smtClean="0"/>
+              <a:pPr/>
               <a:t>‹N°›</a:t>
             </a:fld>
-            <a:endParaRPr lang="fr-FR"/>
+            <a:endParaRPr lang="fr-FR" dirty="0"/>
           </a:p>
         </p:txBody>
       </p:sp>
@@ -14628,8 +14395,8 @@
         </p:nvSpPr>
         <p:spPr bwMode="auto">
           <a:xfrm>
-            <a:off x="953729" y="-228600"/>
-            <a:ext cx="12192000" cy="457200"/>
+            <a:off x="953729" y="-184666"/>
+            <a:ext cx="184731" cy="369332"/>
           </a:xfrm>
           <a:prstGeom prst="rect">
             <a:avLst/>
@@ -14677,7 +14444,9 @@
           </a:bodyPr>
           <a:lstStyle/>
           <a:p>
-            <a:endParaRPr lang="fr-FR"/>
+            <a:endParaRPr lang="fr-FR" dirty="0">
+              <a:latin typeface="Corbel" panose="020B0503020204020204" pitchFamily="34" charset="0"/>
+            </a:endParaRPr>
           </a:p>
         </p:txBody>
       </p:sp>
@@ -15211,7 +14980,7 @@
             </a:pPr>
             <a:r>
               <a:rPr lang="fr-FR" smtClean="0"/>
-              <a:t>F. Flamerie - Recherche doc - 2021-05-21</a:t>
+              <a:t>F. Flamerie - Recherche doc - 2022-05-03</a:t>
             </a:r>
             <a:endParaRPr lang="fr-FR" dirty="0"/>
           </a:p>
@@ -15757,7 +15526,7 @@
                 <a:solidFill>
                   <a:prstClr val="black"/>
                 </a:solidFill>
-                <a:latin typeface="Calibri" panose="020F0502020204030204"/>
+                <a:latin typeface="Corbel" panose="020B0503020204020204" pitchFamily="34" charset="0"/>
               </a:endParaRPr>
             </a:p>
           </p:txBody>
@@ -15979,7 +15748,7 @@
                 <a:solidFill>
                   <a:prstClr val="black"/>
                 </a:solidFill>
-                <a:latin typeface="Calibri" panose="020F0502020204030204"/>
+                <a:latin typeface="Corbel" panose="020B0503020204020204" pitchFamily="34" charset="0"/>
               </a:endParaRPr>
             </a:p>
           </p:txBody>
@@ -16289,7 +16058,7 @@
             </a:pPr>
             <a:r>
               <a:rPr lang="fr-FR" smtClean="0"/>
-              <a:t>F. Flamerie - Recherche doc - 2021-05-21</a:t>
+              <a:t>F. Flamerie - Recherche doc - 2022-05-03</a:t>
             </a:r>
             <a:endParaRPr lang="fr-FR" dirty="0"/>
           </a:p>
@@ -16506,7 +16275,7 @@
             </a:pPr>
             <a:r>
               <a:rPr lang="fr-FR" smtClean="0"/>
-              <a:t>F. Flamerie - Recherche doc - 2021-05-21</a:t>
+              <a:t>F. Flamerie - Recherche doc - 2022-05-03</a:t>
             </a:r>
             <a:endParaRPr lang="fr-FR" dirty="0"/>
           </a:p>
@@ -16645,7 +16414,7 @@
           <a:p>
             <a:r>
               <a:rPr lang="fr-FR" smtClean="0"/>
-              <a:t>F. Flamerie - Recherche doc - 2021-05-21</a:t>
+              <a:t>F. Flamerie - Recherche doc - 2022-05-03</a:t>
             </a:r>
             <a:endParaRPr lang="fr-FR" dirty="0"/>
           </a:p>
@@ -16747,7 +16516,7 @@
                 <a:tabLst/>
                 <a:defRPr/>
               </a:pPr>
-              <a:endParaRPr kumimoji="0" lang="fr-FR" sz="1800" b="0" i="0" u="none" strike="noStrike" kern="1200" cap="none" spc="0" normalizeH="0" baseline="0" noProof="0">
+              <a:endParaRPr kumimoji="0" lang="fr-FR" sz="1800" b="0" i="0" u="none" strike="noStrike" kern="1200" cap="none" spc="0" normalizeH="0" baseline="0" noProof="0" dirty="0">
                 <a:ln>
                   <a:noFill/>
                 </a:ln>
@@ -16757,7 +16526,7 @@
                 <a:effectLst/>
                 <a:uLnTx/>
                 <a:uFillTx/>
-                <a:latin typeface="Calibri" panose="020F0502020204030204"/>
+                <a:latin typeface="Corbel" panose="020B0503020204020204" pitchFamily="34" charset="0"/>
                 <a:ea typeface="+mn-ea"/>
                 <a:cs typeface="+mn-cs"/>
               </a:endParaRPr>
@@ -16813,7 +16582,7 @@
                 <a:tabLst/>
                 <a:defRPr/>
               </a:pPr>
-              <a:endParaRPr kumimoji="0" lang="fr-FR" sz="1800" b="0" i="0" u="none" strike="noStrike" kern="1200" cap="none" spc="0" normalizeH="0" baseline="0" noProof="0">
+              <a:endParaRPr kumimoji="0" lang="fr-FR" sz="1800" b="0" i="0" u="none" strike="noStrike" kern="1200" cap="none" spc="0" normalizeH="0" baseline="0" noProof="0" dirty="0">
                 <a:ln>
                   <a:noFill/>
                 </a:ln>
@@ -16823,7 +16592,7 @@
                 <a:effectLst/>
                 <a:uLnTx/>
                 <a:uFillTx/>
-                <a:latin typeface="Calibri" panose="020F0502020204030204"/>
+                <a:latin typeface="Corbel" panose="020B0503020204020204" pitchFamily="34" charset="0"/>
                 <a:ea typeface="+mn-ea"/>
                 <a:cs typeface="+mn-cs"/>
               </a:endParaRPr>
@@ -16879,7 +16648,7 @@
                 <a:tabLst/>
                 <a:defRPr/>
               </a:pPr>
-              <a:endParaRPr kumimoji="0" lang="fr-FR" sz="1800" b="0" i="0" u="none" strike="noStrike" kern="1200" cap="none" spc="0" normalizeH="0" baseline="0" noProof="0">
+              <a:endParaRPr kumimoji="0" lang="fr-FR" sz="1800" b="0" i="0" u="none" strike="noStrike" kern="1200" cap="none" spc="0" normalizeH="0" baseline="0" noProof="0" dirty="0">
                 <a:ln>
                   <a:noFill/>
                 </a:ln>
@@ -16889,7 +16658,7 @@
                 <a:effectLst/>
                 <a:uLnTx/>
                 <a:uFillTx/>
-                <a:latin typeface="Calibri" panose="020F0502020204030204"/>
+                <a:latin typeface="Corbel" panose="020B0503020204020204" pitchFamily="34" charset="0"/>
                 <a:ea typeface="+mn-ea"/>
                 <a:cs typeface="+mn-cs"/>
               </a:endParaRPr>
@@ -16945,7 +16714,7 @@
                 <a:tabLst/>
                 <a:defRPr/>
               </a:pPr>
-              <a:endParaRPr kumimoji="0" lang="fr-FR" sz="1800" b="0" i="0" u="none" strike="noStrike" kern="1200" cap="none" spc="0" normalizeH="0" baseline="0" noProof="0">
+              <a:endParaRPr kumimoji="0" lang="fr-FR" sz="1800" b="0" i="0" u="none" strike="noStrike" kern="1200" cap="none" spc="0" normalizeH="0" baseline="0" noProof="0" dirty="0">
                 <a:ln>
                   <a:noFill/>
                 </a:ln>
@@ -16955,7 +16724,7 @@
                 <a:effectLst/>
                 <a:uLnTx/>
                 <a:uFillTx/>
-                <a:latin typeface="Calibri" panose="020F0502020204030204"/>
+                <a:latin typeface="Corbel" panose="020B0503020204020204" pitchFamily="34" charset="0"/>
                 <a:ea typeface="+mn-ea"/>
                 <a:cs typeface="+mn-cs"/>
               </a:endParaRPr>
@@ -17011,7 +16780,7 @@
                 <a:tabLst/>
                 <a:defRPr/>
               </a:pPr>
-              <a:endParaRPr kumimoji="0" lang="fr-FR" sz="1800" b="0" i="0" u="none" strike="noStrike" kern="1200" cap="none" spc="0" normalizeH="0" baseline="0" noProof="0">
+              <a:endParaRPr kumimoji="0" lang="fr-FR" sz="1800" b="0" i="0" u="none" strike="noStrike" kern="1200" cap="none" spc="0" normalizeH="0" baseline="0" noProof="0" dirty="0">
                 <a:ln>
                   <a:noFill/>
                 </a:ln>
@@ -17021,7 +16790,7 @@
                 <a:effectLst/>
                 <a:uLnTx/>
                 <a:uFillTx/>
-                <a:latin typeface="Calibri" panose="020F0502020204030204"/>
+                <a:latin typeface="Corbel" panose="020B0503020204020204" pitchFamily="34" charset="0"/>
                 <a:ea typeface="+mn-ea"/>
                 <a:cs typeface="+mn-cs"/>
               </a:endParaRPr>
@@ -17077,7 +16846,7 @@
                 <a:tabLst/>
                 <a:defRPr/>
               </a:pPr>
-              <a:endParaRPr kumimoji="0" lang="fr-FR" sz="1800" b="0" i="0" u="none" strike="noStrike" kern="1200" cap="none" spc="0" normalizeH="0" baseline="0" noProof="0">
+              <a:endParaRPr kumimoji="0" lang="fr-FR" sz="1800" b="0" i="0" u="none" strike="noStrike" kern="1200" cap="none" spc="0" normalizeH="0" baseline="0" noProof="0" dirty="0">
                 <a:ln>
                   <a:noFill/>
                 </a:ln>
@@ -17087,7 +16856,7 @@
                 <a:effectLst/>
                 <a:uLnTx/>
                 <a:uFillTx/>
-                <a:latin typeface="Calibri" panose="020F0502020204030204"/>
+                <a:latin typeface="Corbel" panose="020B0503020204020204" pitchFamily="34" charset="0"/>
                 <a:ea typeface="+mn-ea"/>
                 <a:cs typeface="+mn-cs"/>
               </a:endParaRPr>
@@ -17143,7 +16912,7 @@
                 <a:tabLst/>
                 <a:defRPr/>
               </a:pPr>
-              <a:endParaRPr kumimoji="0" lang="fr-FR" sz="1800" b="0" i="0" u="none" strike="noStrike" kern="1200" cap="none" spc="0" normalizeH="0" baseline="0" noProof="0">
+              <a:endParaRPr kumimoji="0" lang="fr-FR" sz="1800" b="0" i="0" u="none" strike="noStrike" kern="1200" cap="none" spc="0" normalizeH="0" baseline="0" noProof="0" dirty="0">
                 <a:ln>
                   <a:noFill/>
                 </a:ln>
@@ -17153,7 +16922,7 @@
                 <a:effectLst/>
                 <a:uLnTx/>
                 <a:uFillTx/>
-                <a:latin typeface="Calibri" panose="020F0502020204030204"/>
+                <a:latin typeface="Corbel" panose="020B0503020204020204" pitchFamily="34" charset="0"/>
                 <a:ea typeface="+mn-ea"/>
                 <a:cs typeface="+mn-cs"/>
               </a:endParaRPr>
@@ -17209,7 +16978,7 @@
                 <a:tabLst/>
                 <a:defRPr/>
               </a:pPr>
-              <a:endParaRPr kumimoji="0" lang="fr-FR" sz="1800" b="0" i="0" u="none" strike="noStrike" kern="1200" cap="none" spc="0" normalizeH="0" baseline="0" noProof="0">
+              <a:endParaRPr kumimoji="0" lang="fr-FR" sz="1800" b="0" i="0" u="none" strike="noStrike" kern="1200" cap="none" spc="0" normalizeH="0" baseline="0" noProof="0" dirty="0">
                 <a:ln>
                   <a:noFill/>
                 </a:ln>
@@ -17219,7 +16988,7 @@
                 <a:effectLst/>
                 <a:uLnTx/>
                 <a:uFillTx/>
-                <a:latin typeface="Calibri" panose="020F0502020204030204"/>
+                <a:latin typeface="Corbel" panose="020B0503020204020204" pitchFamily="34" charset="0"/>
                 <a:ea typeface="+mn-ea"/>
                 <a:cs typeface="+mn-cs"/>
               </a:endParaRPr>
@@ -17275,7 +17044,7 @@
                 <a:tabLst/>
                 <a:defRPr/>
               </a:pPr>
-              <a:endParaRPr kumimoji="0" lang="fr-FR" sz="1800" b="0" i="0" u="none" strike="noStrike" kern="1200" cap="none" spc="0" normalizeH="0" baseline="0" noProof="0">
+              <a:endParaRPr kumimoji="0" lang="fr-FR" sz="1800" b="0" i="0" u="none" strike="noStrike" kern="1200" cap="none" spc="0" normalizeH="0" baseline="0" noProof="0" dirty="0">
                 <a:ln>
                   <a:noFill/>
                 </a:ln>
@@ -17285,7 +17054,7 @@
                 <a:effectLst/>
                 <a:uLnTx/>
                 <a:uFillTx/>
-                <a:latin typeface="Calibri" panose="020F0502020204030204"/>
+                <a:latin typeface="Corbel" panose="020B0503020204020204" pitchFamily="34" charset="0"/>
                 <a:ea typeface="+mn-ea"/>
                 <a:cs typeface="+mn-cs"/>
               </a:endParaRPr>
@@ -17341,7 +17110,7 @@
                 <a:tabLst/>
                 <a:defRPr/>
               </a:pPr>
-              <a:endParaRPr kumimoji="0" lang="fr-FR" sz="1800" b="0" i="0" u="none" strike="noStrike" kern="1200" cap="none" spc="0" normalizeH="0" baseline="0" noProof="0">
+              <a:endParaRPr kumimoji="0" lang="fr-FR" sz="1800" b="0" i="0" u="none" strike="noStrike" kern="1200" cap="none" spc="0" normalizeH="0" baseline="0" noProof="0" dirty="0">
                 <a:ln>
                   <a:noFill/>
                 </a:ln>
@@ -17351,7 +17120,7 @@
                 <a:effectLst/>
                 <a:uLnTx/>
                 <a:uFillTx/>
-                <a:latin typeface="Calibri" panose="020F0502020204030204"/>
+                <a:latin typeface="Corbel" panose="020B0503020204020204" pitchFamily="34" charset="0"/>
                 <a:ea typeface="+mn-ea"/>
                 <a:cs typeface="+mn-cs"/>
               </a:endParaRPr>
@@ -17407,7 +17176,7 @@
                 <a:tabLst/>
                 <a:defRPr/>
               </a:pPr>
-              <a:endParaRPr kumimoji="0" lang="fr-FR" sz="1800" b="0" i="0" u="none" strike="noStrike" kern="1200" cap="none" spc="0" normalizeH="0" baseline="0" noProof="0">
+              <a:endParaRPr kumimoji="0" lang="fr-FR" sz="1800" b="0" i="0" u="none" strike="noStrike" kern="1200" cap="none" spc="0" normalizeH="0" baseline="0" noProof="0" dirty="0">
                 <a:ln>
                   <a:noFill/>
                 </a:ln>
@@ -17417,7 +17186,7 @@
                 <a:effectLst/>
                 <a:uLnTx/>
                 <a:uFillTx/>
-                <a:latin typeface="Calibri" panose="020F0502020204030204"/>
+                <a:latin typeface="Corbel" panose="020B0503020204020204" pitchFamily="34" charset="0"/>
                 <a:ea typeface="+mn-ea"/>
                 <a:cs typeface="+mn-cs"/>
               </a:endParaRPr>
@@ -17473,7 +17242,7 @@
                 <a:tabLst/>
                 <a:defRPr/>
               </a:pPr>
-              <a:endParaRPr kumimoji="0" lang="fr-FR" sz="1800" b="0" i="0" u="none" strike="noStrike" kern="1200" cap="none" spc="0" normalizeH="0" baseline="0" noProof="0">
+              <a:endParaRPr kumimoji="0" lang="fr-FR" sz="1800" b="0" i="0" u="none" strike="noStrike" kern="1200" cap="none" spc="0" normalizeH="0" baseline="0" noProof="0" dirty="0">
                 <a:ln>
                   <a:noFill/>
                 </a:ln>
@@ -17483,7 +17252,7 @@
                 <a:effectLst/>
                 <a:uLnTx/>
                 <a:uFillTx/>
-                <a:latin typeface="Calibri" panose="020F0502020204030204"/>
+                <a:latin typeface="Corbel" panose="020B0503020204020204" pitchFamily="34" charset="0"/>
                 <a:ea typeface="+mn-ea"/>
                 <a:cs typeface="+mn-cs"/>
               </a:endParaRPr>
@@ -17539,7 +17308,7 @@
                 <a:tabLst/>
                 <a:defRPr/>
               </a:pPr>
-              <a:endParaRPr kumimoji="0" lang="fr-FR" sz="1800" b="0" i="0" u="none" strike="noStrike" kern="1200" cap="none" spc="0" normalizeH="0" baseline="0" noProof="0">
+              <a:endParaRPr kumimoji="0" lang="fr-FR" sz="1800" b="0" i="0" u="none" strike="noStrike" kern="1200" cap="none" spc="0" normalizeH="0" baseline="0" noProof="0" dirty="0">
                 <a:ln>
                   <a:noFill/>
                 </a:ln>
@@ -17549,7 +17318,7 @@
                 <a:effectLst/>
                 <a:uLnTx/>
                 <a:uFillTx/>
-                <a:latin typeface="Calibri" panose="020F0502020204030204"/>
+                <a:latin typeface="Corbel" panose="020B0503020204020204" pitchFamily="34" charset="0"/>
                 <a:ea typeface="+mn-ea"/>
                 <a:cs typeface="+mn-cs"/>
               </a:endParaRPr>
@@ -17605,7 +17374,7 @@
                 <a:tabLst/>
                 <a:defRPr/>
               </a:pPr>
-              <a:endParaRPr kumimoji="0" lang="fr-FR" sz="1800" b="0" i="0" u="none" strike="noStrike" kern="1200" cap="none" spc="0" normalizeH="0" baseline="0" noProof="0">
+              <a:endParaRPr kumimoji="0" lang="fr-FR" sz="1800" b="0" i="0" u="none" strike="noStrike" kern="1200" cap="none" spc="0" normalizeH="0" baseline="0" noProof="0" dirty="0">
                 <a:ln>
                   <a:noFill/>
                 </a:ln>
@@ -17615,7 +17384,7 @@
                 <a:effectLst/>
                 <a:uLnTx/>
                 <a:uFillTx/>
-                <a:latin typeface="Calibri" panose="020F0502020204030204"/>
+                <a:latin typeface="Corbel" panose="020B0503020204020204" pitchFamily="34" charset="0"/>
                 <a:ea typeface="+mn-ea"/>
                 <a:cs typeface="+mn-cs"/>
               </a:endParaRPr>
@@ -17671,7 +17440,7 @@
                 <a:tabLst/>
                 <a:defRPr/>
               </a:pPr>
-              <a:endParaRPr kumimoji="0" lang="fr-FR" sz="1800" b="0" i="0" u="none" strike="noStrike" kern="1200" cap="none" spc="0" normalizeH="0" baseline="0" noProof="0">
+              <a:endParaRPr kumimoji="0" lang="fr-FR" sz="1800" b="0" i="0" u="none" strike="noStrike" kern="1200" cap="none" spc="0" normalizeH="0" baseline="0" noProof="0" dirty="0">
                 <a:ln>
                   <a:noFill/>
                 </a:ln>
@@ -17681,7 +17450,7 @@
                 <a:effectLst/>
                 <a:uLnTx/>
                 <a:uFillTx/>
-                <a:latin typeface="Calibri" panose="020F0502020204030204"/>
+                <a:latin typeface="Corbel" panose="020B0503020204020204" pitchFamily="34" charset="0"/>
                 <a:ea typeface="+mn-ea"/>
                 <a:cs typeface="+mn-cs"/>
               </a:endParaRPr>
@@ -17737,7 +17506,7 @@
                 <a:tabLst/>
                 <a:defRPr/>
               </a:pPr>
-              <a:endParaRPr kumimoji="0" lang="fr-FR" sz="1800" b="0" i="0" u="none" strike="noStrike" kern="1200" cap="none" spc="0" normalizeH="0" baseline="0" noProof="0">
+              <a:endParaRPr kumimoji="0" lang="fr-FR" sz="1800" b="0" i="0" u="none" strike="noStrike" kern="1200" cap="none" spc="0" normalizeH="0" baseline="0" noProof="0" dirty="0">
                 <a:ln>
                   <a:noFill/>
                 </a:ln>
@@ -17747,7 +17516,7 @@
                 <a:effectLst/>
                 <a:uLnTx/>
                 <a:uFillTx/>
-                <a:latin typeface="Calibri" panose="020F0502020204030204"/>
+                <a:latin typeface="Corbel" panose="020B0503020204020204" pitchFamily="34" charset="0"/>
                 <a:ea typeface="+mn-ea"/>
                 <a:cs typeface="+mn-cs"/>
               </a:endParaRPr>
@@ -17803,7 +17572,7 @@
                 <a:tabLst/>
                 <a:defRPr/>
               </a:pPr>
-              <a:endParaRPr kumimoji="0" lang="fr-FR" sz="1800" b="0" i="0" u="none" strike="noStrike" kern="1200" cap="none" spc="0" normalizeH="0" baseline="0" noProof="0">
+              <a:endParaRPr kumimoji="0" lang="fr-FR" sz="1800" b="0" i="0" u="none" strike="noStrike" kern="1200" cap="none" spc="0" normalizeH="0" baseline="0" noProof="0" dirty="0">
                 <a:ln>
                   <a:noFill/>
                 </a:ln>
@@ -17813,7 +17582,7 @@
                 <a:effectLst/>
                 <a:uLnTx/>
                 <a:uFillTx/>
-                <a:latin typeface="Calibri" panose="020F0502020204030204"/>
+                <a:latin typeface="Corbel" panose="020B0503020204020204" pitchFamily="34" charset="0"/>
                 <a:ea typeface="+mn-ea"/>
                 <a:cs typeface="+mn-cs"/>
               </a:endParaRPr>
@@ -18148,7 +17917,7 @@
                 <a:tabLst/>
                 <a:defRPr/>
               </a:pPr>
-              <a:endParaRPr kumimoji="0" lang="fr-FR" sz="1800" b="0" i="0" u="none" strike="noStrike" kern="1200" cap="none" spc="0" normalizeH="0" baseline="0" noProof="0">
+              <a:endParaRPr kumimoji="0" lang="fr-FR" sz="1800" b="0" i="0" u="none" strike="noStrike" kern="1200" cap="none" spc="0" normalizeH="0" baseline="0" noProof="0" dirty="0">
                 <a:ln>
                   <a:noFill/>
                 </a:ln>
@@ -18158,7 +17927,7 @@
                 <a:effectLst/>
                 <a:uLnTx/>
                 <a:uFillTx/>
-                <a:latin typeface="Calibri" panose="020F0502020204030204"/>
+                <a:latin typeface="Corbel" panose="020B0503020204020204" pitchFamily="34" charset="0"/>
                 <a:ea typeface="+mn-ea"/>
                 <a:cs typeface="+mn-cs"/>
               </a:endParaRPr>
@@ -18214,7 +17983,7 @@
                 <a:tabLst/>
                 <a:defRPr/>
               </a:pPr>
-              <a:endParaRPr kumimoji="0" lang="fr-FR" sz="1800" b="0" i="0" u="none" strike="noStrike" kern="1200" cap="none" spc="0" normalizeH="0" baseline="0" noProof="0">
+              <a:endParaRPr kumimoji="0" lang="fr-FR" sz="1800" b="0" i="0" u="none" strike="noStrike" kern="1200" cap="none" spc="0" normalizeH="0" baseline="0" noProof="0" dirty="0">
                 <a:ln>
                   <a:noFill/>
                 </a:ln>
@@ -18224,7 +17993,7 @@
                 <a:effectLst/>
                 <a:uLnTx/>
                 <a:uFillTx/>
-                <a:latin typeface="Calibri" panose="020F0502020204030204"/>
+                <a:latin typeface="Corbel" panose="020B0503020204020204" pitchFamily="34" charset="0"/>
                 <a:ea typeface="+mn-ea"/>
                 <a:cs typeface="+mn-cs"/>
               </a:endParaRPr>
@@ -18280,7 +18049,7 @@
                 <a:tabLst/>
                 <a:defRPr/>
               </a:pPr>
-              <a:endParaRPr kumimoji="0" lang="fr-FR" sz="1800" b="0" i="0" u="none" strike="noStrike" kern="1200" cap="none" spc="0" normalizeH="0" baseline="0" noProof="0">
+              <a:endParaRPr kumimoji="0" lang="fr-FR" sz="1800" b="0" i="0" u="none" strike="noStrike" kern="1200" cap="none" spc="0" normalizeH="0" baseline="0" noProof="0" dirty="0">
                 <a:ln>
                   <a:noFill/>
                 </a:ln>
@@ -18290,7 +18059,7 @@
                 <a:effectLst/>
                 <a:uLnTx/>
                 <a:uFillTx/>
-                <a:latin typeface="Calibri" panose="020F0502020204030204"/>
+                <a:latin typeface="Corbel" panose="020B0503020204020204" pitchFamily="34" charset="0"/>
                 <a:ea typeface="+mn-ea"/>
                 <a:cs typeface="+mn-cs"/>
               </a:endParaRPr>
@@ -18346,7 +18115,7 @@
                 <a:tabLst/>
                 <a:defRPr/>
               </a:pPr>
-              <a:endParaRPr kumimoji="0" lang="fr-FR" sz="1800" b="0" i="0" u="none" strike="noStrike" kern="1200" cap="none" spc="0" normalizeH="0" baseline="0" noProof="0">
+              <a:endParaRPr kumimoji="0" lang="fr-FR" sz="1800" b="0" i="0" u="none" strike="noStrike" kern="1200" cap="none" spc="0" normalizeH="0" baseline="0" noProof="0" dirty="0">
                 <a:ln>
                   <a:noFill/>
                 </a:ln>
@@ -18356,7 +18125,7 @@
                 <a:effectLst/>
                 <a:uLnTx/>
                 <a:uFillTx/>
-                <a:latin typeface="Calibri" panose="020F0502020204030204"/>
+                <a:latin typeface="Corbel" panose="020B0503020204020204" pitchFamily="34" charset="0"/>
                 <a:ea typeface="+mn-ea"/>
                 <a:cs typeface="+mn-cs"/>
               </a:endParaRPr>
@@ -18412,7 +18181,7 @@
                 <a:tabLst/>
                 <a:defRPr/>
               </a:pPr>
-              <a:endParaRPr kumimoji="0" lang="fr-FR" sz="1800" b="0" i="0" u="none" strike="noStrike" kern="1200" cap="none" spc="0" normalizeH="0" baseline="0" noProof="0">
+              <a:endParaRPr kumimoji="0" lang="fr-FR" sz="1800" b="0" i="0" u="none" strike="noStrike" kern="1200" cap="none" spc="0" normalizeH="0" baseline="0" noProof="0" dirty="0">
                 <a:ln>
                   <a:noFill/>
                 </a:ln>
@@ -18422,7 +18191,7 @@
                 <a:effectLst/>
                 <a:uLnTx/>
                 <a:uFillTx/>
-                <a:latin typeface="Calibri" panose="020F0502020204030204"/>
+                <a:latin typeface="Corbel" panose="020B0503020204020204" pitchFamily="34" charset="0"/>
                 <a:ea typeface="+mn-ea"/>
                 <a:cs typeface="+mn-cs"/>
               </a:endParaRPr>
@@ -18651,7 +18420,7 @@
           <a:p>
             <a:r>
               <a:rPr lang="fr-FR" smtClean="0"/>
-              <a:t>F. Flamerie - Recherche doc - 2021-05-21</a:t>
+              <a:t>F. Flamerie - Recherche doc - 2022-05-03</a:t>
             </a:r>
             <a:endParaRPr lang="fr-FR"/>
           </a:p>
@@ -18769,7 +18538,9 @@
           <a:lstStyle/>
           <a:p>
             <a:pPr algn="ctr"/>
-            <a:endParaRPr lang="fr-FR" dirty="0"/>
+            <a:endParaRPr lang="fr-FR" dirty="0">
+              <a:latin typeface="Corbel" panose="020B0503020204020204" pitchFamily="34" charset="0"/>
+            </a:endParaRPr>
           </a:p>
         </p:txBody>
       </p:sp>
@@ -18847,7 +18618,9 @@
             </a:endParaRPr>
           </a:p>
           <a:p>
-            <a:endParaRPr lang="fr-FR" dirty="0"/>
+            <a:endParaRPr lang="fr-FR" dirty="0">
+              <a:latin typeface="Corbel" panose="020B0503020204020204" pitchFamily="34" charset="0"/>
+            </a:endParaRPr>
           </a:p>
         </p:txBody>
       </p:sp>
@@ -19129,7 +18902,7 @@
                   <a:solidFill>
                     <a:prstClr val="black"/>
                   </a:solidFill>
-                  <a:latin typeface="Calibri" panose="020F0502020204030204"/>
+                  <a:latin typeface="Corbel" panose="020B0503020204020204" pitchFamily="34" charset="0"/>
                 </a:endParaRPr>
               </a:p>
             </p:txBody>
@@ -19243,7 +19016,7 @@
                   <a:solidFill>
                     <a:prstClr val="black"/>
                   </a:solidFill>
-                  <a:latin typeface="Calibri" panose="020F0502020204030204"/>
+                  <a:latin typeface="Corbel" panose="020B0503020204020204" pitchFamily="34" charset="0"/>
                 </a:endParaRPr>
               </a:p>
             </p:txBody>
@@ -19750,7 +19523,7 @@
                   <a:solidFill>
                     <a:prstClr val="black"/>
                   </a:solidFill>
-                  <a:latin typeface="Calibri" panose="020F0502020204030204"/>
+                  <a:latin typeface="Corbel" panose="020B0503020204020204" pitchFamily="34" charset="0"/>
                 </a:endParaRPr>
               </a:p>
             </p:txBody>
@@ -20197,7 +19970,7 @@
                 <a:solidFill>
                   <a:prstClr val="black"/>
                 </a:solidFill>
-                <a:latin typeface="Calibri" panose="020F0502020204030204"/>
+                <a:latin typeface="Corbel" panose="020B0503020204020204" pitchFamily="34" charset="0"/>
               </a:endParaRPr>
             </a:p>
           </p:txBody>
@@ -20432,7 +20205,7 @@
                   <a:solidFill>
                     <a:prstClr val="black"/>
                   </a:solidFill>
-                  <a:latin typeface="Calibri" panose="020F0502020204030204"/>
+                  <a:latin typeface="Corbel" panose="020B0503020204020204" pitchFamily="34" charset="0"/>
                 </a:endParaRPr>
               </a:p>
             </p:txBody>
@@ -20640,7 +20413,7 @@
                   <a:solidFill>
                     <a:prstClr val="black"/>
                   </a:solidFill>
-                  <a:latin typeface="Calibri" panose="020F0502020204030204"/>
+                  <a:latin typeface="Corbel" panose="020B0503020204020204" pitchFamily="34" charset="0"/>
                 </a:endParaRPr>
               </a:p>
             </p:txBody>
@@ -20793,7 +20566,7 @@
                   <a:solidFill>
                     <a:prstClr val="black"/>
                   </a:solidFill>
-                  <a:latin typeface="Calibri" panose="020F0502020204030204"/>
+                  <a:latin typeface="Corbel" panose="020B0503020204020204" pitchFamily="34" charset="0"/>
                 </a:endParaRPr>
               </a:p>
             </p:txBody>
@@ -20907,7 +20680,7 @@
                   <a:solidFill>
                     <a:prstClr val="black"/>
                   </a:solidFill>
-                  <a:latin typeface="Calibri" panose="020F0502020204030204"/>
+                  <a:latin typeface="Corbel" panose="020B0503020204020204" pitchFamily="34" charset="0"/>
                 </a:endParaRPr>
               </a:p>
             </p:txBody>
@@ -21414,7 +21187,7 @@
                   <a:solidFill>
                     <a:prstClr val="black"/>
                   </a:solidFill>
-                  <a:latin typeface="Calibri" panose="020F0502020204030204"/>
+                  <a:latin typeface="Corbel" panose="020B0503020204020204" pitchFamily="34" charset="0"/>
                 </a:endParaRPr>
               </a:p>
             </p:txBody>
@@ -21861,7 +21634,7 @@
                 <a:solidFill>
                   <a:prstClr val="black"/>
                 </a:solidFill>
-                <a:latin typeface="Calibri" panose="020F0502020204030204"/>
+                <a:latin typeface="Corbel" panose="020B0503020204020204" pitchFamily="34" charset="0"/>
               </a:endParaRPr>
             </a:p>
           </p:txBody>
@@ -22098,7 +21871,7 @@
                   <a:solidFill>
                     <a:prstClr val="black"/>
                   </a:solidFill>
-                  <a:latin typeface="Calibri" panose="020F0502020204030204"/>
+                  <a:latin typeface="Corbel" panose="020B0503020204020204" pitchFamily="34" charset="0"/>
                 </a:endParaRPr>
               </a:p>
             </p:txBody>
@@ -22306,7 +22079,7 @@
                   <a:solidFill>
                     <a:prstClr val="black"/>
                   </a:solidFill>
-                  <a:latin typeface="Calibri" panose="020F0502020204030204"/>
+                  <a:latin typeface="Corbel" panose="020B0503020204020204" pitchFamily="34" charset="0"/>
                 </a:endParaRPr>
               </a:p>
             </p:txBody>
@@ -22341,7 +22114,7 @@
             </a:pPr>
             <a:r>
               <a:rPr lang="fr-FR" smtClean="0"/>
-              <a:t>F. Flamerie - Recherche doc - 2021-05-21</a:t>
+              <a:t>F. Flamerie - Recherche doc - 2022-05-03</a:t>
             </a:r>
             <a:endParaRPr lang="fr-FR" dirty="0"/>
           </a:p>
@@ -22419,7 +22192,7 @@
               <a:rPr lang="fr-FR" sz="2000" dirty="0" smtClean="0">
                 <a:latin typeface="Corbel" panose="020B0503020204020204" pitchFamily="34" charset="0"/>
               </a:rPr>
-              <a:t> le 10 juin </a:t>
+              <a:t> le 24 mai </a:t>
             </a:r>
             <a:r>
               <a:rPr lang="fr-FR" sz="2000" dirty="0">
@@ -22431,7 +22204,7 @@
               <a:rPr lang="fr-FR" sz="2000" dirty="0" smtClean="0">
                 <a:latin typeface="Corbel" panose="020B0503020204020204" pitchFamily="34" charset="0"/>
               </a:rPr>
-              <a:t>documentaire le 24 juin 11h30-12h15</a:t>
+              <a:t>documentaire le 7 juin 11h30-12h15</a:t>
             </a:r>
             <a:endParaRPr lang="fr-FR" sz="2000" dirty="0">
               <a:latin typeface="Corbel" panose="020B0503020204020204" pitchFamily="34" charset="0"/>
@@ -22522,7 +22295,7 @@
                 <a:tabLst/>
                 <a:defRPr/>
               </a:pPr>
-              <a:endParaRPr kumimoji="0" lang="fr-FR" sz="1800" b="0" i="0" u="none" strike="noStrike" kern="1200" cap="none" spc="0" normalizeH="0" baseline="0" noProof="0">
+              <a:endParaRPr kumimoji="0" lang="fr-FR" sz="1800" b="0" i="0" u="none" strike="noStrike" kern="1200" cap="none" spc="0" normalizeH="0" baseline="0" noProof="0" dirty="0">
                 <a:ln>
                   <a:noFill/>
                 </a:ln>
@@ -22534,7 +22307,7 @@
                 <a:effectLst/>
                 <a:uLnTx/>
                 <a:uFillTx/>
-                <a:latin typeface="Calibri" panose="020F0502020204030204"/>
+                <a:latin typeface="Corbel" panose="020B0503020204020204" pitchFamily="34" charset="0"/>
                 <a:ea typeface="+mn-ea"/>
                 <a:cs typeface="+mn-cs"/>
               </a:endParaRPr>
@@ -22603,7 +22376,7 @@
                 <a:tabLst/>
                 <a:defRPr/>
               </a:pPr>
-              <a:endParaRPr kumimoji="0" lang="fr-FR" sz="1800" b="0" i="0" u="none" strike="noStrike" kern="1200" cap="none" spc="0" normalizeH="0" baseline="0" noProof="0">
+              <a:endParaRPr kumimoji="0" lang="fr-FR" sz="1800" b="0" i="0" u="none" strike="noStrike" kern="1200" cap="none" spc="0" normalizeH="0" baseline="0" noProof="0" dirty="0">
                 <a:ln>
                   <a:noFill/>
                 </a:ln>
@@ -22615,7 +22388,7 @@
                 <a:effectLst/>
                 <a:uLnTx/>
                 <a:uFillTx/>
-                <a:latin typeface="Calibri" panose="020F0502020204030204"/>
+                <a:latin typeface="Corbel" panose="020B0503020204020204" pitchFamily="34" charset="0"/>
                 <a:ea typeface="+mn-ea"/>
                 <a:cs typeface="+mn-cs"/>
               </a:endParaRPr>
@@ -22992,7 +22765,7 @@
             </a:pPr>
             <a:r>
               <a:rPr lang="fr-FR" smtClean="0"/>
-              <a:t>F. Flamerie - Recherche doc - 2021-05-21</a:t>
+              <a:t>F. Flamerie - Recherche doc - 2022-05-03</a:t>
             </a:r>
             <a:endParaRPr lang="fr-FR" dirty="0"/>
           </a:p>
@@ -23175,7 +22948,7 @@
                 <a:tabLst/>
                 <a:defRPr/>
               </a:pPr>
-              <a:endParaRPr kumimoji="0" lang="fr-FR" sz="1800" b="0" i="0" u="none" strike="noStrike" kern="1200" cap="none" spc="0" normalizeH="0" baseline="0" noProof="0">
+              <a:endParaRPr kumimoji="0" lang="fr-FR" sz="1800" b="0" i="0" u="none" strike="noStrike" kern="1200" cap="none" spc="0" normalizeH="0" baseline="0" noProof="0" dirty="0">
                 <a:ln>
                   <a:noFill/>
                 </a:ln>
@@ -23187,7 +22960,7 @@
                 <a:effectLst/>
                 <a:uLnTx/>
                 <a:uFillTx/>
-                <a:latin typeface="Calibri" panose="020F0502020204030204"/>
+                <a:latin typeface="Corbel" panose="020B0503020204020204" pitchFamily="34" charset="0"/>
                 <a:ea typeface="+mn-ea"/>
                 <a:cs typeface="+mn-cs"/>
               </a:endParaRPr>
@@ -23256,7 +23029,7 @@
                 <a:tabLst/>
                 <a:defRPr/>
               </a:pPr>
-              <a:endParaRPr kumimoji="0" lang="fr-FR" sz="1800" b="0" i="0" u="none" strike="noStrike" kern="1200" cap="none" spc="0" normalizeH="0" baseline="0" noProof="0">
+              <a:endParaRPr kumimoji="0" lang="fr-FR" sz="1800" b="0" i="0" u="none" strike="noStrike" kern="1200" cap="none" spc="0" normalizeH="0" baseline="0" noProof="0" dirty="0">
                 <a:ln>
                   <a:noFill/>
                 </a:ln>
@@ -23268,7 +23041,7 @@
                 <a:effectLst/>
                 <a:uLnTx/>
                 <a:uFillTx/>
-                <a:latin typeface="Calibri" panose="020F0502020204030204"/>
+                <a:latin typeface="Corbel" panose="020B0503020204020204" pitchFamily="34" charset="0"/>
                 <a:ea typeface="+mn-ea"/>
                 <a:cs typeface="+mn-cs"/>
               </a:endParaRPr>
@@ -23427,7 +23200,7 @@
             </a:pPr>
             <a:r>
               <a:rPr lang="fr-FR" smtClean="0"/>
-              <a:t>F. Flamerie - Recherche doc - 2021-05-21</a:t>
+              <a:t>F. Flamerie - Recherche doc - 2022-05-03</a:t>
             </a:r>
             <a:endParaRPr lang="fr-FR" dirty="0"/>
           </a:p>
@@ -23539,7 +23312,7 @@
           <a:p>
             <a:r>
               <a:rPr lang="fr-FR" smtClean="0"/>
-              <a:t>F. Flamerie - Recherche doc - 2021-05-21</a:t>
+              <a:t>F. Flamerie - Recherche doc - 2022-05-03</a:t>
             </a:r>
             <a:endParaRPr lang="fr-FR"/>
           </a:p>
@@ -23575,7 +23348,7 @@
           <p:nvPr>
             <p:extLst>
               <p:ext uri="{D42A27DB-BD31-4B8C-83A1-F6EECF244321}">
-                <p14:modId xmlns:p14="http://schemas.microsoft.com/office/powerpoint/2010/main" val="3408390043"/>
+                <p14:modId xmlns:p14="http://schemas.microsoft.com/office/powerpoint/2010/main" val="1270524892"/>
               </p:ext>
             </p:extLst>
           </p:nvPr>
@@ -23598,7 +23371,7 @@
         </p:nvSpPr>
         <p:spPr>
           <a:xfrm>
-            <a:off x="135260" y="1491356"/>
+            <a:off x="345976" y="1491356"/>
             <a:ext cx="2160240" cy="1569660"/>
           </a:xfrm>
           <a:prstGeom prst="rect">
@@ -23921,7 +23694,7 @@
               <a:effectLst/>
               <a:uLnTx/>
               <a:uFillTx/>
-              <a:latin typeface="Calibri" panose="020F0502020204030204"/>
+              <a:latin typeface="Corbel" panose="020B0503020204020204" pitchFamily="34" charset="0"/>
               <a:ea typeface="+mn-ea"/>
               <a:cs typeface="+mn-cs"/>
             </a:endParaRPr>
@@ -23965,7 +23738,7 @@
           <p:nvPr>
             <p:extLst>
               <p:ext uri="{D42A27DB-BD31-4B8C-83A1-F6EECF244321}">
-                <p14:modId xmlns:p14="http://schemas.microsoft.com/office/powerpoint/2010/main" val="3452242672"/>
+                <p14:modId xmlns:p14="http://schemas.microsoft.com/office/powerpoint/2010/main" val="2189497246"/>
               </p:ext>
             </p:extLst>
           </p:nvPr>
@@ -24132,10 +23905,10 @@
               <a:defRPr/>
             </a:pPr>
             <a:r>
-              <a:rPr lang="fr-FR" dirty="0" smtClean="0">
+              <a:rPr lang="fr-FR" smtClean="0">
                 <a:latin typeface="Corbel" panose="020B0503020204020204" pitchFamily="34" charset="0"/>
               </a:rPr>
-              <a:t>F. Flamerie - Recherche doc - 2021-05-21</a:t>
+              <a:t>F. Flamerie - Recherche doc - 2022-05-03</a:t>
             </a:r>
             <a:endParaRPr lang="fr-FR" dirty="0">
               <a:latin typeface="Corbel" panose="020B0503020204020204" pitchFamily="34" charset="0"/>
@@ -24155,8 +23928,8 @@
         </p:nvSpPr>
         <p:spPr>
           <a:xfrm>
-            <a:off x="348758" y="343245"/>
-            <a:ext cx="10515600" cy="1325563"/>
+            <a:off x="324694" y="222654"/>
+            <a:ext cx="10696231" cy="1325563"/>
           </a:xfrm>
         </p:spPr>
         <p:txBody>
@@ -24272,17 +24045,23 @@
         </p:nvSpPr>
         <p:spPr>
           <a:xfrm>
-            <a:off x="838200" y="1589149"/>
-            <a:ext cx="10515600" cy="4351338"/>
+            <a:off x="838200" y="1406268"/>
+            <a:ext cx="10515600" cy="4608451"/>
           </a:xfrm>
         </p:spPr>
         <p:txBody>
           <a:bodyPr>
-            <a:normAutofit fontScale="92500" lnSpcReduction="10000"/>
+            <a:normAutofit fontScale="85000" lnSpcReduction="20000"/>
           </a:bodyPr>
           <a:lstStyle/>
           <a:p>
             <a:pPr marL="0" indent="0">
+              <a:lnSpc>
+                <a:spcPct val="120000"/>
+              </a:lnSpc>
+              <a:spcAft>
+                <a:spcPts val="1200"/>
+              </a:spcAft>
               <a:buNone/>
             </a:pPr>
             <a:r>
@@ -24309,72 +24088,64 @@
               <a:rPr lang="fr-FR" sz="2000" i="1" dirty="0"/>
               <a:t>session propose un rappel méthodologique concernant la recherche bibliographique et la typologie des outils de recherche. </a:t>
             </a:r>
-            <a:endParaRPr lang="fr-FR" sz="2000" i="1" dirty="0" smtClean="0"/>
-          </a:p>
-          <a:p>
-            <a:pPr marL="0" indent="0">
-              <a:buNone/>
+            <a:endParaRPr lang="fr-FR" sz="3600" i="1" dirty="0" smtClean="0"/>
+          </a:p>
+          <a:p>
+            <a:pPr>
+              <a:lnSpc>
+                <a:spcPct val="120000"/>
+              </a:lnSpc>
             </a:pPr>
-            <a:endParaRPr lang="fr-FR" sz="2000" i="1" dirty="0" smtClean="0"/>
-          </a:p>
-          <a:p>
-            <a:r>
-              <a:rPr lang="fr-FR" dirty="0" smtClean="0"/>
-              <a:t> </a:t>
-            </a:r>
-            <a:r>
-              <a:rPr lang="fr-FR" sz="3600" dirty="0"/>
-              <a:t>Méthode de la recherche documentaire : du sujet en langage naturel à l’équation de </a:t>
-            </a:r>
-            <a:r>
-              <a:rPr lang="fr-FR" sz="3600" dirty="0" smtClean="0"/>
-              <a:t>recherche</a:t>
-            </a:r>
-          </a:p>
-          <a:p>
-            <a:r>
-              <a:rPr lang="fr-FR" sz="3600" dirty="0"/>
-              <a:t> </a:t>
-            </a:r>
-            <a:r>
-              <a:rPr lang="fr-FR" sz="3600" dirty="0" smtClean="0"/>
-              <a:t>Typologie </a:t>
-            </a:r>
-            <a:r>
-              <a:rPr lang="fr-FR" sz="3600" dirty="0"/>
-              <a:t>des outils de recherche documentaire (bases de données, sites d’éditeurs, etc.) et critères de </a:t>
-            </a:r>
-            <a:r>
-              <a:rPr lang="fr-FR" sz="3600" dirty="0" smtClean="0"/>
+            <a:r>
+              <a:rPr lang="fr-FR" sz="3300" dirty="0" smtClean="0"/>
+              <a:t>Méthode </a:t>
+            </a:r>
+            <a:r>
+              <a:rPr lang="fr-FR" sz="3300" dirty="0"/>
+              <a:t>de la recherche documentaire : du sujet en langage naturel à l’équation de recherche</a:t>
+            </a:r>
+          </a:p>
+          <a:p>
+            <a:pPr>
+              <a:lnSpc>
+                <a:spcPct val="120000"/>
+              </a:lnSpc>
+            </a:pPr>
+            <a:r>
+              <a:rPr lang="fr-FR" sz="3300" dirty="0"/>
+              <a:t>Typologie des outils de recherche documentaire (bases de données, sites d’éditeurs, etc.) et critères de </a:t>
+            </a:r>
+            <a:r>
+              <a:rPr lang="fr-FR" sz="3300" dirty="0" smtClean="0"/>
               <a:t>choix</a:t>
             </a:r>
           </a:p>
           <a:p>
-            <a:r>
-              <a:rPr lang="fr-FR" sz="3600" dirty="0" smtClean="0"/>
+            <a:pPr>
+              <a:lnSpc>
+                <a:spcPct val="120000"/>
+              </a:lnSpc>
+            </a:pPr>
+            <a:r>
+              <a:rPr lang="fr-FR" sz="3300" dirty="0" smtClean="0"/>
               <a:t>Paramétrage </a:t>
             </a:r>
             <a:r>
-              <a:rPr lang="fr-FR" sz="3600" dirty="0"/>
+              <a:rPr lang="fr-FR" sz="3300" dirty="0"/>
               <a:t>des accès Inserm et université de Bordeaux dans un navigateur Internet, Google </a:t>
             </a:r>
             <a:r>
-              <a:rPr lang="fr-FR" sz="3600" dirty="0" err="1"/>
+              <a:rPr lang="fr-FR" sz="3300" dirty="0" err="1"/>
               <a:t>Scholar</a:t>
             </a:r>
             <a:r>
-              <a:rPr lang="fr-FR" sz="3600" dirty="0"/>
-              <a:t>, un logiciel de gestion bibliographique (</a:t>
-            </a:r>
-            <a:r>
-              <a:rPr lang="fr-FR" sz="3600" dirty="0" err="1"/>
-              <a:t>EndNote</a:t>
-            </a:r>
-            <a:r>
-              <a:rPr lang="fr-FR" sz="3600" dirty="0"/>
-              <a:t> et Zotero)</a:t>
-            </a:r>
-            <a:endParaRPr lang="fr-FR" sz="3600" dirty="0" smtClean="0"/>
+              <a:rPr lang="fr-FR" sz="3300" dirty="0"/>
+              <a:t>, un logiciel de gestion </a:t>
+            </a:r>
+            <a:r>
+              <a:rPr lang="fr-FR" sz="3300" dirty="0" smtClean="0"/>
+              <a:t>bibliographique, et alternatives légales à ces accès</a:t>
+            </a:r>
           </a:p>
         </p:txBody>
       </p:sp>
@@ -24395,7 +24166,7 @@
           <a:p>
             <a:r>
               <a:rPr lang="fr-FR" smtClean="0"/>
-              <a:t>F. Flamerie - Recherche doc - 2021-05-21</a:t>
+              <a:t>F. Flamerie - Recherche doc - 2022-05-03</a:t>
             </a:r>
             <a:endParaRPr lang="fr-FR" dirty="0"/>
           </a:p>
@@ -24468,7 +24239,7 @@
           <p:nvPr>
             <p:extLst>
               <p:ext uri="{D42A27DB-BD31-4B8C-83A1-F6EECF244321}">
-                <p14:modId xmlns:p14="http://schemas.microsoft.com/office/powerpoint/2010/main" val="2308922200"/>
+                <p14:modId xmlns:p14="http://schemas.microsoft.com/office/powerpoint/2010/main" val="1748299648"/>
               </p:ext>
             </p:extLst>
           </p:nvPr>
@@ -24671,7 +24442,7 @@
               <a:rPr lang="fr-FR" smtClean="0">
                 <a:latin typeface="Corbel" panose="020B0503020204020204" pitchFamily="34" charset="0"/>
               </a:rPr>
-              <a:t>F. Flamerie - Recherche doc - 2021-05-21</a:t>
+              <a:t>F. Flamerie - Recherche doc - 2022-05-03</a:t>
             </a:r>
             <a:endParaRPr lang="fr-FR" dirty="0">
               <a:latin typeface="Corbel" panose="020B0503020204020204" pitchFamily="34" charset="0"/>
@@ -24691,8 +24462,8 @@
         </p:nvSpPr>
         <p:spPr>
           <a:xfrm>
-            <a:off x="208081" y="280148"/>
-            <a:ext cx="10515600" cy="1325563"/>
+            <a:off x="208081" y="237712"/>
+            <a:ext cx="11145719" cy="1325563"/>
           </a:xfrm>
         </p:spPr>
         <p:txBody>
@@ -24981,7 +24752,7 @@
             </a:pPr>
             <a:r>
               <a:rPr lang="fr-FR" smtClean="0"/>
-              <a:t>F. Flamerie - Recherche doc - 2021-05-21</a:t>
+              <a:t>F. Flamerie - Recherche doc - 2022-05-03</a:t>
             </a:r>
             <a:endParaRPr lang="fr-FR" dirty="0"/>
           </a:p>
@@ -25104,7 +24875,7 @@
             </a:pPr>
             <a:r>
               <a:rPr lang="fr-FR" smtClean="0"/>
-              <a:t>F. Flamerie - Recherche doc - 2021-05-21</a:t>
+              <a:t>F. Flamerie - Recherche doc - 2022-05-03</a:t>
             </a:r>
             <a:endParaRPr lang="fr-FR" dirty="0"/>
           </a:p>
@@ -25877,7 +25648,7 @@
             </a:pPr>
             <a:r>
               <a:rPr lang="fr-FR" smtClean="0"/>
-              <a:t>F. Flamerie - Recherche doc - 2021-05-21</a:t>
+              <a:t>F. Flamerie - Recherche doc - 2022-05-03</a:t>
             </a:r>
             <a:endParaRPr lang="fr-FR" dirty="0"/>
           </a:p>
@@ -26012,17 +25783,10 @@
             </a:pPr>
             <a:r>
               <a:rPr lang="fr-FR" sz="2400" b="1" dirty="0">
-                <a:latin typeface="Calibri" panose="020F0502020204030204" pitchFamily="34" charset="0"/>
-                <a:cs typeface="Arial" pitchFamily="34" charset="0"/>
-              </a:rPr>
-              <a:t>	</a:t>
-            </a:r>
-            <a:r>
-              <a:rPr lang="fr-FR" sz="2400" b="1" dirty="0">
                 <a:latin typeface="Corbel" panose="020B0503020204020204" pitchFamily="34" charset="0"/>
                 <a:cs typeface="Arial" pitchFamily="34" charset="0"/>
               </a:rPr>
-              <a:t>LA TRONCATURE</a:t>
+              <a:t>	LA TRONCATURE</a:t>
             </a:r>
           </a:p>
           <a:p>
@@ -26324,7 +26088,9 @@
               </a:rPr>
               <a:t>Bien interroger les outils</a:t>
             </a:r>
-            <a:endParaRPr lang="fr-FR" dirty="0"/>
+            <a:endParaRPr lang="fr-FR" dirty="0">
+              <a:latin typeface="Corbel" panose="020B0503020204020204" pitchFamily="34" charset="0"/>
+            </a:endParaRPr>
           </a:p>
         </p:txBody>
       </p:sp>
@@ -26527,7 +26293,7 @@
         <p:spPr>
           <a:xfrm>
             <a:off x="1030448" y="1134126"/>
-            <a:ext cx="10525055" cy="1125498"/>
+            <a:ext cx="10643392" cy="3000994"/>
           </a:xfrm>
         </p:spPr>
         <p:txBody>
@@ -26537,42 +26303,45 @@
           <a:lstStyle/>
           <a:p>
             <a:pPr marL="0" indent="0">
+              <a:lnSpc>
+                <a:spcPct val="100000"/>
+              </a:lnSpc>
               <a:buNone/>
             </a:pPr>
             <a:r>
-              <a:rPr lang="fr-FR" dirty="0" smtClean="0"/>
+              <a:rPr lang="fr-FR" sz="2600" dirty="0" smtClean="0"/>
               <a:t>Un tableau est un bon moyen de documenter sa recherche documentaire, en reportant et en commentant ses équations de recherche.</a:t>
             </a:r>
           </a:p>
           <a:p>
-            <a:r>
-              <a:rPr lang="fr-FR" dirty="0" smtClean="0"/>
+            <a:pPr>
+              <a:lnSpc>
+                <a:spcPct val="100000"/>
+              </a:lnSpc>
+            </a:pPr>
+            <a:r>
+              <a:rPr lang="fr-FR" sz="2600" dirty="0" smtClean="0"/>
               <a:t> 1 tableau par base de données ou 1 tableau général, avec une colonne « Base de données »</a:t>
             </a:r>
           </a:p>
           <a:p>
-            <a:r>
-              <a:rPr lang="fr-FR" dirty="0" smtClean="0"/>
-              <a:t>Modèles </a:t>
-            </a:r>
-            <a:r>
-              <a:rPr lang="fr-FR" dirty="0"/>
-              <a:t>à télécharger : </a:t>
-            </a:r>
-            <a:r>
-              <a:rPr lang="fr-FR" dirty="0">
+            <a:pPr>
+              <a:lnSpc>
+                <a:spcPct val="100000"/>
+              </a:lnSpc>
+            </a:pPr>
+            <a:r>
+              <a:rPr lang="fr-FR" sz="2600" dirty="0" smtClean="0"/>
+              <a:t>Modèles et exemples à télécharger : </a:t>
+            </a:r>
+            <a:r>
+              <a:rPr lang="fr-FR" sz="2600" dirty="0" smtClean="0">
                 <a:hlinkClick r:id="rId3"/>
               </a:rPr>
-              <a:t>https://</a:t>
-            </a:r>
-            <a:r>
-              <a:rPr lang="fr-FR" dirty="0" smtClean="0">
-                <a:hlinkClick r:id="rId3"/>
-              </a:rPr>
-              <a:t>github.com/fflamerie/bibliolog</a:t>
-            </a:r>
-            <a:r>
-              <a:rPr lang="fr-FR" dirty="0" smtClean="0"/>
+              <a:t>https://github.com/fflamerie/bibliolog</a:t>
+            </a:r>
+            <a:r>
+              <a:rPr lang="fr-FR" sz="2600" dirty="0" smtClean="0"/>
               <a:t> </a:t>
             </a:r>
           </a:p>
@@ -26587,13 +26356,13 @@
           <p:nvPr>
             <p:extLst>
               <p:ext uri="{D42A27DB-BD31-4B8C-83A1-F6EECF244321}">
-                <p14:modId xmlns:p14="http://schemas.microsoft.com/office/powerpoint/2010/main" val="94981679"/>
+                <p14:modId xmlns:p14="http://schemas.microsoft.com/office/powerpoint/2010/main" val="2020423405"/>
               </p:ext>
             </p:extLst>
           </p:nvPr>
         </p:nvGraphicFramePr>
         <p:xfrm>
-          <a:off x="940778" y="4177553"/>
+          <a:off x="940778" y="3985043"/>
           <a:ext cx="10199076" cy="2123440"/>
         </p:xfrm>
         <a:graphic>
@@ -26620,7 +26389,7 @@
                             <a:schemeClr val="lt1"/>
                           </a:solidFill>
                           <a:effectLst/>
-                          <a:latin typeface="+mn-lt"/>
+                          <a:latin typeface="Corbel" panose="020B0503020204020204" pitchFamily="34" charset="0"/>
                           <a:ea typeface="+mn-ea"/>
                           <a:cs typeface="+mn-cs"/>
                         </a:rPr>
@@ -26630,7 +26399,7 @@
                         <a:solidFill>
                           <a:schemeClr val="tx1"/>
                         </a:solidFill>
-                        <a:latin typeface="Calibri" panose="020F0502020204030204" pitchFamily="34" charset="0"/>
+                        <a:latin typeface="Corbel" panose="020B0503020204020204" pitchFamily="34" charset="0"/>
                       </a:endParaRPr>
                     </a:p>
                   </a:txBody>
@@ -26643,12 +26412,12 @@
                     <a:p>
                       <a:r>
                         <a:rPr lang="fr-FR" dirty="0" smtClean="0">
-                          <a:latin typeface="Calibri" panose="020F0502020204030204" pitchFamily="34" charset="0"/>
+                          <a:latin typeface="Corbel" panose="020B0503020204020204" pitchFamily="34" charset="0"/>
                         </a:rPr>
                         <a:t>Date</a:t>
                       </a:r>
                       <a:endParaRPr lang="fr-FR" dirty="0">
-                        <a:latin typeface="Calibri" panose="020F0502020204030204" pitchFamily="34" charset="0"/>
+                        <a:latin typeface="Corbel" panose="020B0503020204020204" pitchFamily="34" charset="0"/>
                       </a:endParaRPr>
                     </a:p>
                   </a:txBody>
@@ -26661,18 +26430,18 @@
                     <a:p>
                       <a:r>
                         <a:rPr lang="fr-FR" dirty="0" err="1" smtClean="0">
-                          <a:latin typeface="Calibri" panose="020F0502020204030204" pitchFamily="34" charset="0"/>
+                          <a:latin typeface="Corbel" panose="020B0503020204020204" pitchFamily="34" charset="0"/>
                         </a:rPr>
                         <a:t>Nbre</a:t>
                       </a:r>
                       <a:r>
                         <a:rPr lang="fr-FR" dirty="0" smtClean="0">
-                          <a:latin typeface="Calibri" panose="020F0502020204030204" pitchFamily="34" charset="0"/>
+                          <a:latin typeface="Corbel" panose="020B0503020204020204" pitchFamily="34" charset="0"/>
                         </a:rPr>
                         <a:t> résultats</a:t>
                       </a:r>
                       <a:endParaRPr lang="fr-FR" dirty="0">
-                        <a:latin typeface="Calibri" panose="020F0502020204030204" pitchFamily="34" charset="0"/>
+                        <a:latin typeface="Corbel" panose="020B0503020204020204" pitchFamily="34" charset="0"/>
                       </a:endParaRPr>
                     </a:p>
                   </a:txBody>
@@ -26685,12 +26454,12 @@
                     <a:p>
                       <a:r>
                         <a:rPr lang="fr-FR" dirty="0" smtClean="0">
-                          <a:latin typeface="Calibri" panose="020F0502020204030204" pitchFamily="34" charset="0"/>
+                          <a:latin typeface="Corbel" panose="020B0503020204020204" pitchFamily="34" charset="0"/>
                         </a:rPr>
                         <a:t>Commentaire</a:t>
                       </a:r>
                       <a:endParaRPr lang="fr-FR" dirty="0">
-                        <a:latin typeface="Calibri" panose="020F0502020204030204" pitchFamily="34" charset="0"/>
+                        <a:latin typeface="Corbel" panose="020B0503020204020204" pitchFamily="34" charset="0"/>
                       </a:endParaRPr>
                     </a:p>
                   </a:txBody>
@@ -26704,7 +26473,7 @@
                     <a:lstStyle/>
                     <a:p>
                       <a:endParaRPr lang="fr-FR" dirty="0">
-                        <a:latin typeface="Calibri" panose="020F0502020204030204" pitchFamily="34" charset="0"/>
+                        <a:latin typeface="Corbel" panose="020B0503020204020204" pitchFamily="34" charset="0"/>
                       </a:endParaRPr>
                     </a:p>
                   </a:txBody>
@@ -26716,7 +26485,7 @@
                     <a:lstStyle/>
                     <a:p>
                       <a:endParaRPr lang="fr-FR" dirty="0">
-                        <a:latin typeface="Calibri" panose="020F0502020204030204" pitchFamily="34" charset="0"/>
+                        <a:latin typeface="Corbel" panose="020B0503020204020204" pitchFamily="34" charset="0"/>
                       </a:endParaRPr>
                     </a:p>
                   </a:txBody>
@@ -26728,7 +26497,7 @@
                     <a:lstStyle/>
                     <a:p>
                       <a:endParaRPr lang="fr-FR" dirty="0">
-                        <a:latin typeface="Calibri" panose="020F0502020204030204" pitchFamily="34" charset="0"/>
+                        <a:latin typeface="Corbel" panose="020B0503020204020204" pitchFamily="34" charset="0"/>
                       </a:endParaRPr>
                     </a:p>
                   </a:txBody>
@@ -26740,7 +26509,7 @@
                     <a:lstStyle/>
                     <a:p>
                       <a:endParaRPr lang="fr-FR" dirty="0">
-                        <a:latin typeface="Calibri" panose="020F0502020204030204" pitchFamily="34" charset="0"/>
+                        <a:latin typeface="Corbel" panose="020B0503020204020204" pitchFamily="34" charset="0"/>
                       </a:endParaRPr>
                     </a:p>
                   </a:txBody>
@@ -26754,7 +26523,7 @@
                     <a:lstStyle/>
                     <a:p>
                       <a:endParaRPr lang="fr-FR" dirty="0">
-                        <a:latin typeface="Calibri" panose="020F0502020204030204" pitchFamily="34" charset="0"/>
+                        <a:latin typeface="Corbel" panose="020B0503020204020204" pitchFamily="34" charset="0"/>
                       </a:endParaRPr>
                     </a:p>
                   </a:txBody>
@@ -26766,7 +26535,7 @@
                     <a:lstStyle/>
                     <a:p>
                       <a:endParaRPr lang="fr-FR" dirty="0">
-                        <a:latin typeface="Calibri" panose="020F0502020204030204" pitchFamily="34" charset="0"/>
+                        <a:latin typeface="Corbel" panose="020B0503020204020204" pitchFamily="34" charset="0"/>
                       </a:endParaRPr>
                     </a:p>
                   </a:txBody>
@@ -26778,7 +26547,7 @@
                     <a:lstStyle/>
                     <a:p>
                       <a:endParaRPr lang="fr-FR" dirty="0">
-                        <a:latin typeface="Calibri" panose="020F0502020204030204" pitchFamily="34" charset="0"/>
+                        <a:latin typeface="Corbel" panose="020B0503020204020204" pitchFamily="34" charset="0"/>
                       </a:endParaRPr>
                     </a:p>
                   </a:txBody>
@@ -26790,7 +26559,7 @@
                     <a:lstStyle/>
                     <a:p>
                       <a:endParaRPr lang="fr-FR" dirty="0">
-                        <a:latin typeface="Calibri" panose="020F0502020204030204" pitchFamily="34" charset="0"/>
+                        <a:latin typeface="Corbel" panose="020B0503020204020204" pitchFamily="34" charset="0"/>
                       </a:endParaRPr>
                     </a:p>
                   </a:txBody>
@@ -26804,7 +26573,7 @@
                     <a:lstStyle/>
                     <a:p>
                       <a:endParaRPr lang="fr-FR" dirty="0">
-                        <a:latin typeface="Calibri" panose="020F0502020204030204" pitchFamily="34" charset="0"/>
+                        <a:latin typeface="Corbel" panose="020B0503020204020204" pitchFamily="34" charset="0"/>
                       </a:endParaRPr>
                     </a:p>
                   </a:txBody>
@@ -26816,7 +26585,7 @@
                     <a:lstStyle/>
                     <a:p>
                       <a:endParaRPr lang="fr-FR" dirty="0">
-                        <a:latin typeface="Calibri" panose="020F0502020204030204" pitchFamily="34" charset="0"/>
+                        <a:latin typeface="Corbel" panose="020B0503020204020204" pitchFamily="34" charset="0"/>
                       </a:endParaRPr>
                     </a:p>
                   </a:txBody>
@@ -26828,7 +26597,7 @@
                     <a:lstStyle/>
                     <a:p>
                       <a:endParaRPr lang="fr-FR" dirty="0">
-                        <a:latin typeface="Calibri" panose="020F0502020204030204" pitchFamily="34" charset="0"/>
+                        <a:latin typeface="Corbel" panose="020B0503020204020204" pitchFamily="34" charset="0"/>
                       </a:endParaRPr>
                     </a:p>
                   </a:txBody>
@@ -26840,7 +26609,7 @@
                     <a:lstStyle/>
                     <a:p>
                       <a:endParaRPr lang="fr-FR" dirty="0">
-                        <a:latin typeface="Calibri" panose="020F0502020204030204" pitchFamily="34" charset="0"/>
+                        <a:latin typeface="Corbel" panose="020B0503020204020204" pitchFamily="34" charset="0"/>
                       </a:endParaRPr>
                     </a:p>
                   </a:txBody>
@@ -26854,7 +26623,7 @@
                     <a:lstStyle/>
                     <a:p>
                       <a:endParaRPr lang="fr-FR" dirty="0">
-                        <a:latin typeface="Calibri" panose="020F0502020204030204" pitchFamily="34" charset="0"/>
+                        <a:latin typeface="Corbel" panose="020B0503020204020204" pitchFamily="34" charset="0"/>
                       </a:endParaRPr>
                     </a:p>
                   </a:txBody>
@@ -26866,7 +26635,7 @@
                     <a:lstStyle/>
                     <a:p>
                       <a:endParaRPr lang="fr-FR" dirty="0">
-                        <a:latin typeface="Calibri" panose="020F0502020204030204" pitchFamily="34" charset="0"/>
+                        <a:latin typeface="Corbel" panose="020B0503020204020204" pitchFamily="34" charset="0"/>
                       </a:endParaRPr>
                     </a:p>
                   </a:txBody>
@@ -26878,7 +26647,7 @@
                     <a:lstStyle/>
                     <a:p>
                       <a:endParaRPr lang="fr-FR" dirty="0">
-                        <a:latin typeface="Calibri" panose="020F0502020204030204" pitchFamily="34" charset="0"/>
+                        <a:latin typeface="Corbel" panose="020B0503020204020204" pitchFamily="34" charset="0"/>
                       </a:endParaRPr>
                     </a:p>
                   </a:txBody>
@@ -26890,7 +26659,7 @@
                     <a:lstStyle/>
                     <a:p>
                       <a:endParaRPr lang="fr-FR" dirty="0">
-                        <a:latin typeface="Calibri" panose="020F0502020204030204" pitchFamily="34" charset="0"/>
+                        <a:latin typeface="Corbel" panose="020B0503020204020204" pitchFamily="34" charset="0"/>
                       </a:endParaRPr>
                     </a:p>
                   </a:txBody>
@@ -26929,7 +26698,7 @@
             </a:pPr>
             <a:r>
               <a:rPr lang="fr-FR" smtClean="0"/>
-              <a:t>F. Flamerie - Recherche doc - 2021-05-21</a:t>
+              <a:t>F. Flamerie - Recherche doc - 2022-05-03</a:t>
             </a:r>
             <a:endParaRPr lang="fr-FR" dirty="0"/>
           </a:p>
@@ -27033,7 +26802,9 @@
         </p:nvSpPr>
         <p:spPr/>
         <p:txBody>
-          <a:bodyPr/>
+          <a:bodyPr>
+            <a:normAutofit fontScale="92500" lnSpcReduction="20000"/>
+          </a:bodyPr>
           <a:lstStyle/>
           <a:p>
             <a:r>
@@ -27067,8 +26838,19 @@
             </a:r>
             <a:r>
               <a:rPr lang="fr-FR" dirty="0"/>
-              <a:t> et Zotero) </a:t>
-            </a:r>
+              <a:t> et Zotero</a:t>
+            </a:r>
+            <a:r>
+              <a:rPr lang="fr-FR" dirty="0" smtClean="0"/>
+              <a:t>)</a:t>
+            </a:r>
+          </a:p>
+          <a:p>
+            <a:r>
+              <a:rPr lang="fr-FR" dirty="0" smtClean="0"/>
+              <a:t>Alternatives légales lorsque les accès institutionnels font défaut </a:t>
+            </a:r>
+            <a:endParaRPr lang="fr-FR" dirty="0"/>
           </a:p>
         </p:txBody>
       </p:sp>
@@ -27089,7 +26871,7 @@
           <a:p>
             <a:r>
               <a:rPr lang="fr-FR" smtClean="0"/>
-              <a:t>F. Flamerie - Recherche doc - 2021-05-21</a:t>
+              <a:t>F. Flamerie - Recherche doc - 2022-05-03</a:t>
             </a:r>
             <a:endParaRPr lang="fr-FR" dirty="0"/>
           </a:p>
@@ -27191,7 +26973,7 @@
                 <a:tabLst/>
                 <a:defRPr/>
               </a:pPr>
-              <a:endParaRPr kumimoji="0" lang="fr-FR" sz="1800" b="0" i="0" u="none" strike="noStrike" kern="1200" cap="none" spc="0" normalizeH="0" baseline="0" noProof="0">
+              <a:endParaRPr kumimoji="0" lang="fr-FR" sz="1800" b="0" i="0" u="none" strike="noStrike" kern="1200" cap="none" spc="0" normalizeH="0" baseline="0" noProof="0" dirty="0">
                 <a:ln>
                   <a:noFill/>
                 </a:ln>
@@ -27201,7 +26983,7 @@
                 <a:effectLst/>
                 <a:uLnTx/>
                 <a:uFillTx/>
-                <a:latin typeface="Calibri" panose="020F0502020204030204"/>
+                <a:latin typeface="Corbel" panose="020B0503020204020204" pitchFamily="34" charset="0"/>
                 <a:ea typeface="+mn-ea"/>
                 <a:cs typeface="+mn-cs"/>
               </a:endParaRPr>
@@ -27257,7 +27039,7 @@
                 <a:tabLst/>
                 <a:defRPr/>
               </a:pPr>
-              <a:endParaRPr kumimoji="0" lang="fr-FR" sz="1800" b="0" i="0" u="none" strike="noStrike" kern="1200" cap="none" spc="0" normalizeH="0" baseline="0" noProof="0">
+              <a:endParaRPr kumimoji="0" lang="fr-FR" sz="1800" b="0" i="0" u="none" strike="noStrike" kern="1200" cap="none" spc="0" normalizeH="0" baseline="0" noProof="0" dirty="0">
                 <a:ln>
                   <a:noFill/>
                 </a:ln>
@@ -27267,7 +27049,7 @@
                 <a:effectLst/>
                 <a:uLnTx/>
                 <a:uFillTx/>
-                <a:latin typeface="Calibri" panose="020F0502020204030204"/>
+                <a:latin typeface="Corbel" panose="020B0503020204020204" pitchFamily="34" charset="0"/>
                 <a:ea typeface="+mn-ea"/>
                 <a:cs typeface="+mn-cs"/>
               </a:endParaRPr>
@@ -27323,7 +27105,7 @@
                 <a:tabLst/>
                 <a:defRPr/>
               </a:pPr>
-              <a:endParaRPr kumimoji="0" lang="fr-FR" sz="1800" b="0" i="0" u="none" strike="noStrike" kern="1200" cap="none" spc="0" normalizeH="0" baseline="0" noProof="0">
+              <a:endParaRPr kumimoji="0" lang="fr-FR" sz="1800" b="0" i="0" u="none" strike="noStrike" kern="1200" cap="none" spc="0" normalizeH="0" baseline="0" noProof="0" dirty="0">
                 <a:ln>
                   <a:noFill/>
                 </a:ln>
@@ -27333,7 +27115,7 @@
                 <a:effectLst/>
                 <a:uLnTx/>
                 <a:uFillTx/>
-                <a:latin typeface="Calibri" panose="020F0502020204030204"/>
+                <a:latin typeface="Corbel" panose="020B0503020204020204" pitchFamily="34" charset="0"/>
                 <a:ea typeface="+mn-ea"/>
                 <a:cs typeface="+mn-cs"/>
               </a:endParaRPr>
@@ -27389,7 +27171,7 @@
                 <a:tabLst/>
                 <a:defRPr/>
               </a:pPr>
-              <a:endParaRPr kumimoji="0" lang="fr-FR" sz="1800" b="0" i="0" u="none" strike="noStrike" kern="1200" cap="none" spc="0" normalizeH="0" baseline="0" noProof="0">
+              <a:endParaRPr kumimoji="0" lang="fr-FR" sz="1800" b="0" i="0" u="none" strike="noStrike" kern="1200" cap="none" spc="0" normalizeH="0" baseline="0" noProof="0" dirty="0">
                 <a:ln>
                   <a:noFill/>
                 </a:ln>
@@ -27399,7 +27181,7 @@
                 <a:effectLst/>
                 <a:uLnTx/>
                 <a:uFillTx/>
-                <a:latin typeface="Calibri" panose="020F0502020204030204"/>
+                <a:latin typeface="Corbel" panose="020B0503020204020204" pitchFamily="34" charset="0"/>
                 <a:ea typeface="+mn-ea"/>
                 <a:cs typeface="+mn-cs"/>
               </a:endParaRPr>
@@ -27455,7 +27237,7 @@
                 <a:tabLst/>
                 <a:defRPr/>
               </a:pPr>
-              <a:endParaRPr kumimoji="0" lang="fr-FR" sz="1800" b="0" i="0" u="none" strike="noStrike" kern="1200" cap="none" spc="0" normalizeH="0" baseline="0" noProof="0">
+              <a:endParaRPr kumimoji="0" lang="fr-FR" sz="1800" b="0" i="0" u="none" strike="noStrike" kern="1200" cap="none" spc="0" normalizeH="0" baseline="0" noProof="0" dirty="0">
                 <a:ln>
                   <a:noFill/>
                 </a:ln>
@@ -27465,7 +27247,7 @@
                 <a:effectLst/>
                 <a:uLnTx/>
                 <a:uFillTx/>
-                <a:latin typeface="Calibri" panose="020F0502020204030204"/>
+                <a:latin typeface="Corbel" panose="020B0503020204020204" pitchFamily="34" charset="0"/>
                 <a:ea typeface="+mn-ea"/>
                 <a:cs typeface="+mn-cs"/>
               </a:endParaRPr>
@@ -27521,7 +27303,7 @@
                 <a:tabLst/>
                 <a:defRPr/>
               </a:pPr>
-              <a:endParaRPr kumimoji="0" lang="fr-FR" sz="1800" b="0" i="0" u="none" strike="noStrike" kern="1200" cap="none" spc="0" normalizeH="0" baseline="0" noProof="0">
+              <a:endParaRPr kumimoji="0" lang="fr-FR" sz="1800" b="0" i="0" u="none" strike="noStrike" kern="1200" cap="none" spc="0" normalizeH="0" baseline="0" noProof="0" dirty="0">
                 <a:ln>
                   <a:noFill/>
                 </a:ln>
@@ -27531,7 +27313,7 @@
                 <a:effectLst/>
                 <a:uLnTx/>
                 <a:uFillTx/>
-                <a:latin typeface="Calibri" panose="020F0502020204030204"/>
+                <a:latin typeface="Corbel" panose="020B0503020204020204" pitchFamily="34" charset="0"/>
                 <a:ea typeface="+mn-ea"/>
                 <a:cs typeface="+mn-cs"/>
               </a:endParaRPr>
@@ -27587,7 +27369,7 @@
                 <a:tabLst/>
                 <a:defRPr/>
               </a:pPr>
-              <a:endParaRPr kumimoji="0" lang="fr-FR" sz="1800" b="0" i="0" u="none" strike="noStrike" kern="1200" cap="none" spc="0" normalizeH="0" baseline="0" noProof="0">
+              <a:endParaRPr kumimoji="0" lang="fr-FR" sz="1800" b="0" i="0" u="none" strike="noStrike" kern="1200" cap="none" spc="0" normalizeH="0" baseline="0" noProof="0" dirty="0">
                 <a:ln>
                   <a:noFill/>
                 </a:ln>
@@ -27597,7 +27379,7 @@
                 <a:effectLst/>
                 <a:uLnTx/>
                 <a:uFillTx/>
-                <a:latin typeface="Calibri" panose="020F0502020204030204"/>
+                <a:latin typeface="Corbel" panose="020B0503020204020204" pitchFamily="34" charset="0"/>
                 <a:ea typeface="+mn-ea"/>
                 <a:cs typeface="+mn-cs"/>
               </a:endParaRPr>
@@ -27653,7 +27435,7 @@
                 <a:tabLst/>
                 <a:defRPr/>
               </a:pPr>
-              <a:endParaRPr kumimoji="0" lang="fr-FR" sz="1800" b="0" i="0" u="none" strike="noStrike" kern="1200" cap="none" spc="0" normalizeH="0" baseline="0" noProof="0">
+              <a:endParaRPr kumimoji="0" lang="fr-FR" sz="1800" b="0" i="0" u="none" strike="noStrike" kern="1200" cap="none" spc="0" normalizeH="0" baseline="0" noProof="0" dirty="0">
                 <a:ln>
                   <a:noFill/>
                 </a:ln>
@@ -27663,7 +27445,7 @@
                 <a:effectLst/>
                 <a:uLnTx/>
                 <a:uFillTx/>
-                <a:latin typeface="Calibri" panose="020F0502020204030204"/>
+                <a:latin typeface="Corbel" panose="020B0503020204020204" pitchFamily="34" charset="0"/>
                 <a:ea typeface="+mn-ea"/>
                 <a:cs typeface="+mn-cs"/>
               </a:endParaRPr>
@@ -27719,7 +27501,7 @@
                 <a:tabLst/>
                 <a:defRPr/>
               </a:pPr>
-              <a:endParaRPr kumimoji="0" lang="fr-FR" sz="1800" b="0" i="0" u="none" strike="noStrike" kern="1200" cap="none" spc="0" normalizeH="0" baseline="0" noProof="0">
+              <a:endParaRPr kumimoji="0" lang="fr-FR" sz="1800" b="0" i="0" u="none" strike="noStrike" kern="1200" cap="none" spc="0" normalizeH="0" baseline="0" noProof="0" dirty="0">
                 <a:ln>
                   <a:noFill/>
                 </a:ln>
@@ -27729,7 +27511,7 @@
                 <a:effectLst/>
                 <a:uLnTx/>
                 <a:uFillTx/>
-                <a:latin typeface="Calibri" panose="020F0502020204030204"/>
+                <a:latin typeface="Corbel" panose="020B0503020204020204" pitchFamily="34" charset="0"/>
                 <a:ea typeface="+mn-ea"/>
                 <a:cs typeface="+mn-cs"/>
               </a:endParaRPr>
@@ -27785,7 +27567,7 @@
                 <a:tabLst/>
                 <a:defRPr/>
               </a:pPr>
-              <a:endParaRPr kumimoji="0" lang="fr-FR" sz="1800" b="0" i="0" u="none" strike="noStrike" kern="1200" cap="none" spc="0" normalizeH="0" baseline="0" noProof="0">
+              <a:endParaRPr kumimoji="0" lang="fr-FR" sz="1800" b="0" i="0" u="none" strike="noStrike" kern="1200" cap="none" spc="0" normalizeH="0" baseline="0" noProof="0" dirty="0">
                 <a:ln>
                   <a:noFill/>
                 </a:ln>
@@ -27795,7 +27577,7 @@
                 <a:effectLst/>
                 <a:uLnTx/>
                 <a:uFillTx/>
-                <a:latin typeface="Calibri" panose="020F0502020204030204"/>
+                <a:latin typeface="Corbel" panose="020B0503020204020204" pitchFamily="34" charset="0"/>
                 <a:ea typeface="+mn-ea"/>
                 <a:cs typeface="+mn-cs"/>
               </a:endParaRPr>
@@ -27851,7 +27633,7 @@
                 <a:tabLst/>
                 <a:defRPr/>
               </a:pPr>
-              <a:endParaRPr kumimoji="0" lang="fr-FR" sz="1800" b="0" i="0" u="none" strike="noStrike" kern="1200" cap="none" spc="0" normalizeH="0" baseline="0" noProof="0">
+              <a:endParaRPr kumimoji="0" lang="fr-FR" sz="1800" b="0" i="0" u="none" strike="noStrike" kern="1200" cap="none" spc="0" normalizeH="0" baseline="0" noProof="0" dirty="0">
                 <a:ln>
                   <a:noFill/>
                 </a:ln>
@@ -27861,7 +27643,7 @@
                 <a:effectLst/>
                 <a:uLnTx/>
                 <a:uFillTx/>
-                <a:latin typeface="Calibri" panose="020F0502020204030204"/>
+                <a:latin typeface="Corbel" panose="020B0503020204020204" pitchFamily="34" charset="0"/>
                 <a:ea typeface="+mn-ea"/>
                 <a:cs typeface="+mn-cs"/>
               </a:endParaRPr>
@@ -27917,7 +27699,7 @@
                 <a:tabLst/>
                 <a:defRPr/>
               </a:pPr>
-              <a:endParaRPr kumimoji="0" lang="fr-FR" sz="1800" b="0" i="0" u="none" strike="noStrike" kern="1200" cap="none" spc="0" normalizeH="0" baseline="0" noProof="0">
+              <a:endParaRPr kumimoji="0" lang="fr-FR" sz="1800" b="0" i="0" u="none" strike="noStrike" kern="1200" cap="none" spc="0" normalizeH="0" baseline="0" noProof="0" dirty="0">
                 <a:ln>
                   <a:noFill/>
                 </a:ln>
@@ -27927,7 +27709,7 @@
                 <a:effectLst/>
                 <a:uLnTx/>
                 <a:uFillTx/>
-                <a:latin typeface="Calibri" panose="020F0502020204030204"/>
+                <a:latin typeface="Corbel" panose="020B0503020204020204" pitchFamily="34" charset="0"/>
                 <a:ea typeface="+mn-ea"/>
                 <a:cs typeface="+mn-cs"/>
               </a:endParaRPr>
@@ -27983,7 +27765,7 @@
                 <a:tabLst/>
                 <a:defRPr/>
               </a:pPr>
-              <a:endParaRPr kumimoji="0" lang="fr-FR" sz="1800" b="0" i="0" u="none" strike="noStrike" kern="1200" cap="none" spc="0" normalizeH="0" baseline="0" noProof="0">
+              <a:endParaRPr kumimoji="0" lang="fr-FR" sz="1800" b="0" i="0" u="none" strike="noStrike" kern="1200" cap="none" spc="0" normalizeH="0" baseline="0" noProof="0" dirty="0">
                 <a:ln>
                   <a:noFill/>
                 </a:ln>
@@ -27993,7 +27775,7 @@
                 <a:effectLst/>
                 <a:uLnTx/>
                 <a:uFillTx/>
-                <a:latin typeface="Calibri" panose="020F0502020204030204"/>
+                <a:latin typeface="Corbel" panose="020B0503020204020204" pitchFamily="34" charset="0"/>
                 <a:ea typeface="+mn-ea"/>
                 <a:cs typeface="+mn-cs"/>
               </a:endParaRPr>
@@ -28049,7 +27831,7 @@
                 <a:tabLst/>
                 <a:defRPr/>
               </a:pPr>
-              <a:endParaRPr kumimoji="0" lang="fr-FR" sz="1800" b="0" i="0" u="none" strike="noStrike" kern="1200" cap="none" spc="0" normalizeH="0" baseline="0" noProof="0">
+              <a:endParaRPr kumimoji="0" lang="fr-FR" sz="1800" b="0" i="0" u="none" strike="noStrike" kern="1200" cap="none" spc="0" normalizeH="0" baseline="0" noProof="0" dirty="0">
                 <a:ln>
                   <a:noFill/>
                 </a:ln>
@@ -28059,7 +27841,7 @@
                 <a:effectLst/>
                 <a:uLnTx/>
                 <a:uFillTx/>
-                <a:latin typeface="Calibri" panose="020F0502020204030204"/>
+                <a:latin typeface="Corbel" panose="020B0503020204020204" pitchFamily="34" charset="0"/>
                 <a:ea typeface="+mn-ea"/>
                 <a:cs typeface="+mn-cs"/>
               </a:endParaRPr>
@@ -28115,7 +27897,7 @@
                 <a:tabLst/>
                 <a:defRPr/>
               </a:pPr>
-              <a:endParaRPr kumimoji="0" lang="fr-FR" sz="1800" b="0" i="0" u="none" strike="noStrike" kern="1200" cap="none" spc="0" normalizeH="0" baseline="0" noProof="0">
+              <a:endParaRPr kumimoji="0" lang="fr-FR" sz="1800" b="0" i="0" u="none" strike="noStrike" kern="1200" cap="none" spc="0" normalizeH="0" baseline="0" noProof="0" dirty="0">
                 <a:ln>
                   <a:noFill/>
                 </a:ln>
@@ -28125,7 +27907,7 @@
                 <a:effectLst/>
                 <a:uLnTx/>
                 <a:uFillTx/>
-                <a:latin typeface="Calibri" panose="020F0502020204030204"/>
+                <a:latin typeface="Corbel" panose="020B0503020204020204" pitchFamily="34" charset="0"/>
                 <a:ea typeface="+mn-ea"/>
                 <a:cs typeface="+mn-cs"/>
               </a:endParaRPr>
@@ -28181,7 +27963,7 @@
                 <a:tabLst/>
                 <a:defRPr/>
               </a:pPr>
-              <a:endParaRPr kumimoji="0" lang="fr-FR" sz="1800" b="0" i="0" u="none" strike="noStrike" kern="1200" cap="none" spc="0" normalizeH="0" baseline="0" noProof="0">
+              <a:endParaRPr kumimoji="0" lang="fr-FR" sz="1800" b="0" i="0" u="none" strike="noStrike" kern="1200" cap="none" spc="0" normalizeH="0" baseline="0" noProof="0" dirty="0">
                 <a:ln>
                   <a:noFill/>
                 </a:ln>
@@ -28191,7 +27973,7 @@
                 <a:effectLst/>
                 <a:uLnTx/>
                 <a:uFillTx/>
-                <a:latin typeface="Calibri" panose="020F0502020204030204"/>
+                <a:latin typeface="Corbel" panose="020B0503020204020204" pitchFamily="34" charset="0"/>
                 <a:ea typeface="+mn-ea"/>
                 <a:cs typeface="+mn-cs"/>
               </a:endParaRPr>
@@ -28247,7 +28029,7 @@
                 <a:tabLst/>
                 <a:defRPr/>
               </a:pPr>
-              <a:endParaRPr kumimoji="0" lang="fr-FR" sz="1800" b="0" i="0" u="none" strike="noStrike" kern="1200" cap="none" spc="0" normalizeH="0" baseline="0" noProof="0">
+              <a:endParaRPr kumimoji="0" lang="fr-FR" sz="1800" b="0" i="0" u="none" strike="noStrike" kern="1200" cap="none" spc="0" normalizeH="0" baseline="0" noProof="0" dirty="0">
                 <a:ln>
                   <a:noFill/>
                 </a:ln>
@@ -28257,7 +28039,7 @@
                 <a:effectLst/>
                 <a:uLnTx/>
                 <a:uFillTx/>
-                <a:latin typeface="Calibri" panose="020F0502020204030204"/>
+                <a:latin typeface="Corbel" panose="020B0503020204020204" pitchFamily="34" charset="0"/>
                 <a:ea typeface="+mn-ea"/>
                 <a:cs typeface="+mn-cs"/>
               </a:endParaRPr>
@@ -28592,7 +28374,7 @@
                 <a:tabLst/>
                 <a:defRPr/>
               </a:pPr>
-              <a:endParaRPr kumimoji="0" lang="fr-FR" sz="1800" b="0" i="0" u="none" strike="noStrike" kern="1200" cap="none" spc="0" normalizeH="0" baseline="0" noProof="0">
+              <a:endParaRPr kumimoji="0" lang="fr-FR" sz="1800" b="0" i="0" u="none" strike="noStrike" kern="1200" cap="none" spc="0" normalizeH="0" baseline="0" noProof="0" dirty="0">
                 <a:ln>
                   <a:noFill/>
                 </a:ln>
@@ -28602,7 +28384,7 @@
                 <a:effectLst/>
                 <a:uLnTx/>
                 <a:uFillTx/>
-                <a:latin typeface="Calibri" panose="020F0502020204030204"/>
+                <a:latin typeface="Corbel" panose="020B0503020204020204" pitchFamily="34" charset="0"/>
                 <a:ea typeface="+mn-ea"/>
                 <a:cs typeface="+mn-cs"/>
               </a:endParaRPr>
@@ -28658,7 +28440,7 @@
                 <a:tabLst/>
                 <a:defRPr/>
               </a:pPr>
-              <a:endParaRPr kumimoji="0" lang="fr-FR" sz="1800" b="0" i="0" u="none" strike="noStrike" kern="1200" cap="none" spc="0" normalizeH="0" baseline="0" noProof="0">
+              <a:endParaRPr kumimoji="0" lang="fr-FR" sz="1800" b="0" i="0" u="none" strike="noStrike" kern="1200" cap="none" spc="0" normalizeH="0" baseline="0" noProof="0" dirty="0">
                 <a:ln>
                   <a:noFill/>
                 </a:ln>
@@ -28668,7 +28450,7 @@
                 <a:effectLst/>
                 <a:uLnTx/>
                 <a:uFillTx/>
-                <a:latin typeface="Calibri" panose="020F0502020204030204"/>
+                <a:latin typeface="Corbel" panose="020B0503020204020204" pitchFamily="34" charset="0"/>
                 <a:ea typeface="+mn-ea"/>
                 <a:cs typeface="+mn-cs"/>
               </a:endParaRPr>
@@ -28724,7 +28506,7 @@
                 <a:tabLst/>
                 <a:defRPr/>
               </a:pPr>
-              <a:endParaRPr kumimoji="0" lang="fr-FR" sz="1800" b="0" i="0" u="none" strike="noStrike" kern="1200" cap="none" spc="0" normalizeH="0" baseline="0" noProof="0">
+              <a:endParaRPr kumimoji="0" lang="fr-FR" sz="1800" b="0" i="0" u="none" strike="noStrike" kern="1200" cap="none" spc="0" normalizeH="0" baseline="0" noProof="0" dirty="0">
                 <a:ln>
                   <a:noFill/>
                 </a:ln>
@@ -28734,7 +28516,7 @@
                 <a:effectLst/>
                 <a:uLnTx/>
                 <a:uFillTx/>
-                <a:latin typeface="Calibri" panose="020F0502020204030204"/>
+                <a:latin typeface="Corbel" panose="020B0503020204020204" pitchFamily="34" charset="0"/>
                 <a:ea typeface="+mn-ea"/>
                 <a:cs typeface="+mn-cs"/>
               </a:endParaRPr>
@@ -28790,7 +28572,7 @@
                 <a:tabLst/>
                 <a:defRPr/>
               </a:pPr>
-              <a:endParaRPr kumimoji="0" lang="fr-FR" sz="1800" b="0" i="0" u="none" strike="noStrike" kern="1200" cap="none" spc="0" normalizeH="0" baseline="0" noProof="0">
+              <a:endParaRPr kumimoji="0" lang="fr-FR" sz="1800" b="0" i="0" u="none" strike="noStrike" kern="1200" cap="none" spc="0" normalizeH="0" baseline="0" noProof="0" dirty="0">
                 <a:ln>
                   <a:noFill/>
                 </a:ln>
@@ -28800,7 +28582,7 @@
                 <a:effectLst/>
                 <a:uLnTx/>
                 <a:uFillTx/>
-                <a:latin typeface="Calibri" panose="020F0502020204030204"/>
+                <a:latin typeface="Corbel" panose="020B0503020204020204" pitchFamily="34" charset="0"/>
                 <a:ea typeface="+mn-ea"/>
                 <a:cs typeface="+mn-cs"/>
               </a:endParaRPr>
@@ -28856,7 +28638,7 @@
                 <a:tabLst/>
                 <a:defRPr/>
               </a:pPr>
-              <a:endParaRPr kumimoji="0" lang="fr-FR" sz="1800" b="0" i="0" u="none" strike="noStrike" kern="1200" cap="none" spc="0" normalizeH="0" baseline="0" noProof="0">
+              <a:endParaRPr kumimoji="0" lang="fr-FR" sz="1800" b="0" i="0" u="none" strike="noStrike" kern="1200" cap="none" spc="0" normalizeH="0" baseline="0" noProof="0" dirty="0">
                 <a:ln>
                   <a:noFill/>
                 </a:ln>
@@ -28866,7 +28648,7 @@
                 <a:effectLst/>
                 <a:uLnTx/>
                 <a:uFillTx/>
-                <a:latin typeface="Calibri" panose="020F0502020204030204"/>
+                <a:latin typeface="Corbel" panose="020B0503020204020204" pitchFamily="34" charset="0"/>
                 <a:ea typeface="+mn-ea"/>
                 <a:cs typeface="+mn-cs"/>
               </a:endParaRPr>
@@ -29042,7 +28824,7 @@
           <a:p>
             <a:r>
               <a:rPr lang="fr-FR" smtClean="0"/>
-              <a:t>F. Flamerie - Recherche doc - 2021-05-21</a:t>
+              <a:t>F. Flamerie - Recherche doc - 2022-05-03</a:t>
             </a:r>
             <a:endParaRPr lang="fr-FR"/>
           </a:p>
@@ -29172,15 +28954,23 @@
         </p:nvSpPr>
         <p:spPr>
           <a:xfrm>
-            <a:off x="612602" y="1460500"/>
-            <a:ext cx="6746560" cy="4351338"/>
+            <a:off x="493573" y="1460499"/>
+            <a:ext cx="5128441" cy="5142665"/>
           </a:xfrm>
         </p:spPr>
         <p:txBody>
-          <a:bodyPr/>
+          <a:bodyPr>
+            <a:normAutofit fontScale="92500" lnSpcReduction="10000"/>
+          </a:bodyPr>
           <a:lstStyle/>
           <a:p>
             <a:pPr marL="0" indent="0">
+              <a:lnSpc>
+                <a:spcPct val="110000"/>
+              </a:lnSpc>
+              <a:spcBef>
+                <a:spcPts val="0"/>
+              </a:spcBef>
               <a:buNone/>
             </a:pPr>
             <a:r>
@@ -29188,18 +28978,25 @@
               <a:t>Extension </a:t>
             </a:r>
             <a:r>
-              <a:rPr lang="fr-FR" dirty="0" err="1" smtClean="0">
+              <a:rPr lang="fr-FR" dirty="0" smtClean="0">
                 <a:hlinkClick r:id="rId2"/>
               </a:rPr>
-              <a:t>LeanLibrary</a:t>
+              <a:t>Click and Read </a:t>
             </a:r>
             <a:r>
               <a:rPr lang="fr-FR" dirty="0" smtClean="0"/>
-              <a:t> : bouton « Library Access » dans votre navigateur</a:t>
-            </a:r>
-          </a:p>
-          <a:p>
-            <a:pPr lvl="1"/>
+              <a:t>: bouton « Click and Read » affiché sur les listes de publication lorsqu’un accès au texte intégral via une des sources configurées est possible</a:t>
+            </a:r>
+          </a:p>
+          <a:p>
+            <a:pPr lvl="1">
+              <a:lnSpc>
+                <a:spcPct val="110000"/>
+              </a:lnSpc>
+              <a:spcBef>
+                <a:spcPts val="0"/>
+              </a:spcBef>
+            </a:pPr>
             <a:r>
               <a:rPr lang="fr-FR" dirty="0"/>
               <a:t>Compatible avec tous les navigateurs </a:t>
@@ -29210,33 +29007,31 @@
             </a:r>
           </a:p>
           <a:p>
-            <a:pPr lvl="1"/>
+            <a:pPr lvl="1">
+              <a:lnSpc>
+                <a:spcPct val="110000"/>
+              </a:lnSpc>
+              <a:spcBef>
+                <a:spcPts val="0"/>
+              </a:spcBef>
+            </a:pPr>
             <a:r>
               <a:rPr lang="fr-FR" dirty="0" smtClean="0"/>
-              <a:t>Redirection automatique vers les accès Inserm</a:t>
-            </a:r>
-          </a:p>
-          <a:p>
-            <a:pPr lvl="1"/>
+              <a:t>Interroge les ressources acquises et en libre accès</a:t>
+            </a:r>
+          </a:p>
+          <a:p>
+            <a:pPr lvl="1">
+              <a:lnSpc>
+                <a:spcPct val="110000"/>
+              </a:lnSpc>
+              <a:spcBef>
+                <a:spcPts val="0"/>
+              </a:spcBef>
+            </a:pPr>
             <a:r>
               <a:rPr lang="fr-FR" dirty="0" smtClean="0"/>
-              <a:t>Tous les sites ne semblent pas compatibles</a:t>
-            </a:r>
-            <a:endParaRPr lang="fr-FR" dirty="0"/>
-          </a:p>
-          <a:p>
-            <a:pPr lvl="1"/>
-            <a:r>
-              <a:rPr lang="fr-FR" dirty="0" smtClean="0"/>
-              <a:t>Documentation à venir sur le site </a:t>
-            </a:r>
-            <a:r>
-              <a:rPr lang="fr-FR" dirty="0" err="1" smtClean="0"/>
-              <a:t>Insermbiblio</a:t>
-            </a:r>
-            <a:r>
-              <a:rPr lang="fr-FR" dirty="0" smtClean="0"/>
-              <a:t> </a:t>
+              <a:t>Les références bibliographiques doivent comporter un identifiant (DOI, PMID, Id Elsevier) pour être reconnues</a:t>
             </a:r>
           </a:p>
         </p:txBody>
@@ -29258,7 +29053,7 @@
           <a:p>
             <a:r>
               <a:rPr lang="fr-FR" smtClean="0"/>
-              <a:t>F. Flamerie - Recherche doc - 2021-05-21</a:t>
+              <a:t>F. Flamerie - Recherche doc - 2022-05-03</a:t>
             </a:r>
             <a:endParaRPr lang="fr-FR"/>
           </a:p>
@@ -29289,13 +29084,13 @@
       </p:sp>
       <p:pic>
         <p:nvPicPr>
-          <p:cNvPr id="7" name="Image 6"/>
+          <p:cNvPr id="2" name="Image 1"/>
           <p:cNvPicPr>
             <a:picLocks noChangeAspect="1"/>
           </p:cNvPicPr>
           <p:nvPr/>
         </p:nvPicPr>
-        <p:blipFill>
+        <p:blipFill rotWithShape="1">
           <a:blip r:embed="rId3">
             <a:extLst>
               <a:ext uri="{28A0092B-C50C-407E-A947-70E740481C1C}">
@@ -29303,18 +29098,22 @@
               </a:ext>
             </a:extLst>
           </a:blip>
-          <a:stretch>
-            <a:fillRect/>
-          </a:stretch>
+          <a:srcRect t="6603" b="21329"/>
+          <a:stretch/>
         </p:blipFill>
         <p:spPr>
           <a:xfrm>
-            <a:off x="8256120" y="1311201"/>
-            <a:ext cx="3452159" cy="5380186"/>
+            <a:off x="5660904" y="1460499"/>
+            <a:ext cx="6363251" cy="4305783"/>
           </a:xfrm>
           <a:prstGeom prst="rect">
             <a:avLst/>
           </a:prstGeom>
+          <a:ln>
+            <a:solidFill>
+              <a:srgbClr val="FF6600"/>
+            </a:solidFill>
+          </a:ln>
         </p:spPr>
       </p:pic>
     </p:spTree>
@@ -29502,7 +29301,7 @@
           <a:p>
             <a:r>
               <a:rPr lang="fr-FR" smtClean="0"/>
-              <a:t>F. Flamerie - Recherche doc - 2021-05-21</a:t>
+              <a:t>F. Flamerie - Recherche doc - 2022-05-03</a:t>
             </a:r>
             <a:endParaRPr lang="fr-FR"/>
           </a:p>
@@ -29672,7 +29471,7 @@
           <a:p>
             <a:r>
               <a:rPr lang="fr-FR" smtClean="0"/>
-              <a:t>F. Flamerie - Recherche doc - 2021-05-21</a:t>
+              <a:t>F. Flamerie - Recherche doc - 2022-05-03</a:t>
             </a:r>
             <a:endParaRPr lang="fr-FR"/>
           </a:p>
@@ -29710,7 +29509,7 @@
           <p:nvPr/>
         </p:nvPicPr>
         <p:blipFill>
-          <a:blip r:embed="rId2">
+          <a:blip r:embed="rId3">
             <a:extLst>
               <a:ext uri="{28A0092B-C50C-407E-A947-70E740481C1C}">
                 <a14:useLocalDpi xmlns:a14="http://schemas.microsoft.com/office/drawing/2010/main" val="0"/>
@@ -29774,7 +29573,9 @@
           <a:lstStyle/>
           <a:p>
             <a:pPr algn="ctr"/>
-            <a:endParaRPr lang="fr-FR"/>
+            <a:endParaRPr lang="fr-FR" dirty="0">
+              <a:latin typeface="Corbel" panose="020B0503020204020204" pitchFamily="34" charset="0"/>
+            </a:endParaRPr>
           </a:p>
         </p:txBody>
       </p:sp>
@@ -29853,7 +29654,7 @@
           <a:p>
             <a:r>
               <a:rPr lang="fr-FR" smtClean="0"/>
-              <a:t>F. Flamerie - Recherche doc - 2021-05-21</a:t>
+              <a:t>F. Flamerie - Recherche doc - 2022-05-03</a:t>
             </a:r>
             <a:endParaRPr lang="fr-FR"/>
           </a:p>
@@ -30119,6 +29920,1212 @@
       </p:grpSpPr>
       <p:sp>
         <p:nvSpPr>
+          <p:cNvPr id="2" name="Titre 1"/>
+          <p:cNvSpPr>
+            <a:spLocks noGrp="1"/>
+          </p:cNvSpPr>
+          <p:nvPr>
+            <p:ph type="title"/>
+          </p:nvPr>
+        </p:nvSpPr>
+        <p:spPr>
+          <a:xfrm>
+            <a:off x="255120" y="14545"/>
+            <a:ext cx="10515600" cy="1325563"/>
+          </a:xfrm>
+        </p:spPr>
+        <p:txBody>
+          <a:bodyPr/>
+          <a:lstStyle/>
+          <a:p>
+            <a:r>
+              <a:rPr lang="fr-FR" dirty="0"/>
+              <a:t>Accès institutionnels dans Google </a:t>
+            </a:r>
+            <a:r>
+              <a:rPr lang="fr-FR" dirty="0" err="1"/>
+              <a:t>Scholar</a:t>
+            </a:r>
+            <a:endParaRPr lang="fr-FR" dirty="0"/>
+          </a:p>
+        </p:txBody>
+      </p:sp>
+      <p:sp>
+        <p:nvSpPr>
+          <p:cNvPr id="3" name="Espace réservé du contenu 2"/>
+          <p:cNvSpPr>
+            <a:spLocks noGrp="1"/>
+          </p:cNvSpPr>
+          <p:nvPr>
+            <p:ph idx="1"/>
+          </p:nvPr>
+        </p:nvSpPr>
+        <p:spPr>
+          <a:xfrm>
+            <a:off x="228236" y="1170189"/>
+            <a:ext cx="3810363" cy="4770579"/>
+          </a:xfrm>
+        </p:spPr>
+        <p:txBody>
+          <a:bodyPr>
+            <a:noAutofit/>
+          </a:bodyPr>
+          <a:lstStyle/>
+          <a:p>
+            <a:pPr marL="0" indent="0">
+              <a:lnSpc>
+                <a:spcPct val="110000"/>
+              </a:lnSpc>
+              <a:buNone/>
+            </a:pPr>
+            <a:r>
+              <a:rPr lang="fr-FR" sz="2400" dirty="0" smtClean="0"/>
+              <a:t>Extension « Bouton </a:t>
+            </a:r>
+            <a:r>
+              <a:rPr lang="fr-FR" sz="2400" dirty="0"/>
+              <a:t>Google </a:t>
+            </a:r>
+            <a:r>
+              <a:rPr lang="fr-FR" sz="2400" dirty="0" err="1" smtClean="0"/>
+              <a:t>Scholar</a:t>
+            </a:r>
+            <a:r>
+              <a:rPr lang="fr-FR" sz="2400" dirty="0" smtClean="0"/>
+              <a:t> » </a:t>
+            </a:r>
+          </a:p>
+          <a:p>
+            <a:pPr>
+              <a:lnSpc>
+                <a:spcPct val="110000"/>
+              </a:lnSpc>
+              <a:buFont typeface="Corbel" panose="020B0503020204020204" pitchFamily="34" charset="0"/>
+              <a:buChar char="›"/>
+            </a:pPr>
+            <a:r>
+              <a:rPr lang="fr-FR" sz="2400" dirty="0" smtClean="0"/>
+              <a:t>Ouvre une fenêtre de recherche dans Google </a:t>
+            </a:r>
+            <a:r>
+              <a:rPr lang="fr-FR" sz="2400" dirty="0" err="1" smtClean="0"/>
+              <a:t>Scholar</a:t>
+            </a:r>
+            <a:endParaRPr lang="fr-FR" sz="2400" dirty="0"/>
+          </a:p>
+          <a:p>
+            <a:pPr>
+              <a:lnSpc>
+                <a:spcPct val="110000"/>
+              </a:lnSpc>
+              <a:buFont typeface="Corbel" panose="020B0503020204020204" pitchFamily="34" charset="0"/>
+              <a:buChar char="›"/>
+            </a:pPr>
+            <a:r>
+              <a:rPr lang="fr-FR" sz="2400" dirty="0" smtClean="0"/>
+              <a:t>Sur la page d’un article ou à partir de sa citation en bibliographie, affiche le résultat de la recherche Google </a:t>
+            </a:r>
+            <a:r>
+              <a:rPr lang="fr-FR" sz="2400" dirty="0" err="1" smtClean="0"/>
+              <a:t>Scholar</a:t>
+            </a:r>
+            <a:r>
+              <a:rPr lang="fr-FR" sz="2400" dirty="0" smtClean="0"/>
+              <a:t> correspondante</a:t>
+            </a:r>
+          </a:p>
+        </p:txBody>
+      </p:sp>
+      <p:sp>
+        <p:nvSpPr>
+          <p:cNvPr id="4" name="Espace réservé du pied de page 3"/>
+          <p:cNvSpPr>
+            <a:spLocks noGrp="1"/>
+          </p:cNvSpPr>
+          <p:nvPr>
+            <p:ph type="ftr" sz="quarter" idx="11"/>
+          </p:nvPr>
+        </p:nvSpPr>
+        <p:spPr/>
+        <p:txBody>
+          <a:bodyPr/>
+          <a:lstStyle/>
+          <a:p>
+            <a:r>
+              <a:rPr lang="fr-FR" smtClean="0"/>
+              <a:t>F. Flamerie - Recherche doc - 2022-05-03</a:t>
+            </a:r>
+            <a:endParaRPr lang="fr-FR" dirty="0"/>
+          </a:p>
+        </p:txBody>
+      </p:sp>
+      <p:sp>
+        <p:nvSpPr>
+          <p:cNvPr id="5" name="Espace réservé du numéro de diapositive 4"/>
+          <p:cNvSpPr>
+            <a:spLocks noGrp="1"/>
+          </p:cNvSpPr>
+          <p:nvPr>
+            <p:ph type="sldNum" sz="quarter" idx="12"/>
+          </p:nvPr>
+        </p:nvSpPr>
+        <p:spPr/>
+        <p:txBody>
+          <a:bodyPr/>
+          <a:lstStyle/>
+          <a:p>
+            <a:fld id="{99E13252-68E5-4994-B57B-B03F39B52C7D}" type="slidenum">
+              <a:rPr lang="fr-FR" smtClean="0"/>
+              <a:pPr/>
+              <a:t>30</a:t>
+            </a:fld>
+            <a:endParaRPr lang="fr-FR" dirty="0"/>
+          </a:p>
+        </p:txBody>
+      </p:sp>
+      <p:pic>
+        <p:nvPicPr>
+          <p:cNvPr id="7" name="Image 6"/>
+          <p:cNvPicPr>
+            <a:picLocks noChangeAspect="1"/>
+          </p:cNvPicPr>
+          <p:nvPr/>
+        </p:nvPicPr>
+        <p:blipFill>
+          <a:blip r:embed="rId3">
+            <a:extLst>
+              <a:ext uri="{28A0092B-C50C-407E-A947-70E740481C1C}">
+                <a14:useLocalDpi xmlns:a14="http://schemas.microsoft.com/office/drawing/2010/main" val="0"/>
+              </a:ext>
+            </a:extLst>
+          </a:blip>
+          <a:stretch>
+            <a:fillRect/>
+          </a:stretch>
+        </p:blipFill>
+        <p:spPr>
+          <a:xfrm>
+            <a:off x="11253599" y="368840"/>
+            <a:ext cx="678239" cy="731583"/>
+          </a:xfrm>
+          <a:prstGeom prst="rect">
+            <a:avLst/>
+          </a:prstGeom>
+          <a:ln w="19050">
+            <a:solidFill>
+              <a:schemeClr val="bg1">
+                <a:lumMod val="50000"/>
+              </a:schemeClr>
+            </a:solidFill>
+          </a:ln>
+        </p:spPr>
+      </p:pic>
+      <p:grpSp>
+        <p:nvGrpSpPr>
+          <p:cNvPr id="8" name="Arrow34" descr="{&quot;Key&quot;:&quot;POWER_USER_SHAPE_ICON&quot;,&quot;Value&quot;:&quot;POWER_USER_SHAPE_ICON_STYLE_1&quot;}">
+            <a:extLst>
+              <a:ext uri="{FF2B5EF4-FFF2-40B4-BE49-F238E27FC236}">
+                <a16:creationId xmlns="" xmlns:a16="http://schemas.microsoft.com/office/drawing/2014/main" id="{43E68E00-EA18-49EE-91A7-B065011E5152}"/>
+              </a:ext>
+            </a:extLst>
+          </p:cNvPr>
+          <p:cNvGrpSpPr>
+            <a:grpSpLocks noChangeAspect="1"/>
+          </p:cNvGrpSpPr>
+          <p:nvPr/>
+        </p:nvGrpSpPr>
+        <p:grpSpPr>
+          <a:xfrm>
+            <a:off x="10677532" y="631995"/>
+            <a:ext cx="543178" cy="538194"/>
+            <a:chOff x="6004176" y="1690066"/>
+            <a:chExt cx="1039285" cy="1029748"/>
+          </a:xfrm>
+          <a:solidFill>
+            <a:schemeClr val="tx1">
+              <a:lumMod val="65000"/>
+              <a:lumOff val="35000"/>
+            </a:schemeClr>
+          </a:solidFill>
+        </p:grpSpPr>
+        <p:sp>
+          <p:nvSpPr>
+            <p:cNvPr id="9" name="Freeform 195">
+              <a:extLst>
+                <a:ext uri="{FF2B5EF4-FFF2-40B4-BE49-F238E27FC236}">
+                  <a16:creationId xmlns="" xmlns:a16="http://schemas.microsoft.com/office/drawing/2014/main" id="{B426E1A2-1601-4CCF-ADA5-FD9317539629}"/>
+                </a:ext>
+              </a:extLst>
+            </p:cNvPr>
+            <p:cNvSpPr>
+              <a:spLocks/>
+            </p:cNvSpPr>
+            <p:nvPr/>
+          </p:nvSpPr>
+          <p:spPr bwMode="auto">
+            <a:xfrm>
+              <a:off x="6213939" y="1880760"/>
+              <a:ext cx="781845" cy="476735"/>
+            </a:xfrm>
+            <a:custGeom>
+              <a:avLst/>
+              <a:gdLst>
+                <a:gd name="T0" fmla="*/ 81 w 1018"/>
+                <a:gd name="T1" fmla="*/ 623 h 623"/>
+                <a:gd name="T2" fmla="*/ 34 w 1018"/>
+                <a:gd name="T3" fmla="*/ 606 h 623"/>
+                <a:gd name="T4" fmla="*/ 26 w 1018"/>
+                <a:gd name="T5" fmla="*/ 504 h 623"/>
+                <a:gd name="T6" fmla="*/ 933 w 1018"/>
+                <a:gd name="T7" fmla="*/ 4 h 623"/>
+                <a:gd name="T8" fmla="*/ 1013 w 1018"/>
+                <a:gd name="T9" fmla="*/ 68 h 623"/>
+                <a:gd name="T10" fmla="*/ 949 w 1018"/>
+                <a:gd name="T11" fmla="*/ 148 h 623"/>
+                <a:gd name="T12" fmla="*/ 136 w 1018"/>
+                <a:gd name="T13" fmla="*/ 598 h 623"/>
+                <a:gd name="T14" fmla="*/ 81 w 1018"/>
+                <a:gd name="T15" fmla="*/ 623 h 623"/>
+              </a:gdLst>
+              <a:ahLst/>
+              <a:cxnLst>
+                <a:cxn ang="0">
+                  <a:pos x="T0" y="T1"/>
+                </a:cxn>
+                <a:cxn ang="0">
+                  <a:pos x="T2" y="T3"/>
+                </a:cxn>
+                <a:cxn ang="0">
+                  <a:pos x="T4" y="T5"/>
+                </a:cxn>
+                <a:cxn ang="0">
+                  <a:pos x="T6" y="T7"/>
+                </a:cxn>
+                <a:cxn ang="0">
+                  <a:pos x="T8" y="T9"/>
+                </a:cxn>
+                <a:cxn ang="0">
+                  <a:pos x="T10" y="T11"/>
+                </a:cxn>
+                <a:cxn ang="0">
+                  <a:pos x="T12" y="T13"/>
+                </a:cxn>
+                <a:cxn ang="0">
+                  <a:pos x="T14" y="T15"/>
+                </a:cxn>
+              </a:cxnLst>
+              <a:rect l="0" t="0" r="r" b="b"/>
+              <a:pathLst>
+                <a:path w="1018" h="623">
+                  <a:moveTo>
+                    <a:pt x="81" y="623"/>
+                  </a:moveTo>
+                  <a:cubicBezTo>
+                    <a:pt x="65" y="623"/>
+                    <a:pt x="48" y="618"/>
+                    <a:pt x="34" y="606"/>
+                  </a:cubicBezTo>
+                  <a:cubicBezTo>
+                    <a:pt x="4" y="580"/>
+                    <a:pt x="0" y="534"/>
+                    <a:pt x="26" y="504"/>
+                  </a:cubicBezTo>
+                  <a:cubicBezTo>
+                    <a:pt x="282" y="206"/>
+                    <a:pt x="578" y="43"/>
+                    <a:pt x="933" y="4"/>
+                  </a:cubicBezTo>
+                  <a:cubicBezTo>
+                    <a:pt x="973" y="0"/>
+                    <a:pt x="1009" y="29"/>
+                    <a:pt x="1013" y="68"/>
+                  </a:cubicBezTo>
+                  <a:cubicBezTo>
+                    <a:pt x="1018" y="108"/>
+                    <a:pt x="989" y="144"/>
+                    <a:pt x="949" y="148"/>
+                  </a:cubicBezTo>
+                  <a:cubicBezTo>
+                    <a:pt x="628" y="183"/>
+                    <a:pt x="370" y="326"/>
+                    <a:pt x="136" y="598"/>
+                  </a:cubicBezTo>
+                  <a:cubicBezTo>
+                    <a:pt x="122" y="615"/>
+                    <a:pt x="102" y="623"/>
+                    <a:pt x="81" y="623"/>
+                  </a:cubicBezTo>
+                </a:path>
+              </a:pathLst>
+            </a:custGeom>
+            <a:grpFill/>
+            <a:ln w="9525">
+              <a:noFill/>
+              <a:round/>
+              <a:headEnd/>
+              <a:tailEnd/>
+            </a:ln>
+          </p:spPr>
+          <p:txBody>
+            <a:bodyPr vert="horz" wrap="square" lIns="91440" tIns="45720" rIns="91440" bIns="45720" numCol="1" anchor="t" anchorCtr="0" compatLnSpc="1">
+              <a:prstTxWarp prst="textNoShape">
+                <a:avLst/>
+              </a:prstTxWarp>
+            </a:bodyPr>
+            <a:lstStyle/>
+            <a:p>
+              <a:pPr marL="0" marR="0" lvl="0" indent="0" algn="l" defTabSz="914400" rtl="0" eaLnBrk="1" fontAlgn="auto" latinLnBrk="0" hangingPunct="1">
+                <a:lnSpc>
+                  <a:spcPct val="100000"/>
+                </a:lnSpc>
+                <a:spcBef>
+                  <a:spcPts val="0"/>
+                </a:spcBef>
+                <a:spcAft>
+                  <a:spcPts val="0"/>
+                </a:spcAft>
+                <a:buClrTx/>
+                <a:buSzTx/>
+                <a:buFontTx/>
+                <a:buNone/>
+                <a:tabLst/>
+                <a:defRPr/>
+              </a:pPr>
+              <a:endParaRPr kumimoji="0" lang="fr-FR" sz="1800" b="0" i="0" u="none" strike="noStrike" kern="1200" cap="none" spc="0" normalizeH="0" baseline="0" noProof="0" dirty="0">
+                <a:ln>
+                  <a:solidFill>
+                    <a:srgbClr val="7030A0"/>
+                  </a:solidFill>
+                </a:ln>
+                <a:solidFill>
+                  <a:prstClr val="black"/>
+                </a:solidFill>
+                <a:effectLst/>
+                <a:uLnTx/>
+                <a:uFillTx/>
+                <a:latin typeface="Corbel" panose="020B0503020204020204" pitchFamily="34" charset="0"/>
+                <a:ea typeface="+mn-ea"/>
+                <a:cs typeface="+mn-cs"/>
+              </a:endParaRPr>
+            </a:p>
+          </p:txBody>
+        </p:sp>
+        <p:sp>
+          <p:nvSpPr>
+            <p:cNvPr id="10" name="Freeform 196">
+              <a:extLst>
+                <a:ext uri="{FF2B5EF4-FFF2-40B4-BE49-F238E27FC236}">
+                  <a16:creationId xmlns="" xmlns:a16="http://schemas.microsoft.com/office/drawing/2014/main" id="{7CA8E433-9ACF-4A11-B832-05AE8A209954}"/>
+                </a:ext>
+              </a:extLst>
+            </p:cNvPr>
+            <p:cNvSpPr>
+              <a:spLocks/>
+            </p:cNvSpPr>
+            <p:nvPr/>
+          </p:nvSpPr>
+          <p:spPr bwMode="auto">
+            <a:xfrm>
+              <a:off x="6080453" y="2376565"/>
+              <a:ext cx="152555" cy="171625"/>
+            </a:xfrm>
+            <a:custGeom>
+              <a:avLst/>
+              <a:gdLst>
+                <a:gd name="T0" fmla="*/ 83 w 205"/>
+                <a:gd name="T1" fmla="*/ 223 h 223"/>
+                <a:gd name="T2" fmla="*/ 48 w 205"/>
+                <a:gd name="T3" fmla="*/ 214 h 223"/>
+                <a:gd name="T4" fmla="*/ 19 w 205"/>
+                <a:gd name="T5" fmla="*/ 116 h 223"/>
+                <a:gd name="T6" fmla="*/ 61 w 205"/>
+                <a:gd name="T7" fmla="*/ 45 h 223"/>
+                <a:gd name="T8" fmla="*/ 160 w 205"/>
+                <a:gd name="T9" fmla="*/ 22 h 223"/>
+                <a:gd name="T10" fmla="*/ 184 w 205"/>
+                <a:gd name="T11" fmla="*/ 121 h 223"/>
+                <a:gd name="T12" fmla="*/ 146 w 205"/>
+                <a:gd name="T13" fmla="*/ 186 h 223"/>
+                <a:gd name="T14" fmla="*/ 83 w 205"/>
+                <a:gd name="T15" fmla="*/ 223 h 223"/>
+              </a:gdLst>
+              <a:ahLst/>
+              <a:cxnLst>
+                <a:cxn ang="0">
+                  <a:pos x="T0" y="T1"/>
+                </a:cxn>
+                <a:cxn ang="0">
+                  <a:pos x="T2" y="T3"/>
+                </a:cxn>
+                <a:cxn ang="0">
+                  <a:pos x="T4" y="T5"/>
+                </a:cxn>
+                <a:cxn ang="0">
+                  <a:pos x="T6" y="T7"/>
+                </a:cxn>
+                <a:cxn ang="0">
+                  <a:pos x="T8" y="T9"/>
+                </a:cxn>
+                <a:cxn ang="0">
+                  <a:pos x="T10" y="T11"/>
+                </a:cxn>
+                <a:cxn ang="0">
+                  <a:pos x="T12" y="T13"/>
+                </a:cxn>
+                <a:cxn ang="0">
+                  <a:pos x="T14" y="T15"/>
+                </a:cxn>
+              </a:cxnLst>
+              <a:rect l="0" t="0" r="r" b="b"/>
+              <a:pathLst>
+                <a:path w="205" h="223">
+                  <a:moveTo>
+                    <a:pt x="83" y="223"/>
+                  </a:moveTo>
+                  <a:cubicBezTo>
+                    <a:pt x="71" y="223"/>
+                    <a:pt x="59" y="220"/>
+                    <a:pt x="48" y="214"/>
+                  </a:cubicBezTo>
+                  <a:cubicBezTo>
+                    <a:pt x="13" y="195"/>
+                    <a:pt x="0" y="151"/>
+                    <a:pt x="19" y="116"/>
+                  </a:cubicBezTo>
+                  <a:cubicBezTo>
+                    <a:pt x="32" y="92"/>
+                    <a:pt x="46" y="68"/>
+                    <a:pt x="61" y="45"/>
+                  </a:cubicBezTo>
+                  <a:cubicBezTo>
+                    <a:pt x="82" y="11"/>
+                    <a:pt x="126" y="0"/>
+                    <a:pt x="160" y="22"/>
+                  </a:cubicBezTo>
+                  <a:cubicBezTo>
+                    <a:pt x="194" y="42"/>
+                    <a:pt x="205" y="87"/>
+                    <a:pt x="184" y="121"/>
+                  </a:cubicBezTo>
+                  <a:cubicBezTo>
+                    <a:pt x="171" y="142"/>
+                    <a:pt x="158" y="164"/>
+                    <a:pt x="146" y="186"/>
+                  </a:cubicBezTo>
+                  <a:cubicBezTo>
+                    <a:pt x="133" y="210"/>
+                    <a:pt x="108" y="223"/>
+                    <a:pt x="83" y="223"/>
+                  </a:cubicBezTo>
+                </a:path>
+              </a:pathLst>
+            </a:custGeom>
+            <a:grpFill/>
+            <a:ln w="9525">
+              <a:noFill/>
+              <a:round/>
+              <a:headEnd/>
+              <a:tailEnd/>
+            </a:ln>
+          </p:spPr>
+          <p:txBody>
+            <a:bodyPr vert="horz" wrap="square" lIns="91440" tIns="45720" rIns="91440" bIns="45720" numCol="1" anchor="t" anchorCtr="0" compatLnSpc="1">
+              <a:prstTxWarp prst="textNoShape">
+                <a:avLst/>
+              </a:prstTxWarp>
+            </a:bodyPr>
+            <a:lstStyle/>
+            <a:p>
+              <a:pPr marL="0" marR="0" lvl="0" indent="0" algn="l" defTabSz="914400" rtl="0" eaLnBrk="1" fontAlgn="auto" latinLnBrk="0" hangingPunct="1">
+                <a:lnSpc>
+                  <a:spcPct val="100000"/>
+                </a:lnSpc>
+                <a:spcBef>
+                  <a:spcPts val="0"/>
+                </a:spcBef>
+                <a:spcAft>
+                  <a:spcPts val="0"/>
+                </a:spcAft>
+                <a:buClrTx/>
+                <a:buSzTx/>
+                <a:buFontTx/>
+                <a:buNone/>
+                <a:tabLst/>
+                <a:defRPr/>
+              </a:pPr>
+              <a:endParaRPr kumimoji="0" lang="fr-FR" sz="1800" b="0" i="0" u="none" strike="noStrike" kern="1200" cap="none" spc="0" normalizeH="0" baseline="0" noProof="0" dirty="0">
+                <a:ln>
+                  <a:solidFill>
+                    <a:srgbClr val="7030A0"/>
+                  </a:solidFill>
+                </a:ln>
+                <a:solidFill>
+                  <a:prstClr val="black"/>
+                </a:solidFill>
+                <a:effectLst/>
+                <a:uLnTx/>
+                <a:uFillTx/>
+                <a:latin typeface="Corbel" panose="020B0503020204020204" pitchFamily="34" charset="0"/>
+                <a:ea typeface="+mn-ea"/>
+                <a:cs typeface="+mn-cs"/>
+              </a:endParaRPr>
+            </a:p>
+          </p:txBody>
+        </p:sp>
+        <p:sp>
+          <p:nvSpPr>
+            <p:cNvPr id="11" name="Freeform 197">
+              <a:extLst>
+                <a:ext uri="{FF2B5EF4-FFF2-40B4-BE49-F238E27FC236}">
+                  <a16:creationId xmlns="" xmlns:a16="http://schemas.microsoft.com/office/drawing/2014/main" id="{B1AA219A-44DC-4DD1-B062-924FC970BD8C}"/>
+                </a:ext>
+              </a:extLst>
+            </p:cNvPr>
+            <p:cNvSpPr>
+              <a:spLocks/>
+            </p:cNvSpPr>
+            <p:nvPr/>
+          </p:nvSpPr>
+          <p:spPr bwMode="auto">
+            <a:xfrm>
+              <a:off x="6004176" y="2586328"/>
+              <a:ext cx="133486" cy="133486"/>
+            </a:xfrm>
+            <a:custGeom>
+              <a:avLst/>
+              <a:gdLst>
+                <a:gd name="T0" fmla="*/ 81 w 167"/>
+                <a:gd name="T1" fmla="*/ 169 h 169"/>
+                <a:gd name="T2" fmla="*/ 59 w 167"/>
+                <a:gd name="T3" fmla="*/ 166 h 169"/>
+                <a:gd name="T4" fmla="*/ 12 w 167"/>
+                <a:gd name="T5" fmla="*/ 75 h 169"/>
+                <a:gd name="T6" fmla="*/ 17 w 167"/>
+                <a:gd name="T7" fmla="*/ 60 h 169"/>
+                <a:gd name="T8" fmla="*/ 108 w 167"/>
+                <a:gd name="T9" fmla="*/ 12 h 169"/>
+                <a:gd name="T10" fmla="*/ 155 w 167"/>
+                <a:gd name="T11" fmla="*/ 103 h 169"/>
+                <a:gd name="T12" fmla="*/ 150 w 167"/>
+                <a:gd name="T13" fmla="*/ 118 h 169"/>
+                <a:gd name="T14" fmla="*/ 81 w 167"/>
+                <a:gd name="T15" fmla="*/ 169 h 169"/>
+              </a:gdLst>
+              <a:ahLst/>
+              <a:cxnLst>
+                <a:cxn ang="0">
+                  <a:pos x="T0" y="T1"/>
+                </a:cxn>
+                <a:cxn ang="0">
+                  <a:pos x="T2" y="T3"/>
+                </a:cxn>
+                <a:cxn ang="0">
+                  <a:pos x="T4" y="T5"/>
+                </a:cxn>
+                <a:cxn ang="0">
+                  <a:pos x="T6" y="T7"/>
+                </a:cxn>
+                <a:cxn ang="0">
+                  <a:pos x="T8" y="T9"/>
+                </a:cxn>
+                <a:cxn ang="0">
+                  <a:pos x="T10" y="T11"/>
+                </a:cxn>
+                <a:cxn ang="0">
+                  <a:pos x="T12" y="T13"/>
+                </a:cxn>
+                <a:cxn ang="0">
+                  <a:pos x="T14" y="T15"/>
+                </a:cxn>
+              </a:cxnLst>
+              <a:rect l="0" t="0" r="r" b="b"/>
+              <a:pathLst>
+                <a:path w="167" h="169">
+                  <a:moveTo>
+                    <a:pt x="81" y="169"/>
+                  </a:moveTo>
+                  <a:cubicBezTo>
+                    <a:pt x="74" y="169"/>
+                    <a:pt x="67" y="168"/>
+                    <a:pt x="59" y="166"/>
+                  </a:cubicBezTo>
+                  <a:cubicBezTo>
+                    <a:pt x="21" y="154"/>
+                    <a:pt x="0" y="113"/>
+                    <a:pt x="12" y="75"/>
+                  </a:cubicBezTo>
+                  <a:lnTo>
+                    <a:pt x="17" y="60"/>
+                  </a:lnTo>
+                  <a:cubicBezTo>
+                    <a:pt x="29" y="21"/>
+                    <a:pt x="69" y="0"/>
+                    <a:pt x="108" y="12"/>
+                  </a:cubicBezTo>
+                  <a:cubicBezTo>
+                    <a:pt x="146" y="24"/>
+                    <a:pt x="167" y="65"/>
+                    <a:pt x="155" y="103"/>
+                  </a:cubicBezTo>
+                  <a:lnTo>
+                    <a:pt x="150" y="118"/>
+                  </a:lnTo>
+                  <a:cubicBezTo>
+                    <a:pt x="140" y="149"/>
+                    <a:pt x="112" y="169"/>
+                    <a:pt x="81" y="169"/>
+                  </a:cubicBezTo>
+                </a:path>
+              </a:pathLst>
+            </a:custGeom>
+            <a:grpFill/>
+            <a:ln w="9525">
+              <a:noFill/>
+              <a:round/>
+              <a:headEnd/>
+              <a:tailEnd/>
+            </a:ln>
+          </p:spPr>
+          <p:txBody>
+            <a:bodyPr vert="horz" wrap="square" lIns="91440" tIns="45720" rIns="91440" bIns="45720" numCol="1" anchor="t" anchorCtr="0" compatLnSpc="1">
+              <a:prstTxWarp prst="textNoShape">
+                <a:avLst/>
+              </a:prstTxWarp>
+            </a:bodyPr>
+            <a:lstStyle/>
+            <a:p>
+              <a:pPr marL="0" marR="0" lvl="0" indent="0" algn="l" defTabSz="914400" rtl="0" eaLnBrk="1" fontAlgn="auto" latinLnBrk="0" hangingPunct="1">
+                <a:lnSpc>
+                  <a:spcPct val="100000"/>
+                </a:lnSpc>
+                <a:spcBef>
+                  <a:spcPts val="0"/>
+                </a:spcBef>
+                <a:spcAft>
+                  <a:spcPts val="0"/>
+                </a:spcAft>
+                <a:buClrTx/>
+                <a:buSzTx/>
+                <a:buFontTx/>
+                <a:buNone/>
+                <a:tabLst/>
+                <a:defRPr/>
+              </a:pPr>
+              <a:endParaRPr kumimoji="0" lang="fr-FR" sz="1800" b="0" i="0" u="none" strike="noStrike" kern="1200" cap="none" spc="0" normalizeH="0" baseline="0" noProof="0" dirty="0">
+                <a:ln>
+                  <a:solidFill>
+                    <a:srgbClr val="7030A0"/>
+                  </a:solidFill>
+                </a:ln>
+                <a:solidFill>
+                  <a:prstClr val="black"/>
+                </a:solidFill>
+                <a:effectLst/>
+                <a:uLnTx/>
+                <a:uFillTx/>
+                <a:latin typeface="Corbel" panose="020B0503020204020204" pitchFamily="34" charset="0"/>
+                <a:ea typeface="+mn-ea"/>
+                <a:cs typeface="+mn-cs"/>
+              </a:endParaRPr>
+            </a:p>
+          </p:txBody>
+        </p:sp>
+        <p:sp>
+          <p:nvSpPr>
+            <p:cNvPr id="12" name="Freeform 198">
+              <a:extLst>
+                <a:ext uri="{FF2B5EF4-FFF2-40B4-BE49-F238E27FC236}">
+                  <a16:creationId xmlns="" xmlns:a16="http://schemas.microsoft.com/office/drawing/2014/main" id="{D93843A3-5211-4329-AAB5-9A71A272F9BF}"/>
+                </a:ext>
+              </a:extLst>
+            </p:cNvPr>
+            <p:cNvSpPr>
+              <a:spLocks/>
+            </p:cNvSpPr>
+            <p:nvPr/>
+          </p:nvSpPr>
+          <p:spPr bwMode="auto">
+            <a:xfrm>
+              <a:off x="6652535" y="1690066"/>
+              <a:ext cx="390926" cy="562551"/>
+            </a:xfrm>
+            <a:custGeom>
+              <a:avLst/>
+              <a:gdLst>
+                <a:gd name="T0" fmla="*/ 197 w 510"/>
+                <a:gd name="T1" fmla="*/ 738 h 738"/>
+                <a:gd name="T2" fmla="*/ 156 w 510"/>
+                <a:gd name="T3" fmla="*/ 726 h 738"/>
+                <a:gd name="T4" fmla="*/ 137 w 510"/>
+                <a:gd name="T5" fmla="*/ 625 h 738"/>
+                <a:gd name="T6" fmla="*/ 334 w 510"/>
+                <a:gd name="T7" fmla="*/ 336 h 738"/>
+                <a:gd name="T8" fmla="*/ 42 w 510"/>
+                <a:gd name="T9" fmla="*/ 143 h 738"/>
+                <a:gd name="T10" fmla="*/ 22 w 510"/>
+                <a:gd name="T11" fmla="*/ 42 h 738"/>
+                <a:gd name="T12" fmla="*/ 123 w 510"/>
+                <a:gd name="T13" fmla="*/ 22 h 738"/>
+                <a:gd name="T14" fmla="*/ 476 w 510"/>
+                <a:gd name="T15" fmla="*/ 256 h 738"/>
+                <a:gd name="T16" fmla="*/ 507 w 510"/>
+                <a:gd name="T17" fmla="*/ 303 h 738"/>
+                <a:gd name="T18" fmla="*/ 495 w 510"/>
+                <a:gd name="T19" fmla="*/ 358 h 738"/>
+                <a:gd name="T20" fmla="*/ 257 w 510"/>
+                <a:gd name="T21" fmla="*/ 707 h 738"/>
+                <a:gd name="T22" fmla="*/ 197 w 510"/>
+                <a:gd name="T23" fmla="*/ 738 h 738"/>
+              </a:gdLst>
+              <a:ahLst/>
+              <a:cxnLst>
+                <a:cxn ang="0">
+                  <a:pos x="T0" y="T1"/>
+                </a:cxn>
+                <a:cxn ang="0">
+                  <a:pos x="T2" y="T3"/>
+                </a:cxn>
+                <a:cxn ang="0">
+                  <a:pos x="T4" y="T5"/>
+                </a:cxn>
+                <a:cxn ang="0">
+                  <a:pos x="T6" y="T7"/>
+                </a:cxn>
+                <a:cxn ang="0">
+                  <a:pos x="T8" y="T9"/>
+                </a:cxn>
+                <a:cxn ang="0">
+                  <a:pos x="T10" y="T11"/>
+                </a:cxn>
+                <a:cxn ang="0">
+                  <a:pos x="T12" y="T13"/>
+                </a:cxn>
+                <a:cxn ang="0">
+                  <a:pos x="T14" y="T15"/>
+                </a:cxn>
+                <a:cxn ang="0">
+                  <a:pos x="T16" y="T17"/>
+                </a:cxn>
+                <a:cxn ang="0">
+                  <a:pos x="T18" y="T19"/>
+                </a:cxn>
+                <a:cxn ang="0">
+                  <a:pos x="T20" y="T21"/>
+                </a:cxn>
+                <a:cxn ang="0">
+                  <a:pos x="T22" y="T23"/>
+                </a:cxn>
+              </a:cxnLst>
+              <a:rect l="0" t="0" r="r" b="b"/>
+              <a:pathLst>
+                <a:path w="510" h="738">
+                  <a:moveTo>
+                    <a:pt x="197" y="738"/>
+                  </a:moveTo>
+                  <a:cubicBezTo>
+                    <a:pt x="183" y="738"/>
+                    <a:pt x="169" y="734"/>
+                    <a:pt x="156" y="726"/>
+                  </a:cubicBezTo>
+                  <a:cubicBezTo>
+                    <a:pt x="123" y="703"/>
+                    <a:pt x="115" y="658"/>
+                    <a:pt x="137" y="625"/>
+                  </a:cubicBezTo>
+                  <a:lnTo>
+                    <a:pt x="334" y="336"/>
+                  </a:lnTo>
+                  <a:lnTo>
+                    <a:pt x="42" y="143"/>
+                  </a:lnTo>
+                  <a:cubicBezTo>
+                    <a:pt x="9" y="120"/>
+                    <a:pt x="0" y="75"/>
+                    <a:pt x="22" y="42"/>
+                  </a:cubicBezTo>
+                  <a:cubicBezTo>
+                    <a:pt x="44" y="9"/>
+                    <a:pt x="89" y="0"/>
+                    <a:pt x="123" y="22"/>
+                  </a:cubicBezTo>
+                  <a:lnTo>
+                    <a:pt x="476" y="256"/>
+                  </a:lnTo>
+                  <a:cubicBezTo>
+                    <a:pt x="492" y="267"/>
+                    <a:pt x="503" y="284"/>
+                    <a:pt x="507" y="303"/>
+                  </a:cubicBezTo>
+                  <a:cubicBezTo>
+                    <a:pt x="510" y="322"/>
+                    <a:pt x="506" y="342"/>
+                    <a:pt x="495" y="358"/>
+                  </a:cubicBezTo>
+                  <a:lnTo>
+                    <a:pt x="257" y="707"/>
+                  </a:lnTo>
+                  <a:cubicBezTo>
+                    <a:pt x="243" y="727"/>
+                    <a:pt x="220" y="738"/>
+                    <a:pt x="197" y="738"/>
+                  </a:cubicBezTo>
+                </a:path>
+              </a:pathLst>
+            </a:custGeom>
+            <a:grpFill/>
+            <a:ln w="9525">
+              <a:noFill/>
+              <a:round/>
+              <a:headEnd/>
+              <a:tailEnd/>
+            </a:ln>
+          </p:spPr>
+          <p:txBody>
+            <a:bodyPr vert="horz" wrap="square" lIns="91440" tIns="45720" rIns="91440" bIns="45720" numCol="1" anchor="t" anchorCtr="0" compatLnSpc="1">
+              <a:prstTxWarp prst="textNoShape">
+                <a:avLst/>
+              </a:prstTxWarp>
+            </a:bodyPr>
+            <a:lstStyle/>
+            <a:p>
+              <a:pPr marL="0" marR="0" lvl="0" indent="0" algn="l" defTabSz="914400" rtl="0" eaLnBrk="1" fontAlgn="auto" latinLnBrk="0" hangingPunct="1">
+                <a:lnSpc>
+                  <a:spcPct val="100000"/>
+                </a:lnSpc>
+                <a:spcBef>
+                  <a:spcPts val="0"/>
+                </a:spcBef>
+                <a:spcAft>
+                  <a:spcPts val="0"/>
+                </a:spcAft>
+                <a:buClrTx/>
+                <a:buSzTx/>
+                <a:buFontTx/>
+                <a:buNone/>
+                <a:tabLst/>
+                <a:defRPr/>
+              </a:pPr>
+              <a:endParaRPr kumimoji="0" lang="fr-FR" sz="1800" b="0" i="0" u="none" strike="noStrike" kern="1200" cap="none" spc="0" normalizeH="0" baseline="0" noProof="0" dirty="0">
+                <a:ln>
+                  <a:solidFill>
+                    <a:srgbClr val="7030A0"/>
+                  </a:solidFill>
+                </a:ln>
+                <a:solidFill>
+                  <a:prstClr val="black"/>
+                </a:solidFill>
+                <a:effectLst/>
+                <a:uLnTx/>
+                <a:uFillTx/>
+                <a:latin typeface="Corbel" panose="020B0503020204020204" pitchFamily="34" charset="0"/>
+                <a:ea typeface="+mn-ea"/>
+                <a:cs typeface="+mn-cs"/>
+              </a:endParaRPr>
+            </a:p>
+          </p:txBody>
+        </p:sp>
+      </p:grpSp>
+      <p:pic>
+        <p:nvPicPr>
+          <p:cNvPr id="13" name="Image 12"/>
+          <p:cNvPicPr>
+            <a:picLocks noChangeAspect="1"/>
+          </p:cNvPicPr>
+          <p:nvPr/>
+        </p:nvPicPr>
+        <p:blipFill>
+          <a:blip r:embed="rId4">
+            <a:extLst>
+              <a:ext uri="{28A0092B-C50C-407E-A947-70E740481C1C}">
+                <a14:useLocalDpi xmlns:a14="http://schemas.microsoft.com/office/drawing/2010/main" val="0"/>
+              </a:ext>
+            </a:extLst>
+          </a:blip>
+          <a:stretch>
+            <a:fillRect/>
+          </a:stretch>
+        </p:blipFill>
+        <p:spPr>
+          <a:xfrm>
+            <a:off x="4127317" y="1190122"/>
+            <a:ext cx="6889077" cy="4618120"/>
+          </a:xfrm>
+          <a:prstGeom prst="rect">
+            <a:avLst/>
+          </a:prstGeom>
+        </p:spPr>
+      </p:pic>
+      <p:sp>
+        <p:nvSpPr>
+          <p:cNvPr id="14" name="Rectangle 13"/>
+          <p:cNvSpPr/>
+          <p:nvPr/>
+        </p:nvSpPr>
+        <p:spPr>
+          <a:xfrm>
+            <a:off x="901700" y="6036322"/>
+            <a:ext cx="11209020" cy="400110"/>
+          </a:xfrm>
+          <a:prstGeom prst="rect">
+            <a:avLst/>
+          </a:prstGeom>
+        </p:spPr>
+        <p:txBody>
+          <a:bodyPr wrap="square">
+            <a:spAutoFit/>
+          </a:bodyPr>
+          <a:lstStyle/>
+          <a:p>
+            <a:r>
+              <a:rPr lang="fr-FR" sz="2000" dirty="0">
+                <a:latin typeface="Corbel" panose="020B0503020204020204" pitchFamily="34" charset="0"/>
+              </a:rPr>
+              <a:t>Voir notre tuto </a:t>
+            </a:r>
+            <a:r>
+              <a:rPr lang="fr-FR" sz="2000" dirty="0" err="1">
+                <a:latin typeface="Corbel" panose="020B0503020204020204" pitchFamily="34" charset="0"/>
+              </a:rPr>
+              <a:t>doc’Isped</a:t>
+            </a:r>
+            <a:r>
+              <a:rPr lang="fr-FR" sz="2000" dirty="0">
+                <a:latin typeface="Corbel" panose="020B0503020204020204" pitchFamily="34" charset="0"/>
+              </a:rPr>
+              <a:t> : </a:t>
+            </a:r>
+            <a:r>
+              <a:rPr lang="fr-FR" sz="2000" dirty="0">
+                <a:latin typeface="Corbel" panose="020B0503020204020204" pitchFamily="34" charset="0"/>
+                <a:hlinkClick r:id="rId5"/>
+              </a:rPr>
+              <a:t>Trouver rapidement le texte intégral d’une publication scientifique</a:t>
+            </a:r>
+            <a:r>
+              <a:rPr lang="fr-FR" sz="2000" dirty="0">
+                <a:latin typeface="Corbel" panose="020B0503020204020204" pitchFamily="34" charset="0"/>
+              </a:rPr>
+              <a:t> </a:t>
+            </a:r>
+          </a:p>
+        </p:txBody>
+      </p:sp>
+      <p:grpSp>
+        <p:nvGrpSpPr>
+          <p:cNvPr id="15" name="Arrow19" descr="{&quot;Key&quot;:&quot;POWER_USER_SHAPE_ICON&quot;,&quot;Value&quot;:&quot;POWER_USER_SHAPE_ICON_STYLE_1&quot;}"/>
+          <p:cNvGrpSpPr>
+            <a:grpSpLocks noChangeAspect="1"/>
+          </p:cNvGrpSpPr>
+          <p:nvPr/>
+        </p:nvGrpSpPr>
+        <p:grpSpPr>
+          <a:xfrm>
+            <a:off x="433743" y="6069261"/>
+            <a:ext cx="404457" cy="351782"/>
+            <a:chOff x="1412032" y="2732632"/>
+            <a:chExt cx="1016496" cy="884112"/>
+          </a:xfrm>
+          <a:solidFill>
+            <a:schemeClr val="bg1">
+              <a:lumMod val="50000"/>
+            </a:schemeClr>
+          </a:solidFill>
+        </p:grpSpPr>
+        <p:sp>
+          <p:nvSpPr>
+            <p:cNvPr id="16" name="Chevron 15"/>
+            <p:cNvSpPr/>
+            <p:nvPr/>
+          </p:nvSpPr>
+          <p:spPr>
+            <a:xfrm>
+              <a:off x="1412032" y="2732632"/>
+              <a:ext cx="576064" cy="884112"/>
+            </a:xfrm>
+            <a:prstGeom prst="chevron">
+              <a:avLst>
+                <a:gd name="adj" fmla="val 56184"/>
+              </a:avLst>
+            </a:prstGeom>
+            <a:grpFill/>
+            <a:ln>
+              <a:solidFill>
+                <a:schemeClr val="bg1">
+                  <a:lumMod val="50000"/>
+                </a:schemeClr>
+              </a:solidFill>
+            </a:ln>
+          </p:spPr>
+          <p:style>
+            <a:lnRef idx="2">
+              <a:schemeClr val="accent1">
+                <a:shade val="50000"/>
+              </a:schemeClr>
+            </a:lnRef>
+            <a:fillRef idx="1">
+              <a:schemeClr val="accent1"/>
+            </a:fillRef>
+            <a:effectRef idx="0">
+              <a:schemeClr val="accent1"/>
+            </a:effectRef>
+            <a:fontRef idx="minor">
+              <a:schemeClr val="lt1"/>
+            </a:fontRef>
+          </p:style>
+          <p:txBody>
+            <a:bodyPr rtlCol="0" anchor="ctr"/>
+            <a:lstStyle/>
+            <a:p>
+              <a:pPr marL="0" marR="0" lvl="0" indent="0" algn="ctr" defTabSz="914400" rtl="0" eaLnBrk="1" fontAlgn="auto" latinLnBrk="0" hangingPunct="1">
+                <a:lnSpc>
+                  <a:spcPct val="100000"/>
+                </a:lnSpc>
+                <a:spcBef>
+                  <a:spcPts val="0"/>
+                </a:spcBef>
+                <a:spcAft>
+                  <a:spcPts val="0"/>
+                </a:spcAft>
+                <a:buClrTx/>
+                <a:buSzTx/>
+                <a:buFontTx/>
+                <a:buNone/>
+                <a:tabLst/>
+                <a:defRPr/>
+              </a:pPr>
+              <a:endParaRPr kumimoji="0" lang="fr-FR" sz="1800" b="0" i="0" u="none" strike="noStrike" kern="1200" cap="none" spc="0" normalizeH="0" baseline="0" noProof="0" dirty="0">
+                <a:ln>
+                  <a:noFill/>
+                </a:ln>
+                <a:solidFill>
+                  <a:schemeClr val="bg1">
+                    <a:lumMod val="50000"/>
+                  </a:schemeClr>
+                </a:solidFill>
+                <a:effectLst/>
+                <a:uLnTx/>
+                <a:uFillTx/>
+                <a:latin typeface="Corbel" panose="020B0503020204020204" pitchFamily="34" charset="0"/>
+                <a:ea typeface="+mn-ea"/>
+                <a:cs typeface="+mn-cs"/>
+              </a:endParaRPr>
+            </a:p>
+          </p:txBody>
+        </p:sp>
+        <p:sp>
+          <p:nvSpPr>
+            <p:cNvPr id="17" name="Chevron 16"/>
+            <p:cNvSpPr/>
+            <p:nvPr/>
+          </p:nvSpPr>
+          <p:spPr>
+            <a:xfrm>
+              <a:off x="1852464" y="2732632"/>
+              <a:ext cx="576064" cy="884112"/>
+            </a:xfrm>
+            <a:prstGeom prst="chevron">
+              <a:avLst>
+                <a:gd name="adj" fmla="val 56184"/>
+              </a:avLst>
+            </a:prstGeom>
+            <a:grpFill/>
+            <a:ln>
+              <a:solidFill>
+                <a:schemeClr val="bg1">
+                  <a:lumMod val="50000"/>
+                </a:schemeClr>
+              </a:solidFill>
+            </a:ln>
+          </p:spPr>
+          <p:style>
+            <a:lnRef idx="2">
+              <a:schemeClr val="accent1">
+                <a:shade val="50000"/>
+              </a:schemeClr>
+            </a:lnRef>
+            <a:fillRef idx="1">
+              <a:schemeClr val="accent1"/>
+            </a:fillRef>
+            <a:effectRef idx="0">
+              <a:schemeClr val="accent1"/>
+            </a:effectRef>
+            <a:fontRef idx="minor">
+              <a:schemeClr val="lt1"/>
+            </a:fontRef>
+          </p:style>
+          <p:txBody>
+            <a:bodyPr rtlCol="0" anchor="ctr"/>
+            <a:lstStyle/>
+            <a:p>
+              <a:pPr marL="0" marR="0" lvl="0" indent="0" algn="ctr" defTabSz="914400" rtl="0" eaLnBrk="1" fontAlgn="auto" latinLnBrk="0" hangingPunct="1">
+                <a:lnSpc>
+                  <a:spcPct val="100000"/>
+                </a:lnSpc>
+                <a:spcBef>
+                  <a:spcPts val="0"/>
+                </a:spcBef>
+                <a:spcAft>
+                  <a:spcPts val="0"/>
+                </a:spcAft>
+                <a:buClrTx/>
+                <a:buSzTx/>
+                <a:buFontTx/>
+                <a:buNone/>
+                <a:tabLst/>
+                <a:defRPr/>
+              </a:pPr>
+              <a:endParaRPr kumimoji="0" lang="fr-FR" sz="1800" b="0" i="0" u="none" strike="noStrike" kern="1200" cap="none" spc="0" normalizeH="0" baseline="0" noProof="0" dirty="0">
+                <a:ln>
+                  <a:noFill/>
+                </a:ln>
+                <a:solidFill>
+                  <a:schemeClr val="bg1">
+                    <a:lumMod val="50000"/>
+                  </a:schemeClr>
+                </a:solidFill>
+                <a:effectLst/>
+                <a:uLnTx/>
+                <a:uFillTx/>
+                <a:latin typeface="Corbel" panose="020B0503020204020204" pitchFamily="34" charset="0"/>
+                <a:ea typeface="+mn-ea"/>
+                <a:cs typeface="+mn-cs"/>
+              </a:endParaRPr>
+            </a:p>
+          </p:txBody>
+        </p:sp>
+      </p:grpSp>
+    </p:spTree>
+    <p:extLst>
+      <p:ext uri="{BB962C8B-B14F-4D97-AF65-F5344CB8AC3E}">
+        <p14:creationId xmlns:p14="http://schemas.microsoft.com/office/powerpoint/2010/main" val="2510103139"/>
+      </p:ext>
+    </p:extLst>
+  </p:cSld>
+  <p:clrMapOvr>
+    <a:masterClrMapping/>
+  </p:clrMapOvr>
+</p:sld>
+</file>
+
+<file path=ppt/slides/slide31.xml><?xml version="1.0" encoding="utf-8"?>
+<p:sld xmlns:a="http://schemas.openxmlformats.org/drawingml/2006/main" xmlns:r="http://schemas.openxmlformats.org/officeDocument/2006/relationships" xmlns:p="http://schemas.openxmlformats.org/presentationml/2006/main">
+  <p:cSld>
+    <p:spTree>
+      <p:nvGrpSpPr>
+        <p:cNvPr id="1" name=""/>
+        <p:cNvGrpSpPr/>
+        <p:nvPr/>
+      </p:nvGrpSpPr>
+      <p:grpSpPr>
+        <a:xfrm>
+          <a:off x="0" y="0"/>
+          <a:ext cx="0" cy="0"/>
+          <a:chOff x="0" y="0"/>
+          <a:chExt cx="0" cy="0"/>
+        </a:xfrm>
+      </p:grpSpPr>
+      <p:sp>
+        <p:nvSpPr>
           <p:cNvPr id="9" name="Titre 8"/>
           <p:cNvSpPr>
             <a:spLocks noGrp="1"/>
@@ -30137,6 +31144,294 @@
               <a:t>Accès institutionnels : dans votre logiciel de gestion bibliographique</a:t>
             </a:r>
             <a:endParaRPr lang="fr-FR" dirty="0"/>
+          </a:p>
+        </p:txBody>
+      </p:sp>
+      <p:sp>
+        <p:nvSpPr>
+          <p:cNvPr id="10" name="Espace réservé du contenu 9"/>
+          <p:cNvSpPr>
+            <a:spLocks noGrp="1"/>
+          </p:cNvSpPr>
+          <p:nvPr>
+            <p:ph idx="1"/>
+          </p:nvPr>
+        </p:nvSpPr>
+        <p:spPr>
+          <a:xfrm>
+            <a:off x="838200" y="1825625"/>
+            <a:ext cx="10408920" cy="4351338"/>
+          </a:xfrm>
+        </p:spPr>
+        <p:txBody>
+          <a:bodyPr/>
+          <a:lstStyle/>
+          <a:p>
+            <a:pPr marL="0" indent="0">
+              <a:lnSpc>
+                <a:spcPct val="100000"/>
+              </a:lnSpc>
+              <a:buNone/>
+            </a:pPr>
+            <a:r>
+              <a:rPr lang="fr-FR" dirty="0" smtClean="0"/>
+              <a:t>Ces paramétrages sont disponibles pour </a:t>
+            </a:r>
+            <a:r>
+              <a:rPr lang="fr-FR" dirty="0" err="1"/>
+              <a:t>EndNote</a:t>
+            </a:r>
+            <a:r>
+              <a:rPr lang="fr-FR" dirty="0"/>
+              <a:t> et </a:t>
+            </a:r>
+            <a:r>
+              <a:rPr lang="fr-FR" dirty="0" smtClean="0"/>
+              <a:t>Zotero. Voir </a:t>
+            </a:r>
+            <a:r>
+              <a:rPr lang="fr-FR" dirty="0"/>
+              <a:t>nos tutos </a:t>
+            </a:r>
+            <a:r>
+              <a:rPr lang="fr-FR" dirty="0" err="1"/>
+              <a:t>doc’Isped</a:t>
+            </a:r>
+            <a:r>
+              <a:rPr lang="fr-FR" dirty="0"/>
+              <a:t> sur le site de </a:t>
+            </a:r>
+            <a:r>
+              <a:rPr lang="fr-FR" dirty="0" smtClean="0"/>
+              <a:t>l’</a:t>
+            </a:r>
+            <a:r>
+              <a:rPr lang="fr-FR" dirty="0" err="1" smtClean="0"/>
+              <a:t>Isped</a:t>
+            </a:r>
+            <a:r>
+              <a:rPr lang="fr-FR" dirty="0" smtClean="0"/>
+              <a:t> </a:t>
+            </a:r>
+          </a:p>
+          <a:p>
+            <a:pPr marL="0" indent="0">
+              <a:lnSpc>
+                <a:spcPct val="100000"/>
+              </a:lnSpc>
+              <a:buNone/>
+            </a:pPr>
+            <a:r>
+              <a:rPr lang="fr-FR" dirty="0" smtClean="0">
+                <a:hlinkClick r:id="rId2"/>
+              </a:rPr>
+              <a:t>Vie </a:t>
+            </a:r>
+            <a:r>
+              <a:rPr lang="fr-FR" dirty="0">
+                <a:hlinkClick r:id="rId2"/>
+              </a:rPr>
+              <a:t>étudiante &gt; Espace documentation &gt; </a:t>
+            </a:r>
+            <a:r>
+              <a:rPr lang="fr-FR" dirty="0" smtClean="0">
+                <a:hlinkClick r:id="rId2"/>
+              </a:rPr>
+              <a:t>Tutoriels</a:t>
+            </a:r>
+            <a:endParaRPr lang="fr-FR" dirty="0" smtClean="0"/>
+          </a:p>
+          <a:p>
+            <a:pPr>
+              <a:lnSpc>
+                <a:spcPct val="100000"/>
+              </a:lnSpc>
+            </a:pPr>
+            <a:r>
+              <a:rPr lang="fr-FR" dirty="0" smtClean="0">
+                <a:hlinkClick r:id="rId3"/>
+              </a:rPr>
+              <a:t> Lancer </a:t>
+            </a:r>
+            <a:r>
+              <a:rPr lang="fr-FR" dirty="0">
+                <a:hlinkClick r:id="rId3"/>
+              </a:rPr>
+              <a:t>une recherche dans les ressources de votre institution depuis </a:t>
+            </a:r>
+            <a:r>
+              <a:rPr lang="fr-FR" dirty="0" smtClean="0">
+                <a:hlinkClick r:id="rId3"/>
+              </a:rPr>
+              <a:t>Zotero</a:t>
+            </a:r>
+            <a:endParaRPr lang="fr-FR" dirty="0" smtClean="0"/>
+          </a:p>
+          <a:p>
+            <a:pPr>
+              <a:lnSpc>
+                <a:spcPct val="100000"/>
+              </a:lnSpc>
+            </a:pPr>
+            <a:r>
+              <a:rPr lang="fr-FR" dirty="0">
+                <a:hlinkClick r:id="rId4"/>
+              </a:rPr>
+              <a:t> </a:t>
+            </a:r>
+            <a:r>
+              <a:rPr lang="fr-FR" dirty="0" err="1" smtClean="0">
+                <a:hlinkClick r:id="rId4"/>
+              </a:rPr>
+              <a:t>EndNote</a:t>
+            </a:r>
+            <a:r>
+              <a:rPr lang="fr-FR" dirty="0" smtClean="0">
+                <a:hlinkClick r:id="rId4"/>
+              </a:rPr>
+              <a:t> </a:t>
+            </a:r>
+            <a:r>
+              <a:rPr lang="fr-FR" dirty="0">
+                <a:hlinkClick r:id="rId4"/>
+              </a:rPr>
+              <a:t>: récupérer le texte intégral des références (</a:t>
+            </a:r>
+            <a:r>
+              <a:rPr lang="fr-FR" i="1" dirty="0" err="1">
+                <a:hlinkClick r:id="rId4"/>
+              </a:rPr>
+              <a:t>Find</a:t>
+            </a:r>
+            <a:r>
+              <a:rPr lang="fr-FR" i="1" dirty="0">
+                <a:hlinkClick r:id="rId4"/>
+              </a:rPr>
+              <a:t> Full </a:t>
+            </a:r>
+            <a:r>
+              <a:rPr lang="fr-FR" i="1" dirty="0" err="1">
+                <a:hlinkClick r:id="rId4"/>
+              </a:rPr>
+              <a:t>Text</a:t>
+            </a:r>
+            <a:r>
+              <a:rPr lang="fr-FR" dirty="0">
+                <a:hlinkClick r:id="rId4"/>
+              </a:rPr>
+              <a:t>)</a:t>
+            </a:r>
+            <a:endParaRPr lang="fr-FR" dirty="0" smtClean="0"/>
+          </a:p>
+          <a:p>
+            <a:pPr marL="0" indent="0">
+              <a:buNone/>
+            </a:pPr>
+            <a:endParaRPr lang="fr-FR" dirty="0" smtClean="0"/>
+          </a:p>
+          <a:p>
+            <a:pPr marL="0" indent="0">
+              <a:buNone/>
+            </a:pPr>
+            <a:endParaRPr lang="fr-FR" dirty="0"/>
+          </a:p>
+        </p:txBody>
+      </p:sp>
+      <p:sp>
+        <p:nvSpPr>
+          <p:cNvPr id="4" name="Espace réservé du pied de page 3"/>
+          <p:cNvSpPr>
+            <a:spLocks noGrp="1"/>
+          </p:cNvSpPr>
+          <p:nvPr>
+            <p:ph type="ftr" sz="quarter" idx="11"/>
+          </p:nvPr>
+        </p:nvSpPr>
+        <p:spPr/>
+        <p:txBody>
+          <a:bodyPr/>
+          <a:lstStyle/>
+          <a:p>
+            <a:r>
+              <a:rPr lang="fr-FR" smtClean="0"/>
+              <a:t>F. Flamerie - Recherche doc - 2022-05-03</a:t>
+            </a:r>
+            <a:endParaRPr lang="fr-FR"/>
+          </a:p>
+        </p:txBody>
+      </p:sp>
+      <p:sp>
+        <p:nvSpPr>
+          <p:cNvPr id="5" name="Espace réservé du numéro de diapositive 4"/>
+          <p:cNvSpPr>
+            <a:spLocks noGrp="1"/>
+          </p:cNvSpPr>
+          <p:nvPr>
+            <p:ph type="sldNum" sz="quarter" idx="12"/>
+          </p:nvPr>
+        </p:nvSpPr>
+        <p:spPr/>
+        <p:txBody>
+          <a:bodyPr/>
+          <a:lstStyle/>
+          <a:p>
+            <a:fld id="{99E13252-68E5-4994-B57B-B03F39B52C7D}" type="slidenum">
+              <a:rPr lang="fr-FR" smtClean="0"/>
+              <a:t>31</a:t>
+            </a:fld>
+            <a:endParaRPr lang="fr-FR"/>
+          </a:p>
+        </p:txBody>
+      </p:sp>
+    </p:spTree>
+    <p:extLst>
+      <p:ext uri="{BB962C8B-B14F-4D97-AF65-F5344CB8AC3E}">
+        <p14:creationId xmlns:p14="http://schemas.microsoft.com/office/powerpoint/2010/main" val="287007440"/>
+      </p:ext>
+    </p:extLst>
+  </p:cSld>
+  <p:clrMapOvr>
+    <a:masterClrMapping/>
+  </p:clrMapOvr>
+</p:sld>
+</file>
+
+<file path=ppt/slides/slide32.xml><?xml version="1.0" encoding="utf-8"?>
+<p:sld xmlns:a="http://schemas.openxmlformats.org/drawingml/2006/main" xmlns:r="http://schemas.openxmlformats.org/officeDocument/2006/relationships" xmlns:p="http://schemas.openxmlformats.org/presentationml/2006/main">
+  <p:cSld>
+    <p:spTree>
+      <p:nvGrpSpPr>
+        <p:cNvPr id="1" name=""/>
+        <p:cNvGrpSpPr/>
+        <p:nvPr/>
+      </p:nvGrpSpPr>
+      <p:grpSpPr>
+        <a:xfrm>
+          <a:off x="0" y="0"/>
+          <a:ext cx="0" cy="0"/>
+          <a:chOff x="0" y="0"/>
+          <a:chExt cx="0" cy="0"/>
+        </a:xfrm>
+      </p:grpSpPr>
+      <p:sp>
+        <p:nvSpPr>
+          <p:cNvPr id="9" name="Titre 8"/>
+          <p:cNvSpPr>
+            <a:spLocks noGrp="1"/>
+          </p:cNvSpPr>
+          <p:nvPr>
+            <p:ph type="title"/>
+          </p:nvPr>
+        </p:nvSpPr>
+        <p:spPr/>
+        <p:txBody>
+          <a:bodyPr/>
+          <a:lstStyle/>
+          <a:p>
+            <a:r>
+              <a:rPr lang="fr-FR" dirty="0"/>
+              <a:t>Alternatives légales lorsque les accès institutionnels font défaut </a:t>
+            </a:r>
           </a:p>
         </p:txBody>
       </p:sp>
@@ -30155,45 +31450,61 @@
           <a:bodyPr/>
           <a:lstStyle/>
           <a:p>
+            <a:pPr>
+              <a:lnSpc>
+                <a:spcPct val="100000"/>
+              </a:lnSpc>
+            </a:pPr>
             <a:r>
               <a:rPr lang="fr-FR" dirty="0" smtClean="0"/>
-              <a:t> Paramétrages possibles pour </a:t>
+              <a:t> Site de l’éditeur : certains articles sont en lecture gratuite à l’unité ou temporairement, sans que cela puisse être repérable par nos outils institutionnels</a:t>
+            </a:r>
+          </a:p>
+          <a:p>
+            <a:pPr>
+              <a:lnSpc>
+                <a:spcPct val="100000"/>
+              </a:lnSpc>
+            </a:pPr>
+            <a:r>
+              <a:rPr lang="fr-FR" dirty="0"/>
+              <a:t> </a:t>
+            </a:r>
+            <a:r>
+              <a:rPr lang="fr-FR" dirty="0" smtClean="0"/>
+              <a:t>Recherche Google pour les possibilités non indexées par Google </a:t>
             </a:r>
             <a:r>
               <a:rPr lang="fr-FR" dirty="0" err="1" smtClean="0"/>
-              <a:t>EndNote</a:t>
+              <a:t>Scholar</a:t>
             </a:r>
             <a:r>
               <a:rPr lang="fr-FR" dirty="0" smtClean="0"/>
-              <a:t> et Zotero </a:t>
-            </a:r>
-          </a:p>
-          <a:p>
+              <a:t>, fiche d’un article sans PDF associé sur </a:t>
+            </a:r>
+            <a:r>
+              <a:rPr lang="fr-FR" dirty="0" err="1" smtClean="0"/>
+              <a:t>ResearchGate</a:t>
+            </a:r>
+            <a:r>
+              <a:rPr lang="fr-FR" dirty="0" smtClean="0"/>
+              <a:t> par exemple</a:t>
+            </a:r>
+          </a:p>
+          <a:p>
+            <a:pPr>
+              <a:lnSpc>
+                <a:spcPct val="100000"/>
+              </a:lnSpc>
+            </a:pPr>
             <a:r>
               <a:rPr lang="fr-FR" dirty="0"/>
-              <a:t>Voir les tutos </a:t>
-            </a:r>
-            <a:r>
-              <a:rPr lang="fr-FR" dirty="0" err="1" smtClean="0"/>
-              <a:t>doc’Isped</a:t>
+              <a:t> </a:t>
             </a:r>
             <a:r>
               <a:rPr lang="fr-FR" dirty="0" smtClean="0"/>
-              <a:t> : </a:t>
-            </a:r>
-            <a:endParaRPr lang="fr-FR" dirty="0" smtClean="0"/>
-          </a:p>
-          <a:p>
-            <a:pPr marL="0" indent="0">
-              <a:buNone/>
-            </a:pPr>
-            <a:r>
-              <a:rPr lang="fr-FR" dirty="0" smtClean="0">
-                <a:hlinkClick r:id="rId2"/>
-              </a:rPr>
-              <a:t>Vie étudiante &gt; Espace documentation &gt; Tutoriels</a:t>
-            </a:r>
-            <a:endParaRPr lang="fr-FR" dirty="0"/>
+              <a:t>Prêt entre bibliothèques</a:t>
+            </a:r>
           </a:p>
         </p:txBody>
       </p:sp>
@@ -30213,10 +31524,10 @@
           <a:lstStyle/>
           <a:p>
             <a:r>
-              <a:rPr lang="fr-FR" smtClean="0"/>
-              <a:t>F. Flamerie - Recherche doc - 2021-05-21</a:t>
-            </a:r>
-            <a:endParaRPr lang="fr-FR"/>
+              <a:rPr lang="fr-FR" dirty="0" smtClean="0"/>
+              <a:t>F. Flamerie - Recherche doc - 2022-05-03</a:t>
+            </a:r>
+            <a:endParaRPr lang="fr-FR" dirty="0"/>
           </a:p>
         </p:txBody>
       </p:sp>
@@ -30237,16 +31548,272 @@
           <a:p>
             <a:fld id="{99E13252-68E5-4994-B57B-B03F39B52C7D}" type="slidenum">
               <a:rPr lang="fr-FR" smtClean="0"/>
-              <a:t>30</a:t>
+              <a:t>32</a:t>
             </a:fld>
             <a:endParaRPr lang="fr-FR"/>
+          </a:p>
+        </p:txBody>
+      </p:sp>
+      <p:grpSp>
+        <p:nvGrpSpPr>
+          <p:cNvPr id="6" name="Arrow19" descr="{&quot;Key&quot;:&quot;POWER_USER_SHAPE_ICON&quot;,&quot;Value&quot;:&quot;POWER_USER_SHAPE_ICON_STYLE_1&quot;}"/>
+          <p:cNvGrpSpPr>
+            <a:grpSpLocks noChangeAspect="1"/>
+          </p:cNvGrpSpPr>
+          <p:nvPr/>
+        </p:nvGrpSpPr>
+        <p:grpSpPr>
+          <a:xfrm>
+            <a:off x="433743" y="5825181"/>
+            <a:ext cx="404457" cy="351782"/>
+            <a:chOff x="1412032" y="2732632"/>
+            <a:chExt cx="1016496" cy="884112"/>
+          </a:xfrm>
+          <a:solidFill>
+            <a:schemeClr val="bg1">
+              <a:lumMod val="50000"/>
+            </a:schemeClr>
+          </a:solidFill>
+        </p:grpSpPr>
+        <p:sp>
+          <p:nvSpPr>
+            <p:cNvPr id="7" name="Chevron 6"/>
+            <p:cNvSpPr/>
+            <p:nvPr/>
+          </p:nvSpPr>
+          <p:spPr>
+            <a:xfrm>
+              <a:off x="1412032" y="2732632"/>
+              <a:ext cx="576064" cy="884112"/>
+            </a:xfrm>
+            <a:prstGeom prst="chevron">
+              <a:avLst>
+                <a:gd name="adj" fmla="val 56184"/>
+              </a:avLst>
+            </a:prstGeom>
+            <a:grpFill/>
+            <a:ln>
+              <a:solidFill>
+                <a:schemeClr val="bg1">
+                  <a:lumMod val="50000"/>
+                </a:schemeClr>
+              </a:solidFill>
+            </a:ln>
+          </p:spPr>
+          <p:style>
+            <a:lnRef idx="2">
+              <a:schemeClr val="accent1">
+                <a:shade val="50000"/>
+              </a:schemeClr>
+            </a:lnRef>
+            <a:fillRef idx="1">
+              <a:schemeClr val="accent1"/>
+            </a:fillRef>
+            <a:effectRef idx="0">
+              <a:schemeClr val="accent1"/>
+            </a:effectRef>
+            <a:fontRef idx="minor">
+              <a:schemeClr val="lt1"/>
+            </a:fontRef>
+          </p:style>
+          <p:txBody>
+            <a:bodyPr rtlCol="0" anchor="ctr"/>
+            <a:lstStyle/>
+            <a:p>
+              <a:pPr marL="0" marR="0" lvl="0" indent="0" algn="ctr" defTabSz="914400" rtl="0" eaLnBrk="1" fontAlgn="auto" latinLnBrk="0" hangingPunct="1">
+                <a:lnSpc>
+                  <a:spcPct val="100000"/>
+                </a:lnSpc>
+                <a:spcBef>
+                  <a:spcPts val="0"/>
+                </a:spcBef>
+                <a:spcAft>
+                  <a:spcPts val="0"/>
+                </a:spcAft>
+                <a:buClrTx/>
+                <a:buSzTx/>
+                <a:buFontTx/>
+                <a:buNone/>
+                <a:tabLst/>
+                <a:defRPr/>
+              </a:pPr>
+              <a:endParaRPr kumimoji="0" lang="fr-FR" sz="1800" b="0" i="0" u="none" strike="noStrike" kern="1200" cap="none" spc="0" normalizeH="0" baseline="0" noProof="0" dirty="0">
+                <a:ln>
+                  <a:noFill/>
+                </a:ln>
+                <a:solidFill>
+                  <a:schemeClr val="bg1">
+                    <a:lumMod val="50000"/>
+                  </a:schemeClr>
+                </a:solidFill>
+                <a:effectLst/>
+                <a:uLnTx/>
+                <a:uFillTx/>
+                <a:latin typeface="Corbel" panose="020B0503020204020204" pitchFamily="34" charset="0"/>
+                <a:ea typeface="+mn-ea"/>
+                <a:cs typeface="+mn-cs"/>
+              </a:endParaRPr>
+            </a:p>
+          </p:txBody>
+        </p:sp>
+        <p:sp>
+          <p:nvSpPr>
+            <p:cNvPr id="8" name="Chevron 7"/>
+            <p:cNvSpPr/>
+            <p:nvPr/>
+          </p:nvSpPr>
+          <p:spPr>
+            <a:xfrm>
+              <a:off x="1852464" y="2732632"/>
+              <a:ext cx="576064" cy="884112"/>
+            </a:xfrm>
+            <a:prstGeom prst="chevron">
+              <a:avLst>
+                <a:gd name="adj" fmla="val 56184"/>
+              </a:avLst>
+            </a:prstGeom>
+            <a:grpFill/>
+            <a:ln>
+              <a:solidFill>
+                <a:schemeClr val="bg1">
+                  <a:lumMod val="50000"/>
+                </a:schemeClr>
+              </a:solidFill>
+            </a:ln>
+          </p:spPr>
+          <p:style>
+            <a:lnRef idx="2">
+              <a:schemeClr val="accent1">
+                <a:shade val="50000"/>
+              </a:schemeClr>
+            </a:lnRef>
+            <a:fillRef idx="1">
+              <a:schemeClr val="accent1"/>
+            </a:fillRef>
+            <a:effectRef idx="0">
+              <a:schemeClr val="accent1"/>
+            </a:effectRef>
+            <a:fontRef idx="minor">
+              <a:schemeClr val="lt1"/>
+            </a:fontRef>
+          </p:style>
+          <p:txBody>
+            <a:bodyPr rtlCol="0" anchor="ctr"/>
+            <a:lstStyle/>
+            <a:p>
+              <a:pPr marL="0" marR="0" lvl="0" indent="0" algn="ctr" defTabSz="914400" rtl="0" eaLnBrk="1" fontAlgn="auto" latinLnBrk="0" hangingPunct="1">
+                <a:lnSpc>
+                  <a:spcPct val="100000"/>
+                </a:lnSpc>
+                <a:spcBef>
+                  <a:spcPts val="0"/>
+                </a:spcBef>
+                <a:spcAft>
+                  <a:spcPts val="0"/>
+                </a:spcAft>
+                <a:buClrTx/>
+                <a:buSzTx/>
+                <a:buFontTx/>
+                <a:buNone/>
+                <a:tabLst/>
+                <a:defRPr/>
+              </a:pPr>
+              <a:endParaRPr kumimoji="0" lang="fr-FR" sz="1800" b="0" i="0" u="none" strike="noStrike" kern="1200" cap="none" spc="0" normalizeH="0" baseline="0" noProof="0" dirty="0">
+                <a:ln>
+                  <a:noFill/>
+                </a:ln>
+                <a:solidFill>
+                  <a:schemeClr val="bg1">
+                    <a:lumMod val="50000"/>
+                  </a:schemeClr>
+                </a:solidFill>
+                <a:effectLst/>
+                <a:uLnTx/>
+                <a:uFillTx/>
+                <a:latin typeface="Corbel" panose="020B0503020204020204" pitchFamily="34" charset="0"/>
+                <a:ea typeface="+mn-ea"/>
+                <a:cs typeface="+mn-cs"/>
+              </a:endParaRPr>
+            </a:p>
+          </p:txBody>
+        </p:sp>
+      </p:grpSp>
+      <p:sp>
+        <p:nvSpPr>
+          <p:cNvPr id="3" name="Rectangle 2"/>
+          <p:cNvSpPr/>
+          <p:nvPr/>
+        </p:nvSpPr>
+        <p:spPr>
+          <a:xfrm>
+            <a:off x="1013445" y="5585573"/>
+            <a:ext cx="10461633" cy="830997"/>
+          </a:xfrm>
+          <a:prstGeom prst="rect">
+            <a:avLst/>
+          </a:prstGeom>
+        </p:spPr>
+        <p:txBody>
+          <a:bodyPr wrap="square">
+            <a:spAutoFit/>
+          </a:bodyPr>
+          <a:lstStyle/>
+          <a:p>
+            <a:pPr lvl="0">
+              <a:spcBef>
+                <a:spcPts val="1000"/>
+              </a:spcBef>
+            </a:pPr>
+            <a:r>
+              <a:rPr lang="fr-FR" sz="2400" dirty="0">
+                <a:solidFill>
+                  <a:prstClr val="black"/>
+                </a:solidFill>
+                <a:latin typeface="Corbel" panose="020B0503020204020204" pitchFamily="34" charset="0"/>
+              </a:rPr>
+              <a:t>Voir notre tuto </a:t>
+            </a:r>
+            <a:r>
+              <a:rPr lang="fr-FR" sz="2400" dirty="0" err="1">
+                <a:solidFill>
+                  <a:prstClr val="black"/>
+                </a:solidFill>
+                <a:latin typeface="Corbel" panose="020B0503020204020204" pitchFamily="34" charset="0"/>
+              </a:rPr>
+              <a:t>doc’Isped</a:t>
+            </a:r>
+            <a:r>
+              <a:rPr lang="fr-FR" sz="2400" dirty="0">
+                <a:solidFill>
+                  <a:prstClr val="black"/>
+                </a:solidFill>
+                <a:latin typeface="Corbel" panose="020B0503020204020204" pitchFamily="34" charset="0"/>
+              </a:rPr>
+              <a:t> : </a:t>
+            </a:r>
+            <a:r>
+              <a:rPr lang="fr-FR" sz="2400" dirty="0">
+                <a:solidFill>
+                  <a:prstClr val="black"/>
+                </a:solidFill>
+                <a:latin typeface="Corbel" panose="020B0503020204020204" pitchFamily="34" charset="0"/>
+                <a:hlinkClick r:id="rId2"/>
+              </a:rPr>
+              <a:t>Trouver rapidement le texte intégral d’une publication scientifique</a:t>
+            </a:r>
+            <a:endParaRPr lang="fr-FR" sz="2400" dirty="0">
+              <a:solidFill>
+                <a:prstClr val="black"/>
+              </a:solidFill>
+              <a:latin typeface="Corbel" panose="020B0503020204020204" pitchFamily="34" charset="0"/>
+            </a:endParaRPr>
           </a:p>
         </p:txBody>
       </p:sp>
     </p:spTree>
     <p:extLst>
       <p:ext uri="{BB962C8B-B14F-4D97-AF65-F5344CB8AC3E}">
-        <p14:creationId xmlns:p14="http://schemas.microsoft.com/office/powerpoint/2010/main" val="287007440"/>
+        <p14:creationId xmlns:p14="http://schemas.microsoft.com/office/powerpoint/2010/main" val="612170197"/>
       </p:ext>
     </p:extLst>
   </p:cSld>
@@ -30256,7 +31823,7 @@
 </p:sld>
 </file>
 
-<file path=ppt/slides/slide31.xml><?xml version="1.0" encoding="utf-8"?>
+<file path=ppt/slides/slide33.xml><?xml version="1.0" encoding="utf-8"?>
 <p:sld xmlns:a="http://schemas.openxmlformats.org/drawingml/2006/main" xmlns:r="http://schemas.openxmlformats.org/officeDocument/2006/relationships" xmlns:p="http://schemas.openxmlformats.org/presentationml/2006/main">
   <p:cSld>
     <p:spTree>
@@ -30350,7 +31917,7 @@
           <a:p>
             <a:r>
               <a:rPr lang="fr-FR" smtClean="0"/>
-              <a:t>F. Flamerie - Recherche doc - 2021-05-21</a:t>
+              <a:t>F. Flamerie - Recherche doc - 2022-05-03</a:t>
             </a:r>
             <a:endParaRPr lang="fr-FR" dirty="0"/>
           </a:p>
@@ -30374,7 +31941,7 @@
             <a:fld id="{99E13252-68E5-4994-B57B-B03F39B52C7D}" type="slidenum">
               <a:rPr lang="fr-FR" smtClean="0"/>
               <a:pPr/>
-              <a:t>31</a:t>
+              <a:t>33</a:t>
             </a:fld>
             <a:endParaRPr lang="fr-FR" dirty="0"/>
           </a:p>
@@ -30452,7 +32019,7 @@
                 <a:tabLst/>
                 <a:defRPr/>
               </a:pPr>
-              <a:endParaRPr kumimoji="0" lang="fr-FR" sz="1800" b="0" i="0" u="none" strike="noStrike" kern="1200" cap="none" spc="0" normalizeH="0" baseline="0" noProof="0">
+              <a:endParaRPr kumimoji="0" lang="fr-FR" sz="1800" b="0" i="0" u="none" strike="noStrike" kern="1200" cap="none" spc="0" normalizeH="0" baseline="0" noProof="0" dirty="0">
                 <a:ln>
                   <a:noFill/>
                 </a:ln>
@@ -30462,7 +32029,7 @@
                 <a:effectLst/>
                 <a:uLnTx/>
                 <a:uFillTx/>
-                <a:latin typeface="Calibri" panose="020F0502020204030204"/>
+                <a:latin typeface="Corbel" panose="020B0503020204020204" pitchFamily="34" charset="0"/>
                 <a:ea typeface="+mn-ea"/>
                 <a:cs typeface="+mn-cs"/>
               </a:endParaRPr>
@@ -30518,7 +32085,7 @@
                 <a:tabLst/>
                 <a:defRPr/>
               </a:pPr>
-              <a:endParaRPr kumimoji="0" lang="fr-FR" sz="1800" b="0" i="0" u="none" strike="noStrike" kern="1200" cap="none" spc="0" normalizeH="0" baseline="0" noProof="0">
+              <a:endParaRPr kumimoji="0" lang="fr-FR" sz="1800" b="0" i="0" u="none" strike="noStrike" kern="1200" cap="none" spc="0" normalizeH="0" baseline="0" noProof="0" dirty="0">
                 <a:ln>
                   <a:noFill/>
                 </a:ln>
@@ -30528,7 +32095,7 @@
                 <a:effectLst/>
                 <a:uLnTx/>
                 <a:uFillTx/>
-                <a:latin typeface="Calibri" panose="020F0502020204030204"/>
+                <a:latin typeface="Corbel" panose="020B0503020204020204" pitchFamily="34" charset="0"/>
                 <a:ea typeface="+mn-ea"/>
                 <a:cs typeface="+mn-cs"/>
               </a:endParaRPr>
@@ -30584,7 +32151,7 @@
                 <a:tabLst/>
                 <a:defRPr/>
               </a:pPr>
-              <a:endParaRPr kumimoji="0" lang="fr-FR" sz="1800" b="0" i="0" u="none" strike="noStrike" kern="1200" cap="none" spc="0" normalizeH="0" baseline="0" noProof="0">
+              <a:endParaRPr kumimoji="0" lang="fr-FR" sz="1800" b="0" i="0" u="none" strike="noStrike" kern="1200" cap="none" spc="0" normalizeH="0" baseline="0" noProof="0" dirty="0">
                 <a:ln>
                   <a:noFill/>
                 </a:ln>
@@ -30594,7 +32161,7 @@
                 <a:effectLst/>
                 <a:uLnTx/>
                 <a:uFillTx/>
-                <a:latin typeface="Calibri" panose="020F0502020204030204"/>
+                <a:latin typeface="Corbel" panose="020B0503020204020204" pitchFamily="34" charset="0"/>
                 <a:ea typeface="+mn-ea"/>
                 <a:cs typeface="+mn-cs"/>
               </a:endParaRPr>
@@ -30650,7 +32217,7 @@
                 <a:tabLst/>
                 <a:defRPr/>
               </a:pPr>
-              <a:endParaRPr kumimoji="0" lang="fr-FR" sz="1800" b="0" i="0" u="none" strike="noStrike" kern="1200" cap="none" spc="0" normalizeH="0" baseline="0" noProof="0">
+              <a:endParaRPr kumimoji="0" lang="fr-FR" sz="1800" b="0" i="0" u="none" strike="noStrike" kern="1200" cap="none" spc="0" normalizeH="0" baseline="0" noProof="0" dirty="0">
                 <a:ln>
                   <a:noFill/>
                 </a:ln>
@@ -30660,7 +32227,7 @@
                 <a:effectLst/>
                 <a:uLnTx/>
                 <a:uFillTx/>
-                <a:latin typeface="Calibri" panose="020F0502020204030204"/>
+                <a:latin typeface="Corbel" panose="020B0503020204020204" pitchFamily="34" charset="0"/>
                 <a:ea typeface="+mn-ea"/>
                 <a:cs typeface="+mn-cs"/>
               </a:endParaRPr>
@@ -30716,7 +32283,7 @@
                 <a:tabLst/>
                 <a:defRPr/>
               </a:pPr>
-              <a:endParaRPr kumimoji="0" lang="fr-FR" sz="1800" b="0" i="0" u="none" strike="noStrike" kern="1200" cap="none" spc="0" normalizeH="0" baseline="0" noProof="0">
+              <a:endParaRPr kumimoji="0" lang="fr-FR" sz="1800" b="0" i="0" u="none" strike="noStrike" kern="1200" cap="none" spc="0" normalizeH="0" baseline="0" noProof="0" dirty="0">
                 <a:ln>
                   <a:noFill/>
                 </a:ln>
@@ -30726,7 +32293,7 @@
                 <a:effectLst/>
                 <a:uLnTx/>
                 <a:uFillTx/>
-                <a:latin typeface="Calibri" panose="020F0502020204030204"/>
+                <a:latin typeface="Corbel" panose="020B0503020204020204" pitchFamily="34" charset="0"/>
                 <a:ea typeface="+mn-ea"/>
                 <a:cs typeface="+mn-cs"/>
               </a:endParaRPr>
@@ -30782,7 +32349,7 @@
                 <a:tabLst/>
                 <a:defRPr/>
               </a:pPr>
-              <a:endParaRPr kumimoji="0" lang="fr-FR" sz="1800" b="0" i="0" u="none" strike="noStrike" kern="1200" cap="none" spc="0" normalizeH="0" baseline="0" noProof="0">
+              <a:endParaRPr kumimoji="0" lang="fr-FR" sz="1800" b="0" i="0" u="none" strike="noStrike" kern="1200" cap="none" spc="0" normalizeH="0" baseline="0" noProof="0" dirty="0">
                 <a:ln>
                   <a:noFill/>
                 </a:ln>
@@ -30792,7 +32359,7 @@
                 <a:effectLst/>
                 <a:uLnTx/>
                 <a:uFillTx/>
-                <a:latin typeface="Calibri" panose="020F0502020204030204"/>
+                <a:latin typeface="Corbel" panose="020B0503020204020204" pitchFamily="34" charset="0"/>
                 <a:ea typeface="+mn-ea"/>
                 <a:cs typeface="+mn-cs"/>
               </a:endParaRPr>
@@ -30848,7 +32415,7 @@
                 <a:tabLst/>
                 <a:defRPr/>
               </a:pPr>
-              <a:endParaRPr kumimoji="0" lang="fr-FR" sz="1800" b="0" i="0" u="none" strike="noStrike" kern="1200" cap="none" spc="0" normalizeH="0" baseline="0" noProof="0">
+              <a:endParaRPr kumimoji="0" lang="fr-FR" sz="1800" b="0" i="0" u="none" strike="noStrike" kern="1200" cap="none" spc="0" normalizeH="0" baseline="0" noProof="0" dirty="0">
                 <a:ln>
                   <a:noFill/>
                 </a:ln>
@@ -30858,7 +32425,7 @@
                 <a:effectLst/>
                 <a:uLnTx/>
                 <a:uFillTx/>
-                <a:latin typeface="Calibri" panose="020F0502020204030204"/>
+                <a:latin typeface="Corbel" panose="020B0503020204020204" pitchFamily="34" charset="0"/>
                 <a:ea typeface="+mn-ea"/>
                 <a:cs typeface="+mn-cs"/>
               </a:endParaRPr>
@@ -30914,7 +32481,7 @@
                 <a:tabLst/>
                 <a:defRPr/>
               </a:pPr>
-              <a:endParaRPr kumimoji="0" lang="fr-FR" sz="1800" b="0" i="0" u="none" strike="noStrike" kern="1200" cap="none" spc="0" normalizeH="0" baseline="0" noProof="0">
+              <a:endParaRPr kumimoji="0" lang="fr-FR" sz="1800" b="0" i="0" u="none" strike="noStrike" kern="1200" cap="none" spc="0" normalizeH="0" baseline="0" noProof="0" dirty="0">
                 <a:ln>
                   <a:noFill/>
                 </a:ln>
@@ -30924,7 +32491,7 @@
                 <a:effectLst/>
                 <a:uLnTx/>
                 <a:uFillTx/>
-                <a:latin typeface="Calibri" panose="020F0502020204030204"/>
+                <a:latin typeface="Corbel" panose="020B0503020204020204" pitchFamily="34" charset="0"/>
                 <a:ea typeface="+mn-ea"/>
                 <a:cs typeface="+mn-cs"/>
               </a:endParaRPr>
@@ -30980,7 +32547,7 @@
                 <a:tabLst/>
                 <a:defRPr/>
               </a:pPr>
-              <a:endParaRPr kumimoji="0" lang="fr-FR" sz="1800" b="0" i="0" u="none" strike="noStrike" kern="1200" cap="none" spc="0" normalizeH="0" baseline="0" noProof="0">
+              <a:endParaRPr kumimoji="0" lang="fr-FR" sz="1800" b="0" i="0" u="none" strike="noStrike" kern="1200" cap="none" spc="0" normalizeH="0" baseline="0" noProof="0" dirty="0">
                 <a:ln>
                   <a:noFill/>
                 </a:ln>
@@ -30990,7 +32557,7 @@
                 <a:effectLst/>
                 <a:uLnTx/>
                 <a:uFillTx/>
-                <a:latin typeface="Calibri" panose="020F0502020204030204"/>
+                <a:latin typeface="Corbel" panose="020B0503020204020204" pitchFamily="34" charset="0"/>
                 <a:ea typeface="+mn-ea"/>
                 <a:cs typeface="+mn-cs"/>
               </a:endParaRPr>
@@ -31046,7 +32613,7 @@
                 <a:tabLst/>
                 <a:defRPr/>
               </a:pPr>
-              <a:endParaRPr kumimoji="0" lang="fr-FR" sz="1800" b="0" i="0" u="none" strike="noStrike" kern="1200" cap="none" spc="0" normalizeH="0" baseline="0" noProof="0">
+              <a:endParaRPr kumimoji="0" lang="fr-FR" sz="1800" b="0" i="0" u="none" strike="noStrike" kern="1200" cap="none" spc="0" normalizeH="0" baseline="0" noProof="0" dirty="0">
                 <a:ln>
                   <a:noFill/>
                 </a:ln>
@@ -31056,7 +32623,7 @@
                 <a:effectLst/>
                 <a:uLnTx/>
                 <a:uFillTx/>
-                <a:latin typeface="Calibri" panose="020F0502020204030204"/>
+                <a:latin typeface="Corbel" panose="020B0503020204020204" pitchFamily="34" charset="0"/>
                 <a:ea typeface="+mn-ea"/>
                 <a:cs typeface="+mn-cs"/>
               </a:endParaRPr>
@@ -31112,7 +32679,7 @@
                 <a:tabLst/>
                 <a:defRPr/>
               </a:pPr>
-              <a:endParaRPr kumimoji="0" lang="fr-FR" sz="1800" b="0" i="0" u="none" strike="noStrike" kern="1200" cap="none" spc="0" normalizeH="0" baseline="0" noProof="0">
+              <a:endParaRPr kumimoji="0" lang="fr-FR" sz="1800" b="0" i="0" u="none" strike="noStrike" kern="1200" cap="none" spc="0" normalizeH="0" baseline="0" noProof="0" dirty="0">
                 <a:ln>
                   <a:noFill/>
                 </a:ln>
@@ -31122,7 +32689,7 @@
                 <a:effectLst/>
                 <a:uLnTx/>
                 <a:uFillTx/>
-                <a:latin typeface="Calibri" panose="020F0502020204030204"/>
+                <a:latin typeface="Corbel" panose="020B0503020204020204" pitchFamily="34" charset="0"/>
                 <a:ea typeface="+mn-ea"/>
                 <a:cs typeface="+mn-cs"/>
               </a:endParaRPr>
@@ -31178,7 +32745,7 @@
                 <a:tabLst/>
                 <a:defRPr/>
               </a:pPr>
-              <a:endParaRPr kumimoji="0" lang="fr-FR" sz="1800" b="0" i="0" u="none" strike="noStrike" kern="1200" cap="none" spc="0" normalizeH="0" baseline="0" noProof="0">
+              <a:endParaRPr kumimoji="0" lang="fr-FR" sz="1800" b="0" i="0" u="none" strike="noStrike" kern="1200" cap="none" spc="0" normalizeH="0" baseline="0" noProof="0" dirty="0">
                 <a:ln>
                   <a:noFill/>
                 </a:ln>
@@ -31188,7 +32755,7 @@
                 <a:effectLst/>
                 <a:uLnTx/>
                 <a:uFillTx/>
-                <a:latin typeface="Calibri" panose="020F0502020204030204"/>
+                <a:latin typeface="Corbel" panose="020B0503020204020204" pitchFamily="34" charset="0"/>
                 <a:ea typeface="+mn-ea"/>
                 <a:cs typeface="+mn-cs"/>
               </a:endParaRPr>
@@ -31244,7 +32811,7 @@
                 <a:tabLst/>
                 <a:defRPr/>
               </a:pPr>
-              <a:endParaRPr kumimoji="0" lang="fr-FR" sz="1800" b="0" i="0" u="none" strike="noStrike" kern="1200" cap="none" spc="0" normalizeH="0" baseline="0" noProof="0">
+              <a:endParaRPr kumimoji="0" lang="fr-FR" sz="1800" b="0" i="0" u="none" strike="noStrike" kern="1200" cap="none" spc="0" normalizeH="0" baseline="0" noProof="0" dirty="0">
                 <a:ln>
                   <a:noFill/>
                 </a:ln>
@@ -31254,7 +32821,7 @@
                 <a:effectLst/>
                 <a:uLnTx/>
                 <a:uFillTx/>
-                <a:latin typeface="Calibri" panose="020F0502020204030204"/>
+                <a:latin typeface="Corbel" panose="020B0503020204020204" pitchFamily="34" charset="0"/>
                 <a:ea typeface="+mn-ea"/>
                 <a:cs typeface="+mn-cs"/>
               </a:endParaRPr>
@@ -31310,7 +32877,7 @@
                 <a:tabLst/>
                 <a:defRPr/>
               </a:pPr>
-              <a:endParaRPr kumimoji="0" lang="fr-FR" sz="1800" b="0" i="0" u="none" strike="noStrike" kern="1200" cap="none" spc="0" normalizeH="0" baseline="0" noProof="0">
+              <a:endParaRPr kumimoji="0" lang="fr-FR" sz="1800" b="0" i="0" u="none" strike="noStrike" kern="1200" cap="none" spc="0" normalizeH="0" baseline="0" noProof="0" dirty="0">
                 <a:ln>
                   <a:noFill/>
                 </a:ln>
@@ -31320,7 +32887,7 @@
                 <a:effectLst/>
                 <a:uLnTx/>
                 <a:uFillTx/>
-                <a:latin typeface="Calibri" panose="020F0502020204030204"/>
+                <a:latin typeface="Corbel" panose="020B0503020204020204" pitchFamily="34" charset="0"/>
                 <a:ea typeface="+mn-ea"/>
                 <a:cs typeface="+mn-cs"/>
               </a:endParaRPr>
@@ -31376,7 +32943,7 @@
                 <a:tabLst/>
                 <a:defRPr/>
               </a:pPr>
-              <a:endParaRPr kumimoji="0" lang="fr-FR" sz="1800" b="0" i="0" u="none" strike="noStrike" kern="1200" cap="none" spc="0" normalizeH="0" baseline="0" noProof="0">
+              <a:endParaRPr kumimoji="0" lang="fr-FR" sz="1800" b="0" i="0" u="none" strike="noStrike" kern="1200" cap="none" spc="0" normalizeH="0" baseline="0" noProof="0" dirty="0">
                 <a:ln>
                   <a:noFill/>
                 </a:ln>
@@ -31386,7 +32953,7 @@
                 <a:effectLst/>
                 <a:uLnTx/>
                 <a:uFillTx/>
-                <a:latin typeface="Calibri" panose="020F0502020204030204"/>
+                <a:latin typeface="Corbel" panose="020B0503020204020204" pitchFamily="34" charset="0"/>
                 <a:ea typeface="+mn-ea"/>
                 <a:cs typeface="+mn-cs"/>
               </a:endParaRPr>
@@ -31442,7 +33009,7 @@
                 <a:tabLst/>
                 <a:defRPr/>
               </a:pPr>
-              <a:endParaRPr kumimoji="0" lang="fr-FR" sz="1800" b="0" i="0" u="none" strike="noStrike" kern="1200" cap="none" spc="0" normalizeH="0" baseline="0" noProof="0">
+              <a:endParaRPr kumimoji="0" lang="fr-FR" sz="1800" b="0" i="0" u="none" strike="noStrike" kern="1200" cap="none" spc="0" normalizeH="0" baseline="0" noProof="0" dirty="0">
                 <a:ln>
                   <a:noFill/>
                 </a:ln>
@@ -31452,7 +33019,7 @@
                 <a:effectLst/>
                 <a:uLnTx/>
                 <a:uFillTx/>
-                <a:latin typeface="Calibri" panose="020F0502020204030204"/>
+                <a:latin typeface="Corbel" panose="020B0503020204020204" pitchFamily="34" charset="0"/>
                 <a:ea typeface="+mn-ea"/>
                 <a:cs typeface="+mn-cs"/>
               </a:endParaRPr>
@@ -31508,7 +33075,7 @@
                 <a:tabLst/>
                 <a:defRPr/>
               </a:pPr>
-              <a:endParaRPr kumimoji="0" lang="fr-FR" sz="1800" b="0" i="0" u="none" strike="noStrike" kern="1200" cap="none" spc="0" normalizeH="0" baseline="0" noProof="0">
+              <a:endParaRPr kumimoji="0" lang="fr-FR" sz="1800" b="0" i="0" u="none" strike="noStrike" kern="1200" cap="none" spc="0" normalizeH="0" baseline="0" noProof="0" dirty="0">
                 <a:ln>
                   <a:noFill/>
                 </a:ln>
@@ -31518,7 +33085,7 @@
                 <a:effectLst/>
                 <a:uLnTx/>
                 <a:uFillTx/>
-                <a:latin typeface="Calibri" panose="020F0502020204030204"/>
+                <a:latin typeface="Corbel" panose="020B0503020204020204" pitchFamily="34" charset="0"/>
                 <a:ea typeface="+mn-ea"/>
                 <a:cs typeface="+mn-cs"/>
               </a:endParaRPr>
@@ -31853,7 +33420,7 @@
                 <a:tabLst/>
                 <a:defRPr/>
               </a:pPr>
-              <a:endParaRPr kumimoji="0" lang="fr-FR" sz="1800" b="0" i="0" u="none" strike="noStrike" kern="1200" cap="none" spc="0" normalizeH="0" baseline="0" noProof="0">
+              <a:endParaRPr kumimoji="0" lang="fr-FR" sz="1800" b="0" i="0" u="none" strike="noStrike" kern="1200" cap="none" spc="0" normalizeH="0" baseline="0" noProof="0" dirty="0">
                 <a:ln>
                   <a:noFill/>
                 </a:ln>
@@ -31863,7 +33430,7 @@
                 <a:effectLst/>
                 <a:uLnTx/>
                 <a:uFillTx/>
-                <a:latin typeface="Calibri" panose="020F0502020204030204"/>
+                <a:latin typeface="Corbel" panose="020B0503020204020204" pitchFamily="34" charset="0"/>
                 <a:ea typeface="+mn-ea"/>
                 <a:cs typeface="+mn-cs"/>
               </a:endParaRPr>
@@ -31919,7 +33486,7 @@
                 <a:tabLst/>
                 <a:defRPr/>
               </a:pPr>
-              <a:endParaRPr kumimoji="0" lang="fr-FR" sz="1800" b="0" i="0" u="none" strike="noStrike" kern="1200" cap="none" spc="0" normalizeH="0" baseline="0" noProof="0">
+              <a:endParaRPr kumimoji="0" lang="fr-FR" sz="1800" b="0" i="0" u="none" strike="noStrike" kern="1200" cap="none" spc="0" normalizeH="0" baseline="0" noProof="0" dirty="0">
                 <a:ln>
                   <a:noFill/>
                 </a:ln>
@@ -31929,7 +33496,7 @@
                 <a:effectLst/>
                 <a:uLnTx/>
                 <a:uFillTx/>
-                <a:latin typeface="Calibri" panose="020F0502020204030204"/>
+                <a:latin typeface="Corbel" panose="020B0503020204020204" pitchFamily="34" charset="0"/>
                 <a:ea typeface="+mn-ea"/>
                 <a:cs typeface="+mn-cs"/>
               </a:endParaRPr>
@@ -31985,7 +33552,7 @@
                 <a:tabLst/>
                 <a:defRPr/>
               </a:pPr>
-              <a:endParaRPr kumimoji="0" lang="fr-FR" sz="1800" b="0" i="0" u="none" strike="noStrike" kern="1200" cap="none" spc="0" normalizeH="0" baseline="0" noProof="0">
+              <a:endParaRPr kumimoji="0" lang="fr-FR" sz="1800" b="0" i="0" u="none" strike="noStrike" kern="1200" cap="none" spc="0" normalizeH="0" baseline="0" noProof="0" dirty="0">
                 <a:ln>
                   <a:noFill/>
                 </a:ln>
@@ -31995,7 +33562,7 @@
                 <a:effectLst/>
                 <a:uLnTx/>
                 <a:uFillTx/>
-                <a:latin typeface="Calibri" panose="020F0502020204030204"/>
+                <a:latin typeface="Corbel" panose="020B0503020204020204" pitchFamily="34" charset="0"/>
                 <a:ea typeface="+mn-ea"/>
                 <a:cs typeface="+mn-cs"/>
               </a:endParaRPr>
@@ -32051,7 +33618,7 @@
                 <a:tabLst/>
                 <a:defRPr/>
               </a:pPr>
-              <a:endParaRPr kumimoji="0" lang="fr-FR" sz="1800" b="0" i="0" u="none" strike="noStrike" kern="1200" cap="none" spc="0" normalizeH="0" baseline="0" noProof="0">
+              <a:endParaRPr kumimoji="0" lang="fr-FR" sz="1800" b="0" i="0" u="none" strike="noStrike" kern="1200" cap="none" spc="0" normalizeH="0" baseline="0" noProof="0" dirty="0">
                 <a:ln>
                   <a:noFill/>
                 </a:ln>
@@ -32061,7 +33628,7 @@
                 <a:effectLst/>
                 <a:uLnTx/>
                 <a:uFillTx/>
-                <a:latin typeface="Calibri" panose="020F0502020204030204"/>
+                <a:latin typeface="Corbel" panose="020B0503020204020204" pitchFamily="34" charset="0"/>
                 <a:ea typeface="+mn-ea"/>
                 <a:cs typeface="+mn-cs"/>
               </a:endParaRPr>
@@ -32117,7 +33684,7 @@
                 <a:tabLst/>
                 <a:defRPr/>
               </a:pPr>
-              <a:endParaRPr kumimoji="0" lang="fr-FR" sz="1800" b="0" i="0" u="none" strike="noStrike" kern="1200" cap="none" spc="0" normalizeH="0" baseline="0" noProof="0">
+              <a:endParaRPr kumimoji="0" lang="fr-FR" sz="1800" b="0" i="0" u="none" strike="noStrike" kern="1200" cap="none" spc="0" normalizeH="0" baseline="0" noProof="0" dirty="0">
                 <a:ln>
                   <a:noFill/>
                 </a:ln>
@@ -32127,7 +33694,7 @@
                 <a:effectLst/>
                 <a:uLnTx/>
                 <a:uFillTx/>
-                <a:latin typeface="Calibri" panose="020F0502020204030204"/>
+                <a:latin typeface="Corbel" panose="020B0503020204020204" pitchFamily="34" charset="0"/>
                 <a:ea typeface="+mn-ea"/>
                 <a:cs typeface="+mn-cs"/>
               </a:endParaRPr>
@@ -32259,25 +33826,40 @@
             </a:r>
             <a:r>
               <a:rPr lang="fr-FR" sz="2800" dirty="0"/>
-              <a:t>dans les liens de citation</a:t>
-            </a:r>
+              <a:t>dans les liens de </a:t>
+            </a:r>
+            <a:r>
+              <a:rPr lang="fr-FR" sz="2800" dirty="0" smtClean="0"/>
+              <a:t>citation, manuellement ou avec l’assistance de services comme </a:t>
+            </a:r>
+            <a:r>
+              <a:rPr lang="fr-FR" sz="2800" dirty="0" smtClean="0">
+                <a:hlinkClick r:id="rId3"/>
+              </a:rPr>
+              <a:t>Citation Gecko</a:t>
+            </a:r>
+            <a:endParaRPr lang="fr-FR" sz="2800" dirty="0" smtClean="0"/>
           </a:p>
           <a:p>
             <a:pPr lvl="1"/>
             <a:r>
-              <a:rPr lang="fr-FR" sz="2800" b="1" i="1" dirty="0" err="1"/>
+              <a:rPr lang="fr-FR" sz="2800" b="1" i="1" dirty="0" err="1" smtClean="0"/>
               <a:t>Handsearching</a:t>
             </a:r>
             <a:r>
-              <a:rPr lang="fr-FR" sz="2800" dirty="0"/>
+              <a:rPr lang="fr-FR" sz="2800" dirty="0" smtClean="0"/>
               <a:t> : recherche manuelle systématique </a:t>
             </a:r>
           </a:p>
           <a:p>
             <a:pPr lvl="1"/>
             <a:r>
+              <a:rPr lang="fr-FR" sz="2800" b="1" i="1" dirty="0" smtClean="0"/>
+              <a:t>(</a:t>
+            </a:r>
+            <a:r>
               <a:rPr lang="fr-FR" sz="2800" b="1" i="1" dirty="0"/>
-              <a:t>(Post-</a:t>
+              <a:t>Post-</a:t>
             </a:r>
             <a:r>
               <a:rPr lang="fr-FR" sz="2800" b="1" i="1" dirty="0" err="1"/>
@@ -32342,7 +33924,7 @@
           <a:p>
             <a:r>
               <a:rPr lang="fr-FR" smtClean="0"/>
-              <a:t>F. Flamerie - Recherche doc - 2021-05-21</a:t>
+              <a:t>F. Flamerie - Recherche doc - 2022-05-03</a:t>
             </a:r>
             <a:endParaRPr lang="fr-FR"/>
           </a:p>
@@ -32478,7 +34060,7 @@
           <a:p>
             <a:r>
               <a:rPr lang="fr-FR" smtClean="0"/>
-              <a:t>F. Flamerie - Recherche doc - 2021-05-21</a:t>
+              <a:t>F. Flamerie - Recherche doc - 2022-05-03</a:t>
             </a:r>
             <a:endParaRPr lang="fr-FR" dirty="0"/>
           </a:p>
@@ -32580,7 +34162,7 @@
                 <a:tabLst/>
                 <a:defRPr/>
               </a:pPr>
-              <a:endParaRPr kumimoji="0" lang="fr-FR" sz="1800" b="0" i="0" u="none" strike="noStrike" kern="1200" cap="none" spc="0" normalizeH="0" baseline="0" noProof="0">
+              <a:endParaRPr kumimoji="0" lang="fr-FR" sz="1800" b="0" i="0" u="none" strike="noStrike" kern="1200" cap="none" spc="0" normalizeH="0" baseline="0" noProof="0" dirty="0">
                 <a:ln>
                   <a:noFill/>
                 </a:ln>
@@ -32590,7 +34172,7 @@
                 <a:effectLst/>
                 <a:uLnTx/>
                 <a:uFillTx/>
-                <a:latin typeface="Calibri" panose="020F0502020204030204"/>
+                <a:latin typeface="Corbel" panose="020B0503020204020204" pitchFamily="34" charset="0"/>
                 <a:ea typeface="+mn-ea"/>
                 <a:cs typeface="+mn-cs"/>
               </a:endParaRPr>
@@ -32646,7 +34228,7 @@
                 <a:tabLst/>
                 <a:defRPr/>
               </a:pPr>
-              <a:endParaRPr kumimoji="0" lang="fr-FR" sz="1800" b="0" i="0" u="none" strike="noStrike" kern="1200" cap="none" spc="0" normalizeH="0" baseline="0" noProof="0">
+              <a:endParaRPr kumimoji="0" lang="fr-FR" sz="1800" b="0" i="0" u="none" strike="noStrike" kern="1200" cap="none" spc="0" normalizeH="0" baseline="0" noProof="0" dirty="0">
                 <a:ln>
                   <a:noFill/>
                 </a:ln>
@@ -32656,7 +34238,7 @@
                 <a:effectLst/>
                 <a:uLnTx/>
                 <a:uFillTx/>
-                <a:latin typeface="Calibri" panose="020F0502020204030204"/>
+                <a:latin typeface="Corbel" panose="020B0503020204020204" pitchFamily="34" charset="0"/>
                 <a:ea typeface="+mn-ea"/>
                 <a:cs typeface="+mn-cs"/>
               </a:endParaRPr>
@@ -32712,7 +34294,7 @@
                 <a:tabLst/>
                 <a:defRPr/>
               </a:pPr>
-              <a:endParaRPr kumimoji="0" lang="fr-FR" sz="1800" b="0" i="0" u="none" strike="noStrike" kern="1200" cap="none" spc="0" normalizeH="0" baseline="0" noProof="0">
+              <a:endParaRPr kumimoji="0" lang="fr-FR" sz="1800" b="0" i="0" u="none" strike="noStrike" kern="1200" cap="none" spc="0" normalizeH="0" baseline="0" noProof="0" dirty="0">
                 <a:ln>
                   <a:noFill/>
                 </a:ln>
@@ -32722,7 +34304,7 @@
                 <a:effectLst/>
                 <a:uLnTx/>
                 <a:uFillTx/>
-                <a:latin typeface="Calibri" panose="020F0502020204030204"/>
+                <a:latin typeface="Corbel" panose="020B0503020204020204" pitchFamily="34" charset="0"/>
                 <a:ea typeface="+mn-ea"/>
                 <a:cs typeface="+mn-cs"/>
               </a:endParaRPr>
@@ -32778,7 +34360,7 @@
                 <a:tabLst/>
                 <a:defRPr/>
               </a:pPr>
-              <a:endParaRPr kumimoji="0" lang="fr-FR" sz="1800" b="0" i="0" u="none" strike="noStrike" kern="1200" cap="none" spc="0" normalizeH="0" baseline="0" noProof="0">
+              <a:endParaRPr kumimoji="0" lang="fr-FR" sz="1800" b="0" i="0" u="none" strike="noStrike" kern="1200" cap="none" spc="0" normalizeH="0" baseline="0" noProof="0" dirty="0">
                 <a:ln>
                   <a:noFill/>
                 </a:ln>
@@ -32788,7 +34370,7 @@
                 <a:effectLst/>
                 <a:uLnTx/>
                 <a:uFillTx/>
-                <a:latin typeface="Calibri" panose="020F0502020204030204"/>
+                <a:latin typeface="Corbel" panose="020B0503020204020204" pitchFamily="34" charset="0"/>
                 <a:ea typeface="+mn-ea"/>
                 <a:cs typeface="+mn-cs"/>
               </a:endParaRPr>
@@ -32844,7 +34426,7 @@
                 <a:tabLst/>
                 <a:defRPr/>
               </a:pPr>
-              <a:endParaRPr kumimoji="0" lang="fr-FR" sz="1800" b="0" i="0" u="none" strike="noStrike" kern="1200" cap="none" spc="0" normalizeH="0" baseline="0" noProof="0">
+              <a:endParaRPr kumimoji="0" lang="fr-FR" sz="1800" b="0" i="0" u="none" strike="noStrike" kern="1200" cap="none" spc="0" normalizeH="0" baseline="0" noProof="0" dirty="0">
                 <a:ln>
                   <a:noFill/>
                 </a:ln>
@@ -32854,7 +34436,7 @@
                 <a:effectLst/>
                 <a:uLnTx/>
                 <a:uFillTx/>
-                <a:latin typeface="Calibri" panose="020F0502020204030204"/>
+                <a:latin typeface="Corbel" panose="020B0503020204020204" pitchFamily="34" charset="0"/>
                 <a:ea typeface="+mn-ea"/>
                 <a:cs typeface="+mn-cs"/>
               </a:endParaRPr>
@@ -32910,7 +34492,7 @@
                 <a:tabLst/>
                 <a:defRPr/>
               </a:pPr>
-              <a:endParaRPr kumimoji="0" lang="fr-FR" sz="1800" b="0" i="0" u="none" strike="noStrike" kern="1200" cap="none" spc="0" normalizeH="0" baseline="0" noProof="0">
+              <a:endParaRPr kumimoji="0" lang="fr-FR" sz="1800" b="0" i="0" u="none" strike="noStrike" kern="1200" cap="none" spc="0" normalizeH="0" baseline="0" noProof="0" dirty="0">
                 <a:ln>
                   <a:noFill/>
                 </a:ln>
@@ -32920,7 +34502,7 @@
                 <a:effectLst/>
                 <a:uLnTx/>
                 <a:uFillTx/>
-                <a:latin typeface="Calibri" panose="020F0502020204030204"/>
+                <a:latin typeface="Corbel" panose="020B0503020204020204" pitchFamily="34" charset="0"/>
                 <a:ea typeface="+mn-ea"/>
                 <a:cs typeface="+mn-cs"/>
               </a:endParaRPr>
@@ -32976,7 +34558,7 @@
                 <a:tabLst/>
                 <a:defRPr/>
               </a:pPr>
-              <a:endParaRPr kumimoji="0" lang="fr-FR" sz="1800" b="0" i="0" u="none" strike="noStrike" kern="1200" cap="none" spc="0" normalizeH="0" baseline="0" noProof="0">
+              <a:endParaRPr kumimoji="0" lang="fr-FR" sz="1800" b="0" i="0" u="none" strike="noStrike" kern="1200" cap="none" spc="0" normalizeH="0" baseline="0" noProof="0" dirty="0">
                 <a:ln>
                   <a:noFill/>
                 </a:ln>
@@ -32986,7 +34568,7 @@
                 <a:effectLst/>
                 <a:uLnTx/>
                 <a:uFillTx/>
-                <a:latin typeface="Calibri" panose="020F0502020204030204"/>
+                <a:latin typeface="Corbel" panose="020B0503020204020204" pitchFamily="34" charset="0"/>
                 <a:ea typeface="+mn-ea"/>
                 <a:cs typeface="+mn-cs"/>
               </a:endParaRPr>
@@ -33042,7 +34624,7 @@
                 <a:tabLst/>
                 <a:defRPr/>
               </a:pPr>
-              <a:endParaRPr kumimoji="0" lang="fr-FR" sz="1800" b="0" i="0" u="none" strike="noStrike" kern="1200" cap="none" spc="0" normalizeH="0" baseline="0" noProof="0">
+              <a:endParaRPr kumimoji="0" lang="fr-FR" sz="1800" b="0" i="0" u="none" strike="noStrike" kern="1200" cap="none" spc="0" normalizeH="0" baseline="0" noProof="0" dirty="0">
                 <a:ln>
                   <a:noFill/>
                 </a:ln>
@@ -33052,7 +34634,7 @@
                 <a:effectLst/>
                 <a:uLnTx/>
                 <a:uFillTx/>
-                <a:latin typeface="Calibri" panose="020F0502020204030204"/>
+                <a:latin typeface="Corbel" panose="020B0503020204020204" pitchFamily="34" charset="0"/>
                 <a:ea typeface="+mn-ea"/>
                 <a:cs typeface="+mn-cs"/>
               </a:endParaRPr>
@@ -33108,7 +34690,7 @@
                 <a:tabLst/>
                 <a:defRPr/>
               </a:pPr>
-              <a:endParaRPr kumimoji="0" lang="fr-FR" sz="1800" b="0" i="0" u="none" strike="noStrike" kern="1200" cap="none" spc="0" normalizeH="0" baseline="0" noProof="0">
+              <a:endParaRPr kumimoji="0" lang="fr-FR" sz="1800" b="0" i="0" u="none" strike="noStrike" kern="1200" cap="none" spc="0" normalizeH="0" baseline="0" noProof="0" dirty="0">
                 <a:ln>
                   <a:noFill/>
                 </a:ln>
@@ -33118,7 +34700,7 @@
                 <a:effectLst/>
                 <a:uLnTx/>
                 <a:uFillTx/>
-                <a:latin typeface="Calibri" panose="020F0502020204030204"/>
+                <a:latin typeface="Corbel" panose="020B0503020204020204" pitchFamily="34" charset="0"/>
                 <a:ea typeface="+mn-ea"/>
                 <a:cs typeface="+mn-cs"/>
               </a:endParaRPr>
@@ -33174,7 +34756,7 @@
                 <a:tabLst/>
                 <a:defRPr/>
               </a:pPr>
-              <a:endParaRPr kumimoji="0" lang="fr-FR" sz="1800" b="0" i="0" u="none" strike="noStrike" kern="1200" cap="none" spc="0" normalizeH="0" baseline="0" noProof="0">
+              <a:endParaRPr kumimoji="0" lang="fr-FR" sz="1800" b="0" i="0" u="none" strike="noStrike" kern="1200" cap="none" spc="0" normalizeH="0" baseline="0" noProof="0" dirty="0">
                 <a:ln>
                   <a:noFill/>
                 </a:ln>
@@ -33184,7 +34766,7 @@
                 <a:effectLst/>
                 <a:uLnTx/>
                 <a:uFillTx/>
-                <a:latin typeface="Calibri" panose="020F0502020204030204"/>
+                <a:latin typeface="Corbel" panose="020B0503020204020204" pitchFamily="34" charset="0"/>
                 <a:ea typeface="+mn-ea"/>
                 <a:cs typeface="+mn-cs"/>
               </a:endParaRPr>
@@ -33240,7 +34822,7 @@
                 <a:tabLst/>
                 <a:defRPr/>
               </a:pPr>
-              <a:endParaRPr kumimoji="0" lang="fr-FR" sz="1800" b="0" i="0" u="none" strike="noStrike" kern="1200" cap="none" spc="0" normalizeH="0" baseline="0" noProof="0">
+              <a:endParaRPr kumimoji="0" lang="fr-FR" sz="1800" b="0" i="0" u="none" strike="noStrike" kern="1200" cap="none" spc="0" normalizeH="0" baseline="0" noProof="0" dirty="0">
                 <a:ln>
                   <a:noFill/>
                 </a:ln>
@@ -33250,7 +34832,7 @@
                 <a:effectLst/>
                 <a:uLnTx/>
                 <a:uFillTx/>
-                <a:latin typeface="Calibri" panose="020F0502020204030204"/>
+                <a:latin typeface="Corbel" panose="020B0503020204020204" pitchFamily="34" charset="0"/>
                 <a:ea typeface="+mn-ea"/>
                 <a:cs typeface="+mn-cs"/>
               </a:endParaRPr>
@@ -33306,7 +34888,7 @@
                 <a:tabLst/>
                 <a:defRPr/>
               </a:pPr>
-              <a:endParaRPr kumimoji="0" lang="fr-FR" sz="1800" b="0" i="0" u="none" strike="noStrike" kern="1200" cap="none" spc="0" normalizeH="0" baseline="0" noProof="0">
+              <a:endParaRPr kumimoji="0" lang="fr-FR" sz="1800" b="0" i="0" u="none" strike="noStrike" kern="1200" cap="none" spc="0" normalizeH="0" baseline="0" noProof="0" dirty="0">
                 <a:ln>
                   <a:noFill/>
                 </a:ln>
@@ -33316,7 +34898,7 @@
                 <a:effectLst/>
                 <a:uLnTx/>
                 <a:uFillTx/>
-                <a:latin typeface="Calibri" panose="020F0502020204030204"/>
+                <a:latin typeface="Corbel" panose="020B0503020204020204" pitchFamily="34" charset="0"/>
                 <a:ea typeface="+mn-ea"/>
                 <a:cs typeface="+mn-cs"/>
               </a:endParaRPr>
@@ -33372,7 +34954,7 @@
                 <a:tabLst/>
                 <a:defRPr/>
               </a:pPr>
-              <a:endParaRPr kumimoji="0" lang="fr-FR" sz="1800" b="0" i="0" u="none" strike="noStrike" kern="1200" cap="none" spc="0" normalizeH="0" baseline="0" noProof="0">
+              <a:endParaRPr kumimoji="0" lang="fr-FR" sz="1800" b="0" i="0" u="none" strike="noStrike" kern="1200" cap="none" spc="0" normalizeH="0" baseline="0" noProof="0" dirty="0">
                 <a:ln>
                   <a:noFill/>
                 </a:ln>
@@ -33382,7 +34964,7 @@
                 <a:effectLst/>
                 <a:uLnTx/>
                 <a:uFillTx/>
-                <a:latin typeface="Calibri" panose="020F0502020204030204"/>
+                <a:latin typeface="Corbel" panose="020B0503020204020204" pitchFamily="34" charset="0"/>
                 <a:ea typeface="+mn-ea"/>
                 <a:cs typeface="+mn-cs"/>
               </a:endParaRPr>
@@ -33438,7 +35020,7 @@
                 <a:tabLst/>
                 <a:defRPr/>
               </a:pPr>
-              <a:endParaRPr kumimoji="0" lang="fr-FR" sz="1800" b="0" i="0" u="none" strike="noStrike" kern="1200" cap="none" spc="0" normalizeH="0" baseline="0" noProof="0">
+              <a:endParaRPr kumimoji="0" lang="fr-FR" sz="1800" b="0" i="0" u="none" strike="noStrike" kern="1200" cap="none" spc="0" normalizeH="0" baseline="0" noProof="0" dirty="0">
                 <a:ln>
                   <a:noFill/>
                 </a:ln>
@@ -33448,7 +35030,7 @@
                 <a:effectLst/>
                 <a:uLnTx/>
                 <a:uFillTx/>
-                <a:latin typeface="Calibri" panose="020F0502020204030204"/>
+                <a:latin typeface="Corbel" panose="020B0503020204020204" pitchFamily="34" charset="0"/>
                 <a:ea typeface="+mn-ea"/>
                 <a:cs typeface="+mn-cs"/>
               </a:endParaRPr>
@@ -33504,7 +35086,7 @@
                 <a:tabLst/>
                 <a:defRPr/>
               </a:pPr>
-              <a:endParaRPr kumimoji="0" lang="fr-FR" sz="1800" b="0" i="0" u="none" strike="noStrike" kern="1200" cap="none" spc="0" normalizeH="0" baseline="0" noProof="0">
+              <a:endParaRPr kumimoji="0" lang="fr-FR" sz="1800" b="0" i="0" u="none" strike="noStrike" kern="1200" cap="none" spc="0" normalizeH="0" baseline="0" noProof="0" dirty="0">
                 <a:ln>
                   <a:noFill/>
                 </a:ln>
@@ -33514,7 +35096,7 @@
                 <a:effectLst/>
                 <a:uLnTx/>
                 <a:uFillTx/>
-                <a:latin typeface="Calibri" panose="020F0502020204030204"/>
+                <a:latin typeface="Corbel" panose="020B0503020204020204" pitchFamily="34" charset="0"/>
                 <a:ea typeface="+mn-ea"/>
                 <a:cs typeface="+mn-cs"/>
               </a:endParaRPr>
@@ -33570,7 +35152,7 @@
                 <a:tabLst/>
                 <a:defRPr/>
               </a:pPr>
-              <a:endParaRPr kumimoji="0" lang="fr-FR" sz="1800" b="0" i="0" u="none" strike="noStrike" kern="1200" cap="none" spc="0" normalizeH="0" baseline="0" noProof="0">
+              <a:endParaRPr kumimoji="0" lang="fr-FR" sz="1800" b="0" i="0" u="none" strike="noStrike" kern="1200" cap="none" spc="0" normalizeH="0" baseline="0" noProof="0" dirty="0">
                 <a:ln>
                   <a:noFill/>
                 </a:ln>
@@ -33580,7 +35162,7 @@
                 <a:effectLst/>
                 <a:uLnTx/>
                 <a:uFillTx/>
-                <a:latin typeface="Calibri" panose="020F0502020204030204"/>
+                <a:latin typeface="Corbel" panose="020B0503020204020204" pitchFamily="34" charset="0"/>
                 <a:ea typeface="+mn-ea"/>
                 <a:cs typeface="+mn-cs"/>
               </a:endParaRPr>
@@ -33636,7 +35218,7 @@
                 <a:tabLst/>
                 <a:defRPr/>
               </a:pPr>
-              <a:endParaRPr kumimoji="0" lang="fr-FR" sz="1800" b="0" i="0" u="none" strike="noStrike" kern="1200" cap="none" spc="0" normalizeH="0" baseline="0" noProof="0">
+              <a:endParaRPr kumimoji="0" lang="fr-FR" sz="1800" b="0" i="0" u="none" strike="noStrike" kern="1200" cap="none" spc="0" normalizeH="0" baseline="0" noProof="0" dirty="0">
                 <a:ln>
                   <a:noFill/>
                 </a:ln>
@@ -33646,7 +35228,7 @@
                 <a:effectLst/>
                 <a:uLnTx/>
                 <a:uFillTx/>
-                <a:latin typeface="Calibri" panose="020F0502020204030204"/>
+                <a:latin typeface="Corbel" panose="020B0503020204020204" pitchFamily="34" charset="0"/>
                 <a:ea typeface="+mn-ea"/>
                 <a:cs typeface="+mn-cs"/>
               </a:endParaRPr>
@@ -33981,7 +35563,7 @@
                 <a:tabLst/>
                 <a:defRPr/>
               </a:pPr>
-              <a:endParaRPr kumimoji="0" lang="fr-FR" sz="1800" b="0" i="0" u="none" strike="noStrike" kern="1200" cap="none" spc="0" normalizeH="0" baseline="0" noProof="0">
+              <a:endParaRPr kumimoji="0" lang="fr-FR" sz="1800" b="0" i="0" u="none" strike="noStrike" kern="1200" cap="none" spc="0" normalizeH="0" baseline="0" noProof="0" dirty="0">
                 <a:ln>
                   <a:noFill/>
                 </a:ln>
@@ -33991,7 +35573,7 @@
                 <a:effectLst/>
                 <a:uLnTx/>
                 <a:uFillTx/>
-                <a:latin typeface="Calibri" panose="020F0502020204030204"/>
+                <a:latin typeface="Corbel" panose="020B0503020204020204" pitchFamily="34" charset="0"/>
                 <a:ea typeface="+mn-ea"/>
                 <a:cs typeface="+mn-cs"/>
               </a:endParaRPr>
@@ -34047,7 +35629,7 @@
                 <a:tabLst/>
                 <a:defRPr/>
               </a:pPr>
-              <a:endParaRPr kumimoji="0" lang="fr-FR" sz="1800" b="0" i="0" u="none" strike="noStrike" kern="1200" cap="none" spc="0" normalizeH="0" baseline="0" noProof="0">
+              <a:endParaRPr kumimoji="0" lang="fr-FR" sz="1800" b="0" i="0" u="none" strike="noStrike" kern="1200" cap="none" spc="0" normalizeH="0" baseline="0" noProof="0" dirty="0">
                 <a:ln>
                   <a:noFill/>
                 </a:ln>
@@ -34057,7 +35639,7 @@
                 <a:effectLst/>
                 <a:uLnTx/>
                 <a:uFillTx/>
-                <a:latin typeface="Calibri" panose="020F0502020204030204"/>
+                <a:latin typeface="Corbel" panose="020B0503020204020204" pitchFamily="34" charset="0"/>
                 <a:ea typeface="+mn-ea"/>
                 <a:cs typeface="+mn-cs"/>
               </a:endParaRPr>
@@ -34113,7 +35695,7 @@
                 <a:tabLst/>
                 <a:defRPr/>
               </a:pPr>
-              <a:endParaRPr kumimoji="0" lang="fr-FR" sz="1800" b="0" i="0" u="none" strike="noStrike" kern="1200" cap="none" spc="0" normalizeH="0" baseline="0" noProof="0">
+              <a:endParaRPr kumimoji="0" lang="fr-FR" sz="1800" b="0" i="0" u="none" strike="noStrike" kern="1200" cap="none" spc="0" normalizeH="0" baseline="0" noProof="0" dirty="0">
                 <a:ln>
                   <a:noFill/>
                 </a:ln>
@@ -34123,7 +35705,7 @@
                 <a:effectLst/>
                 <a:uLnTx/>
                 <a:uFillTx/>
-                <a:latin typeface="Calibri" panose="020F0502020204030204"/>
+                <a:latin typeface="Corbel" panose="020B0503020204020204" pitchFamily="34" charset="0"/>
                 <a:ea typeface="+mn-ea"/>
                 <a:cs typeface="+mn-cs"/>
               </a:endParaRPr>
@@ -34179,7 +35761,7 @@
                 <a:tabLst/>
                 <a:defRPr/>
               </a:pPr>
-              <a:endParaRPr kumimoji="0" lang="fr-FR" sz="1800" b="0" i="0" u="none" strike="noStrike" kern="1200" cap="none" spc="0" normalizeH="0" baseline="0" noProof="0">
+              <a:endParaRPr kumimoji="0" lang="fr-FR" sz="1800" b="0" i="0" u="none" strike="noStrike" kern="1200" cap="none" spc="0" normalizeH="0" baseline="0" noProof="0" dirty="0">
                 <a:ln>
                   <a:noFill/>
                 </a:ln>
@@ -34189,7 +35771,7 @@
                 <a:effectLst/>
                 <a:uLnTx/>
                 <a:uFillTx/>
-                <a:latin typeface="Calibri" panose="020F0502020204030204"/>
+                <a:latin typeface="Corbel" panose="020B0503020204020204" pitchFamily="34" charset="0"/>
                 <a:ea typeface="+mn-ea"/>
                 <a:cs typeface="+mn-cs"/>
               </a:endParaRPr>
@@ -34245,7 +35827,7 @@
                 <a:tabLst/>
                 <a:defRPr/>
               </a:pPr>
-              <a:endParaRPr kumimoji="0" lang="fr-FR" sz="1800" b="0" i="0" u="none" strike="noStrike" kern="1200" cap="none" spc="0" normalizeH="0" baseline="0" noProof="0">
+              <a:endParaRPr kumimoji="0" lang="fr-FR" sz="1800" b="0" i="0" u="none" strike="noStrike" kern="1200" cap="none" spc="0" normalizeH="0" baseline="0" noProof="0" dirty="0">
                 <a:ln>
                   <a:noFill/>
                 </a:ln>
@@ -34255,7 +35837,7 @@
                 <a:effectLst/>
                 <a:uLnTx/>
                 <a:uFillTx/>
-                <a:latin typeface="Calibri" panose="020F0502020204030204"/>
+                <a:latin typeface="Corbel" panose="020B0503020204020204" pitchFamily="34" charset="0"/>
                 <a:ea typeface="+mn-ea"/>
                 <a:cs typeface="+mn-cs"/>
               </a:endParaRPr>
@@ -34485,7 +36067,7 @@
             </a:pPr>
             <a:r>
               <a:rPr lang="fr-FR" smtClean="0"/>
-              <a:t>F. Flamerie - Recherche doc - 2021-05-21</a:t>
+              <a:t>F. Flamerie - Recherche doc - 2022-05-03</a:t>
             </a:r>
             <a:endParaRPr lang="fr-FR" dirty="0"/>
           </a:p>
@@ -34595,7 +36177,7 @@
                 <a:solidFill>
                   <a:srgbClr val="009DE0"/>
                 </a:solidFill>
-                <a:latin typeface="Calibri" pitchFamily="34" charset="0"/>
+                <a:latin typeface="Corbel" panose="020B0503020204020204" pitchFamily="34" charset="0"/>
               </a:rPr>
               <a:t> </a:t>
             </a:r>
@@ -34799,7 +36381,7 @@
             </a:pPr>
             <a:r>
               <a:rPr lang="fr-FR" smtClean="0"/>
-              <a:t>F. Flamerie - Recherche doc - 2021-05-21</a:t>
+              <a:t>F. Flamerie - Recherche doc - 2022-05-03</a:t>
             </a:r>
             <a:endParaRPr lang="fr-FR" dirty="0"/>
           </a:p>
@@ -35091,7 +36673,7 @@
             </a:pPr>
             <a:r>
               <a:rPr lang="fr-FR" smtClean="0"/>
-              <a:t>F. Flamerie - Recherche doc - 2021-05-21</a:t>
+              <a:t>F. Flamerie - Recherche doc - 2022-05-03</a:t>
             </a:r>
             <a:endParaRPr lang="fr-FR" dirty="0"/>
           </a:p>
@@ -35261,32 +36843,6 @@
               <a:t>, CINAHL, etc.)</a:t>
             </a:r>
           </a:p>
-          <a:p>
-            <a:r>
-              <a:rPr lang="fr-FR" dirty="0" smtClean="0"/>
-              <a:t>Modèles </a:t>
-            </a:r>
-            <a:r>
-              <a:rPr lang="fr-FR" dirty="0"/>
-              <a:t>à télécharger : </a:t>
-            </a:r>
-            <a:r>
-              <a:rPr lang="fr-FR" dirty="0">
-                <a:hlinkClick r:id="rId3"/>
-              </a:rPr>
-              <a:t>https://</a:t>
-            </a:r>
-            <a:r>
-              <a:rPr lang="fr-FR" dirty="0" smtClean="0">
-                <a:hlinkClick r:id="rId3"/>
-              </a:rPr>
-              <a:t>github.com/fflamerie/bibliolog</a:t>
-            </a:r>
-            <a:r>
-              <a:rPr lang="fr-FR" dirty="0" smtClean="0"/>
-              <a:t> </a:t>
-            </a:r>
-          </a:p>
         </p:txBody>
       </p:sp>
       <p:graphicFrame>
@@ -35326,7 +36882,7 @@
                     <a:p>
                       <a:r>
                         <a:rPr lang="fr-FR" dirty="0" smtClean="0">
-                          <a:latin typeface="Calibri" panose="020F0502020204030204" pitchFamily="34" charset="0"/>
+                          <a:latin typeface="Corbel" panose="020B0503020204020204" pitchFamily="34" charset="0"/>
                         </a:rPr>
                         <a:t>Notion, concept</a:t>
                       </a:r>
@@ -35334,7 +36890,7 @@
                         <a:solidFill>
                           <a:schemeClr val="tx1"/>
                         </a:solidFill>
-                        <a:latin typeface="Calibri" panose="020F0502020204030204" pitchFamily="34" charset="0"/>
+                        <a:latin typeface="Corbel" panose="020B0503020204020204" pitchFamily="34" charset="0"/>
                       </a:endParaRPr>
                     </a:p>
                   </a:txBody>
@@ -35347,12 +36903,12 @@
                     <a:p>
                       <a:r>
                         <a:rPr lang="fr-FR" dirty="0" smtClean="0">
-                          <a:latin typeface="Calibri" panose="020F0502020204030204" pitchFamily="34" charset="0"/>
+                          <a:latin typeface="Corbel" panose="020B0503020204020204" pitchFamily="34" charset="0"/>
                         </a:rPr>
                         <a:t>Mot-clé en français</a:t>
                       </a:r>
                       <a:endParaRPr lang="fr-FR" dirty="0">
-                        <a:latin typeface="Calibri" panose="020F0502020204030204" pitchFamily="34" charset="0"/>
+                        <a:latin typeface="Corbel" panose="020B0503020204020204" pitchFamily="34" charset="0"/>
                       </a:endParaRPr>
                     </a:p>
                   </a:txBody>
@@ -35365,12 +36921,12 @@
                     <a:p>
                       <a:r>
                         <a:rPr lang="fr-FR" dirty="0" smtClean="0">
-                          <a:latin typeface="Calibri" panose="020F0502020204030204" pitchFamily="34" charset="0"/>
+                          <a:latin typeface="Corbel" panose="020B0503020204020204" pitchFamily="34" charset="0"/>
                         </a:rPr>
                         <a:t>Mot-clé en anglais</a:t>
                       </a:r>
                       <a:endParaRPr lang="fr-FR" dirty="0">
-                        <a:latin typeface="Calibri" panose="020F0502020204030204" pitchFamily="34" charset="0"/>
+                        <a:latin typeface="Corbel" panose="020B0503020204020204" pitchFamily="34" charset="0"/>
                       </a:endParaRPr>
                     </a:p>
                   </a:txBody>
@@ -35384,7 +36940,7 @@
                     <a:lstStyle/>
                     <a:p>
                       <a:endParaRPr lang="fr-FR" dirty="0">
-                        <a:latin typeface="Calibri" panose="020F0502020204030204" pitchFamily="34" charset="0"/>
+                        <a:latin typeface="Corbel" panose="020B0503020204020204" pitchFamily="34" charset="0"/>
                       </a:endParaRPr>
                     </a:p>
                   </a:txBody>
@@ -35396,7 +36952,7 @@
                     <a:lstStyle/>
                     <a:p>
                       <a:endParaRPr lang="fr-FR" dirty="0">
-                        <a:latin typeface="Calibri" panose="020F0502020204030204" pitchFamily="34" charset="0"/>
+                        <a:latin typeface="Corbel" panose="020B0503020204020204" pitchFamily="34" charset="0"/>
                       </a:endParaRPr>
                     </a:p>
                   </a:txBody>
@@ -35408,7 +36964,7 @@
                     <a:lstStyle/>
                     <a:p>
                       <a:endParaRPr lang="fr-FR" dirty="0">
-                        <a:latin typeface="Calibri" panose="020F0502020204030204" pitchFamily="34" charset="0"/>
+                        <a:latin typeface="Corbel" panose="020B0503020204020204" pitchFamily="34" charset="0"/>
                       </a:endParaRPr>
                     </a:p>
                   </a:txBody>
@@ -35422,7 +36978,7 @@
                     <a:lstStyle/>
                     <a:p>
                       <a:endParaRPr lang="fr-FR" dirty="0">
-                        <a:latin typeface="Calibri" panose="020F0502020204030204" pitchFamily="34" charset="0"/>
+                        <a:latin typeface="Corbel" panose="020B0503020204020204" pitchFamily="34" charset="0"/>
                       </a:endParaRPr>
                     </a:p>
                   </a:txBody>
@@ -35434,7 +36990,7 @@
                     <a:lstStyle/>
                     <a:p>
                       <a:endParaRPr lang="fr-FR" dirty="0">
-                        <a:latin typeface="Calibri" panose="020F0502020204030204" pitchFamily="34" charset="0"/>
+                        <a:latin typeface="Corbel" panose="020B0503020204020204" pitchFamily="34" charset="0"/>
                       </a:endParaRPr>
                     </a:p>
                   </a:txBody>
@@ -35446,7 +37002,7 @@
                     <a:lstStyle/>
                     <a:p>
                       <a:endParaRPr lang="fr-FR" dirty="0">
-                        <a:latin typeface="Calibri" panose="020F0502020204030204" pitchFamily="34" charset="0"/>
+                        <a:latin typeface="Corbel" panose="020B0503020204020204" pitchFamily="34" charset="0"/>
                       </a:endParaRPr>
                     </a:p>
                   </a:txBody>
@@ -35460,7 +37016,7 @@
                     <a:lstStyle/>
                     <a:p>
                       <a:endParaRPr lang="fr-FR" dirty="0">
-                        <a:latin typeface="Calibri" panose="020F0502020204030204" pitchFamily="34" charset="0"/>
+                        <a:latin typeface="Corbel" panose="020B0503020204020204" pitchFamily="34" charset="0"/>
                       </a:endParaRPr>
                     </a:p>
                   </a:txBody>
@@ -35472,7 +37028,7 @@
                     <a:lstStyle/>
                     <a:p>
                       <a:endParaRPr lang="fr-FR" dirty="0">
-                        <a:latin typeface="Calibri" panose="020F0502020204030204" pitchFamily="34" charset="0"/>
+                        <a:latin typeface="Corbel" panose="020B0503020204020204" pitchFamily="34" charset="0"/>
                       </a:endParaRPr>
                     </a:p>
                   </a:txBody>
@@ -35484,7 +37040,7 @@
                     <a:lstStyle/>
                     <a:p>
                       <a:endParaRPr lang="fr-FR" dirty="0">
-                        <a:latin typeface="Calibri" panose="020F0502020204030204" pitchFamily="34" charset="0"/>
+                        <a:latin typeface="Corbel" panose="020B0503020204020204" pitchFamily="34" charset="0"/>
                       </a:endParaRPr>
                     </a:p>
                   </a:txBody>
@@ -35498,7 +37054,7 @@
                     <a:lstStyle/>
                     <a:p>
                       <a:endParaRPr lang="fr-FR" dirty="0">
-                        <a:latin typeface="Calibri" panose="020F0502020204030204" pitchFamily="34" charset="0"/>
+                        <a:latin typeface="Corbel" panose="020B0503020204020204" pitchFamily="34" charset="0"/>
                       </a:endParaRPr>
                     </a:p>
                   </a:txBody>
@@ -35510,7 +37066,7 @@
                     <a:lstStyle/>
                     <a:p>
                       <a:endParaRPr lang="fr-FR" dirty="0">
-                        <a:latin typeface="Calibri" panose="020F0502020204030204" pitchFamily="34" charset="0"/>
+                        <a:latin typeface="Corbel" panose="020B0503020204020204" pitchFamily="34" charset="0"/>
                       </a:endParaRPr>
                     </a:p>
                   </a:txBody>
@@ -35522,7 +37078,7 @@
                     <a:lstStyle/>
                     <a:p>
                       <a:endParaRPr lang="fr-FR" dirty="0">
-                        <a:latin typeface="Calibri" panose="020F0502020204030204" pitchFamily="34" charset="0"/>
+                        <a:latin typeface="Corbel" panose="020B0503020204020204" pitchFamily="34" charset="0"/>
                       </a:endParaRPr>
                     </a:p>
                   </a:txBody>
@@ -35561,7 +37117,7 @@
             </a:pPr>
             <a:r>
               <a:rPr lang="fr-FR" smtClean="0"/>
-              <a:t>F. Flamerie - Recherche doc - 2021-05-21</a:t>
+              <a:t>F. Flamerie - Recherche doc - 2022-05-03</a:t>
             </a:r>
             <a:endParaRPr lang="fr-FR" dirty="0"/>
           </a:p>

--- a/docs/module1-1_rech_biblio.pptx
+++ b/docs/module1-1_rech_biblio.pptx
@@ -28,18 +28,18 @@
     <p:sldId id="305" r:id="rId19"/>
     <p:sldId id="307" r:id="rId20"/>
     <p:sldId id="308" r:id="rId21"/>
-    <p:sldId id="310" r:id="rId22"/>
-    <p:sldId id="313" r:id="rId23"/>
-    <p:sldId id="312" r:id="rId24"/>
-    <p:sldId id="315" r:id="rId25"/>
-    <p:sldId id="291" r:id="rId26"/>
-    <p:sldId id="316" r:id="rId27"/>
+    <p:sldId id="323" r:id="rId22"/>
+    <p:sldId id="310" r:id="rId23"/>
+    <p:sldId id="313" r:id="rId24"/>
+    <p:sldId id="312" r:id="rId25"/>
+    <p:sldId id="315" r:id="rId26"/>
+    <p:sldId id="291" r:id="rId27"/>
     <p:sldId id="319" r:id="rId28"/>
-    <p:sldId id="317" r:id="rId29"/>
-    <p:sldId id="320" r:id="rId30"/>
-    <p:sldId id="322" r:id="rId31"/>
-    <p:sldId id="318" r:id="rId32"/>
-    <p:sldId id="321" r:id="rId33"/>
+    <p:sldId id="324" r:id="rId29"/>
+    <p:sldId id="325" r:id="rId30"/>
+    <p:sldId id="318" r:id="rId31"/>
+    <p:sldId id="321" r:id="rId32"/>
+    <p:sldId id="322" r:id="rId33"/>
     <p:sldId id="284" r:id="rId34"/>
   </p:sldIdLst>
   <p:sldSz cx="12192000" cy="6858000"/>
@@ -145,6 +145,18 @@
     </p:ext>
   </p:extLst>
 </p:presentation>
+</file>
+
+<file path=ppt/commentAuthors.xml><?xml version="1.0" encoding="utf-8"?>
+<p:cmAuthorLst xmlns:a="http://schemas.openxmlformats.org/drawingml/2006/main" xmlns:r="http://schemas.openxmlformats.org/officeDocument/2006/relationships" xmlns:p="http://schemas.openxmlformats.org/presentationml/2006/main">
+  <p:cmAuthor id="1" name="Frédérique Flamerie De Lachapelle" initials="FFDL" lastIdx="1" clrIdx="0">
+    <p:extLst>
+      <p:ext uri="{19B8F6BF-5375-455C-9EA6-DF929625EA0E}">
+        <p15:presenceInfo xmlns:p15="http://schemas.microsoft.com/office/powerpoint/2012/main" userId="Frédérique Flamerie De Lachapelle" providerId="None"/>
+      </p:ext>
+    </p:extLst>
+  </p:cmAuthor>
+</p:cmAuthorLst>
 </file>
 
 <file path=ppt/diagrams/colors1.xml><?xml version="1.0" encoding="utf-8"?>
@@ -3022,6 +3034,179 @@
       <dsp:cNvGrpSpPr/>
     </dsp:nvGrpSpPr>
     <dsp:grpSpPr/>
+    <dsp:sp modelId="{498039FD-F768-4651-9E91-57FCEB83B688}">
+      <dsp:nvSpPr>
+        <dsp:cNvPr id="0" name=""/>
+        <dsp:cNvSpPr/>
+      </dsp:nvSpPr>
+      <dsp:spPr>
+        <a:xfrm>
+          <a:off x="0" y="471122"/>
+          <a:ext cx="5324747" cy="3187799"/>
+        </a:xfrm>
+        <a:prstGeom prst="ellipse">
+          <a:avLst/>
+        </a:prstGeom>
+        <a:solidFill>
+          <a:srgbClr val="FF6600"/>
+        </a:solidFill>
+        <a:ln w="12700" cap="flat" cmpd="sng" algn="ctr">
+          <a:solidFill>
+            <a:schemeClr val="lt1">
+              <a:hueOff val="0"/>
+              <a:satOff val="0"/>
+              <a:lumOff val="0"/>
+              <a:alphaOff val="0"/>
+            </a:schemeClr>
+          </a:solidFill>
+          <a:prstDash val="solid"/>
+          <a:miter lim="800000"/>
+        </a:ln>
+        <a:effectLst/>
+      </dsp:spPr>
+      <dsp:style>
+        <a:lnRef idx="2">
+          <a:scrgbClr r="0" g="0" b="0"/>
+        </a:lnRef>
+        <a:fillRef idx="1">
+          <a:scrgbClr r="0" g="0" b="0"/>
+        </a:fillRef>
+        <a:effectRef idx="0">
+          <a:scrgbClr r="0" g="0" b="0"/>
+        </a:effectRef>
+        <a:fontRef idx="minor">
+          <a:schemeClr val="tx1"/>
+        </a:fontRef>
+      </dsp:style>
+      <dsp:txBody>
+        <a:bodyPr spcFirstLastPara="0" vert="horz" wrap="square" lIns="0" tIns="0" rIns="0" bIns="0" numCol="1" spcCol="1270" anchor="ctr" anchorCtr="0">
+          <a:noAutofit/>
+        </a:bodyPr>
+        <a:lstStyle/>
+        <a:p>
+          <a:pPr marL="0" lvl="0" indent="0" algn="l" defTabSz="1778000">
+            <a:lnSpc>
+              <a:spcPct val="90000"/>
+            </a:lnSpc>
+            <a:spcBef>
+              <a:spcPct val="0"/>
+            </a:spcBef>
+            <a:spcAft>
+              <a:spcPct val="35000"/>
+            </a:spcAft>
+            <a:tabLst>
+              <a:tab pos="266700" algn="l"/>
+            </a:tabLst>
+          </a:pPr>
+          <a:r>
+            <a:rPr lang="fr-FR" sz="4000" b="1" kern="1200" dirty="0" smtClean="0">
+              <a:solidFill>
+                <a:schemeClr val="accent4">
+                  <a:lumMod val="20000"/>
+                  <a:lumOff val="80000"/>
+                </a:schemeClr>
+              </a:solidFill>
+              <a:latin typeface="Corbel" panose="020B0503020204020204" pitchFamily="34" charset="0"/>
+            </a:rPr>
+            <a:t>Résultats pertinents</a:t>
+          </a:r>
+        </a:p>
+      </dsp:txBody>
+      <dsp:txXfrm>
+        <a:off x="743545" y="847032"/>
+        <a:ext cx="3070124" cy="2435979"/>
+      </dsp:txXfrm>
+    </dsp:sp>
+    <dsp:sp modelId="{C7C63954-7E2B-4FE8-95A4-004AD82B030A}">
+      <dsp:nvSpPr>
+        <dsp:cNvPr id="0" name=""/>
+        <dsp:cNvSpPr/>
+      </dsp:nvSpPr>
+      <dsp:spPr>
+        <a:xfrm>
+          <a:off x="3760255" y="507539"/>
+          <a:ext cx="4650964" cy="3073252"/>
+        </a:xfrm>
+        <a:prstGeom prst="ellipse">
+          <a:avLst/>
+        </a:prstGeom>
+        <a:solidFill>
+          <a:srgbClr val="FFC000">
+            <a:alpha val="50000"/>
+          </a:srgbClr>
+        </a:solidFill>
+        <a:ln w="12700" cap="flat" cmpd="sng" algn="ctr">
+          <a:solidFill>
+            <a:schemeClr val="lt1">
+              <a:hueOff val="0"/>
+              <a:satOff val="0"/>
+              <a:lumOff val="0"/>
+              <a:alphaOff val="0"/>
+            </a:schemeClr>
+          </a:solidFill>
+          <a:prstDash val="solid"/>
+          <a:miter lim="800000"/>
+        </a:ln>
+        <a:effectLst/>
+      </dsp:spPr>
+      <dsp:style>
+        <a:lnRef idx="2">
+          <a:scrgbClr r="0" g="0" b="0"/>
+        </a:lnRef>
+        <a:fillRef idx="1">
+          <a:scrgbClr r="0" g="0" b="0"/>
+        </a:fillRef>
+        <a:effectRef idx="0">
+          <a:scrgbClr r="0" g="0" b="0"/>
+        </a:effectRef>
+        <a:fontRef idx="minor">
+          <a:schemeClr val="tx1"/>
+        </a:fontRef>
+      </dsp:style>
+      <dsp:txBody>
+        <a:bodyPr spcFirstLastPara="0" vert="horz" wrap="square" lIns="0" tIns="0" rIns="0" bIns="0" numCol="1" spcCol="1270" anchor="ctr" anchorCtr="0">
+          <a:noAutofit/>
+        </a:bodyPr>
+        <a:lstStyle/>
+        <a:p>
+          <a:pPr marL="622300" lvl="0" indent="0" algn="l" defTabSz="901700">
+            <a:lnSpc>
+              <a:spcPct val="90000"/>
+            </a:lnSpc>
+            <a:spcBef>
+              <a:spcPct val="0"/>
+            </a:spcBef>
+            <a:spcAft>
+              <a:spcPct val="35000"/>
+            </a:spcAft>
+            <a:tabLst>
+              <a:tab pos="1079500" algn="l"/>
+              <a:tab pos="1168400" algn="l"/>
+              <a:tab pos="1790700" algn="l"/>
+            </a:tabLst>
+          </a:pPr>
+          <a:r>
+            <a:rPr lang="fr-FR" sz="4000" b="1" kern="1200" dirty="0" smtClean="0">
+              <a:solidFill>
+                <a:srgbClr val="C00000"/>
+              </a:solidFill>
+              <a:latin typeface="Corbel" panose="020B0503020204020204" pitchFamily="34" charset="0"/>
+            </a:rPr>
+            <a:t>Résultats obtenus</a:t>
+          </a:r>
+          <a:endParaRPr lang="fr-FR" sz="4000" b="1" kern="1200" dirty="0">
+            <a:solidFill>
+              <a:srgbClr val="C00000"/>
+            </a:solidFill>
+            <a:latin typeface="Corbel" panose="020B0503020204020204" pitchFamily="34" charset="0"/>
+          </a:endParaRPr>
+        </a:p>
+      </dsp:txBody>
+      <dsp:txXfrm>
+        <a:off x="5080123" y="869942"/>
+        <a:ext cx="2681637" cy="2348447"/>
+      </dsp:txXfrm>
+    </dsp:sp>
   </dsp:spTree>
 </dsp:drawing>
 </file>
@@ -3034,6 +3219,174 @@
       <dsp:cNvGrpSpPr/>
     </dsp:nvGrpSpPr>
     <dsp:grpSpPr/>
+    <dsp:sp modelId="{498039FD-F768-4651-9E91-57FCEB83B688}">
+      <dsp:nvSpPr>
+        <dsp:cNvPr id="0" name=""/>
+        <dsp:cNvSpPr/>
+      </dsp:nvSpPr>
+      <dsp:spPr>
+        <a:xfrm>
+          <a:off x="0" y="2427825"/>
+          <a:ext cx="4544214" cy="2117585"/>
+        </a:xfrm>
+        <a:prstGeom prst="ellipse">
+          <a:avLst/>
+        </a:prstGeom>
+        <a:solidFill>
+          <a:srgbClr val="FF6600"/>
+        </a:solidFill>
+        <a:ln w="12700" cap="flat" cmpd="sng" algn="ctr">
+          <a:solidFill>
+            <a:schemeClr val="lt1">
+              <a:hueOff val="0"/>
+              <a:satOff val="0"/>
+              <a:lumOff val="0"/>
+              <a:alphaOff val="0"/>
+            </a:schemeClr>
+          </a:solidFill>
+          <a:prstDash val="solid"/>
+          <a:miter lim="800000"/>
+        </a:ln>
+        <a:effectLst/>
+      </dsp:spPr>
+      <dsp:style>
+        <a:lnRef idx="2">
+          <a:scrgbClr r="0" g="0" b="0"/>
+        </a:lnRef>
+        <a:fillRef idx="1">
+          <a:scrgbClr r="0" g="0" b="0"/>
+        </a:fillRef>
+        <a:effectRef idx="0">
+          <a:scrgbClr r="0" g="0" b="0"/>
+        </a:effectRef>
+        <a:fontRef idx="minor">
+          <a:schemeClr val="tx1"/>
+        </a:fontRef>
+      </dsp:style>
+      <dsp:txBody>
+        <a:bodyPr spcFirstLastPara="0" vert="horz" wrap="square" lIns="0" tIns="0" rIns="0" bIns="0" numCol="1" spcCol="1270" anchor="t" anchorCtr="1">
+          <a:noAutofit/>
+        </a:bodyPr>
+        <a:lstStyle/>
+        <a:p>
+          <a:pPr lvl="0" algn="l" defTabSz="1778000">
+            <a:lnSpc>
+              <a:spcPct val="90000"/>
+            </a:lnSpc>
+            <a:spcBef>
+              <a:spcPct val="0"/>
+            </a:spcBef>
+            <a:spcAft>
+              <a:spcPct val="35000"/>
+            </a:spcAft>
+          </a:pPr>
+          <a:r>
+            <a:rPr lang="fr-FR" sz="4000" b="1" kern="1200" dirty="0" smtClean="0">
+              <a:solidFill>
+                <a:schemeClr val="accent4">
+                  <a:lumMod val="20000"/>
+                  <a:lumOff val="80000"/>
+                </a:schemeClr>
+              </a:solidFill>
+              <a:latin typeface="Corbel" panose="020B0503020204020204" pitchFamily="34" charset="0"/>
+            </a:rPr>
+            <a:t>Résultats pertinents</a:t>
+          </a:r>
+        </a:p>
+      </dsp:txBody>
+      <dsp:txXfrm>
+        <a:off x="634552" y="2677534"/>
+        <a:ext cx="2620087" cy="1618167"/>
+      </dsp:txXfrm>
+    </dsp:sp>
+    <dsp:sp modelId="{C7C63954-7E2B-4FE8-95A4-004AD82B030A}">
+      <dsp:nvSpPr>
+        <dsp:cNvPr id="0" name=""/>
+        <dsp:cNvSpPr/>
+      </dsp:nvSpPr>
+      <dsp:spPr>
+        <a:xfrm>
+          <a:off x="1649547" y="-3"/>
+          <a:ext cx="4848904" cy="4838239"/>
+        </a:xfrm>
+        <a:prstGeom prst="ellipse">
+          <a:avLst/>
+        </a:prstGeom>
+        <a:solidFill>
+          <a:srgbClr val="FFC000">
+            <a:alpha val="34000"/>
+          </a:srgbClr>
+        </a:solidFill>
+        <a:ln w="12700" cap="flat" cmpd="sng" algn="ctr">
+          <a:solidFill>
+            <a:schemeClr val="lt1">
+              <a:hueOff val="0"/>
+              <a:satOff val="0"/>
+              <a:lumOff val="0"/>
+              <a:alphaOff val="0"/>
+            </a:schemeClr>
+          </a:solidFill>
+          <a:prstDash val="solid"/>
+          <a:miter lim="800000"/>
+        </a:ln>
+        <a:effectLst/>
+      </dsp:spPr>
+      <dsp:style>
+        <a:lnRef idx="2">
+          <a:scrgbClr r="0" g="0" b="0"/>
+        </a:lnRef>
+        <a:fillRef idx="1">
+          <a:scrgbClr r="0" g="0" b="0"/>
+        </a:fillRef>
+        <a:effectRef idx="0">
+          <a:scrgbClr r="0" g="0" b="0"/>
+        </a:effectRef>
+        <a:fontRef idx="minor">
+          <a:schemeClr val="tx1"/>
+        </a:fontRef>
+      </dsp:style>
+      <dsp:txBody>
+        <a:bodyPr spcFirstLastPara="0" vert="horz" wrap="square" lIns="0" tIns="0" rIns="0" bIns="0" numCol="1" spcCol="1270" anchor="t" anchorCtr="1">
+          <a:noAutofit/>
+        </a:bodyPr>
+        <a:lstStyle/>
+        <a:p>
+          <a:pPr marL="0" lvl="0" indent="0" algn="l" defTabSz="1600200">
+            <a:lnSpc>
+              <a:spcPct val="90000"/>
+            </a:lnSpc>
+            <a:spcBef>
+              <a:spcPct val="0"/>
+            </a:spcBef>
+            <a:spcAft>
+              <a:spcPct val="35000"/>
+            </a:spcAft>
+            <a:tabLst>
+              <a:tab pos="176213" algn="l"/>
+            </a:tabLst>
+          </a:pPr>
+          <a:r>
+            <a:rPr lang="fr-FR" sz="3600" b="1" kern="1200" dirty="0" smtClean="0">
+              <a:solidFill>
+                <a:srgbClr val="C00000"/>
+              </a:solidFill>
+              <a:latin typeface="Corbel" panose="020B0503020204020204" pitchFamily="34" charset="0"/>
+            </a:rPr>
+            <a:t>Résultats obtenus</a:t>
+          </a:r>
+          <a:endParaRPr lang="fr-FR" sz="3600" b="1" kern="1200" dirty="0">
+            <a:solidFill>
+              <a:srgbClr val="C00000"/>
+            </a:solidFill>
+            <a:latin typeface="Corbel" panose="020B0503020204020204" pitchFamily="34" charset="0"/>
+          </a:endParaRPr>
+        </a:p>
+      </dsp:txBody>
+      <dsp:txXfrm>
+        <a:off x="3025588" y="570528"/>
+        <a:ext cx="2795764" cy="3697174"/>
+      </dsp:txXfrm>
+    </dsp:sp>
   </dsp:spTree>
 </dsp:drawing>
 </file>
@@ -3046,6 +3399,174 @@
       <dsp:cNvGrpSpPr/>
     </dsp:nvGrpSpPr>
     <dsp:grpSpPr/>
+    <dsp:sp modelId="{498039FD-F768-4651-9E91-57FCEB83B688}">
+      <dsp:nvSpPr>
+        <dsp:cNvPr id="0" name=""/>
+        <dsp:cNvSpPr/>
+      </dsp:nvSpPr>
+      <dsp:spPr>
+        <a:xfrm>
+          <a:off x="532833" y="207153"/>
+          <a:ext cx="4669098" cy="4792950"/>
+        </a:xfrm>
+        <a:prstGeom prst="ellipse">
+          <a:avLst/>
+        </a:prstGeom>
+        <a:solidFill>
+          <a:srgbClr val="FF6600"/>
+        </a:solidFill>
+        <a:ln w="12700" cap="flat" cmpd="sng" algn="ctr">
+          <a:solidFill>
+            <a:schemeClr val="lt1">
+              <a:hueOff val="0"/>
+              <a:satOff val="0"/>
+              <a:lumOff val="0"/>
+              <a:alphaOff val="0"/>
+            </a:schemeClr>
+          </a:solidFill>
+          <a:prstDash val="solid"/>
+          <a:miter lim="800000"/>
+        </a:ln>
+        <a:effectLst/>
+      </dsp:spPr>
+      <dsp:style>
+        <a:lnRef idx="2">
+          <a:scrgbClr r="0" g="0" b="0"/>
+        </a:lnRef>
+        <a:fillRef idx="1">
+          <a:scrgbClr r="0" g="0" b="0"/>
+        </a:fillRef>
+        <a:effectRef idx="0">
+          <a:scrgbClr r="0" g="0" b="0"/>
+        </a:effectRef>
+        <a:fontRef idx="minor">
+          <a:schemeClr val="tx1"/>
+        </a:fontRef>
+      </dsp:style>
+      <dsp:txBody>
+        <a:bodyPr spcFirstLastPara="0" vert="horz" wrap="square" lIns="0" tIns="0" rIns="0" bIns="0" numCol="1" spcCol="1270" anchor="t" anchorCtr="1">
+          <a:noAutofit/>
+        </a:bodyPr>
+        <a:lstStyle/>
+        <a:p>
+          <a:pPr marL="360363" lvl="0" indent="0" algn="l" defTabSz="896938">
+            <a:lnSpc>
+              <a:spcPct val="90000"/>
+            </a:lnSpc>
+            <a:spcBef>
+              <a:spcPct val="0"/>
+            </a:spcBef>
+            <a:spcAft>
+              <a:spcPct val="35000"/>
+            </a:spcAft>
+            <a:tabLst>
+              <a:tab pos="2154238" algn="l"/>
+            </a:tabLst>
+          </a:pPr>
+          <a:r>
+            <a:rPr lang="fr-FR" sz="4000" b="1" kern="1200" dirty="0" smtClean="0">
+              <a:solidFill>
+                <a:schemeClr val="accent4">
+                  <a:lumMod val="20000"/>
+                  <a:lumOff val="80000"/>
+                </a:schemeClr>
+              </a:solidFill>
+              <a:latin typeface="Corbel" panose="020B0503020204020204" pitchFamily="34" charset="0"/>
+            </a:rPr>
+            <a:t>Résultats pertinents</a:t>
+          </a:r>
+        </a:p>
+      </dsp:txBody>
+      <dsp:txXfrm>
+        <a:off x="1184824" y="772345"/>
+        <a:ext cx="2692092" cy="3662566"/>
+      </dsp:txXfrm>
+    </dsp:sp>
+    <dsp:sp modelId="{C7C63954-7E2B-4FE8-95A4-004AD82B030A}">
+      <dsp:nvSpPr>
+        <dsp:cNvPr id="0" name=""/>
+        <dsp:cNvSpPr/>
+      </dsp:nvSpPr>
+      <dsp:spPr>
+        <a:xfrm>
+          <a:off x="0" y="2385032"/>
+          <a:ext cx="3481509" cy="2362038"/>
+        </a:xfrm>
+        <a:prstGeom prst="ellipse">
+          <a:avLst/>
+        </a:prstGeom>
+        <a:solidFill>
+          <a:srgbClr val="FFFF00">
+            <a:alpha val="50000"/>
+          </a:srgbClr>
+        </a:solidFill>
+        <a:ln w="12700" cap="flat" cmpd="sng" algn="ctr">
+          <a:solidFill>
+            <a:schemeClr val="lt1">
+              <a:hueOff val="0"/>
+              <a:satOff val="0"/>
+              <a:lumOff val="0"/>
+              <a:alphaOff val="0"/>
+            </a:schemeClr>
+          </a:solidFill>
+          <a:prstDash val="solid"/>
+          <a:miter lim="800000"/>
+        </a:ln>
+        <a:effectLst/>
+      </dsp:spPr>
+      <dsp:style>
+        <a:lnRef idx="2">
+          <a:scrgbClr r="0" g="0" b="0"/>
+        </a:lnRef>
+        <a:fillRef idx="1">
+          <a:scrgbClr r="0" g="0" b="0"/>
+        </a:fillRef>
+        <a:effectRef idx="0">
+          <a:scrgbClr r="0" g="0" b="0"/>
+        </a:effectRef>
+        <a:fontRef idx="minor">
+          <a:schemeClr val="tx1"/>
+        </a:fontRef>
+      </dsp:style>
+      <dsp:txBody>
+        <a:bodyPr spcFirstLastPara="0" vert="horz" wrap="square" lIns="0" tIns="0" rIns="0" bIns="0" numCol="1" spcCol="1270" anchor="ctr" anchorCtr="0">
+          <a:noAutofit/>
+        </a:bodyPr>
+        <a:lstStyle/>
+        <a:p>
+          <a:pPr marL="0" lvl="0" indent="0" algn="l" defTabSz="1600200">
+            <a:lnSpc>
+              <a:spcPct val="90000"/>
+            </a:lnSpc>
+            <a:spcBef>
+              <a:spcPct val="0"/>
+            </a:spcBef>
+            <a:spcAft>
+              <a:spcPct val="35000"/>
+            </a:spcAft>
+          </a:pPr>
+          <a:r>
+            <a:rPr lang="fr-FR" sz="3600" b="1" kern="1200" dirty="0" smtClean="0">
+              <a:solidFill>
+                <a:srgbClr val="C00000"/>
+              </a:solidFill>
+              <a:latin typeface="Corbel" panose="020B0503020204020204" pitchFamily="34" charset="0"/>
+            </a:rPr>
+            <a:t>Résultats obtenus</a:t>
+          </a:r>
+          <a:endParaRPr lang="fr-FR" sz="3600" b="1" kern="1200" dirty="0">
+            <a:solidFill>
+              <a:srgbClr val="C00000"/>
+            </a:solidFill>
+            <a:latin typeface="Corbel" panose="020B0503020204020204" pitchFamily="34" charset="0"/>
+          </a:endParaRPr>
+        </a:p>
+      </dsp:txBody>
+      <dsp:txXfrm>
+        <a:off x="987995" y="2663567"/>
+        <a:ext cx="2007356" cy="1804968"/>
+      </dsp:txXfrm>
+    </dsp:sp>
   </dsp:spTree>
 </dsp:drawing>
 </file>
@@ -8864,7 +9385,7 @@
             <a:fld id="{91E9DC1B-7AD4-4493-BE2D-19F04AF919E8}" type="datetimeFigureOut">
               <a:rPr lang="fr-FR" smtClean="0"/>
               <a:pPr/>
-              <a:t>15/06/2022</a:t>
+              <a:t>05/06/2023</a:t>
             </a:fld>
             <a:endParaRPr lang="fr-FR" dirty="0"/>
           </a:p>
@@ -10012,7 +10533,7 @@
               <a:pPr>
                 <a:defRPr/>
               </a:pPr>
-              <a:t>21</a:t>
+              <a:t>22</a:t>
             </a:fld>
             <a:endParaRPr lang="fr-FR" dirty="0"/>
           </a:p>
@@ -10102,7 +10623,7 @@
               <a:pPr>
                 <a:defRPr/>
               </a:pPr>
-              <a:t>22</a:t>
+              <a:t>23</a:t>
             </a:fld>
             <a:endParaRPr lang="fr-FR" dirty="0"/>
           </a:p>
@@ -10276,7 +10797,7 @@
               <a:pPr>
                 <a:defRPr/>
               </a:pPr>
-              <a:t>23</a:t>
+              <a:t>24</a:t>
             </a:fld>
             <a:endParaRPr lang="fr-FR" dirty="0"/>
           </a:p>
@@ -10366,7 +10887,7 @@
               <a:pPr>
                 <a:defRPr/>
               </a:pPr>
-              <a:t>24</a:t>
+              <a:t>25</a:t>
             </a:fld>
             <a:endParaRPr lang="fr-FR" dirty="0"/>
           </a:p>
@@ -10429,7 +10950,7 @@
           <a:bodyPr/>
           <a:lstStyle/>
           <a:p>
-            <a:endParaRPr lang="fr-FR"/>
+            <a:endParaRPr lang="fr-FR" dirty="0"/>
           </a:p>
         </p:txBody>
       </p:sp>
@@ -10450,92 +10971,7 @@
           <a:p>
             <a:fld id="{0145B376-959C-4F10-BF50-4FF0FAF5ADD9}" type="slidenum">
               <a:rPr lang="fr-FR" smtClean="0"/>
-              <a:pPr/>
-              <a:t>29</a:t>
-            </a:fld>
-            <a:endParaRPr lang="fr-FR" dirty="0"/>
-          </a:p>
-        </p:txBody>
-      </p:sp>
-    </p:spTree>
-    <p:extLst>
-      <p:ext uri="{BB962C8B-B14F-4D97-AF65-F5344CB8AC3E}">
-        <p14:creationId xmlns:p14="http://schemas.microsoft.com/office/powerpoint/2010/main" val="1768943792"/>
-      </p:ext>
-    </p:extLst>
-  </p:cSld>
-  <p:clrMapOvr>
-    <a:masterClrMapping/>
-  </p:clrMapOvr>
-</p:notes>
-</file>
-
-<file path=ppt/notesSlides/notesSlide23.xml><?xml version="1.0" encoding="utf-8"?>
-<p:notes xmlns:a="http://schemas.openxmlformats.org/drawingml/2006/main" xmlns:r="http://schemas.openxmlformats.org/officeDocument/2006/relationships" xmlns:p="http://schemas.openxmlformats.org/presentationml/2006/main">
-  <p:cSld>
-    <p:spTree>
-      <p:nvGrpSpPr>
-        <p:cNvPr id="1" name=""/>
-        <p:cNvGrpSpPr/>
-        <p:nvPr/>
-      </p:nvGrpSpPr>
-      <p:grpSpPr>
-        <a:xfrm>
-          <a:off x="0" y="0"/>
-          <a:ext cx="0" cy="0"/>
-          <a:chOff x="0" y="0"/>
-          <a:chExt cx="0" cy="0"/>
-        </a:xfrm>
-      </p:grpSpPr>
-      <p:sp>
-        <p:nvSpPr>
-          <p:cNvPr id="2" name="Espace réservé de l'image des diapositives 1"/>
-          <p:cNvSpPr>
-            <a:spLocks noGrp="1" noRot="1" noChangeAspect="1"/>
-          </p:cNvSpPr>
-          <p:nvPr>
-            <p:ph type="sldImg"/>
-          </p:nvPr>
-        </p:nvSpPr>
-        <p:spPr/>
-      </p:sp>
-      <p:sp>
-        <p:nvSpPr>
-          <p:cNvPr id="3" name="Espace réservé des commentaires 2"/>
-          <p:cNvSpPr>
-            <a:spLocks noGrp="1"/>
-          </p:cNvSpPr>
-          <p:nvPr>
-            <p:ph type="body" idx="1"/>
-          </p:nvPr>
-        </p:nvSpPr>
-        <p:spPr/>
-        <p:txBody>
-          <a:bodyPr/>
-          <a:lstStyle/>
-          <a:p>
-            <a:endParaRPr lang="fr-FR" dirty="0"/>
-          </a:p>
-        </p:txBody>
-      </p:sp>
-      <p:sp>
-        <p:nvSpPr>
-          <p:cNvPr id="4" name="Espace réservé du numéro de diapositive 3"/>
-          <p:cNvSpPr>
-            <a:spLocks noGrp="1"/>
-          </p:cNvSpPr>
-          <p:nvPr>
-            <p:ph type="sldNum" sz="quarter" idx="10"/>
-          </p:nvPr>
-        </p:nvSpPr>
-        <p:spPr/>
-        <p:txBody>
-          <a:bodyPr/>
-          <a:lstStyle/>
-          <a:p>
-            <a:fld id="{0145B376-959C-4F10-BF50-4FF0FAF5ADD9}" type="slidenum">
-              <a:rPr lang="fr-FR" smtClean="0"/>
-              <a:t>30</a:t>
+              <a:t>32</a:t>
             </a:fld>
             <a:endParaRPr lang="fr-FR"/>
           </a:p>
@@ -11317,9 +11753,9 @@
             </a:lvl1pPr>
           </a:lstStyle>
           <a:p>
-            <a:fld id="{C2DEA8B0-7000-4F56-89DA-1A2E78E220B4}" type="datetime1">
+            <a:fld id="{250BE573-9ADA-4FBE-B032-1079E2D65D49}" type="datetime1">
               <a:rPr lang="fr-FR" smtClean="0"/>
-              <a:t>15/06/2022</a:t>
+              <a:t>05/06/2023</a:t>
             </a:fld>
             <a:endParaRPr lang="fr-FR" dirty="0"/>
           </a:p>
@@ -11342,7 +11778,7 @@
           <a:p>
             <a:r>
               <a:rPr lang="fr-FR" smtClean="0"/>
-              <a:t>F. Flamerie - Recherche doc - 2022-05-03</a:t>
+              <a:t>F. Flamerie - Recherche doc - 2023-05-02</a:t>
             </a:r>
             <a:endParaRPr lang="fr-FR"/>
           </a:p>
@@ -11505,9 +11941,9 @@
             </a:lvl1pPr>
           </a:lstStyle>
           <a:p>
-            <a:fld id="{B2329BA9-74B0-466E-A77B-208F66C250EC}" type="datetime1">
+            <a:fld id="{739E0707-83F1-4E17-A370-AC1EEFB1AE7E}" type="datetime1">
               <a:rPr lang="fr-FR" smtClean="0"/>
-              <a:t>15/06/2022</a:t>
+              <a:t>05/06/2023</a:t>
             </a:fld>
             <a:endParaRPr lang="fr-FR" dirty="0"/>
           </a:p>
@@ -11530,7 +11966,7 @@
           <a:p>
             <a:r>
               <a:rPr lang="fr-FR" smtClean="0"/>
-              <a:t>F. Flamerie - Recherche doc - 2022-05-03</a:t>
+              <a:t>F. Flamerie - Recherche doc - 2023-05-02</a:t>
             </a:r>
             <a:endParaRPr lang="fr-FR"/>
           </a:p>
@@ -11703,9 +12139,9 @@
             </a:lvl1pPr>
           </a:lstStyle>
           <a:p>
-            <a:fld id="{24D1E629-5F33-4529-9772-BE199F08EA72}" type="datetime1">
+            <a:fld id="{009CD351-2611-460A-8292-E51FBA015F79}" type="datetime1">
               <a:rPr lang="fr-FR" smtClean="0"/>
-              <a:t>15/06/2022</a:t>
+              <a:t>05/06/2023</a:t>
             </a:fld>
             <a:endParaRPr lang="fr-FR" dirty="0"/>
           </a:p>
@@ -11728,7 +12164,7 @@
           <a:p>
             <a:r>
               <a:rPr lang="fr-FR" smtClean="0"/>
-              <a:t>F. Flamerie - Recherche doc - 2022-05-03</a:t>
+              <a:t>F. Flamerie - Recherche doc - 2023-05-02</a:t>
             </a:r>
             <a:endParaRPr lang="fr-FR"/>
           </a:p>
@@ -11929,9 +12365,9 @@
             </a:lvl1pPr>
           </a:lstStyle>
           <a:p>
-            <a:fld id="{B5EC2883-D47A-4F5D-8057-23A534672283}" type="datetime1">
+            <a:fld id="{27455AD0-0602-4758-BA97-295DC90438DE}" type="datetime1">
               <a:rPr lang="fr-FR" smtClean="0"/>
-              <a:t>15/06/2022</a:t>
+              <a:t>05/06/2023</a:t>
             </a:fld>
             <a:endParaRPr lang="fr-FR" dirty="0"/>
           </a:p>
@@ -11960,7 +12396,7 @@
           <a:p>
             <a:r>
               <a:rPr lang="fr-FR" smtClean="0"/>
-              <a:t>F. Flamerie - Recherche doc - 2022-05-03</a:t>
+              <a:t>F. Flamerie - Recherche doc - 2023-05-02</a:t>
             </a:r>
             <a:endParaRPr lang="fr-FR" dirty="0"/>
           </a:p>
@@ -12213,9 +12649,9 @@
             </a:lvl1pPr>
           </a:lstStyle>
           <a:p>
-            <a:fld id="{9E64C92B-9F9E-4295-9EAB-C3F443C285AC}" type="datetime1">
+            <a:fld id="{11782194-1116-4001-A622-AC6DA8196C2B}" type="datetime1">
               <a:rPr lang="fr-FR" smtClean="0"/>
-              <a:t>15/06/2022</a:t>
+              <a:t>05/06/2023</a:t>
             </a:fld>
             <a:endParaRPr lang="fr-FR" dirty="0"/>
           </a:p>
@@ -12238,7 +12674,7 @@
           <a:p>
             <a:r>
               <a:rPr lang="fr-FR" smtClean="0"/>
-              <a:t>F. Flamerie - Recherche doc - 2022-05-03</a:t>
+              <a:t>F. Flamerie - Recherche doc - 2023-05-02</a:t>
             </a:r>
             <a:endParaRPr lang="fr-FR"/>
           </a:p>
@@ -12527,9 +12963,9 @@
             </a:lvl1pPr>
           </a:lstStyle>
           <a:p>
-            <a:fld id="{B667F2F6-99F8-4B20-A640-51FA4449DC35}" type="datetime1">
+            <a:fld id="{3EB4AD20-AA03-4C27-A92C-E2FD965DA414}" type="datetime1">
               <a:rPr lang="fr-FR" smtClean="0"/>
-              <a:t>15/06/2022</a:t>
+              <a:t>05/06/2023</a:t>
             </a:fld>
             <a:endParaRPr lang="fr-FR" dirty="0"/>
           </a:p>
@@ -12552,7 +12988,7 @@
           <a:p>
             <a:r>
               <a:rPr lang="fr-FR" smtClean="0"/>
-              <a:t>F. Flamerie - Recherche doc - 2022-05-03</a:t>
+              <a:t>F. Flamerie - Recherche doc - 2023-05-02</a:t>
             </a:r>
             <a:endParaRPr lang="fr-FR"/>
           </a:p>
@@ -12912,9 +13348,9 @@
             </a:lvl1pPr>
           </a:lstStyle>
           <a:p>
-            <a:fld id="{124744AC-22DA-48D9-8DB9-BCBA16F3CE5B}" type="datetime1">
+            <a:fld id="{0CAC0830-61E1-4427-8F8C-1A8E2F614CC7}" type="datetime1">
               <a:rPr lang="fr-FR" smtClean="0"/>
-              <a:t>15/06/2022</a:t>
+              <a:t>05/06/2023</a:t>
             </a:fld>
             <a:endParaRPr lang="fr-FR" dirty="0"/>
           </a:p>
@@ -12937,7 +13373,7 @@
           <a:p>
             <a:r>
               <a:rPr lang="fr-FR" smtClean="0"/>
-              <a:t>F. Flamerie - Recherche doc - 2022-05-03</a:t>
+              <a:t>F. Flamerie - Recherche doc - 2023-05-02</a:t>
             </a:r>
             <a:endParaRPr lang="fr-FR"/>
           </a:p>
@@ -13048,9 +13484,9 @@
             </a:lvl1pPr>
           </a:lstStyle>
           <a:p>
-            <a:fld id="{E90A50AD-2EC6-4145-A85A-5061A8C2B478}" type="datetime1">
+            <a:fld id="{6B5956D6-E620-4402-B9AF-5DAF7706B351}" type="datetime1">
               <a:rPr lang="fr-FR" smtClean="0"/>
-              <a:t>15/06/2022</a:t>
+              <a:t>05/06/2023</a:t>
             </a:fld>
             <a:endParaRPr lang="fr-FR" dirty="0"/>
           </a:p>
@@ -13073,7 +13509,7 @@
           <a:p>
             <a:r>
               <a:rPr lang="fr-FR" smtClean="0"/>
-              <a:t>F. Flamerie - Recherche doc - 2022-05-03</a:t>
+              <a:t>F. Flamerie - Recherche doc - 2023-05-02</a:t>
             </a:r>
             <a:endParaRPr lang="fr-FR"/>
           </a:p>
@@ -13161,9 +13597,9 @@
             </a:lvl1pPr>
           </a:lstStyle>
           <a:p>
-            <a:fld id="{AA062374-8034-4126-9AA3-C55F528380D6}" type="datetime1">
+            <a:fld id="{AE83EC75-6B81-41D1-95F2-565E4CDDE9EF}" type="datetime1">
               <a:rPr lang="fr-FR" smtClean="0"/>
-              <a:t>15/06/2022</a:t>
+              <a:t>05/06/2023</a:t>
             </a:fld>
             <a:endParaRPr lang="fr-FR" dirty="0"/>
           </a:p>
@@ -13186,7 +13622,7 @@
           <a:p>
             <a:r>
               <a:rPr lang="fr-FR" smtClean="0"/>
-              <a:t>F. Flamerie - Recherche doc - 2022-05-03</a:t>
+              <a:t>F. Flamerie - Recherche doc - 2023-05-02</a:t>
             </a:r>
             <a:endParaRPr lang="fr-FR"/>
           </a:p>
@@ -13456,9 +13892,9 @@
             </a:lvl1pPr>
           </a:lstStyle>
           <a:p>
-            <a:fld id="{E4C50021-1119-4141-AC89-B6C015653AFA}" type="datetime1">
+            <a:fld id="{0ABF480A-F539-42FC-B8FD-6C7D3D266E99}" type="datetime1">
               <a:rPr lang="fr-FR" smtClean="0"/>
-              <a:t>15/06/2022</a:t>
+              <a:t>05/06/2023</a:t>
             </a:fld>
             <a:endParaRPr lang="fr-FR" dirty="0"/>
           </a:p>
@@ -13481,7 +13917,7 @@
           <a:p>
             <a:r>
               <a:rPr lang="fr-FR" smtClean="0"/>
-              <a:t>F. Flamerie - Recherche doc - 2022-05-03</a:t>
+              <a:t>F. Flamerie - Recherche doc - 2023-05-02</a:t>
             </a:r>
             <a:endParaRPr lang="fr-FR"/>
           </a:p>
@@ -13727,9 +14163,9 @@
             </a:lvl1pPr>
           </a:lstStyle>
           <a:p>
-            <a:fld id="{F56F4C1B-4C2B-48C6-A443-C631AB0E77AC}" type="datetime1">
+            <a:fld id="{12D7E812-CE4B-48E7-9A6E-E6F07FD08271}" type="datetime1">
               <a:rPr lang="fr-FR" smtClean="0"/>
-              <a:t>15/06/2022</a:t>
+              <a:t>05/06/2023</a:t>
             </a:fld>
             <a:endParaRPr lang="fr-FR" dirty="0"/>
           </a:p>
@@ -13752,7 +14188,7 @@
           <a:p>
             <a:r>
               <a:rPr lang="fr-FR" smtClean="0"/>
-              <a:t>F. Flamerie - Recherche doc - 2022-05-03</a:t>
+              <a:t>F. Flamerie - Recherche doc - 2023-05-02</a:t>
             </a:r>
             <a:endParaRPr lang="fr-FR"/>
           </a:p>
@@ -13946,8 +14382,8 @@
           </a:lstStyle>
           <a:p>
             <a:r>
-              <a:rPr lang="fr-FR" dirty="0" smtClean="0"/>
-              <a:t>F. Flamerie - Recherche doc - 2022-05-03</a:t>
+              <a:rPr lang="fr-FR" smtClean="0"/>
+              <a:t>F. Flamerie - Recherche doc - 2023-05-02</a:t>
             </a:r>
             <a:endParaRPr lang="fr-FR" dirty="0"/>
           </a:p>
@@ -14503,6 +14939,28 @@
           <a:lstStyle/>
           <a:p>
             <a:r>
+              <a:rPr lang="fr-FR" sz="1600" dirty="0" smtClean="0">
+                <a:solidFill>
+                  <a:schemeClr val="bg1">
+                    <a:lumMod val="50000"/>
+                  </a:schemeClr>
+                </a:solidFill>
+                <a:latin typeface="Corbel" panose="020B0503020204020204" pitchFamily="34" charset="0"/>
+              </a:rPr>
+              <a:t>Auteur : F. </a:t>
+            </a:r>
+            <a:r>
+              <a:rPr lang="fr-FR" sz="1600" smtClean="0">
+                <a:solidFill>
+                  <a:schemeClr val="bg1">
+                    <a:lumMod val="50000"/>
+                  </a:schemeClr>
+                </a:solidFill>
+                <a:latin typeface="Corbel" panose="020B0503020204020204" pitchFamily="34" charset="0"/>
+              </a:rPr>
+              <a:t>Flamerie - Ce </a:t>
+            </a:r>
+            <a:r>
               <a:rPr lang="fr-FR" sz="1600" dirty="0">
                 <a:solidFill>
                   <a:schemeClr val="bg1">
@@ -14511,7 +14969,7 @@
                 </a:solidFill>
                 <a:latin typeface="Corbel" panose="020B0503020204020204" pitchFamily="34" charset="0"/>
               </a:rPr>
-              <a:t>Ce contenu est mis à disposition selon les termes de la </a:t>
+              <a:t>contenu est mis à disposition selon les termes de la </a:t>
             </a:r>
             <a:r>
               <a:rPr lang="fr-FR" sz="1600" dirty="0">
@@ -14980,7 +15438,7 @@
             </a:pPr>
             <a:r>
               <a:rPr lang="fr-FR" smtClean="0"/>
-              <a:t>F. Flamerie - Recherche doc - 2022-05-03</a:t>
+              <a:t>F. Flamerie - Recherche doc - 2023-05-02</a:t>
             </a:r>
             <a:endParaRPr lang="fr-FR" dirty="0"/>
           </a:p>
@@ -16058,7 +16516,7 @@
             </a:pPr>
             <a:r>
               <a:rPr lang="fr-FR" smtClean="0"/>
-              <a:t>F. Flamerie - Recherche doc - 2022-05-03</a:t>
+              <a:t>F. Flamerie - Recherche doc - 2023-05-02</a:t>
             </a:r>
             <a:endParaRPr lang="fr-FR" dirty="0"/>
           </a:p>
@@ -16241,7 +16699,7 @@
             </a:r>
             <a:r>
               <a:rPr lang="fr-FR" sz="3200" dirty="0" smtClean="0"/>
-              <a:t> doit être interrogée en anglais, même si elle indexe des articles dans de multiples langues (y compris le français).</a:t>
+              <a:t> doit être interrogée en anglais, même si cette base indexe des articles dans de multiples langues (y compris le français).</a:t>
             </a:r>
             <a:endParaRPr lang="fr-FR" sz="3200" b="1" dirty="0" smtClean="0"/>
           </a:p>
@@ -16275,7 +16733,7 @@
             </a:pPr>
             <a:r>
               <a:rPr lang="fr-FR" smtClean="0"/>
-              <a:t>F. Flamerie - Recherche doc - 2022-05-03</a:t>
+              <a:t>F. Flamerie - Recherche doc - 2023-05-02</a:t>
             </a:r>
             <a:endParaRPr lang="fr-FR" dirty="0"/>
           </a:p>
@@ -16414,7 +16872,7 @@
           <a:p>
             <a:r>
               <a:rPr lang="fr-FR" smtClean="0"/>
-              <a:t>F. Flamerie - Recherche doc - 2022-05-03</a:t>
+              <a:t>F. Flamerie - Recherche doc - 2023-05-02</a:t>
             </a:r>
             <a:endParaRPr lang="fr-FR" dirty="0"/>
           </a:p>
@@ -18420,7 +18878,7 @@
           <a:p>
             <a:r>
               <a:rPr lang="fr-FR" smtClean="0"/>
-              <a:t>F. Flamerie - Recherche doc - 2022-05-03</a:t>
+              <a:t>F. Flamerie - Recherche doc - 2023-05-02</a:t>
             </a:r>
             <a:endParaRPr lang="fr-FR"/>
           </a:p>
@@ -22114,7 +22572,7 @@
             </a:pPr>
             <a:r>
               <a:rPr lang="fr-FR" smtClean="0"/>
-              <a:t>F. Flamerie - Recherche doc - 2022-05-03</a:t>
+              <a:t>F. Flamerie - Recherche doc - 2023-05-02</a:t>
             </a:r>
             <a:endParaRPr lang="fr-FR" dirty="0"/>
           </a:p>
@@ -22192,19 +22650,19 @@
               <a:rPr lang="fr-FR" sz="2000" dirty="0" smtClean="0">
                 <a:latin typeface="Corbel" panose="020B0503020204020204" pitchFamily="34" charset="0"/>
               </a:rPr>
-              <a:t> le 24 mai </a:t>
+              <a:t> et </a:t>
             </a:r>
             <a:r>
               <a:rPr lang="fr-FR" sz="2000" dirty="0">
                 <a:latin typeface="Corbel" panose="020B0503020204020204" pitchFamily="34" charset="0"/>
               </a:rPr>
-              <a:t>11h30-12h15 et 1.3 : Usage des moteurs de recherche pour la recherche </a:t>
+              <a:t>1.3 : Usage des moteurs de recherche pour la recherche </a:t>
             </a:r>
             <a:r>
               <a:rPr lang="fr-FR" sz="2000" dirty="0" smtClean="0">
                 <a:latin typeface="Corbel" panose="020B0503020204020204" pitchFamily="34" charset="0"/>
               </a:rPr>
-              <a:t>documentaire le 7 juin 11h30-12h15</a:t>
+              <a:t>documentaire</a:t>
             </a:r>
             <a:endParaRPr lang="fr-FR" sz="2000" dirty="0">
               <a:latin typeface="Corbel" panose="020B0503020204020204" pitchFamily="34" charset="0"/>
@@ -22673,25 +23131,7 @@
             </a:pPr>
             <a:r>
               <a:rPr lang="fr-FR" sz="2800" dirty="0" err="1" smtClean="0"/>
-              <a:t>PubMed</a:t>
-            </a:r>
-            <a:r>
-              <a:rPr lang="fr-FR" sz="2800" dirty="0" smtClean="0"/>
-              <a:t> vs. EMBASE?</a:t>
-            </a:r>
-          </a:p>
-          <a:p>
-            <a:pPr marL="266700" lvl="1" indent="190500">
-              <a:buFont typeface="Corbel" panose="020B0503020204020204" pitchFamily="34" charset="0"/>
-              <a:buChar char="›"/>
-            </a:pPr>
-            <a:r>
-              <a:rPr lang="fr-FR" sz="2800" dirty="0" smtClean="0"/>
-              <a:t> </a:t>
-            </a:r>
-            <a:r>
-              <a:rPr lang="fr-FR" sz="2800" dirty="0" err="1" smtClean="0"/>
-              <a:t>PsycINFO</a:t>
+              <a:t>PsycInfo</a:t>
             </a:r>
             <a:r>
               <a:rPr lang="fr-FR" sz="2800" dirty="0" smtClean="0"/>
@@ -22765,7 +23205,7 @@
             </a:pPr>
             <a:r>
               <a:rPr lang="fr-FR" smtClean="0"/>
-              <a:t>F. Flamerie - Recherche doc - 2022-05-03</a:t>
+              <a:t>F. Flamerie - Recherche doc - 2023-05-02</a:t>
             </a:r>
             <a:endParaRPr lang="fr-FR" dirty="0"/>
           </a:p>
@@ -23200,7 +23640,7 @@
             </a:pPr>
             <a:r>
               <a:rPr lang="fr-FR" smtClean="0"/>
-              <a:t>F. Flamerie - Recherche doc - 2022-05-03</a:t>
+              <a:t>F. Flamerie - Recherche doc - 2023-05-02</a:t>
             </a:r>
             <a:endParaRPr lang="fr-FR" dirty="0"/>
           </a:p>
@@ -23312,7 +23752,7 @@
           <a:p>
             <a:r>
               <a:rPr lang="fr-FR" smtClean="0"/>
-              <a:t>F. Flamerie - Recherche doc - 2022-05-03</a:t>
+              <a:t>F. Flamerie - Recherche doc - 2023-05-02</a:t>
             </a:r>
             <a:endParaRPr lang="fr-FR"/>
           </a:p>
@@ -23908,7 +24348,7 @@
               <a:rPr lang="fr-FR" smtClean="0">
                 <a:latin typeface="Corbel" panose="020B0503020204020204" pitchFamily="34" charset="0"/>
               </a:rPr>
-              <a:t>F. Flamerie - Recherche doc - 2022-05-03</a:t>
+              <a:t>F. Flamerie - Recherche doc - 2023-05-02</a:t>
             </a:r>
             <a:endParaRPr lang="fr-FR" dirty="0">
               <a:latin typeface="Corbel" panose="020B0503020204020204" pitchFamily="34" charset="0"/>
@@ -24132,15 +24572,15 @@
             </a:r>
             <a:r>
               <a:rPr lang="fr-FR" sz="3300" dirty="0"/>
-              <a:t>des accès Inserm et université de Bordeaux dans un navigateur Internet, Google </a:t>
-            </a:r>
-            <a:r>
-              <a:rPr lang="fr-FR" sz="3300" dirty="0" err="1"/>
-              <a:t>Scholar</a:t>
+              <a:t>des accès Inserm et université de Bordeaux dans un navigateur </a:t>
+            </a:r>
+            <a:r>
+              <a:rPr lang="fr-FR" sz="3300" dirty="0" smtClean="0"/>
+              <a:t>Internet avec l’extension Click &amp;Read, dans un </a:t>
             </a:r>
             <a:r>
               <a:rPr lang="fr-FR" sz="3300" dirty="0"/>
-              <a:t>, un logiciel de gestion </a:t>
+              <a:t>logiciel de gestion </a:t>
             </a:r>
             <a:r>
               <a:rPr lang="fr-FR" sz="3300" dirty="0" smtClean="0"/>
@@ -24166,7 +24606,7 @@
           <a:p>
             <a:r>
               <a:rPr lang="fr-FR" smtClean="0"/>
-              <a:t>F. Flamerie - Recherche doc - 2022-05-03</a:t>
+              <a:t>F. Flamerie - Recherche doc - 2023-05-02</a:t>
             </a:r>
             <a:endParaRPr lang="fr-FR" dirty="0"/>
           </a:p>
@@ -24442,7 +24882,7 @@
               <a:rPr lang="fr-FR" smtClean="0">
                 <a:latin typeface="Corbel" panose="020B0503020204020204" pitchFamily="34" charset="0"/>
               </a:rPr>
-              <a:t>F. Flamerie - Recherche doc - 2022-05-03</a:t>
+              <a:t>F. Flamerie - Recherche doc - 2023-05-02</a:t>
             </a:r>
             <a:endParaRPr lang="fr-FR" dirty="0">
               <a:latin typeface="Corbel" panose="020B0503020204020204" pitchFamily="34" charset="0"/>
@@ -24539,6 +24979,885 @@
           <a:chExt cx="0" cy="0"/>
         </a:xfrm>
       </p:grpSpPr>
+      <p:graphicFrame>
+        <p:nvGraphicFramePr>
+          <p:cNvPr id="2" name="Espace réservé du contenu 1"/>
+          <p:cNvGraphicFramePr>
+            <a:graphicFrameLocks noGrp="1"/>
+          </p:cNvGraphicFramePr>
+          <p:nvPr>
+            <p:ph idx="1"/>
+            <p:extLst>
+              <p:ext uri="{D42A27DB-BD31-4B8C-83A1-F6EECF244321}">
+                <p14:modId xmlns:p14="http://schemas.microsoft.com/office/powerpoint/2010/main" val="1402077471"/>
+              </p:ext>
+            </p:extLst>
+          </p:nvPr>
+        </p:nvGraphicFramePr>
+        <p:xfrm>
+          <a:off x="531340" y="1020283"/>
+          <a:ext cx="11306433" cy="5465448"/>
+        </p:xfrm>
+        <a:graphic>
+          <a:graphicData uri="http://schemas.openxmlformats.org/drawingml/2006/table">
+            <a:tbl>
+              <a:tblPr firstRow="1" firstCol="1" bandRow="1">
+                <a:tableStyleId>{5C22544A-7EE6-4342-B048-85BDC9FD1C3A}</a:tableStyleId>
+              </a:tblPr>
+              <a:tblGrid>
+                <a:gridCol w="1359244">
+                  <a:extLst>
+                    <a:ext uri="{9D8B030D-6E8A-4147-A177-3AD203B41FA5}">
+                      <a16:colId xmlns:a16="http://schemas.microsoft.com/office/drawing/2014/main" val="3933916626"/>
+                    </a:ext>
+                  </a:extLst>
+                </a:gridCol>
+                <a:gridCol w="4102443">
+                  <a:extLst>
+                    <a:ext uri="{9D8B030D-6E8A-4147-A177-3AD203B41FA5}">
+                      <a16:colId xmlns:a16="http://schemas.microsoft.com/office/drawing/2014/main" val="2844692852"/>
+                    </a:ext>
+                  </a:extLst>
+                </a:gridCol>
+                <a:gridCol w="5844746">
+                  <a:extLst>
+                    <a:ext uri="{9D8B030D-6E8A-4147-A177-3AD203B41FA5}">
+                      <a16:colId xmlns:a16="http://schemas.microsoft.com/office/drawing/2014/main" val="347354246"/>
+                    </a:ext>
+                  </a:extLst>
+                </a:gridCol>
+              </a:tblGrid>
+              <a:tr h="369638">
+                <a:tc>
+                  <a:txBody>
+                    <a:bodyPr/>
+                    <a:lstStyle/>
+                    <a:p>
+                      <a:pPr>
+                        <a:lnSpc>
+                          <a:spcPct val="100000"/>
+                        </a:lnSpc>
+                        <a:spcBef>
+                          <a:spcPts val="600"/>
+                        </a:spcBef>
+                        <a:spcAft>
+                          <a:spcPts val="0"/>
+                        </a:spcAft>
+                      </a:pPr>
+                      <a:r>
+                        <a:rPr lang="fr-FR" sz="1800" dirty="0">
+                          <a:effectLst/>
+                          <a:latin typeface="Corbel" panose="020B0503020204020204" pitchFamily="34" charset="0"/>
+                        </a:rPr>
+                        <a:t> </a:t>
+                      </a:r>
+                      <a:endParaRPr lang="fr-FR" sz="1800" dirty="0">
+                        <a:solidFill>
+                          <a:srgbClr val="000000"/>
+                        </a:solidFill>
+                        <a:effectLst/>
+                        <a:latin typeface="Corbel" panose="020B0503020204020204" pitchFamily="34" charset="0"/>
+                        <a:ea typeface="Times New Roman" panose="02020603050405020304" pitchFamily="18" charset="0"/>
+                        <a:cs typeface="Times New Roman" panose="02020603050405020304" pitchFamily="18" charset="0"/>
+                      </a:endParaRPr>
+                    </a:p>
+                  </a:txBody>
+                  <a:tcPr anchor="ctr"/>
+                </a:tc>
+                <a:tc>
+                  <a:txBody>
+                    <a:bodyPr/>
+                    <a:lstStyle/>
+                    <a:p>
+                      <a:pPr>
+                        <a:lnSpc>
+                          <a:spcPct val="100000"/>
+                        </a:lnSpc>
+                        <a:spcBef>
+                          <a:spcPts val="600"/>
+                        </a:spcBef>
+                        <a:spcAft>
+                          <a:spcPts val="0"/>
+                        </a:spcAft>
+                      </a:pPr>
+                      <a:r>
+                        <a:rPr lang="fr-FR" sz="1800">
+                          <a:effectLst/>
+                          <a:latin typeface="Corbel" panose="020B0503020204020204" pitchFamily="34" charset="0"/>
+                        </a:rPr>
+                        <a:t>Contre le bruit</a:t>
+                      </a:r>
+                      <a:endParaRPr lang="fr-FR" sz="1800">
+                        <a:solidFill>
+                          <a:srgbClr val="000000"/>
+                        </a:solidFill>
+                        <a:effectLst/>
+                        <a:latin typeface="Corbel" panose="020B0503020204020204" pitchFamily="34" charset="0"/>
+                        <a:ea typeface="Times New Roman" panose="02020603050405020304" pitchFamily="18" charset="0"/>
+                        <a:cs typeface="Times New Roman" panose="02020603050405020304" pitchFamily="18" charset="0"/>
+                      </a:endParaRPr>
+                    </a:p>
+                  </a:txBody>
+                  <a:tcPr anchor="ctr"/>
+                </a:tc>
+                <a:tc>
+                  <a:txBody>
+                    <a:bodyPr/>
+                    <a:lstStyle/>
+                    <a:p>
+                      <a:pPr>
+                        <a:lnSpc>
+                          <a:spcPct val="100000"/>
+                        </a:lnSpc>
+                        <a:spcBef>
+                          <a:spcPts val="600"/>
+                        </a:spcBef>
+                        <a:spcAft>
+                          <a:spcPts val="0"/>
+                        </a:spcAft>
+                      </a:pPr>
+                      <a:r>
+                        <a:rPr lang="fr-FR" sz="1800">
+                          <a:effectLst/>
+                          <a:latin typeface="Corbel" panose="020B0503020204020204" pitchFamily="34" charset="0"/>
+                        </a:rPr>
+                        <a:t>Contre le silence</a:t>
+                      </a:r>
+                      <a:endParaRPr lang="fr-FR" sz="1800">
+                        <a:solidFill>
+                          <a:srgbClr val="000000"/>
+                        </a:solidFill>
+                        <a:effectLst/>
+                        <a:latin typeface="Corbel" panose="020B0503020204020204" pitchFamily="34" charset="0"/>
+                        <a:ea typeface="Times New Roman" panose="02020603050405020304" pitchFamily="18" charset="0"/>
+                        <a:cs typeface="Times New Roman" panose="02020603050405020304" pitchFamily="18" charset="0"/>
+                      </a:endParaRPr>
+                    </a:p>
+                  </a:txBody>
+                  <a:tcPr anchor="ctr"/>
+                </a:tc>
+                <a:extLst>
+                  <a:ext uri="{0D108BD9-81ED-4DB2-BD59-A6C34878D82A}">
+                    <a16:rowId xmlns:a16="http://schemas.microsoft.com/office/drawing/2014/main" val="3853292479"/>
+                  </a:ext>
+                </a:extLst>
+              </a:tr>
+              <a:tr h="2470784">
+                <a:tc>
+                  <a:txBody>
+                    <a:bodyPr/>
+                    <a:lstStyle/>
+                    <a:p>
+                      <a:pPr>
+                        <a:lnSpc>
+                          <a:spcPct val="100000"/>
+                        </a:lnSpc>
+                        <a:spcBef>
+                          <a:spcPts val="600"/>
+                        </a:spcBef>
+                        <a:spcAft>
+                          <a:spcPts val="0"/>
+                        </a:spcAft>
+                      </a:pPr>
+                      <a:r>
+                        <a:rPr lang="fr-FR" sz="1800" dirty="0">
+                          <a:effectLst/>
+                          <a:latin typeface="Corbel" panose="020B0503020204020204" pitchFamily="34" charset="0"/>
+                        </a:rPr>
+                        <a:t>Mots-clés </a:t>
+                      </a:r>
+                      <a:endParaRPr lang="fr-FR" sz="1800" dirty="0">
+                        <a:solidFill>
+                          <a:srgbClr val="000000"/>
+                        </a:solidFill>
+                        <a:effectLst/>
+                        <a:latin typeface="Corbel" panose="020B0503020204020204" pitchFamily="34" charset="0"/>
+                        <a:ea typeface="Times New Roman" panose="02020603050405020304" pitchFamily="18" charset="0"/>
+                        <a:cs typeface="Times New Roman" panose="02020603050405020304" pitchFamily="18" charset="0"/>
+                      </a:endParaRPr>
+                    </a:p>
+                  </a:txBody>
+                  <a:tcPr marT="72000" marB="72000" anchor="ctr"/>
+                </a:tc>
+                <a:tc>
+                  <a:txBody>
+                    <a:bodyPr/>
+                    <a:lstStyle/>
+                    <a:p>
+                      <a:pPr>
+                        <a:lnSpc>
+                          <a:spcPct val="100000"/>
+                        </a:lnSpc>
+                        <a:spcBef>
+                          <a:spcPts val="600"/>
+                        </a:spcBef>
+                        <a:spcAft>
+                          <a:spcPts val="600"/>
+                        </a:spcAft>
+                      </a:pPr>
+                      <a:r>
+                        <a:rPr lang="fr-FR" sz="1800" dirty="0">
+                          <a:effectLst/>
+                          <a:latin typeface="Corbel" panose="020B0503020204020204" pitchFamily="34" charset="0"/>
+                        </a:rPr>
+                        <a:t>Vérifier la bonne combinaison des mots-clés avec les opérateurs booléens </a:t>
+                      </a:r>
+                    </a:p>
+                    <a:p>
+                      <a:pPr>
+                        <a:lnSpc>
+                          <a:spcPct val="100000"/>
+                        </a:lnSpc>
+                        <a:spcBef>
+                          <a:spcPts val="600"/>
+                        </a:spcBef>
+                        <a:spcAft>
+                          <a:spcPts val="600"/>
+                        </a:spcAft>
+                      </a:pPr>
+                      <a:r>
+                        <a:rPr lang="fr-FR" sz="1800" b="1" dirty="0">
+                          <a:effectLst/>
+                          <a:latin typeface="Corbel" panose="020B0503020204020204" pitchFamily="34" charset="0"/>
+                        </a:rPr>
+                        <a:t>Ajouter un concept</a:t>
+                      </a:r>
+                    </a:p>
+                    <a:p>
+                      <a:pPr>
+                        <a:lnSpc>
+                          <a:spcPct val="100000"/>
+                        </a:lnSpc>
+                        <a:spcBef>
+                          <a:spcPts val="600"/>
+                        </a:spcBef>
+                        <a:spcAft>
+                          <a:spcPts val="600"/>
+                        </a:spcAft>
+                      </a:pPr>
+                      <a:r>
+                        <a:rPr lang="fr-FR" sz="1800" dirty="0">
+                          <a:effectLst/>
+                          <a:latin typeface="Corbel" panose="020B0503020204020204" pitchFamily="34" charset="0"/>
+                        </a:rPr>
+                        <a:t>Utiliser des mots-clés rares, discriminants et </a:t>
+                      </a:r>
+                      <a:r>
+                        <a:rPr lang="fr-FR" sz="1800" b="1" dirty="0">
+                          <a:effectLst/>
+                          <a:latin typeface="Corbel" panose="020B0503020204020204" pitchFamily="34" charset="0"/>
+                        </a:rPr>
+                        <a:t>spécifiques</a:t>
+                      </a:r>
+                      <a:r>
+                        <a:rPr lang="fr-FR" sz="1800" dirty="0">
+                          <a:effectLst/>
+                          <a:latin typeface="Corbel" panose="020B0503020204020204" pitchFamily="34" charset="0"/>
+                        </a:rPr>
+                        <a:t>, les moins polysémiques </a:t>
+                      </a:r>
+                      <a:r>
+                        <a:rPr lang="fr-FR" sz="1800" dirty="0" smtClean="0">
+                          <a:effectLst/>
+                          <a:latin typeface="Corbel" panose="020B0503020204020204" pitchFamily="34" charset="0"/>
+                        </a:rPr>
+                        <a:t>possibles</a:t>
+                      </a:r>
+                      <a:r>
+                        <a:rPr lang="fr-FR" sz="1800" dirty="0">
+                          <a:effectLst/>
+                          <a:latin typeface="Corbel" panose="020B0503020204020204" pitchFamily="34" charset="0"/>
+                        </a:rPr>
+                        <a:t> </a:t>
+                      </a:r>
+                      <a:endParaRPr lang="fr-FR" sz="1800" dirty="0">
+                        <a:solidFill>
+                          <a:srgbClr val="000000"/>
+                        </a:solidFill>
+                        <a:effectLst/>
+                        <a:latin typeface="Corbel" panose="020B0503020204020204" pitchFamily="34" charset="0"/>
+                        <a:ea typeface="Times New Roman" panose="02020603050405020304" pitchFamily="18" charset="0"/>
+                        <a:cs typeface="Times New Roman" panose="02020603050405020304" pitchFamily="18" charset="0"/>
+                      </a:endParaRPr>
+                    </a:p>
+                  </a:txBody>
+                  <a:tcPr marT="72000" marB="72000" anchor="ctr"/>
+                </a:tc>
+                <a:tc>
+                  <a:txBody>
+                    <a:bodyPr/>
+                    <a:lstStyle/>
+                    <a:p>
+                      <a:pPr>
+                        <a:lnSpc>
+                          <a:spcPct val="100000"/>
+                        </a:lnSpc>
+                        <a:spcBef>
+                          <a:spcPts val="600"/>
+                        </a:spcBef>
+                        <a:spcAft>
+                          <a:spcPts val="600"/>
+                        </a:spcAft>
+                      </a:pPr>
+                      <a:r>
+                        <a:rPr lang="fr-FR" sz="1800" dirty="0">
+                          <a:effectLst/>
+                          <a:latin typeface="Corbel" panose="020B0503020204020204" pitchFamily="34" charset="0"/>
+                        </a:rPr>
+                        <a:t>Vérifier la bonne combinaison des mots-clés avec les opérateurs booléens</a:t>
+                      </a:r>
+                    </a:p>
+                    <a:p>
+                      <a:pPr>
+                        <a:lnSpc>
+                          <a:spcPct val="100000"/>
+                        </a:lnSpc>
+                        <a:spcBef>
+                          <a:spcPts val="600"/>
+                        </a:spcBef>
+                        <a:spcAft>
+                          <a:spcPts val="600"/>
+                        </a:spcAft>
+                      </a:pPr>
+                      <a:r>
+                        <a:rPr lang="fr-FR" sz="1800" b="1" dirty="0">
+                          <a:effectLst/>
+                          <a:latin typeface="Corbel" panose="020B0503020204020204" pitchFamily="34" charset="0"/>
+                        </a:rPr>
+                        <a:t>Supprimer un ou plusieurs des concepts </a:t>
+                      </a:r>
+                      <a:r>
+                        <a:rPr lang="fr-FR" sz="1800" dirty="0">
+                          <a:effectLst/>
+                          <a:latin typeface="Corbel" panose="020B0503020204020204" pitchFamily="34" charset="0"/>
+                        </a:rPr>
+                        <a:t>sur lesquels porte votre recherche</a:t>
+                      </a:r>
+                    </a:p>
+                    <a:p>
+                      <a:pPr>
+                        <a:lnSpc>
+                          <a:spcPct val="100000"/>
+                        </a:lnSpc>
+                        <a:spcBef>
+                          <a:spcPts val="600"/>
+                        </a:spcBef>
+                        <a:spcAft>
+                          <a:spcPts val="600"/>
+                        </a:spcAft>
+                      </a:pPr>
+                      <a:r>
+                        <a:rPr lang="fr-FR" sz="1800" dirty="0">
+                          <a:effectLst/>
+                          <a:latin typeface="Corbel" panose="020B0503020204020204" pitchFamily="34" charset="0"/>
+                        </a:rPr>
+                        <a:t>Ajouter des </a:t>
+                      </a:r>
+                      <a:r>
+                        <a:rPr lang="fr-FR" sz="1800" b="1" dirty="0">
+                          <a:effectLst/>
+                          <a:latin typeface="Corbel" panose="020B0503020204020204" pitchFamily="34" charset="0"/>
+                        </a:rPr>
+                        <a:t>synonymes</a:t>
+                      </a:r>
+                      <a:r>
+                        <a:rPr lang="fr-FR" sz="1800" dirty="0">
+                          <a:effectLst/>
+                          <a:latin typeface="Corbel" panose="020B0503020204020204" pitchFamily="34" charset="0"/>
+                        </a:rPr>
+                        <a:t> aux mots-clés de votre recherche </a:t>
+                      </a:r>
+                    </a:p>
+                    <a:p>
+                      <a:pPr>
+                        <a:lnSpc>
+                          <a:spcPct val="100000"/>
+                        </a:lnSpc>
+                        <a:spcBef>
+                          <a:spcPts val="600"/>
+                        </a:spcBef>
+                        <a:spcAft>
+                          <a:spcPts val="600"/>
+                        </a:spcAft>
+                      </a:pPr>
+                      <a:r>
+                        <a:rPr lang="fr-FR" sz="1800" dirty="0">
+                          <a:effectLst/>
+                          <a:latin typeface="Corbel" panose="020B0503020204020204" pitchFamily="34" charset="0"/>
+                        </a:rPr>
+                        <a:t>Utiliser des mots-clés plus génériques </a:t>
+                      </a:r>
+                      <a:endParaRPr lang="fr-FR" sz="1800" dirty="0">
+                        <a:solidFill>
+                          <a:srgbClr val="000000"/>
+                        </a:solidFill>
+                        <a:effectLst/>
+                        <a:latin typeface="Corbel" panose="020B0503020204020204" pitchFamily="34" charset="0"/>
+                        <a:ea typeface="Times New Roman" panose="02020603050405020304" pitchFamily="18" charset="0"/>
+                        <a:cs typeface="Times New Roman" panose="02020603050405020304" pitchFamily="18" charset="0"/>
+                      </a:endParaRPr>
+                    </a:p>
+                  </a:txBody>
+                  <a:tcPr marT="72000" marB="72000" anchor="ctr"/>
+                </a:tc>
+                <a:extLst>
+                  <a:ext uri="{0D108BD9-81ED-4DB2-BD59-A6C34878D82A}">
+                    <a16:rowId xmlns:a16="http://schemas.microsoft.com/office/drawing/2014/main" val="660627590"/>
+                  </a:ext>
+                </a:extLst>
+              </a:tr>
+              <a:tr h="1382527">
+                <a:tc>
+                  <a:txBody>
+                    <a:bodyPr/>
+                    <a:lstStyle/>
+                    <a:p>
+                      <a:pPr>
+                        <a:lnSpc>
+                          <a:spcPct val="100000"/>
+                        </a:lnSpc>
+                        <a:spcBef>
+                          <a:spcPts val="600"/>
+                        </a:spcBef>
+                        <a:spcAft>
+                          <a:spcPts val="0"/>
+                        </a:spcAft>
+                      </a:pPr>
+                      <a:r>
+                        <a:rPr lang="fr-FR" sz="1800">
+                          <a:effectLst/>
+                          <a:latin typeface="Corbel" panose="020B0503020204020204" pitchFamily="34" charset="0"/>
+                        </a:rPr>
+                        <a:t>Choix de l’outil de recherche</a:t>
+                      </a:r>
+                      <a:endParaRPr lang="fr-FR" sz="1800">
+                        <a:solidFill>
+                          <a:srgbClr val="000000"/>
+                        </a:solidFill>
+                        <a:effectLst/>
+                        <a:latin typeface="Corbel" panose="020B0503020204020204" pitchFamily="34" charset="0"/>
+                        <a:ea typeface="Times New Roman" panose="02020603050405020304" pitchFamily="18" charset="0"/>
+                        <a:cs typeface="Times New Roman" panose="02020603050405020304" pitchFamily="18" charset="0"/>
+                      </a:endParaRPr>
+                    </a:p>
+                  </a:txBody>
+                  <a:tcPr marT="72000" marB="72000" anchor="ctr"/>
+                </a:tc>
+                <a:tc>
+                  <a:txBody>
+                    <a:bodyPr/>
+                    <a:lstStyle/>
+                    <a:p>
+                      <a:pPr>
+                        <a:lnSpc>
+                          <a:spcPct val="100000"/>
+                        </a:lnSpc>
+                        <a:spcBef>
+                          <a:spcPts val="600"/>
+                        </a:spcBef>
+                        <a:spcAft>
+                          <a:spcPts val="600"/>
+                        </a:spcAft>
+                      </a:pPr>
+                      <a:r>
+                        <a:rPr lang="fr-FR" sz="1800" dirty="0">
+                          <a:effectLst/>
+                          <a:latin typeface="Corbel" panose="020B0503020204020204" pitchFamily="34" charset="0"/>
+                        </a:rPr>
+                        <a:t>Choisir un outil de recherche à la </a:t>
+                      </a:r>
+                      <a:r>
+                        <a:rPr lang="fr-FR" sz="1800" b="1" dirty="0">
+                          <a:effectLst/>
+                          <a:latin typeface="Corbel" panose="020B0503020204020204" pitchFamily="34" charset="0"/>
+                        </a:rPr>
+                        <a:t>couverture disciplinaire plus restreinte </a:t>
+                      </a:r>
+                    </a:p>
+                    <a:p>
+                      <a:pPr>
+                        <a:lnSpc>
+                          <a:spcPct val="100000"/>
+                        </a:lnSpc>
+                        <a:spcBef>
+                          <a:spcPts val="600"/>
+                        </a:spcBef>
+                        <a:spcAft>
+                          <a:spcPts val="600"/>
+                        </a:spcAft>
+                      </a:pPr>
+                      <a:r>
+                        <a:rPr lang="fr-FR" sz="1800" dirty="0">
+                          <a:effectLst/>
+                          <a:latin typeface="Corbel" panose="020B0503020204020204" pitchFamily="34" charset="0"/>
+                        </a:rPr>
+                        <a:t>Choisir un outil de recherche à la couverture adaptée à votre sujet</a:t>
+                      </a:r>
+                      <a:endParaRPr lang="fr-FR" sz="1800" dirty="0">
+                        <a:solidFill>
+                          <a:srgbClr val="000000"/>
+                        </a:solidFill>
+                        <a:effectLst/>
+                        <a:latin typeface="Corbel" panose="020B0503020204020204" pitchFamily="34" charset="0"/>
+                        <a:ea typeface="Times New Roman" panose="02020603050405020304" pitchFamily="18" charset="0"/>
+                        <a:cs typeface="Times New Roman" panose="02020603050405020304" pitchFamily="18" charset="0"/>
+                      </a:endParaRPr>
+                    </a:p>
+                  </a:txBody>
+                  <a:tcPr marT="72000" marB="72000" anchor="ctr"/>
+                </a:tc>
+                <a:tc>
+                  <a:txBody>
+                    <a:bodyPr/>
+                    <a:lstStyle/>
+                    <a:p>
+                      <a:pPr>
+                        <a:lnSpc>
+                          <a:spcPct val="100000"/>
+                        </a:lnSpc>
+                        <a:spcBef>
+                          <a:spcPts val="600"/>
+                        </a:spcBef>
+                        <a:spcAft>
+                          <a:spcPts val="600"/>
+                        </a:spcAft>
+                      </a:pPr>
+                      <a:r>
+                        <a:rPr lang="fr-FR" sz="1800" dirty="0">
+                          <a:effectLst/>
+                          <a:latin typeface="Corbel" panose="020B0503020204020204" pitchFamily="34" charset="0"/>
+                        </a:rPr>
+                        <a:t>Choisir un outil de recherche à la </a:t>
+                      </a:r>
+                      <a:r>
+                        <a:rPr lang="fr-FR" sz="1800" b="1" dirty="0">
+                          <a:effectLst/>
+                          <a:latin typeface="Corbel" panose="020B0503020204020204" pitchFamily="34" charset="0"/>
+                        </a:rPr>
+                        <a:t>couverture disciplinaire plus large</a:t>
+                      </a:r>
+                    </a:p>
+                    <a:p>
+                      <a:pPr>
+                        <a:lnSpc>
+                          <a:spcPct val="100000"/>
+                        </a:lnSpc>
+                        <a:spcBef>
+                          <a:spcPts val="600"/>
+                        </a:spcBef>
+                        <a:spcAft>
+                          <a:spcPts val="600"/>
+                        </a:spcAft>
+                      </a:pPr>
+                      <a:r>
+                        <a:rPr lang="fr-FR" sz="1800" dirty="0">
+                          <a:effectLst/>
+                          <a:latin typeface="Corbel" panose="020B0503020204020204" pitchFamily="34" charset="0"/>
+                        </a:rPr>
+                        <a:t>Choisir un outil de recherche à la couverture adaptée à votre sujet</a:t>
+                      </a:r>
+                      <a:endParaRPr lang="fr-FR" sz="1800" dirty="0">
+                        <a:solidFill>
+                          <a:srgbClr val="000000"/>
+                        </a:solidFill>
+                        <a:effectLst/>
+                        <a:latin typeface="Corbel" panose="020B0503020204020204" pitchFamily="34" charset="0"/>
+                        <a:ea typeface="Times New Roman" panose="02020603050405020304" pitchFamily="18" charset="0"/>
+                        <a:cs typeface="Times New Roman" panose="02020603050405020304" pitchFamily="18" charset="0"/>
+                      </a:endParaRPr>
+                    </a:p>
+                  </a:txBody>
+                  <a:tcPr marT="72000" marB="72000" anchor="ctr"/>
+                </a:tc>
+                <a:extLst>
+                  <a:ext uri="{0D108BD9-81ED-4DB2-BD59-A6C34878D82A}">
+                    <a16:rowId xmlns:a16="http://schemas.microsoft.com/office/drawing/2014/main" val="2381189993"/>
+                  </a:ext>
+                </a:extLst>
+              </a:tr>
+              <a:tr h="1231346">
+                <a:tc>
+                  <a:txBody>
+                    <a:bodyPr/>
+                    <a:lstStyle/>
+                    <a:p>
+                      <a:pPr>
+                        <a:lnSpc>
+                          <a:spcPct val="100000"/>
+                        </a:lnSpc>
+                        <a:spcBef>
+                          <a:spcPts val="600"/>
+                        </a:spcBef>
+                        <a:spcAft>
+                          <a:spcPts val="0"/>
+                        </a:spcAft>
+                      </a:pPr>
+                      <a:r>
+                        <a:rPr lang="fr-FR" sz="1800">
+                          <a:effectLst/>
+                          <a:latin typeface="Corbel" panose="020B0503020204020204" pitchFamily="34" charset="0"/>
+                        </a:rPr>
+                        <a:t>Utilisation de l’outil de recherche</a:t>
+                      </a:r>
+                      <a:endParaRPr lang="fr-FR" sz="1800">
+                        <a:solidFill>
+                          <a:srgbClr val="000000"/>
+                        </a:solidFill>
+                        <a:effectLst/>
+                        <a:latin typeface="Corbel" panose="020B0503020204020204" pitchFamily="34" charset="0"/>
+                        <a:ea typeface="Times New Roman" panose="02020603050405020304" pitchFamily="18" charset="0"/>
+                        <a:cs typeface="Times New Roman" panose="02020603050405020304" pitchFamily="18" charset="0"/>
+                      </a:endParaRPr>
+                    </a:p>
+                  </a:txBody>
+                  <a:tcPr marT="72000" marB="72000" anchor="ctr"/>
+                </a:tc>
+                <a:tc>
+                  <a:txBody>
+                    <a:bodyPr/>
+                    <a:lstStyle/>
+                    <a:p>
+                      <a:pPr>
+                        <a:lnSpc>
+                          <a:spcPct val="100000"/>
+                        </a:lnSpc>
+                        <a:spcBef>
+                          <a:spcPts val="600"/>
+                        </a:spcBef>
+                        <a:spcAft>
+                          <a:spcPts val="600"/>
+                        </a:spcAft>
+                      </a:pPr>
+                      <a:r>
+                        <a:rPr lang="fr-FR" sz="1800" dirty="0">
+                          <a:effectLst/>
+                          <a:latin typeface="Corbel" panose="020B0503020204020204" pitchFamily="34" charset="0"/>
+                        </a:rPr>
+                        <a:t>Vérifier le respect de la syntaxe et de la langue d’interrogation</a:t>
+                      </a:r>
+                    </a:p>
+                    <a:p>
+                      <a:pPr>
+                        <a:lnSpc>
+                          <a:spcPct val="100000"/>
+                        </a:lnSpc>
+                        <a:spcBef>
+                          <a:spcPts val="600"/>
+                        </a:spcBef>
+                        <a:spcAft>
+                          <a:spcPts val="600"/>
+                        </a:spcAft>
+                      </a:pPr>
+                      <a:r>
+                        <a:rPr lang="fr-FR" sz="1800" b="1" dirty="0">
+                          <a:effectLst/>
+                          <a:latin typeface="Corbel" panose="020B0503020204020204" pitchFamily="34" charset="0"/>
+                        </a:rPr>
+                        <a:t>Préciser</a:t>
+                      </a:r>
+                      <a:r>
+                        <a:rPr lang="fr-FR" sz="1800" dirty="0">
+                          <a:effectLst/>
+                          <a:latin typeface="Corbel" panose="020B0503020204020204" pitchFamily="34" charset="0"/>
+                        </a:rPr>
+                        <a:t> les critères d’interrogation</a:t>
+                      </a:r>
+                      <a:endParaRPr lang="fr-FR" sz="1800" dirty="0">
+                        <a:solidFill>
+                          <a:srgbClr val="000000"/>
+                        </a:solidFill>
+                        <a:effectLst/>
+                        <a:latin typeface="Corbel" panose="020B0503020204020204" pitchFamily="34" charset="0"/>
+                        <a:ea typeface="Times New Roman" panose="02020603050405020304" pitchFamily="18" charset="0"/>
+                        <a:cs typeface="Times New Roman" panose="02020603050405020304" pitchFamily="18" charset="0"/>
+                      </a:endParaRPr>
+                    </a:p>
+                  </a:txBody>
+                  <a:tcPr marT="72000" marB="72000" anchor="ctr"/>
+                </a:tc>
+                <a:tc>
+                  <a:txBody>
+                    <a:bodyPr/>
+                    <a:lstStyle/>
+                    <a:p>
+                      <a:pPr>
+                        <a:lnSpc>
+                          <a:spcPct val="100000"/>
+                        </a:lnSpc>
+                        <a:spcBef>
+                          <a:spcPts val="600"/>
+                        </a:spcBef>
+                        <a:spcAft>
+                          <a:spcPts val="600"/>
+                        </a:spcAft>
+                      </a:pPr>
+                      <a:r>
+                        <a:rPr lang="fr-FR" sz="1800" dirty="0">
+                          <a:effectLst/>
+                          <a:latin typeface="Corbel" panose="020B0503020204020204" pitchFamily="34" charset="0"/>
+                        </a:rPr>
+                        <a:t>Vérifier le respect de la syntaxe et de la langue d’interrogation</a:t>
+                      </a:r>
+                    </a:p>
+                    <a:p>
+                      <a:pPr>
+                        <a:lnSpc>
+                          <a:spcPct val="100000"/>
+                        </a:lnSpc>
+                        <a:spcBef>
+                          <a:spcPts val="600"/>
+                        </a:spcBef>
+                        <a:spcAft>
+                          <a:spcPts val="600"/>
+                        </a:spcAft>
+                      </a:pPr>
+                      <a:r>
+                        <a:rPr lang="fr-FR" sz="1800" b="1" dirty="0">
+                          <a:effectLst/>
+                          <a:latin typeface="Corbel" panose="020B0503020204020204" pitchFamily="34" charset="0"/>
+                        </a:rPr>
+                        <a:t>Elargir</a:t>
+                      </a:r>
+                      <a:r>
+                        <a:rPr lang="fr-FR" sz="1800" dirty="0">
+                          <a:effectLst/>
+                          <a:latin typeface="Corbel" panose="020B0503020204020204" pitchFamily="34" charset="0"/>
+                        </a:rPr>
+                        <a:t> les critères d’interrogation</a:t>
+                      </a:r>
+                      <a:endParaRPr lang="fr-FR" sz="1800" dirty="0">
+                        <a:solidFill>
+                          <a:srgbClr val="000000"/>
+                        </a:solidFill>
+                        <a:effectLst/>
+                        <a:latin typeface="Corbel" panose="020B0503020204020204" pitchFamily="34" charset="0"/>
+                        <a:ea typeface="Times New Roman" panose="02020603050405020304" pitchFamily="18" charset="0"/>
+                        <a:cs typeface="Times New Roman" panose="02020603050405020304" pitchFamily="18" charset="0"/>
+                      </a:endParaRPr>
+                    </a:p>
+                  </a:txBody>
+                  <a:tcPr marT="72000" marB="72000" anchor="ctr"/>
+                </a:tc>
+                <a:extLst>
+                  <a:ext uri="{0D108BD9-81ED-4DB2-BD59-A6C34878D82A}">
+                    <a16:rowId xmlns:a16="http://schemas.microsoft.com/office/drawing/2014/main" val="242042760"/>
+                  </a:ext>
+                </a:extLst>
+              </a:tr>
+            </a:tbl>
+          </a:graphicData>
+        </a:graphic>
+      </p:graphicFrame>
+      <p:sp>
+        <p:nvSpPr>
+          <p:cNvPr id="4" name="Espace réservé du pied de page 3"/>
+          <p:cNvSpPr>
+            <a:spLocks noGrp="1"/>
+          </p:cNvSpPr>
+          <p:nvPr>
+            <p:ph type="ftr" sz="quarter" idx="11"/>
+          </p:nvPr>
+        </p:nvSpPr>
+        <p:spPr>
+          <a:xfrm>
+            <a:off x="4011827" y="6483070"/>
+            <a:ext cx="4114800" cy="365125"/>
+          </a:xfrm>
+        </p:spPr>
+        <p:txBody>
+          <a:bodyPr/>
+          <a:lstStyle/>
+          <a:p>
+            <a:r>
+              <a:rPr lang="fr-FR" smtClean="0"/>
+              <a:t>F. Flamerie - Recherche doc - 2023-05-02</a:t>
+            </a:r>
+            <a:endParaRPr lang="fr-FR" dirty="0"/>
+          </a:p>
+        </p:txBody>
+      </p:sp>
+      <p:sp>
+        <p:nvSpPr>
+          <p:cNvPr id="5" name="Espace réservé du numéro de diapositive 4"/>
+          <p:cNvSpPr>
+            <a:spLocks noGrp="1"/>
+          </p:cNvSpPr>
+          <p:nvPr>
+            <p:ph type="sldNum" sz="quarter" idx="12"/>
+          </p:nvPr>
+        </p:nvSpPr>
+        <p:spPr/>
+        <p:txBody>
+          <a:bodyPr/>
+          <a:lstStyle/>
+          <a:p>
+            <a:fld id="{99E13252-68E5-4994-B57B-B03F39B52C7D}" type="slidenum">
+              <a:rPr lang="fr-FR" smtClean="0"/>
+              <a:pPr/>
+              <a:t>21</a:t>
+            </a:fld>
+            <a:endParaRPr lang="fr-FR" dirty="0"/>
+          </a:p>
+        </p:txBody>
+      </p:sp>
+      <p:sp>
+        <p:nvSpPr>
+          <p:cNvPr id="6" name="Titre 1"/>
+          <p:cNvSpPr>
+            <a:spLocks noGrp="1"/>
+          </p:cNvSpPr>
+          <p:nvPr>
+            <p:ph type="title"/>
+          </p:nvPr>
+        </p:nvSpPr>
+        <p:spPr>
+          <a:xfrm>
+            <a:off x="531340" y="0"/>
+            <a:ext cx="10515600" cy="1325563"/>
+          </a:xfrm>
+        </p:spPr>
+        <p:txBody>
+          <a:bodyPr/>
+          <a:lstStyle/>
+          <a:p>
+            <a:r>
+              <a:rPr lang="fr-FR" dirty="0" smtClean="0"/>
+              <a:t>Recherche documentaire et efficacité</a:t>
+            </a:r>
+            <a:endParaRPr lang="fr-FR" dirty="0"/>
+          </a:p>
+        </p:txBody>
+      </p:sp>
+    </p:spTree>
+    <p:extLst>
+      <p:ext uri="{BB962C8B-B14F-4D97-AF65-F5344CB8AC3E}">
+        <p14:creationId xmlns:p14="http://schemas.microsoft.com/office/powerpoint/2010/main" val="1732518937"/>
+      </p:ext>
+    </p:extLst>
+  </p:cSld>
+  <p:clrMapOvr>
+    <a:masterClrMapping/>
+  </p:clrMapOvr>
+</p:sld>
+</file>
+
+<file path=ppt/slides/slide22.xml><?xml version="1.0" encoding="utf-8"?>
+<p:sld xmlns:a="http://schemas.openxmlformats.org/drawingml/2006/main" xmlns:r="http://schemas.openxmlformats.org/officeDocument/2006/relationships" xmlns:p="http://schemas.openxmlformats.org/presentationml/2006/main">
+  <p:cSld>
+    <p:spTree>
+      <p:nvGrpSpPr>
+        <p:cNvPr id="1" name=""/>
+        <p:cNvGrpSpPr/>
+        <p:nvPr/>
+      </p:nvGrpSpPr>
+      <p:grpSpPr>
+        <a:xfrm>
+          <a:off x="0" y="0"/>
+          <a:ext cx="0" cy="0"/>
+          <a:chOff x="0" y="0"/>
+          <a:chExt cx="0" cy="0"/>
+        </a:xfrm>
+      </p:grpSpPr>
       <p:sp>
         <p:nvSpPr>
           <p:cNvPr id="9" name="Espace réservé du contenu 8"/>
@@ -24752,7 +26071,7 @@
             </a:pPr>
             <a:r>
               <a:rPr lang="fr-FR" smtClean="0"/>
-              <a:t>F. Flamerie - Recherche doc - 2022-05-03</a:t>
+              <a:t>F. Flamerie - Recherche doc - 2023-05-02</a:t>
             </a:r>
             <a:endParaRPr lang="fr-FR" dirty="0"/>
           </a:p>
@@ -24808,7 +26127,7 @@
             <a:fld id="{99E13252-68E5-4994-B57B-B03F39B52C7D}" type="slidenum">
               <a:rPr lang="fr-FR" smtClean="0"/>
               <a:pPr/>
-              <a:t>21</a:t>
+              <a:t>22</a:t>
             </a:fld>
             <a:endParaRPr lang="fr-FR" dirty="0"/>
           </a:p>
@@ -24834,7 +26153,7 @@
 </p:sld>
 </file>
 
-<file path=ppt/slides/slide22.xml><?xml version="1.0" encoding="utf-8"?>
+<file path=ppt/slides/slide23.xml><?xml version="1.0" encoding="utf-8"?>
 <p:sld xmlns:a="http://schemas.openxmlformats.org/drawingml/2006/main" xmlns:r="http://schemas.openxmlformats.org/officeDocument/2006/relationships" xmlns:p="http://schemas.openxmlformats.org/presentationml/2006/main">
   <p:cSld>
     <p:spTree>
@@ -24875,7 +26194,7 @@
             </a:pPr>
             <a:r>
               <a:rPr lang="fr-FR" smtClean="0"/>
-              <a:t>F. Flamerie - Recherche doc - 2022-05-03</a:t>
+              <a:t>F. Flamerie - Recherche doc - 2023-05-02</a:t>
             </a:r>
             <a:endParaRPr lang="fr-FR" dirty="0"/>
           </a:p>
@@ -25577,7 +26896,7 @@
             <a:fld id="{99E13252-68E5-4994-B57B-B03F39B52C7D}" type="slidenum">
               <a:rPr lang="fr-FR" smtClean="0"/>
               <a:pPr/>
-              <a:t>22</a:t>
+              <a:t>23</a:t>
             </a:fld>
             <a:endParaRPr lang="fr-FR" dirty="0"/>
           </a:p>
@@ -25603,7 +26922,7 @@
 </p:sld>
 </file>
 
-<file path=ppt/slides/slide23.xml><?xml version="1.0" encoding="utf-8"?>
+<file path=ppt/slides/slide24.xml><?xml version="1.0" encoding="utf-8"?>
 <p:sld xmlns:a="http://schemas.openxmlformats.org/drawingml/2006/main" xmlns:r="http://schemas.openxmlformats.org/officeDocument/2006/relationships" xmlns:p="http://schemas.openxmlformats.org/presentationml/2006/main">
   <p:cSld>
     <p:spTree>
@@ -25648,7 +26967,7 @@
             </a:pPr>
             <a:r>
               <a:rPr lang="fr-FR" smtClean="0"/>
-              <a:t>F. Flamerie - Recherche doc - 2022-05-03</a:t>
+              <a:t>F. Flamerie - Recherche doc - 2023-05-02</a:t>
             </a:r>
             <a:endParaRPr lang="fr-FR" dirty="0"/>
           </a:p>
@@ -26191,7 +27510,7 @@
           <a:p>
             <a:fld id="{99E13252-68E5-4994-B57B-B03F39B52C7D}" type="slidenum">
               <a:rPr lang="fr-FR" smtClean="0"/>
-              <a:t>23</a:t>
+              <a:t>24</a:t>
             </a:fld>
             <a:endParaRPr lang="fr-FR"/>
           </a:p>
@@ -26217,7 +27536,7 @@
 </p:sld>
 </file>
 
-<file path=ppt/slides/slide24.xml><?xml version="1.0" encoding="utf-8"?>
+<file path=ppt/slides/slide25.xml><?xml version="1.0" encoding="utf-8"?>
 <p:sld xmlns:a="http://schemas.openxmlformats.org/drawingml/2006/main" xmlns:r="http://schemas.openxmlformats.org/officeDocument/2006/relationships" xmlns:p="http://schemas.openxmlformats.org/presentationml/2006/main">
   <p:cSld>
     <p:spTree>
@@ -26332,7 +27651,7 @@
             </a:pPr>
             <a:r>
               <a:rPr lang="fr-FR" sz="2600" dirty="0" smtClean="0"/>
-              <a:t>Modèles et exemples à télécharger : </a:t>
+              <a:t> Modèles et exemples à télécharger : </a:t>
             </a:r>
             <a:r>
               <a:rPr lang="fr-FR" sz="2600" dirty="0" smtClean="0">
@@ -26372,10 +27691,34 @@
                 <a:tableStyleId>{8EC20E35-A176-4012-BC5E-935CFFF8708E}</a:tableStyleId>
               </a:tblPr>
               <a:tblGrid>
-                <a:gridCol w="2549769"/>
-                <a:gridCol w="2549769"/>
-                <a:gridCol w="2549769"/>
-                <a:gridCol w="2549769"/>
+                <a:gridCol w="2549769">
+                  <a:extLst>
+                    <a:ext uri="{9D8B030D-6E8A-4147-A177-3AD203B41FA5}">
+                      <a16:colId xmlns:a16="http://schemas.microsoft.com/office/drawing/2014/main" val="20000"/>
+                    </a:ext>
+                  </a:extLst>
+                </a:gridCol>
+                <a:gridCol w="2549769">
+                  <a:extLst>
+                    <a:ext uri="{9D8B030D-6E8A-4147-A177-3AD203B41FA5}">
+                      <a16:colId xmlns:a16="http://schemas.microsoft.com/office/drawing/2014/main" val="20001"/>
+                    </a:ext>
+                  </a:extLst>
+                </a:gridCol>
+                <a:gridCol w="2549769">
+                  <a:extLst>
+                    <a:ext uri="{9D8B030D-6E8A-4147-A177-3AD203B41FA5}">
+                      <a16:colId xmlns:a16="http://schemas.microsoft.com/office/drawing/2014/main" val="20002"/>
+                    </a:ext>
+                  </a:extLst>
+                </a:gridCol>
+                <a:gridCol w="2549769">
+                  <a:extLst>
+                    <a:ext uri="{9D8B030D-6E8A-4147-A177-3AD203B41FA5}">
+                      <a16:colId xmlns:a16="http://schemas.microsoft.com/office/drawing/2014/main" val="20003"/>
+                    </a:ext>
+                  </a:extLst>
+                </a:gridCol>
               </a:tblGrid>
               <a:tr h="349880">
                 <a:tc>
@@ -26465,6 +27808,11 @@
                   </a:txBody>
                   <a:tcPr/>
                 </a:tc>
+                <a:extLst>
+                  <a:ext uri="{0D108BD9-81ED-4DB2-BD59-A6C34878D82A}">
+                    <a16:rowId xmlns:a16="http://schemas.microsoft.com/office/drawing/2014/main" val="10000"/>
+                  </a:ext>
+                </a:extLst>
               </a:tr>
               <a:tr h="370840">
                 <a:tc>
@@ -26515,6 +27863,11 @@
                   </a:txBody>
                   <a:tcPr/>
                 </a:tc>
+                <a:extLst>
+                  <a:ext uri="{0D108BD9-81ED-4DB2-BD59-A6C34878D82A}">
+                    <a16:rowId xmlns:a16="http://schemas.microsoft.com/office/drawing/2014/main" val="10001"/>
+                  </a:ext>
+                </a:extLst>
               </a:tr>
               <a:tr h="370840">
                 <a:tc>
@@ -26565,6 +27918,11 @@
                   </a:txBody>
                   <a:tcPr/>
                 </a:tc>
+                <a:extLst>
+                  <a:ext uri="{0D108BD9-81ED-4DB2-BD59-A6C34878D82A}">
+                    <a16:rowId xmlns:a16="http://schemas.microsoft.com/office/drawing/2014/main" val="10002"/>
+                  </a:ext>
+                </a:extLst>
               </a:tr>
               <a:tr h="370840">
                 <a:tc>
@@ -26615,6 +27973,11 @@
                   </a:txBody>
                   <a:tcPr/>
                 </a:tc>
+                <a:extLst>
+                  <a:ext uri="{0D108BD9-81ED-4DB2-BD59-A6C34878D82A}">
+                    <a16:rowId xmlns:a16="http://schemas.microsoft.com/office/drawing/2014/main" val="10003"/>
+                  </a:ext>
+                </a:extLst>
               </a:tr>
               <a:tr h="370840">
                 <a:tc>
@@ -26665,6 +28028,11 @@
                   </a:txBody>
                   <a:tcPr/>
                 </a:tc>
+                <a:extLst>
+                  <a:ext uri="{0D108BD9-81ED-4DB2-BD59-A6C34878D82A}">
+                    <a16:rowId xmlns:a16="http://schemas.microsoft.com/office/drawing/2014/main" val="10004"/>
+                  </a:ext>
+                </a:extLst>
               </a:tr>
             </a:tbl>
           </a:graphicData>
@@ -26698,7 +28066,7 @@
             </a:pPr>
             <a:r>
               <a:rPr lang="fr-FR" smtClean="0"/>
-              <a:t>F. Flamerie - Recherche doc - 2022-05-03</a:t>
+              <a:t>F. Flamerie - Recherche doc - 2023-05-02</a:t>
             </a:r>
             <a:endParaRPr lang="fr-FR" dirty="0"/>
           </a:p>
@@ -26722,7 +28090,7 @@
             <a:fld id="{99E13252-68E5-4994-B57B-B03F39B52C7D}" type="slidenum">
               <a:rPr lang="fr-FR" smtClean="0"/>
               <a:pPr/>
-              <a:t>24</a:t>
+              <a:t>25</a:t>
             </a:fld>
             <a:endParaRPr lang="fr-FR" dirty="0"/>
           </a:p>
@@ -26748,7 +28116,7 @@
 </p:sld>
 </file>
 
-<file path=ppt/slides/slide25.xml><?xml version="1.0" encoding="utf-8"?>
+<file path=ppt/slides/slide26.xml><?xml version="1.0" encoding="utf-8"?>
 <p:sld xmlns:a="http://schemas.openxmlformats.org/drawingml/2006/main" xmlns:r="http://schemas.openxmlformats.org/officeDocument/2006/relationships" xmlns:p="http://schemas.openxmlformats.org/presentationml/2006/main">
   <p:cSld>
     <p:spTree>
@@ -26803,25 +28171,14 @@
         <p:spPr/>
         <p:txBody>
           <a:bodyPr>
-            <a:normAutofit fontScale="92500" lnSpcReduction="20000"/>
+            <a:normAutofit/>
           </a:bodyPr>
           <a:lstStyle/>
           <a:p>
             <a:r>
               <a:rPr lang="fr-FR" dirty="0" smtClean="0"/>
-              <a:t>Navigateur Internet</a:t>
-            </a:r>
-          </a:p>
-          <a:p>
-            <a:r>
-              <a:rPr lang="fr-FR" dirty="0" smtClean="0"/>
-              <a:t>Google </a:t>
-            </a:r>
-            <a:r>
-              <a:rPr lang="fr-FR" dirty="0" err="1" smtClean="0"/>
-              <a:t>Scholar</a:t>
-            </a:r>
-            <a:endParaRPr lang="fr-FR" dirty="0" smtClean="0"/>
+              <a:t>Navigateur Internet : extension Click &amp; Read</a:t>
+            </a:r>
           </a:p>
           <a:p>
             <a:r>
@@ -26871,7 +28228,7 @@
           <a:p>
             <a:r>
               <a:rPr lang="fr-FR" smtClean="0"/>
-              <a:t>F. Flamerie - Recherche doc - 2022-05-03</a:t>
+              <a:t>F. Flamerie - Recherche doc - 2023-05-02</a:t>
             </a:r>
             <a:endParaRPr lang="fr-FR" dirty="0"/>
           </a:p>
@@ -26895,7 +28252,7 @@
             <a:fld id="{99E13252-68E5-4994-B57B-B03F39B52C7D}" type="slidenum">
               <a:rPr lang="fr-FR" smtClean="0"/>
               <a:pPr/>
-              <a:t>25</a:t>
+              <a:t>26</a:t>
             </a:fld>
             <a:endParaRPr lang="fr-FR" dirty="0"/>
           </a:p>
@@ -28669,232 +30026,6 @@
 </p:sld>
 </file>
 
-<file path=ppt/slides/slide26.xml><?xml version="1.0" encoding="utf-8"?>
-<p:sld xmlns:a="http://schemas.openxmlformats.org/drawingml/2006/main" xmlns:r="http://schemas.openxmlformats.org/officeDocument/2006/relationships" xmlns:p="http://schemas.openxmlformats.org/presentationml/2006/main">
-  <p:cSld>
-    <p:spTree>
-      <p:nvGrpSpPr>
-        <p:cNvPr id="1" name=""/>
-        <p:cNvGrpSpPr/>
-        <p:nvPr/>
-      </p:nvGrpSpPr>
-      <p:grpSpPr>
-        <a:xfrm>
-          <a:off x="0" y="0"/>
-          <a:ext cx="0" cy="0"/>
-          <a:chOff x="0" y="0"/>
-          <a:chExt cx="0" cy="0"/>
-        </a:xfrm>
-      </p:grpSpPr>
-      <p:sp>
-        <p:nvSpPr>
-          <p:cNvPr id="9" name="Titre 8"/>
-          <p:cNvSpPr>
-            <a:spLocks noGrp="1"/>
-          </p:cNvSpPr>
-          <p:nvPr>
-            <p:ph type="title"/>
-          </p:nvPr>
-        </p:nvSpPr>
-        <p:spPr>
-          <a:xfrm>
-            <a:off x="521677" y="365125"/>
-            <a:ext cx="10515600" cy="1325563"/>
-          </a:xfrm>
-        </p:spPr>
-        <p:txBody>
-          <a:bodyPr/>
-          <a:lstStyle/>
-          <a:p>
-            <a:r>
-              <a:rPr lang="fr-FR" dirty="0" smtClean="0"/>
-              <a:t>Accès UB dans votre navigateur internet</a:t>
-            </a:r>
-            <a:endParaRPr lang="fr-FR" dirty="0"/>
-          </a:p>
-        </p:txBody>
-      </p:sp>
-      <p:sp>
-        <p:nvSpPr>
-          <p:cNvPr id="10" name="Espace réservé du contenu 9"/>
-          <p:cNvSpPr>
-            <a:spLocks noGrp="1"/>
-          </p:cNvSpPr>
-          <p:nvPr>
-            <p:ph idx="1"/>
-          </p:nvPr>
-        </p:nvSpPr>
-        <p:spPr>
-          <a:xfrm>
-            <a:off x="521677" y="1474643"/>
-            <a:ext cx="11198469" cy="4351338"/>
-          </a:xfrm>
-        </p:spPr>
-        <p:txBody>
-          <a:bodyPr/>
-          <a:lstStyle/>
-          <a:p>
-            <a:pPr marL="0" indent="0">
-              <a:buNone/>
-            </a:pPr>
-            <a:r>
-              <a:rPr lang="fr-FR" dirty="0" smtClean="0"/>
-              <a:t>Marque-page Firefox </a:t>
-            </a:r>
-            <a:r>
-              <a:rPr lang="fr-FR" dirty="0"/>
-              <a:t>pour vous rediriger vers les accès UB</a:t>
-            </a:r>
-          </a:p>
-          <a:p>
-            <a:pPr lvl="1"/>
-            <a:r>
-              <a:rPr lang="fr-FR" dirty="0"/>
-              <a:t>Adresse à saisir </a:t>
-            </a:r>
-            <a:r>
-              <a:rPr lang="fr-FR" dirty="0" smtClean="0"/>
-              <a:t>:</a:t>
-            </a:r>
-          </a:p>
-          <a:p>
-            <a:pPr marL="457200" lvl="1" indent="0">
-              <a:buNone/>
-            </a:pPr>
-            <a:r>
-              <a:rPr lang="fr-FR" sz="2000" dirty="0" err="1" smtClean="0"/>
-              <a:t>javascript:void</a:t>
-            </a:r>
-            <a:r>
-              <a:rPr lang="fr-FR" sz="2000" dirty="0" smtClean="0"/>
-              <a:t>(</a:t>
-            </a:r>
-            <a:r>
-              <a:rPr lang="fr-FR" sz="2000" dirty="0" err="1" smtClean="0"/>
-              <a:t>location.href</a:t>
-            </a:r>
-            <a:r>
-              <a:rPr lang="fr-FR" sz="2000" dirty="0"/>
-              <a:t>=%22http://docelec.u-bordeaux.fr/</a:t>
-            </a:r>
-            <a:r>
-              <a:rPr lang="fr-FR" sz="2000" dirty="0" err="1"/>
-              <a:t>login?url</a:t>
-            </a:r>
-            <a:r>
-              <a:rPr lang="fr-FR" sz="2000" dirty="0"/>
-              <a:t>=%22+location.href)</a:t>
-            </a:r>
-          </a:p>
-          <a:p>
-            <a:pPr lvl="1"/>
-            <a:r>
-              <a:rPr lang="fr-FR" dirty="0">
-                <a:hlinkClick r:id="rId2"/>
-              </a:rPr>
-              <a:t>Tutoriel vidéo sur le site de </a:t>
-            </a:r>
-            <a:r>
-              <a:rPr lang="fr-FR" dirty="0" smtClean="0">
-                <a:hlinkClick r:id="rId2"/>
-              </a:rPr>
-              <a:t>l’UB</a:t>
-            </a:r>
-            <a:r>
-              <a:rPr lang="fr-FR" dirty="0" smtClean="0"/>
-              <a:t> </a:t>
-            </a:r>
-          </a:p>
-        </p:txBody>
-      </p:sp>
-      <p:sp>
-        <p:nvSpPr>
-          <p:cNvPr id="4" name="Espace réservé du pied de page 3"/>
-          <p:cNvSpPr>
-            <a:spLocks noGrp="1"/>
-          </p:cNvSpPr>
-          <p:nvPr>
-            <p:ph type="ftr" sz="quarter" idx="11"/>
-          </p:nvPr>
-        </p:nvSpPr>
-        <p:spPr/>
-        <p:txBody>
-          <a:bodyPr/>
-          <a:lstStyle/>
-          <a:p>
-            <a:r>
-              <a:rPr lang="fr-FR" smtClean="0"/>
-              <a:t>F. Flamerie - Recherche doc - 2022-05-03</a:t>
-            </a:r>
-            <a:endParaRPr lang="fr-FR"/>
-          </a:p>
-        </p:txBody>
-      </p:sp>
-      <p:sp>
-        <p:nvSpPr>
-          <p:cNvPr id="5" name="Espace réservé du numéro de diapositive 4"/>
-          <p:cNvSpPr>
-            <a:spLocks noGrp="1"/>
-          </p:cNvSpPr>
-          <p:nvPr>
-            <p:ph type="sldNum" sz="quarter" idx="12"/>
-          </p:nvPr>
-        </p:nvSpPr>
-        <p:spPr/>
-        <p:txBody>
-          <a:bodyPr/>
-          <a:lstStyle/>
-          <a:p>
-            <a:fld id="{99E13252-68E5-4994-B57B-B03F39B52C7D}" type="slidenum">
-              <a:rPr lang="fr-FR" smtClean="0"/>
-              <a:t>26</a:t>
-            </a:fld>
-            <a:endParaRPr lang="fr-FR"/>
-          </a:p>
-        </p:txBody>
-      </p:sp>
-      <p:pic>
-        <p:nvPicPr>
-          <p:cNvPr id="11" name="Image 10"/>
-          <p:cNvPicPr>
-            <a:picLocks noChangeAspect="1"/>
-          </p:cNvPicPr>
-          <p:nvPr/>
-        </p:nvPicPr>
-        <p:blipFill rotWithShape="1">
-          <a:blip r:embed="rId3">
-            <a:extLst>
-              <a:ext uri="{28A0092B-C50C-407E-A947-70E740481C1C}">
-                <a14:useLocalDpi xmlns:a14="http://schemas.microsoft.com/office/drawing/2010/main" val="0"/>
-              </a:ext>
-            </a:extLst>
-          </a:blip>
-          <a:srcRect l="2076" r="2195"/>
-          <a:stretch/>
-        </p:blipFill>
-        <p:spPr>
-          <a:xfrm>
-            <a:off x="5876459" y="3013896"/>
-            <a:ext cx="4712677" cy="3185436"/>
-          </a:xfrm>
-          <a:prstGeom prst="rect">
-            <a:avLst/>
-          </a:prstGeom>
-        </p:spPr>
-      </p:pic>
-    </p:spTree>
-    <p:extLst>
-      <p:ext uri="{BB962C8B-B14F-4D97-AF65-F5344CB8AC3E}">
-        <p14:creationId xmlns:p14="http://schemas.microsoft.com/office/powerpoint/2010/main" val="4201146438"/>
-      </p:ext>
-    </p:extLst>
-  </p:cSld>
-  <p:clrMapOvr>
-    <a:masterClrMapping/>
-  </p:clrMapOvr>
-</p:sld>
-</file>
-
 <file path=ppt/slides/slide27.xml><?xml version="1.0" encoding="utf-8"?>
 <p:sld xmlns:a="http://schemas.openxmlformats.org/drawingml/2006/main" xmlns:r="http://schemas.openxmlformats.org/officeDocument/2006/relationships" xmlns:p="http://schemas.openxmlformats.org/presentationml/2006/main">
   <p:cSld>
@@ -28924,7 +30055,7 @@
         </p:nvSpPr>
         <p:spPr>
           <a:xfrm>
-            <a:off x="521676" y="134937"/>
+            <a:off x="280077" y="137358"/>
             <a:ext cx="11541370" cy="1325563"/>
           </a:xfrm>
         </p:spPr>
@@ -28936,7 +30067,7 @@
           <a:p>
             <a:r>
               <a:rPr lang="fr-FR" dirty="0" smtClean="0"/>
-              <a:t>Accès Inserm dans votre navigateur internet</a:t>
+              <a:t>Accès Inserm et UB dans votre navigateur internet</a:t>
             </a:r>
             <a:endParaRPr lang="fr-FR" dirty="0"/>
           </a:p>
@@ -28954,13 +30085,13 @@
         </p:nvSpPr>
         <p:spPr>
           <a:xfrm>
-            <a:off x="493573" y="1460499"/>
-            <a:ext cx="5128441" cy="5142665"/>
+            <a:off x="277974" y="1462921"/>
+            <a:ext cx="5410850" cy="4005724"/>
           </a:xfrm>
         </p:spPr>
         <p:txBody>
           <a:bodyPr>
-            <a:normAutofit fontScale="92500" lnSpcReduction="10000"/>
+            <a:normAutofit lnSpcReduction="10000"/>
           </a:bodyPr>
           <a:lstStyle/>
           <a:p>
@@ -28981,29 +30112,11 @@
               <a:rPr lang="fr-FR" dirty="0" smtClean="0">
                 <a:hlinkClick r:id="rId2"/>
               </a:rPr>
-              <a:t>Click and Read </a:t>
+              <a:t>Click &amp; Read </a:t>
             </a:r>
             <a:r>
               <a:rPr lang="fr-FR" dirty="0" smtClean="0"/>
-              <a:t>: bouton « Click and Read » affiché sur les listes de publication lorsqu’un accès au texte intégral via une des sources configurées est possible</a:t>
-            </a:r>
-          </a:p>
-          <a:p>
-            <a:pPr lvl="1">
-              <a:lnSpc>
-                <a:spcPct val="110000"/>
-              </a:lnSpc>
-              <a:spcBef>
-                <a:spcPts val="0"/>
-              </a:spcBef>
-            </a:pPr>
-            <a:r>
-              <a:rPr lang="fr-FR" dirty="0"/>
-              <a:t>Compatible avec tous les navigateurs </a:t>
-            </a:r>
-            <a:r>
-              <a:rPr lang="fr-FR" dirty="0" smtClean="0"/>
-              <a:t>internet</a:t>
+              <a:t>: le bouton « Click &amp; Read » s’affiche lorsqu’un accès au texte intégral via une des sources configurées est possible</a:t>
             </a:r>
           </a:p>
           <a:p>
@@ -29046,16 +30159,21 @@
             <p:ph type="ftr" sz="quarter" idx="11"/>
           </p:nvPr>
         </p:nvSpPr>
-        <p:spPr/>
+        <p:spPr>
+          <a:xfrm>
+            <a:off x="3993362" y="6421598"/>
+            <a:ext cx="4114800" cy="365125"/>
+          </a:xfrm>
+        </p:spPr>
         <p:txBody>
           <a:bodyPr/>
           <a:lstStyle/>
           <a:p>
             <a:r>
               <a:rPr lang="fr-FR" smtClean="0"/>
-              <a:t>F. Flamerie - Recherche doc - 2022-05-03</a:t>
-            </a:r>
-            <a:endParaRPr lang="fr-FR"/>
+              <a:t>F. Flamerie - Recherche doc - 2023-05-02</a:t>
+            </a:r>
+            <a:endParaRPr lang="fr-FR" dirty="0"/>
           </a:p>
         </p:txBody>
       </p:sp>
@@ -29084,13 +30202,13 @@
       </p:sp>
       <p:pic>
         <p:nvPicPr>
-          <p:cNvPr id="2" name="Image 1"/>
+          <p:cNvPr id="3" name="Image 2"/>
           <p:cNvPicPr>
             <a:picLocks noChangeAspect="1"/>
           </p:cNvPicPr>
           <p:nvPr/>
         </p:nvPicPr>
-        <p:blipFill rotWithShape="1">
+        <p:blipFill>
           <a:blip r:embed="rId3">
             <a:extLst>
               <a:ext uri="{28A0092B-C50C-407E-A947-70E740481C1C}">
@@ -29098,24 +30216,281 @@
               </a:ext>
             </a:extLst>
           </a:blip>
-          <a:srcRect t="6603" b="21329"/>
-          <a:stretch/>
+          <a:stretch>
+            <a:fillRect/>
+          </a:stretch>
         </p:blipFill>
         <p:spPr>
           <a:xfrm>
-            <a:off x="5660904" y="1460499"/>
-            <a:ext cx="6363251" cy="4305783"/>
+            <a:off x="6050762" y="1227835"/>
+            <a:ext cx="5650346" cy="5259010"/>
           </a:xfrm>
           <a:prstGeom prst="rect">
             <a:avLst/>
           </a:prstGeom>
           <a:ln>
             <a:solidFill>
-              <a:srgbClr val="FF6600"/>
+              <a:schemeClr val="accent2"/>
             </a:solidFill>
           </a:ln>
         </p:spPr>
       </p:pic>
+      <p:grpSp>
+        <p:nvGrpSpPr>
+          <p:cNvPr id="15" name="Arrow19" descr="{&quot;Key&quot;:&quot;POWER_USER_SHAPE_ICON&quot;,&quot;Value&quot;:&quot;POWER_USER_SHAPE_ICON_STYLE_1&quot;}"/>
+          <p:cNvGrpSpPr>
+            <a:grpSpLocks noChangeAspect="1"/>
+          </p:cNvGrpSpPr>
+          <p:nvPr/>
+        </p:nvGrpSpPr>
+        <p:grpSpPr>
+          <a:xfrm>
+            <a:off x="277974" y="5852673"/>
+            <a:ext cx="404457" cy="351782"/>
+            <a:chOff x="1412032" y="2732632"/>
+            <a:chExt cx="1016496" cy="884112"/>
+          </a:xfrm>
+          <a:solidFill>
+            <a:schemeClr val="bg1">
+              <a:lumMod val="50000"/>
+            </a:schemeClr>
+          </a:solidFill>
+        </p:grpSpPr>
+        <p:sp>
+          <p:nvSpPr>
+            <p:cNvPr id="16" name="Chevron 15"/>
+            <p:cNvSpPr/>
+            <p:nvPr/>
+          </p:nvSpPr>
+          <p:spPr>
+            <a:xfrm>
+              <a:off x="1412032" y="2732632"/>
+              <a:ext cx="576064" cy="884112"/>
+            </a:xfrm>
+            <a:prstGeom prst="chevron">
+              <a:avLst>
+                <a:gd name="adj" fmla="val 56184"/>
+              </a:avLst>
+            </a:prstGeom>
+            <a:grpFill/>
+            <a:ln>
+              <a:solidFill>
+                <a:schemeClr val="bg1">
+                  <a:lumMod val="50000"/>
+                </a:schemeClr>
+              </a:solidFill>
+            </a:ln>
+          </p:spPr>
+          <p:style>
+            <a:lnRef idx="2">
+              <a:schemeClr val="accent1">
+                <a:shade val="50000"/>
+              </a:schemeClr>
+            </a:lnRef>
+            <a:fillRef idx="1">
+              <a:schemeClr val="accent1"/>
+            </a:fillRef>
+            <a:effectRef idx="0">
+              <a:schemeClr val="accent1"/>
+            </a:effectRef>
+            <a:fontRef idx="minor">
+              <a:schemeClr val="lt1"/>
+            </a:fontRef>
+          </p:style>
+          <p:txBody>
+            <a:bodyPr rtlCol="0" anchor="ctr"/>
+            <a:lstStyle/>
+            <a:p>
+              <a:pPr marL="0" marR="0" lvl="0" indent="0" algn="ctr" defTabSz="914400" rtl="0" eaLnBrk="1" fontAlgn="auto" latinLnBrk="0" hangingPunct="1">
+                <a:lnSpc>
+                  <a:spcPct val="100000"/>
+                </a:lnSpc>
+                <a:spcBef>
+                  <a:spcPts val="0"/>
+                </a:spcBef>
+                <a:spcAft>
+                  <a:spcPts val="0"/>
+                </a:spcAft>
+                <a:buClrTx/>
+                <a:buSzTx/>
+                <a:buFontTx/>
+                <a:buNone/>
+                <a:tabLst/>
+                <a:defRPr/>
+              </a:pPr>
+              <a:endParaRPr kumimoji="0" lang="fr-FR" sz="1800" b="0" i="0" u="none" strike="noStrike" kern="1200" cap="none" spc="0" normalizeH="0" baseline="0" noProof="0" dirty="0">
+                <a:ln>
+                  <a:noFill/>
+                </a:ln>
+                <a:solidFill>
+                  <a:schemeClr val="bg1">
+                    <a:lumMod val="50000"/>
+                  </a:schemeClr>
+                </a:solidFill>
+                <a:effectLst/>
+                <a:uLnTx/>
+                <a:uFillTx/>
+                <a:latin typeface="Corbel" panose="020B0503020204020204" pitchFamily="34" charset="0"/>
+                <a:ea typeface="+mn-ea"/>
+                <a:cs typeface="+mn-cs"/>
+              </a:endParaRPr>
+            </a:p>
+          </p:txBody>
+        </p:sp>
+        <p:sp>
+          <p:nvSpPr>
+            <p:cNvPr id="17" name="Chevron 16"/>
+            <p:cNvSpPr/>
+            <p:nvPr/>
+          </p:nvSpPr>
+          <p:spPr>
+            <a:xfrm>
+              <a:off x="1852464" y="2732632"/>
+              <a:ext cx="576064" cy="884112"/>
+            </a:xfrm>
+            <a:prstGeom prst="chevron">
+              <a:avLst>
+                <a:gd name="adj" fmla="val 56184"/>
+              </a:avLst>
+            </a:prstGeom>
+            <a:grpFill/>
+            <a:ln>
+              <a:solidFill>
+                <a:schemeClr val="bg1">
+                  <a:lumMod val="50000"/>
+                </a:schemeClr>
+              </a:solidFill>
+            </a:ln>
+          </p:spPr>
+          <p:style>
+            <a:lnRef idx="2">
+              <a:schemeClr val="accent1">
+                <a:shade val="50000"/>
+              </a:schemeClr>
+            </a:lnRef>
+            <a:fillRef idx="1">
+              <a:schemeClr val="accent1"/>
+            </a:fillRef>
+            <a:effectRef idx="0">
+              <a:schemeClr val="accent1"/>
+            </a:effectRef>
+            <a:fontRef idx="minor">
+              <a:schemeClr val="lt1"/>
+            </a:fontRef>
+          </p:style>
+          <p:txBody>
+            <a:bodyPr rtlCol="0" anchor="ctr"/>
+            <a:lstStyle/>
+            <a:p>
+              <a:pPr marL="0" marR="0" lvl="0" indent="0" algn="ctr" defTabSz="914400" rtl="0" eaLnBrk="1" fontAlgn="auto" latinLnBrk="0" hangingPunct="1">
+                <a:lnSpc>
+                  <a:spcPct val="100000"/>
+                </a:lnSpc>
+                <a:spcBef>
+                  <a:spcPts val="0"/>
+                </a:spcBef>
+                <a:spcAft>
+                  <a:spcPts val="0"/>
+                </a:spcAft>
+                <a:buClrTx/>
+                <a:buSzTx/>
+                <a:buFontTx/>
+                <a:buNone/>
+                <a:tabLst/>
+                <a:defRPr/>
+              </a:pPr>
+              <a:endParaRPr kumimoji="0" lang="fr-FR" sz="1800" b="0" i="0" u="none" strike="noStrike" kern="1200" cap="none" spc="0" normalizeH="0" baseline="0" noProof="0" dirty="0">
+                <a:ln>
+                  <a:noFill/>
+                </a:ln>
+                <a:solidFill>
+                  <a:schemeClr val="bg1">
+                    <a:lumMod val="50000"/>
+                  </a:schemeClr>
+                </a:solidFill>
+                <a:effectLst/>
+                <a:uLnTx/>
+                <a:uFillTx/>
+                <a:latin typeface="Corbel" panose="020B0503020204020204" pitchFamily="34" charset="0"/>
+                <a:ea typeface="+mn-ea"/>
+                <a:cs typeface="+mn-cs"/>
+              </a:endParaRPr>
+            </a:p>
+          </p:txBody>
+        </p:sp>
+      </p:grpSp>
+      <p:sp>
+        <p:nvSpPr>
+          <p:cNvPr id="18" name="Rectangle 17"/>
+          <p:cNvSpPr/>
+          <p:nvPr/>
+        </p:nvSpPr>
+        <p:spPr>
+          <a:xfrm>
+            <a:off x="775777" y="5674621"/>
+            <a:ext cx="5181638" cy="707886"/>
+          </a:xfrm>
+          <a:prstGeom prst="rect">
+            <a:avLst/>
+          </a:prstGeom>
+        </p:spPr>
+        <p:txBody>
+          <a:bodyPr wrap="square">
+            <a:spAutoFit/>
+          </a:bodyPr>
+          <a:lstStyle/>
+          <a:p>
+            <a:pPr lvl="0">
+              <a:spcBef>
+                <a:spcPts val="1000"/>
+              </a:spcBef>
+            </a:pPr>
+            <a:r>
+              <a:rPr lang="fr-FR" sz="2000" dirty="0">
+                <a:solidFill>
+                  <a:prstClr val="black"/>
+                </a:solidFill>
+                <a:latin typeface="Corbel" panose="020B0503020204020204" pitchFamily="34" charset="0"/>
+              </a:rPr>
+              <a:t>Voir notre tuto </a:t>
+            </a:r>
+            <a:r>
+              <a:rPr lang="fr-FR" sz="2000" dirty="0" err="1">
+                <a:solidFill>
+                  <a:prstClr val="black"/>
+                </a:solidFill>
+                <a:latin typeface="Corbel" panose="020B0503020204020204" pitchFamily="34" charset="0"/>
+              </a:rPr>
+              <a:t>doc’Isped</a:t>
+            </a:r>
+            <a:r>
+              <a:rPr lang="fr-FR" sz="2000" dirty="0">
+                <a:solidFill>
+                  <a:prstClr val="black"/>
+                </a:solidFill>
+                <a:latin typeface="Corbel" panose="020B0503020204020204" pitchFamily="34" charset="0"/>
+              </a:rPr>
+              <a:t> : </a:t>
+            </a:r>
+            <a:r>
+              <a:rPr lang="fr-FR" sz="2000" dirty="0">
+                <a:solidFill>
+                  <a:prstClr val="black"/>
+                </a:solidFill>
+                <a:latin typeface="Corbel" panose="020B0503020204020204" pitchFamily="34" charset="0"/>
+                <a:hlinkClick r:id="rId4"/>
+              </a:rPr>
+              <a:t>Trouver rapidement le texte intégral d’une publication scientifique</a:t>
+            </a:r>
+            <a:endParaRPr lang="fr-FR" sz="2000" dirty="0">
+              <a:solidFill>
+                <a:prstClr val="black"/>
+              </a:solidFill>
+              <a:latin typeface="Corbel" panose="020B0503020204020204" pitchFamily="34" charset="0"/>
+            </a:endParaRPr>
+          </a:p>
+        </p:txBody>
+      </p:sp>
     </p:spTree>
     <p:extLst>
       <p:ext uri="{BB962C8B-B14F-4D97-AF65-F5344CB8AC3E}">
@@ -29158,40 +30533,8 @@
         </p:nvSpPr>
         <p:spPr>
           <a:xfrm>
-            <a:off x="673100" y="258763"/>
-            <a:ext cx="10515600" cy="1325563"/>
-          </a:xfrm>
-        </p:spPr>
-        <p:txBody>
-          <a:bodyPr/>
-          <a:lstStyle/>
-          <a:p>
-            <a:r>
-              <a:rPr lang="fr-FR" dirty="0" smtClean="0"/>
-              <a:t>Accès institutionnels dans Google </a:t>
-            </a:r>
-            <a:r>
-              <a:rPr lang="fr-FR" dirty="0" err="1" smtClean="0"/>
-              <a:t>Scholar</a:t>
-            </a:r>
-            <a:endParaRPr lang="fr-FR" dirty="0"/>
-          </a:p>
-        </p:txBody>
-      </p:sp>
-      <p:sp>
-        <p:nvSpPr>
-          <p:cNvPr id="10" name="Espace réservé du contenu 9"/>
-          <p:cNvSpPr>
-            <a:spLocks noGrp="1"/>
-          </p:cNvSpPr>
-          <p:nvPr>
-            <p:ph idx="1"/>
-          </p:nvPr>
-        </p:nvSpPr>
-        <p:spPr>
-          <a:xfrm>
-            <a:off x="406400" y="1377952"/>
-            <a:ext cx="11620500" cy="1720848"/>
+            <a:off x="521676" y="134937"/>
+            <a:ext cx="11541370" cy="1325563"/>
           </a:xfrm>
         </p:spPr>
         <p:txBody>
@@ -29200,87 +30543,11 @@
           </a:bodyPr>
           <a:lstStyle/>
           <a:p>
-            <a:pPr marL="0" indent="0">
-              <a:buNone/>
-            </a:pPr>
-            <a:r>
-              <a:rPr lang="fr-FR" sz="2400" dirty="0" smtClean="0"/>
-              <a:t>Dans les </a:t>
-            </a:r>
-            <a:r>
-              <a:rPr lang="fr-FR" sz="2400" dirty="0" smtClean="0">
-                <a:solidFill>
-                  <a:srgbClr val="009DE0"/>
-                </a:solidFill>
-              </a:rPr>
-              <a:t>Paramètres</a:t>
-            </a:r>
-            <a:r>
-              <a:rPr lang="fr-FR" sz="2400" dirty="0" smtClean="0"/>
-              <a:t> &gt; </a:t>
-            </a:r>
-            <a:r>
-              <a:rPr lang="fr-FR" sz="2400" dirty="0" smtClean="0">
-                <a:solidFill>
-                  <a:srgbClr val="009DE0"/>
-                </a:solidFill>
-              </a:rPr>
-              <a:t>Liens vers des bibliothèques</a:t>
-            </a:r>
-            <a:r>
-              <a:rPr lang="fr-FR" sz="2400" dirty="0" smtClean="0"/>
-              <a:t>, cherchez « </a:t>
-            </a:r>
-            <a:r>
-              <a:rPr lang="fr-FR" sz="2400" dirty="0" err="1" smtClean="0"/>
-              <a:t>insermbiblio</a:t>
-            </a:r>
-            <a:r>
-              <a:rPr lang="fr-FR" sz="2400" dirty="0" smtClean="0"/>
-              <a:t>  » et/ou « Bordeaux » et cochez la ou les cases correspondantes, puis enregistrez.</a:t>
-            </a:r>
-          </a:p>
-          <a:p>
-            <a:pPr lvl="1">
-              <a:buFont typeface="Wingdings" panose="05000000000000000000" pitchFamily="2" charset="2"/>
-              <a:buChar char="q"/>
-            </a:pPr>
-            <a:r>
-              <a:rPr lang="fr-FR" dirty="0"/>
-              <a:t>Institut National de la Santé et de la Recherche Médicale - Accès </a:t>
-            </a:r>
-            <a:r>
-              <a:rPr lang="fr-FR" dirty="0" err="1"/>
-              <a:t>Insermbiblio</a:t>
-            </a:r>
-            <a:r>
-              <a:rPr lang="fr-FR" dirty="0"/>
-              <a:t> </a:t>
-            </a:r>
-          </a:p>
-          <a:p>
-            <a:pPr lvl="1">
-              <a:buFont typeface="Wingdings" panose="05000000000000000000" pitchFamily="2" charset="2"/>
-              <a:buChar char="q"/>
-            </a:pPr>
-            <a:r>
-              <a:rPr lang="fr-FR" dirty="0"/>
-              <a:t>Université de Bordeaux - Accès </a:t>
-            </a:r>
-            <a:r>
-              <a:rPr lang="fr-FR" dirty="0" err="1"/>
-              <a:t>Univ</a:t>
-            </a:r>
-            <a:r>
-              <a:rPr lang="fr-FR" dirty="0"/>
-              <a:t>. Bordeaux</a:t>
-            </a:r>
-          </a:p>
-          <a:p>
-            <a:pPr marL="0" indent="0">
-              <a:buNone/>
-            </a:pPr>
-            <a:endParaRPr lang="fr-FR" sz="2400" dirty="0"/>
+            <a:r>
+              <a:rPr lang="fr-FR" dirty="0" smtClean="0"/>
+              <a:t>Extension Click &amp; Read : exemple 1</a:t>
+            </a:r>
+            <a:endParaRPr lang="fr-FR" dirty="0"/>
           </a:p>
         </p:txBody>
       </p:sp>
@@ -29301,7 +30568,7 @@
           <a:p>
             <a:r>
               <a:rPr lang="fr-FR" smtClean="0"/>
-              <a:t>F. Flamerie - Recherche doc - 2022-05-03</a:t>
+              <a:t>F. Flamerie - Recherche doc - 2023-05-02</a:t>
             </a:r>
             <a:endParaRPr lang="fr-FR"/>
           </a:p>
@@ -29332,11 +30599,13 @@
       </p:sp>
       <p:pic>
         <p:nvPicPr>
-          <p:cNvPr id="2" name="Image 1"/>
+          <p:cNvPr id="15" name="Espace réservé du contenu 14"/>
           <p:cNvPicPr>
-            <a:picLocks noChangeAspect="1"/>
+            <a:picLocks noGrp="1" noChangeAspect="1"/>
           </p:cNvPicPr>
-          <p:nvPr/>
+          <p:nvPr>
+            <p:ph idx="1"/>
+          </p:nvPr>
         </p:nvPicPr>
         <p:blipFill>
           <a:blip r:embed="rId2">
@@ -29352,18 +30621,82 @@
         </p:blipFill>
         <p:spPr>
           <a:xfrm>
-            <a:off x="800100" y="2961953"/>
-            <a:ext cx="10058400" cy="3285227"/>
+            <a:off x="521676" y="1525282"/>
+            <a:ext cx="9823031" cy="2667231"/>
+          </a:xfrm>
+          <a:prstGeom prst="rect">
+            <a:avLst/>
+          </a:prstGeom>
+          <a:ln>
+            <a:solidFill>
+              <a:schemeClr val="accent2"/>
+            </a:solidFill>
+          </a:ln>
+        </p:spPr>
+      </p:pic>
+      <p:sp>
+        <p:nvSpPr>
+          <p:cNvPr id="17" name="Rectangle 16"/>
+          <p:cNvSpPr/>
+          <p:nvPr/>
+        </p:nvSpPr>
+        <p:spPr>
+          <a:xfrm>
+            <a:off x="506416" y="4389638"/>
+            <a:ext cx="9823031" cy="1015663"/>
           </a:xfrm>
           <a:prstGeom prst="rect">
             <a:avLst/>
           </a:prstGeom>
         </p:spPr>
-      </p:pic>
+        <p:txBody>
+          <a:bodyPr wrap="square">
+            <a:spAutoFit/>
+          </a:bodyPr>
+          <a:lstStyle/>
+          <a:p>
+            <a:pPr>
+              <a:spcAft>
+                <a:spcPts val="1000"/>
+              </a:spcAft>
+            </a:pPr>
+            <a:r>
+              <a:rPr lang="fr-FR" sz="2000" dirty="0">
+                <a:solidFill>
+                  <a:srgbClr val="3B3838"/>
+                </a:solidFill>
+                <a:latin typeface="Corbel" panose="020B0503020204020204" pitchFamily="34" charset="0"/>
+                <a:ea typeface="Times New Roman" panose="02020603050405020304" pitchFamily="18" charset="0"/>
+              </a:rPr>
+              <a:t>Bouton Click &amp; Read sur une liste de résultats dans </a:t>
+            </a:r>
+            <a:r>
+              <a:rPr lang="fr-FR" sz="2000" dirty="0" err="1">
+                <a:solidFill>
+                  <a:srgbClr val="3B3838"/>
+                </a:solidFill>
+                <a:latin typeface="Corbel" panose="020B0503020204020204" pitchFamily="34" charset="0"/>
+                <a:ea typeface="Times New Roman" panose="02020603050405020304" pitchFamily="18" charset="0"/>
+              </a:rPr>
+              <a:t>PubMed</a:t>
+            </a:r>
+            <a:r>
+              <a:rPr lang="fr-FR" sz="2000" dirty="0">
+                <a:solidFill>
+                  <a:srgbClr val="3B3838"/>
+                </a:solidFill>
+                <a:latin typeface="Corbel" panose="020B0503020204020204" pitchFamily="34" charset="0"/>
+                <a:ea typeface="Times New Roman" panose="02020603050405020304" pitchFamily="18" charset="0"/>
+              </a:rPr>
+              <a:t> : le bouton est affiché en face de chaque occurrence d’un identifiant, y compris lorsque ce dernier est intégré à un lien hypertexte.</a:t>
+            </a:r>
+          </a:p>
+        </p:txBody>
+      </p:sp>
     </p:spTree>
     <p:extLst>
       <p:ext uri="{BB962C8B-B14F-4D97-AF65-F5344CB8AC3E}">
-        <p14:creationId xmlns:p14="http://schemas.microsoft.com/office/powerpoint/2010/main" val="2686376306"/>
+        <p14:creationId xmlns:p14="http://schemas.microsoft.com/office/powerpoint/2010/main" val="369914161"/>
       </p:ext>
     </p:extLst>
   </p:cSld>
@@ -29402,40 +30735,8 @@
         </p:nvSpPr>
         <p:spPr>
           <a:xfrm>
-            <a:off x="673100" y="258763"/>
-            <a:ext cx="10515600" cy="1325563"/>
-          </a:xfrm>
-        </p:spPr>
-        <p:txBody>
-          <a:bodyPr/>
-          <a:lstStyle/>
-          <a:p>
-            <a:r>
-              <a:rPr lang="fr-FR" dirty="0" smtClean="0"/>
-              <a:t>Accès institutionnels dans Google </a:t>
-            </a:r>
-            <a:r>
-              <a:rPr lang="fr-FR" dirty="0" err="1" smtClean="0"/>
-              <a:t>Scholar</a:t>
-            </a:r>
-            <a:endParaRPr lang="fr-FR" dirty="0"/>
-          </a:p>
-        </p:txBody>
-      </p:sp>
-      <p:sp>
-        <p:nvSpPr>
-          <p:cNvPr id="10" name="Espace réservé du contenu 9"/>
-          <p:cNvSpPr>
-            <a:spLocks noGrp="1"/>
-          </p:cNvSpPr>
-          <p:nvPr>
-            <p:ph idx="1"/>
-          </p:nvPr>
-        </p:nvSpPr>
-        <p:spPr>
-          <a:xfrm>
-            <a:off x="397608" y="1424744"/>
-            <a:ext cx="11620500" cy="1720848"/>
+            <a:off x="521676" y="134937"/>
+            <a:ext cx="11541370" cy="1325563"/>
           </a:xfrm>
         </p:spPr>
         <p:txBody>
@@ -29444,13 +30745,11 @@
           </a:bodyPr>
           <a:lstStyle/>
           <a:p>
-            <a:pPr marL="0" indent="0">
-              <a:buNone/>
-            </a:pPr>
-            <a:r>
-              <a:rPr lang="fr-FR" sz="2400" dirty="0" smtClean="0"/>
-              <a:t>Les liens contextuels correspondants s’affichent ensuite dans votre liste de résultats.</a:t>
-            </a:r>
+            <a:r>
+              <a:rPr lang="fr-FR" dirty="0" smtClean="0"/>
+              <a:t>Extension Click &amp; Read : exemple 2</a:t>
+            </a:r>
+            <a:endParaRPr lang="fr-FR" dirty="0"/>
           </a:p>
         </p:txBody>
       </p:sp>
@@ -29471,7 +30770,7 @@
           <a:p>
             <a:r>
               <a:rPr lang="fr-FR" smtClean="0"/>
-              <a:t>F. Flamerie - Recherche doc - 2022-05-03</a:t>
+              <a:t>F. Flamerie - Recherche doc - 2023-05-02</a:t>
             </a:r>
             <a:endParaRPr lang="fr-FR"/>
           </a:p>
@@ -29500,16 +30799,114 @@
           </a:p>
         </p:txBody>
       </p:sp>
+      <p:sp>
+        <p:nvSpPr>
+          <p:cNvPr id="17" name="Rectangle 16"/>
+          <p:cNvSpPr/>
+          <p:nvPr/>
+        </p:nvSpPr>
+        <p:spPr>
+          <a:xfrm>
+            <a:off x="560383" y="5126608"/>
+            <a:ext cx="10515600" cy="707886"/>
+          </a:xfrm>
+          <a:prstGeom prst="rect">
+            <a:avLst/>
+          </a:prstGeom>
+        </p:spPr>
+        <p:txBody>
+          <a:bodyPr wrap="square">
+            <a:spAutoFit/>
+          </a:bodyPr>
+          <a:lstStyle/>
+          <a:p>
+            <a:pPr>
+              <a:spcAft>
+                <a:spcPts val="1000"/>
+              </a:spcAft>
+            </a:pPr>
+            <a:r>
+              <a:rPr lang="fr-FR" sz="2000" dirty="0">
+                <a:solidFill>
+                  <a:srgbClr val="3B3838"/>
+                </a:solidFill>
+                <a:latin typeface="Corbel" panose="020B0503020204020204" pitchFamily="34" charset="0"/>
+                <a:ea typeface="Times New Roman" panose="02020603050405020304" pitchFamily="18" charset="0"/>
+              </a:rPr>
+              <a:t>Bouton Click &amp; Read sur une liste de résultats dans Google </a:t>
+            </a:r>
+            <a:r>
+              <a:rPr lang="fr-FR" sz="2000" dirty="0" err="1">
+                <a:solidFill>
+                  <a:srgbClr val="3B3838"/>
+                </a:solidFill>
+                <a:latin typeface="Corbel" panose="020B0503020204020204" pitchFamily="34" charset="0"/>
+                <a:ea typeface="Times New Roman" panose="02020603050405020304" pitchFamily="18" charset="0"/>
+              </a:rPr>
+              <a:t>Scholar</a:t>
+            </a:r>
+            <a:r>
+              <a:rPr lang="fr-FR" sz="2000" dirty="0">
+                <a:solidFill>
+                  <a:srgbClr val="3B3838"/>
+                </a:solidFill>
+                <a:latin typeface="Corbel" panose="020B0503020204020204" pitchFamily="34" charset="0"/>
+                <a:ea typeface="Times New Roman" panose="02020603050405020304" pitchFamily="18" charset="0"/>
+              </a:rPr>
+              <a:t> : cette fois c’est la source </a:t>
+            </a:r>
+            <a:r>
+              <a:rPr lang="fr-FR" sz="2000" dirty="0" err="1">
+                <a:solidFill>
+                  <a:srgbClr val="3B3838"/>
+                </a:solidFill>
+                <a:latin typeface="Corbel" panose="020B0503020204020204" pitchFamily="34" charset="0"/>
+                <a:ea typeface="Times New Roman" panose="02020603050405020304" pitchFamily="18" charset="0"/>
+              </a:rPr>
+              <a:t>Istex</a:t>
+            </a:r>
+            <a:r>
+              <a:rPr lang="fr-FR" sz="2000" dirty="0">
+                <a:solidFill>
+                  <a:srgbClr val="3B3838"/>
+                </a:solidFill>
+                <a:latin typeface="Corbel" panose="020B0503020204020204" pitchFamily="34" charset="0"/>
+                <a:ea typeface="Times New Roman" panose="02020603050405020304" pitchFamily="18" charset="0"/>
+              </a:rPr>
+              <a:t> qui </a:t>
+            </a:r>
+            <a:r>
+              <a:rPr lang="fr-FR" sz="2000" dirty="0" smtClean="0">
+                <a:solidFill>
+                  <a:srgbClr val="3B3838"/>
+                </a:solidFill>
+                <a:latin typeface="Corbel" panose="020B0503020204020204" pitchFamily="34" charset="0"/>
+                <a:ea typeface="Times New Roman" panose="02020603050405020304" pitchFamily="18" charset="0"/>
+              </a:rPr>
+              <a:t>répond.</a:t>
+            </a:r>
+            <a:endParaRPr lang="fr-FR" sz="2000" dirty="0">
+              <a:solidFill>
+                <a:srgbClr val="3B3838"/>
+              </a:solidFill>
+              <a:latin typeface="Corbel" panose="020B0503020204020204" pitchFamily="34" charset="0"/>
+              <a:ea typeface="Times New Roman" panose="02020603050405020304" pitchFamily="18" charset="0"/>
+            </a:endParaRPr>
+          </a:p>
+        </p:txBody>
+      </p:sp>
       <p:pic>
         <p:nvPicPr>
-          <p:cNvPr id="3" name="Image 2"/>
+          <p:cNvPr id="3" name="Espace réservé du contenu 2"/>
           <p:cNvPicPr>
-            <a:picLocks noChangeAspect="1"/>
+            <a:picLocks noGrp="1" noChangeAspect="1"/>
           </p:cNvPicPr>
-          <p:nvPr/>
+          <p:nvPr>
+            <p:ph idx="1"/>
+          </p:nvPr>
         </p:nvPicPr>
         <p:blipFill>
-          <a:blip r:embed="rId3">
+          <a:blip r:embed="rId2">
             <a:extLst>
               <a:ext uri="{28A0092B-C50C-407E-A947-70E740481C1C}">
                 <a14:useLocalDpi xmlns:a14="http://schemas.microsoft.com/office/drawing/2010/main" val="0"/>
@@ -29522,67 +30919,23 @@
         </p:blipFill>
         <p:spPr>
           <a:xfrm>
-            <a:off x="97155" y="2324117"/>
-            <a:ext cx="11997690" cy="3771614"/>
+            <a:off x="560383" y="1273705"/>
+            <a:ext cx="10515600" cy="3649696"/>
           </a:xfrm>
           <a:prstGeom prst="rect">
             <a:avLst/>
           </a:prstGeom>
+          <a:ln>
+            <a:solidFill>
+              <a:schemeClr val="accent2"/>
+            </a:solidFill>
+          </a:ln>
         </p:spPr>
       </p:pic>
-      <p:sp>
-        <p:nvSpPr>
-          <p:cNvPr id="6" name="Rectangle à coins arrondis 5"/>
-          <p:cNvSpPr/>
-          <p:nvPr/>
-        </p:nvSpPr>
-        <p:spPr>
-          <a:xfrm>
-            <a:off x="7948246" y="3212657"/>
-            <a:ext cx="2039816" cy="2744798"/>
-          </a:xfrm>
-          <a:prstGeom prst="roundRect">
-            <a:avLst/>
-          </a:prstGeom>
-          <a:noFill/>
-          <a:ln w="38100">
-            <a:solidFill>
-              <a:srgbClr val="FF6600"/>
-            </a:solidFill>
-            <a:prstDash val="dashDot"/>
-          </a:ln>
-        </p:spPr>
-        <p:style>
-          <a:lnRef idx="2">
-            <a:schemeClr val="accent1">
-              <a:shade val="50000"/>
-            </a:schemeClr>
-          </a:lnRef>
-          <a:fillRef idx="1">
-            <a:schemeClr val="accent1"/>
-          </a:fillRef>
-          <a:effectRef idx="0">
-            <a:schemeClr val="accent1"/>
-          </a:effectRef>
-          <a:fontRef idx="minor">
-            <a:schemeClr val="lt1"/>
-          </a:fontRef>
-        </p:style>
-        <p:txBody>
-          <a:bodyPr rtlCol="0" anchor="ctr"/>
-          <a:lstStyle/>
-          <a:p>
-            <a:pPr algn="ctr"/>
-            <a:endParaRPr lang="fr-FR" dirty="0">
-              <a:latin typeface="Corbel" panose="020B0503020204020204" pitchFamily="34" charset="0"/>
-            </a:endParaRPr>
-          </a:p>
-        </p:txBody>
-      </p:sp>
     </p:spTree>
     <p:extLst>
       <p:ext uri="{BB962C8B-B14F-4D97-AF65-F5344CB8AC3E}">
-        <p14:creationId xmlns:p14="http://schemas.microsoft.com/office/powerpoint/2010/main" val="1512660782"/>
+        <p14:creationId xmlns:p14="http://schemas.microsoft.com/office/powerpoint/2010/main" val="2311055985"/>
       </p:ext>
     </p:extLst>
   </p:cSld>
@@ -29654,7 +31007,7 @@
           <a:p>
             <a:r>
               <a:rPr lang="fr-FR" smtClean="0"/>
-              <a:t>F. Flamerie - Recherche doc - 2022-05-03</a:t>
+              <a:t>F. Flamerie - Recherche doc - 2023-05-02</a:t>
             </a:r>
             <a:endParaRPr lang="fr-FR"/>
           </a:p>
@@ -29920,6 +31273,800 @@
       </p:grpSpPr>
       <p:sp>
         <p:nvSpPr>
+          <p:cNvPr id="9" name="Titre 8"/>
+          <p:cNvSpPr>
+            <a:spLocks noGrp="1"/>
+          </p:cNvSpPr>
+          <p:nvPr>
+            <p:ph type="title"/>
+          </p:nvPr>
+        </p:nvSpPr>
+        <p:spPr/>
+        <p:txBody>
+          <a:bodyPr/>
+          <a:lstStyle/>
+          <a:p>
+            <a:r>
+              <a:rPr lang="fr-FR" dirty="0" smtClean="0"/>
+              <a:t>Accès institutionnels : dans votre logiciel de gestion bibliographique</a:t>
+            </a:r>
+            <a:endParaRPr lang="fr-FR" dirty="0"/>
+          </a:p>
+        </p:txBody>
+      </p:sp>
+      <p:sp>
+        <p:nvSpPr>
+          <p:cNvPr id="10" name="Espace réservé du contenu 9"/>
+          <p:cNvSpPr>
+            <a:spLocks noGrp="1"/>
+          </p:cNvSpPr>
+          <p:nvPr>
+            <p:ph idx="1"/>
+          </p:nvPr>
+        </p:nvSpPr>
+        <p:spPr>
+          <a:xfrm>
+            <a:off x="838200" y="1825625"/>
+            <a:ext cx="10408920" cy="4351338"/>
+          </a:xfrm>
+        </p:spPr>
+        <p:txBody>
+          <a:bodyPr/>
+          <a:lstStyle/>
+          <a:p>
+            <a:pPr marL="0" indent="0">
+              <a:lnSpc>
+                <a:spcPct val="100000"/>
+              </a:lnSpc>
+              <a:buNone/>
+            </a:pPr>
+            <a:r>
+              <a:rPr lang="fr-FR" dirty="0" smtClean="0"/>
+              <a:t>Ces paramétrages sont disponibles pour </a:t>
+            </a:r>
+            <a:r>
+              <a:rPr lang="fr-FR" dirty="0" err="1"/>
+              <a:t>EndNote</a:t>
+            </a:r>
+            <a:r>
+              <a:rPr lang="fr-FR" dirty="0"/>
+              <a:t> et </a:t>
+            </a:r>
+            <a:r>
+              <a:rPr lang="fr-FR" dirty="0" smtClean="0"/>
+              <a:t>Zotero. Voir </a:t>
+            </a:r>
+            <a:r>
+              <a:rPr lang="fr-FR" dirty="0"/>
+              <a:t>nos tutos </a:t>
+            </a:r>
+            <a:r>
+              <a:rPr lang="fr-FR" dirty="0" err="1"/>
+              <a:t>doc’Isped</a:t>
+            </a:r>
+            <a:r>
+              <a:rPr lang="fr-FR" dirty="0"/>
+              <a:t> sur le site de </a:t>
+            </a:r>
+            <a:r>
+              <a:rPr lang="fr-FR" dirty="0" smtClean="0"/>
+              <a:t>l’</a:t>
+            </a:r>
+            <a:r>
+              <a:rPr lang="fr-FR" dirty="0" err="1" smtClean="0"/>
+              <a:t>Isped</a:t>
+            </a:r>
+            <a:r>
+              <a:rPr lang="fr-FR" dirty="0" smtClean="0"/>
+              <a:t> </a:t>
+            </a:r>
+          </a:p>
+          <a:p>
+            <a:pPr marL="0" indent="0">
+              <a:lnSpc>
+                <a:spcPct val="100000"/>
+              </a:lnSpc>
+              <a:buNone/>
+            </a:pPr>
+            <a:r>
+              <a:rPr lang="fr-FR" dirty="0" smtClean="0">
+                <a:hlinkClick r:id="rId2"/>
+              </a:rPr>
+              <a:t>Vie </a:t>
+            </a:r>
+            <a:r>
+              <a:rPr lang="fr-FR" dirty="0">
+                <a:hlinkClick r:id="rId2"/>
+              </a:rPr>
+              <a:t>étudiante &gt; Espace documentation &gt; </a:t>
+            </a:r>
+            <a:r>
+              <a:rPr lang="fr-FR" dirty="0" smtClean="0">
+                <a:hlinkClick r:id="rId2"/>
+              </a:rPr>
+              <a:t>Tutoriels</a:t>
+            </a:r>
+            <a:endParaRPr lang="fr-FR" dirty="0" smtClean="0"/>
+          </a:p>
+          <a:p>
+            <a:pPr>
+              <a:lnSpc>
+                <a:spcPct val="100000"/>
+              </a:lnSpc>
+            </a:pPr>
+            <a:r>
+              <a:rPr lang="fr-FR" dirty="0" smtClean="0">
+                <a:hlinkClick r:id="rId3"/>
+              </a:rPr>
+              <a:t> Lancer </a:t>
+            </a:r>
+            <a:r>
+              <a:rPr lang="fr-FR" dirty="0">
+                <a:hlinkClick r:id="rId3"/>
+              </a:rPr>
+              <a:t>une recherche dans les ressources de votre institution depuis </a:t>
+            </a:r>
+            <a:r>
+              <a:rPr lang="fr-FR" dirty="0" smtClean="0">
+                <a:hlinkClick r:id="rId3"/>
+              </a:rPr>
+              <a:t>Zotero</a:t>
+            </a:r>
+            <a:endParaRPr lang="fr-FR" dirty="0" smtClean="0"/>
+          </a:p>
+          <a:p>
+            <a:pPr>
+              <a:lnSpc>
+                <a:spcPct val="100000"/>
+              </a:lnSpc>
+            </a:pPr>
+            <a:r>
+              <a:rPr lang="fr-FR" dirty="0">
+                <a:hlinkClick r:id="rId4"/>
+              </a:rPr>
+              <a:t> </a:t>
+            </a:r>
+            <a:r>
+              <a:rPr lang="fr-FR" dirty="0" err="1" smtClean="0">
+                <a:hlinkClick r:id="rId4"/>
+              </a:rPr>
+              <a:t>EndNote</a:t>
+            </a:r>
+            <a:r>
+              <a:rPr lang="fr-FR" dirty="0" smtClean="0">
+                <a:hlinkClick r:id="rId4"/>
+              </a:rPr>
+              <a:t> </a:t>
+            </a:r>
+            <a:r>
+              <a:rPr lang="fr-FR" dirty="0">
+                <a:hlinkClick r:id="rId4"/>
+              </a:rPr>
+              <a:t>: récupérer le texte intégral des références (</a:t>
+            </a:r>
+            <a:r>
+              <a:rPr lang="fr-FR" i="1" dirty="0" err="1">
+                <a:hlinkClick r:id="rId4"/>
+              </a:rPr>
+              <a:t>Find</a:t>
+            </a:r>
+            <a:r>
+              <a:rPr lang="fr-FR" i="1" dirty="0">
+                <a:hlinkClick r:id="rId4"/>
+              </a:rPr>
+              <a:t> Full </a:t>
+            </a:r>
+            <a:r>
+              <a:rPr lang="fr-FR" i="1" dirty="0" err="1">
+                <a:hlinkClick r:id="rId4"/>
+              </a:rPr>
+              <a:t>Text</a:t>
+            </a:r>
+            <a:r>
+              <a:rPr lang="fr-FR" dirty="0">
+                <a:hlinkClick r:id="rId4"/>
+              </a:rPr>
+              <a:t>)</a:t>
+            </a:r>
+            <a:endParaRPr lang="fr-FR" dirty="0" smtClean="0"/>
+          </a:p>
+          <a:p>
+            <a:pPr marL="0" indent="0">
+              <a:buNone/>
+            </a:pPr>
+            <a:endParaRPr lang="fr-FR" dirty="0" smtClean="0"/>
+          </a:p>
+          <a:p>
+            <a:pPr marL="0" indent="0">
+              <a:buNone/>
+            </a:pPr>
+            <a:endParaRPr lang="fr-FR" dirty="0"/>
+          </a:p>
+        </p:txBody>
+      </p:sp>
+      <p:sp>
+        <p:nvSpPr>
+          <p:cNvPr id="4" name="Espace réservé du pied de page 3"/>
+          <p:cNvSpPr>
+            <a:spLocks noGrp="1"/>
+          </p:cNvSpPr>
+          <p:nvPr>
+            <p:ph type="ftr" sz="quarter" idx="11"/>
+          </p:nvPr>
+        </p:nvSpPr>
+        <p:spPr/>
+        <p:txBody>
+          <a:bodyPr/>
+          <a:lstStyle/>
+          <a:p>
+            <a:r>
+              <a:rPr lang="fr-FR" smtClean="0"/>
+              <a:t>F. Flamerie - Recherche doc - 2023-05-02</a:t>
+            </a:r>
+            <a:endParaRPr lang="fr-FR"/>
+          </a:p>
+        </p:txBody>
+      </p:sp>
+      <p:sp>
+        <p:nvSpPr>
+          <p:cNvPr id="5" name="Espace réservé du numéro de diapositive 4"/>
+          <p:cNvSpPr>
+            <a:spLocks noGrp="1"/>
+          </p:cNvSpPr>
+          <p:nvPr>
+            <p:ph type="sldNum" sz="quarter" idx="12"/>
+          </p:nvPr>
+        </p:nvSpPr>
+        <p:spPr/>
+        <p:txBody>
+          <a:bodyPr/>
+          <a:lstStyle/>
+          <a:p>
+            <a:fld id="{99E13252-68E5-4994-B57B-B03F39B52C7D}" type="slidenum">
+              <a:rPr lang="fr-FR" smtClean="0"/>
+              <a:t>30</a:t>
+            </a:fld>
+            <a:endParaRPr lang="fr-FR"/>
+          </a:p>
+        </p:txBody>
+      </p:sp>
+    </p:spTree>
+    <p:extLst>
+      <p:ext uri="{BB962C8B-B14F-4D97-AF65-F5344CB8AC3E}">
+        <p14:creationId xmlns:p14="http://schemas.microsoft.com/office/powerpoint/2010/main" val="287007440"/>
+      </p:ext>
+    </p:extLst>
+  </p:cSld>
+  <p:clrMapOvr>
+    <a:masterClrMapping/>
+  </p:clrMapOvr>
+</p:sld>
+</file>
+
+<file path=ppt/slides/slide31.xml><?xml version="1.0" encoding="utf-8"?>
+<p:sld xmlns:a="http://schemas.openxmlformats.org/drawingml/2006/main" xmlns:r="http://schemas.openxmlformats.org/officeDocument/2006/relationships" xmlns:p="http://schemas.openxmlformats.org/presentationml/2006/main">
+  <p:cSld>
+    <p:spTree>
+      <p:nvGrpSpPr>
+        <p:cNvPr id="1" name=""/>
+        <p:cNvGrpSpPr/>
+        <p:nvPr/>
+      </p:nvGrpSpPr>
+      <p:grpSpPr>
+        <a:xfrm>
+          <a:off x="0" y="0"/>
+          <a:ext cx="0" cy="0"/>
+          <a:chOff x="0" y="0"/>
+          <a:chExt cx="0" cy="0"/>
+        </a:xfrm>
+      </p:grpSpPr>
+      <p:sp>
+        <p:nvSpPr>
+          <p:cNvPr id="9" name="Titre 8"/>
+          <p:cNvSpPr>
+            <a:spLocks noGrp="1"/>
+          </p:cNvSpPr>
+          <p:nvPr>
+            <p:ph type="title"/>
+          </p:nvPr>
+        </p:nvSpPr>
+        <p:spPr/>
+        <p:txBody>
+          <a:bodyPr/>
+          <a:lstStyle/>
+          <a:p>
+            <a:r>
+              <a:rPr lang="fr-FR" dirty="0"/>
+              <a:t>Alternatives légales lorsque les accès institutionnels font défaut </a:t>
+            </a:r>
+          </a:p>
+        </p:txBody>
+      </p:sp>
+      <p:sp>
+        <p:nvSpPr>
+          <p:cNvPr id="10" name="Espace réservé du contenu 9"/>
+          <p:cNvSpPr>
+            <a:spLocks noGrp="1"/>
+          </p:cNvSpPr>
+          <p:nvPr>
+            <p:ph idx="1"/>
+          </p:nvPr>
+        </p:nvSpPr>
+        <p:spPr>
+          <a:xfrm>
+            <a:off x="838200" y="1825624"/>
+            <a:ext cx="10515600" cy="3994811"/>
+          </a:xfrm>
+        </p:spPr>
+        <p:txBody>
+          <a:bodyPr>
+            <a:normAutofit fontScale="85000" lnSpcReduction="20000"/>
+          </a:bodyPr>
+          <a:lstStyle/>
+          <a:p>
+            <a:pPr>
+              <a:lnSpc>
+                <a:spcPct val="120000"/>
+              </a:lnSpc>
+            </a:pPr>
+            <a:r>
+              <a:rPr lang="fr-FR" dirty="0" smtClean="0"/>
+              <a:t> </a:t>
+            </a:r>
+            <a:r>
+              <a:rPr lang="fr-FR" b="1" dirty="0" smtClean="0"/>
+              <a:t>Site de l’éditeur </a:t>
+            </a:r>
+            <a:r>
+              <a:rPr lang="fr-FR" dirty="0" smtClean="0"/>
+              <a:t>: certains articles sont en lecture gratuite à l’unité ou temporairement, sans que cela puisse être repérable par nos outils institutionnels.</a:t>
+            </a:r>
+          </a:p>
+          <a:p>
+            <a:pPr>
+              <a:lnSpc>
+                <a:spcPct val="120000"/>
+              </a:lnSpc>
+            </a:pPr>
+            <a:r>
+              <a:rPr lang="fr-FR" dirty="0" smtClean="0"/>
+              <a:t> Extension </a:t>
+            </a:r>
+            <a:r>
+              <a:rPr lang="fr-FR" dirty="0"/>
+              <a:t>de navigateur </a:t>
+            </a:r>
+            <a:r>
+              <a:rPr lang="fr-FR" dirty="0" smtClean="0"/>
+              <a:t>« </a:t>
+            </a:r>
+            <a:r>
+              <a:rPr lang="fr-FR" b="1" dirty="0" smtClean="0"/>
+              <a:t>Bouton </a:t>
+            </a:r>
+            <a:r>
+              <a:rPr lang="fr-FR" b="1" dirty="0"/>
+              <a:t>Google </a:t>
+            </a:r>
+            <a:r>
+              <a:rPr lang="fr-FR" b="1" dirty="0" err="1" smtClean="0"/>
+              <a:t>Scholar</a:t>
+            </a:r>
+            <a:r>
+              <a:rPr lang="fr-FR" b="1" dirty="0" smtClean="0"/>
+              <a:t> </a:t>
+            </a:r>
+            <a:r>
+              <a:rPr lang="fr-FR" dirty="0" smtClean="0"/>
+              <a:t>»</a:t>
+            </a:r>
+            <a:r>
+              <a:rPr lang="fr-FR" b="1" dirty="0" smtClean="0"/>
+              <a:t> </a:t>
+            </a:r>
+            <a:r>
+              <a:rPr lang="fr-FR" dirty="0"/>
+              <a:t>pour rechercher dans les sites personnels de chercheurs, les réseaux sociaux académiques, </a:t>
+            </a:r>
+            <a:r>
+              <a:rPr lang="fr-FR" dirty="0" smtClean="0"/>
+              <a:t>et autres sources non indexées par </a:t>
+            </a:r>
+            <a:r>
+              <a:rPr lang="fr-FR" dirty="0" err="1" smtClean="0"/>
+              <a:t>Unpaywall</a:t>
+            </a:r>
+            <a:r>
+              <a:rPr lang="fr-FR" dirty="0"/>
+              <a:t>.</a:t>
+            </a:r>
+          </a:p>
+          <a:p>
+            <a:pPr>
+              <a:lnSpc>
+                <a:spcPct val="120000"/>
+              </a:lnSpc>
+            </a:pPr>
+            <a:r>
+              <a:rPr lang="fr-FR" dirty="0" smtClean="0"/>
+              <a:t> Recherche </a:t>
+            </a:r>
+            <a:r>
+              <a:rPr lang="fr-FR" b="1" dirty="0" smtClean="0"/>
+              <a:t>Google</a:t>
+            </a:r>
+            <a:r>
+              <a:rPr lang="fr-FR" dirty="0" smtClean="0"/>
+              <a:t> pour les pages non indexées par Google </a:t>
+            </a:r>
+            <a:r>
+              <a:rPr lang="fr-FR" dirty="0" err="1" smtClean="0"/>
+              <a:t>Scholar</a:t>
+            </a:r>
+            <a:r>
+              <a:rPr lang="fr-FR" dirty="0" smtClean="0"/>
+              <a:t>, fiche d’un article sans PDF associé sur </a:t>
+            </a:r>
+            <a:r>
+              <a:rPr lang="fr-FR" dirty="0" err="1" smtClean="0"/>
+              <a:t>ResearchGate</a:t>
+            </a:r>
+            <a:r>
+              <a:rPr lang="fr-FR" dirty="0" smtClean="0"/>
+              <a:t> par exemple.</a:t>
+            </a:r>
+          </a:p>
+          <a:p>
+            <a:pPr>
+              <a:lnSpc>
+                <a:spcPct val="120000"/>
+              </a:lnSpc>
+            </a:pPr>
+            <a:r>
+              <a:rPr lang="fr-FR" dirty="0"/>
+              <a:t> </a:t>
+            </a:r>
+            <a:r>
+              <a:rPr lang="fr-FR" b="1" dirty="0" smtClean="0"/>
+              <a:t>Prêt entre bibliothèques</a:t>
+            </a:r>
+          </a:p>
+        </p:txBody>
+      </p:sp>
+      <p:sp>
+        <p:nvSpPr>
+          <p:cNvPr id="4" name="Espace réservé du pied de page 3"/>
+          <p:cNvSpPr>
+            <a:spLocks noGrp="1"/>
+          </p:cNvSpPr>
+          <p:nvPr>
+            <p:ph type="ftr" sz="quarter" idx="11"/>
+          </p:nvPr>
+        </p:nvSpPr>
+        <p:spPr/>
+        <p:txBody>
+          <a:bodyPr/>
+          <a:lstStyle/>
+          <a:p>
+            <a:r>
+              <a:rPr lang="fr-FR" smtClean="0"/>
+              <a:t>F. Flamerie - Recherche doc - 2023-05-02</a:t>
+            </a:r>
+            <a:endParaRPr lang="fr-FR" dirty="0"/>
+          </a:p>
+        </p:txBody>
+      </p:sp>
+      <p:sp>
+        <p:nvSpPr>
+          <p:cNvPr id="5" name="Espace réservé du numéro de diapositive 4"/>
+          <p:cNvSpPr>
+            <a:spLocks noGrp="1"/>
+          </p:cNvSpPr>
+          <p:nvPr>
+            <p:ph type="sldNum" sz="quarter" idx="12"/>
+          </p:nvPr>
+        </p:nvSpPr>
+        <p:spPr/>
+        <p:txBody>
+          <a:bodyPr/>
+          <a:lstStyle/>
+          <a:p>
+            <a:fld id="{99E13252-68E5-4994-B57B-B03F39B52C7D}" type="slidenum">
+              <a:rPr lang="fr-FR" smtClean="0"/>
+              <a:t>31</a:t>
+            </a:fld>
+            <a:endParaRPr lang="fr-FR"/>
+          </a:p>
+        </p:txBody>
+      </p:sp>
+      <p:grpSp>
+        <p:nvGrpSpPr>
+          <p:cNvPr id="6" name="Arrow19" descr="{&quot;Key&quot;:&quot;POWER_USER_SHAPE_ICON&quot;,&quot;Value&quot;:&quot;POWER_USER_SHAPE_ICON_STYLE_1&quot;}"/>
+          <p:cNvGrpSpPr>
+            <a:grpSpLocks noChangeAspect="1"/>
+          </p:cNvGrpSpPr>
+          <p:nvPr/>
+        </p:nvGrpSpPr>
+        <p:grpSpPr>
+          <a:xfrm>
+            <a:off x="513642" y="5844600"/>
+            <a:ext cx="404457" cy="351782"/>
+            <a:chOff x="1412032" y="2732632"/>
+            <a:chExt cx="1016496" cy="884112"/>
+          </a:xfrm>
+          <a:solidFill>
+            <a:schemeClr val="bg1">
+              <a:lumMod val="50000"/>
+            </a:schemeClr>
+          </a:solidFill>
+        </p:grpSpPr>
+        <p:sp>
+          <p:nvSpPr>
+            <p:cNvPr id="7" name="Chevron 6"/>
+            <p:cNvSpPr/>
+            <p:nvPr/>
+          </p:nvSpPr>
+          <p:spPr>
+            <a:xfrm>
+              <a:off x="1412032" y="2732632"/>
+              <a:ext cx="576064" cy="884112"/>
+            </a:xfrm>
+            <a:prstGeom prst="chevron">
+              <a:avLst>
+                <a:gd name="adj" fmla="val 56184"/>
+              </a:avLst>
+            </a:prstGeom>
+            <a:grpFill/>
+            <a:ln>
+              <a:solidFill>
+                <a:schemeClr val="bg1">
+                  <a:lumMod val="50000"/>
+                </a:schemeClr>
+              </a:solidFill>
+            </a:ln>
+          </p:spPr>
+          <p:style>
+            <a:lnRef idx="2">
+              <a:schemeClr val="accent1">
+                <a:shade val="50000"/>
+              </a:schemeClr>
+            </a:lnRef>
+            <a:fillRef idx="1">
+              <a:schemeClr val="accent1"/>
+            </a:fillRef>
+            <a:effectRef idx="0">
+              <a:schemeClr val="accent1"/>
+            </a:effectRef>
+            <a:fontRef idx="minor">
+              <a:schemeClr val="lt1"/>
+            </a:fontRef>
+          </p:style>
+          <p:txBody>
+            <a:bodyPr rtlCol="0" anchor="ctr"/>
+            <a:lstStyle/>
+            <a:p>
+              <a:pPr marL="0" marR="0" lvl="0" indent="0" algn="ctr" defTabSz="914400" rtl="0" eaLnBrk="1" fontAlgn="auto" latinLnBrk="0" hangingPunct="1">
+                <a:lnSpc>
+                  <a:spcPct val="100000"/>
+                </a:lnSpc>
+                <a:spcBef>
+                  <a:spcPts val="0"/>
+                </a:spcBef>
+                <a:spcAft>
+                  <a:spcPts val="0"/>
+                </a:spcAft>
+                <a:buClrTx/>
+                <a:buSzTx/>
+                <a:buFontTx/>
+                <a:buNone/>
+                <a:tabLst/>
+                <a:defRPr/>
+              </a:pPr>
+              <a:endParaRPr kumimoji="0" lang="fr-FR" sz="1800" b="0" i="0" u="none" strike="noStrike" kern="1200" cap="none" spc="0" normalizeH="0" baseline="0" noProof="0" dirty="0">
+                <a:ln>
+                  <a:noFill/>
+                </a:ln>
+                <a:solidFill>
+                  <a:schemeClr val="bg1">
+                    <a:lumMod val="50000"/>
+                  </a:schemeClr>
+                </a:solidFill>
+                <a:effectLst/>
+                <a:uLnTx/>
+                <a:uFillTx/>
+                <a:latin typeface="Corbel" panose="020B0503020204020204" pitchFamily="34" charset="0"/>
+                <a:ea typeface="+mn-ea"/>
+                <a:cs typeface="+mn-cs"/>
+              </a:endParaRPr>
+            </a:p>
+          </p:txBody>
+        </p:sp>
+        <p:sp>
+          <p:nvSpPr>
+            <p:cNvPr id="8" name="Chevron 7"/>
+            <p:cNvSpPr/>
+            <p:nvPr/>
+          </p:nvSpPr>
+          <p:spPr>
+            <a:xfrm>
+              <a:off x="1852464" y="2732632"/>
+              <a:ext cx="576064" cy="884112"/>
+            </a:xfrm>
+            <a:prstGeom prst="chevron">
+              <a:avLst>
+                <a:gd name="adj" fmla="val 56184"/>
+              </a:avLst>
+            </a:prstGeom>
+            <a:grpFill/>
+            <a:ln>
+              <a:solidFill>
+                <a:schemeClr val="bg1">
+                  <a:lumMod val="50000"/>
+                </a:schemeClr>
+              </a:solidFill>
+            </a:ln>
+          </p:spPr>
+          <p:style>
+            <a:lnRef idx="2">
+              <a:schemeClr val="accent1">
+                <a:shade val="50000"/>
+              </a:schemeClr>
+            </a:lnRef>
+            <a:fillRef idx="1">
+              <a:schemeClr val="accent1"/>
+            </a:fillRef>
+            <a:effectRef idx="0">
+              <a:schemeClr val="accent1"/>
+            </a:effectRef>
+            <a:fontRef idx="minor">
+              <a:schemeClr val="lt1"/>
+            </a:fontRef>
+          </p:style>
+          <p:txBody>
+            <a:bodyPr rtlCol="0" anchor="ctr"/>
+            <a:lstStyle/>
+            <a:p>
+              <a:pPr marL="0" marR="0" lvl="0" indent="0" algn="ctr" defTabSz="914400" rtl="0" eaLnBrk="1" fontAlgn="auto" latinLnBrk="0" hangingPunct="1">
+                <a:lnSpc>
+                  <a:spcPct val="100000"/>
+                </a:lnSpc>
+                <a:spcBef>
+                  <a:spcPts val="0"/>
+                </a:spcBef>
+                <a:spcAft>
+                  <a:spcPts val="0"/>
+                </a:spcAft>
+                <a:buClrTx/>
+                <a:buSzTx/>
+                <a:buFontTx/>
+                <a:buNone/>
+                <a:tabLst/>
+                <a:defRPr/>
+              </a:pPr>
+              <a:endParaRPr kumimoji="0" lang="fr-FR" sz="1800" b="0" i="0" u="none" strike="noStrike" kern="1200" cap="none" spc="0" normalizeH="0" baseline="0" noProof="0" dirty="0">
+                <a:ln>
+                  <a:noFill/>
+                </a:ln>
+                <a:solidFill>
+                  <a:schemeClr val="bg1">
+                    <a:lumMod val="50000"/>
+                  </a:schemeClr>
+                </a:solidFill>
+                <a:effectLst/>
+                <a:uLnTx/>
+                <a:uFillTx/>
+                <a:latin typeface="Corbel" panose="020B0503020204020204" pitchFamily="34" charset="0"/>
+                <a:ea typeface="+mn-ea"/>
+                <a:cs typeface="+mn-cs"/>
+              </a:endParaRPr>
+            </a:p>
+          </p:txBody>
+        </p:sp>
+      </p:grpSp>
+      <p:sp>
+        <p:nvSpPr>
+          <p:cNvPr id="3" name="Rectangle 2"/>
+          <p:cNvSpPr/>
+          <p:nvPr/>
+        </p:nvSpPr>
+        <p:spPr>
+          <a:xfrm>
+            <a:off x="1013445" y="5820436"/>
+            <a:ext cx="10461633" cy="400110"/>
+          </a:xfrm>
+          <a:prstGeom prst="rect">
+            <a:avLst/>
+          </a:prstGeom>
+        </p:spPr>
+        <p:txBody>
+          <a:bodyPr wrap="square">
+            <a:spAutoFit/>
+          </a:bodyPr>
+          <a:lstStyle/>
+          <a:p>
+            <a:pPr lvl="0">
+              <a:spcBef>
+                <a:spcPts val="1000"/>
+              </a:spcBef>
+            </a:pPr>
+            <a:r>
+              <a:rPr lang="fr-FR" sz="2000" dirty="0">
+                <a:solidFill>
+                  <a:prstClr val="black"/>
+                </a:solidFill>
+                <a:latin typeface="Corbel" panose="020B0503020204020204" pitchFamily="34" charset="0"/>
+              </a:rPr>
+              <a:t>Voir notre tuto </a:t>
+            </a:r>
+            <a:r>
+              <a:rPr lang="fr-FR" sz="2000" dirty="0" err="1">
+                <a:solidFill>
+                  <a:prstClr val="black"/>
+                </a:solidFill>
+                <a:latin typeface="Corbel" panose="020B0503020204020204" pitchFamily="34" charset="0"/>
+              </a:rPr>
+              <a:t>doc’Isped</a:t>
+            </a:r>
+            <a:r>
+              <a:rPr lang="fr-FR" sz="2000" dirty="0">
+                <a:solidFill>
+                  <a:prstClr val="black"/>
+                </a:solidFill>
+                <a:latin typeface="Corbel" panose="020B0503020204020204" pitchFamily="34" charset="0"/>
+              </a:rPr>
+              <a:t> : </a:t>
+            </a:r>
+            <a:r>
+              <a:rPr lang="fr-FR" sz="2000" dirty="0">
+                <a:solidFill>
+                  <a:prstClr val="black"/>
+                </a:solidFill>
+                <a:latin typeface="Corbel" panose="020B0503020204020204" pitchFamily="34" charset="0"/>
+                <a:hlinkClick r:id="rId2"/>
+              </a:rPr>
+              <a:t>Trouver rapidement le texte intégral d’une publication scientifique</a:t>
+            </a:r>
+            <a:endParaRPr lang="fr-FR" sz="2000" dirty="0">
+              <a:solidFill>
+                <a:prstClr val="black"/>
+              </a:solidFill>
+              <a:latin typeface="Corbel" panose="020B0503020204020204" pitchFamily="34" charset="0"/>
+            </a:endParaRPr>
+          </a:p>
+        </p:txBody>
+      </p:sp>
+    </p:spTree>
+    <p:extLst>
+      <p:ext uri="{BB962C8B-B14F-4D97-AF65-F5344CB8AC3E}">
+        <p14:creationId xmlns:p14="http://schemas.microsoft.com/office/powerpoint/2010/main" val="612170197"/>
+      </p:ext>
+    </p:extLst>
+  </p:cSld>
+  <p:clrMapOvr>
+    <a:masterClrMapping/>
+  </p:clrMapOvr>
+</p:sld>
+</file>
+
+<file path=ppt/slides/slide32.xml><?xml version="1.0" encoding="utf-8"?>
+<p:sld xmlns:a="http://schemas.openxmlformats.org/drawingml/2006/main" xmlns:r="http://schemas.openxmlformats.org/officeDocument/2006/relationships" xmlns:p="http://schemas.openxmlformats.org/presentationml/2006/main">
+  <p:cSld>
+    <p:spTree>
+      <p:nvGrpSpPr>
+        <p:cNvPr id="1" name=""/>
+        <p:cNvGrpSpPr/>
+        <p:nvPr/>
+      </p:nvGrpSpPr>
+      <p:grpSpPr>
+        <a:xfrm>
+          <a:off x="0" y="0"/>
+          <a:ext cx="0" cy="0"/>
+          <a:chOff x="0" y="0"/>
+          <a:chExt cx="0" cy="0"/>
+        </a:xfrm>
+      </p:grpSpPr>
+      <p:sp>
+        <p:nvSpPr>
           <p:cNvPr id="2" name="Titre 1"/>
           <p:cNvSpPr>
             <a:spLocks noGrp="1"/>
@@ -29939,12 +32086,16 @@
           <a:lstStyle/>
           <a:p>
             <a:r>
-              <a:rPr lang="fr-FR" dirty="0"/>
-              <a:t>Accès institutionnels dans Google </a:t>
-            </a:r>
-            <a:r>
-              <a:rPr lang="fr-FR" dirty="0" err="1"/>
+              <a:rPr lang="fr-FR" dirty="0" smtClean="0"/>
+              <a:t>Extension « Bouton Google </a:t>
+            </a:r>
+            <a:r>
+              <a:rPr lang="fr-FR" dirty="0" err="1" smtClean="0"/>
               <a:t>Scholar</a:t>
+            </a:r>
+            <a:r>
+              <a:rPr lang="fr-FR" dirty="0" smtClean="0"/>
+              <a:t> »</a:t>
             </a:r>
             <a:endParaRPr lang="fr-FR" dirty="0"/>
           </a:p>
@@ -29962,7 +32113,7 @@
         </p:nvSpPr>
         <p:spPr>
           <a:xfrm>
-            <a:off x="228236" y="1170189"/>
+            <a:off x="255120" y="2663238"/>
             <a:ext cx="3810363" cy="4770579"/>
           </a:xfrm>
         </p:spPr>
@@ -29979,60 +32130,26 @@
               <a:buNone/>
             </a:pPr>
             <a:r>
-              <a:rPr lang="fr-FR" sz="2400" dirty="0" smtClean="0"/>
-              <a:t>Extension « Bouton </a:t>
-            </a:r>
-            <a:r>
               <a:rPr lang="fr-FR" sz="2400" dirty="0"/>
-              <a:t>Google </a:t>
-            </a:r>
-            <a:r>
-              <a:rPr lang="fr-FR" sz="2400" dirty="0" err="1" smtClean="0"/>
+              <a:t>Cet article ne fait pas partie de nos abonnements institutionnels : cliquer sur le Bouton Google </a:t>
+            </a:r>
+            <a:r>
+              <a:rPr lang="fr-FR" sz="2400" dirty="0" err="1"/>
               <a:t>Scholar</a:t>
             </a:r>
             <a:r>
-              <a:rPr lang="fr-FR" sz="2400" dirty="0" smtClean="0"/>
-              <a:t> » </a:t>
-            </a:r>
-          </a:p>
-          <a:p>
-            <a:pPr>
-              <a:lnSpc>
-                <a:spcPct val="110000"/>
-              </a:lnSpc>
-              <a:buFont typeface="Corbel" panose="020B0503020204020204" pitchFamily="34" charset="0"/>
-              <a:buChar char="›"/>
-            </a:pPr>
-            <a:r>
-              <a:rPr lang="fr-FR" sz="2400" dirty="0" smtClean="0"/>
-              <a:t>Ouvre une fenêtre de recherche dans Google </a:t>
-            </a:r>
-            <a:r>
-              <a:rPr lang="fr-FR" sz="2400" dirty="0" err="1" smtClean="0"/>
-              <a:t>Scholar</a:t>
-            </a:r>
-            <a:endParaRPr lang="fr-FR" sz="2400" dirty="0"/>
-          </a:p>
-          <a:p>
-            <a:pPr>
-              <a:lnSpc>
-                <a:spcPct val="110000"/>
-              </a:lnSpc>
-              <a:buFont typeface="Corbel" panose="020B0503020204020204" pitchFamily="34" charset="0"/>
-              <a:buChar char="›"/>
-            </a:pPr>
-            <a:r>
-              <a:rPr lang="fr-FR" sz="2400" dirty="0" smtClean="0"/>
-              <a:t>Sur la page d’un article ou à partir de sa citation en bibliographie, affiche le résultat de la recherche Google </a:t>
-            </a:r>
-            <a:r>
-              <a:rPr lang="fr-FR" sz="2400" dirty="0" err="1" smtClean="0"/>
-              <a:t>Scholar</a:t>
-            </a:r>
-            <a:r>
-              <a:rPr lang="fr-FR" sz="2400" dirty="0" smtClean="0"/>
-              <a:t> correspondante</a:t>
-            </a:r>
+              <a:rPr lang="fr-FR" sz="2400" dirty="0"/>
+              <a:t> affiche le lien vers le texte intégral disponible sur </a:t>
+            </a:r>
+            <a:r>
+              <a:rPr lang="fr-FR" sz="2400" dirty="0" err="1"/>
+              <a:t>ResearchGate</a:t>
+            </a:r>
+            <a:r>
+              <a:rPr lang="fr-FR" sz="2400" dirty="0"/>
+              <a:t>.</a:t>
+            </a:r>
+            <a:endParaRPr lang="fr-FR" sz="2400" dirty="0" smtClean="0"/>
           </a:p>
         </p:txBody>
       </p:sp>
@@ -30053,7 +32170,7 @@
           <a:p>
             <a:r>
               <a:rPr lang="fr-FR" smtClean="0"/>
-              <a:t>F. Flamerie - Recherche doc - 2022-05-03</a:t>
+              <a:t>F. Flamerie - Recherche doc - 2023-05-02</a:t>
             </a:r>
             <a:endParaRPr lang="fr-FR" dirty="0"/>
           </a:p>
@@ -30077,7 +32194,7 @@
             <a:fld id="{99E13252-68E5-4994-B57B-B03F39B52C7D}" type="slidenum">
               <a:rPr lang="fr-FR" smtClean="0"/>
               <a:pPr/>
-              <a:t>30</a:t>
+              <a:t>32</a:t>
             </a:fld>
             <a:endParaRPr lang="fr-FR" dirty="0"/>
           </a:p>
@@ -30105,7 +32222,7 @@
         </p:blipFill>
         <p:spPr>
           <a:xfrm>
-            <a:off x="11253599" y="368840"/>
+            <a:off x="9888165" y="533016"/>
             <a:ext cx="678239" cy="731583"/>
           </a:xfrm>
           <a:prstGeom prst="rect">
@@ -30125,7 +32242,7 @@
           <p:cNvPr id="8" name="Arrow34" descr="{&quot;Key&quot;:&quot;POWER_USER_SHAPE_ICON&quot;,&quot;Value&quot;:&quot;POWER_USER_SHAPE_ICON_STYLE_1&quot;}">
             <a:extLst>
               <a:ext uri="{FF2B5EF4-FFF2-40B4-BE49-F238E27FC236}">
-                <a16:creationId xmlns="" xmlns:a16="http://schemas.microsoft.com/office/drawing/2014/main" id="{43E68E00-EA18-49EE-91A7-B065011E5152}"/>
+                <a16:creationId xmlns:a16="http://schemas.microsoft.com/office/drawing/2014/main" id="{43E68E00-EA18-49EE-91A7-B065011E5152}"/>
               </a:ext>
             </a:extLst>
           </p:cNvPr>
@@ -30135,8 +32252,8 @@
           <p:nvPr/>
         </p:nvGrpSpPr>
         <p:grpSpPr>
-          <a:xfrm>
-            <a:off x="10677532" y="631995"/>
+          <a:xfrm flipH="1">
+            <a:off x="10697070" y="726405"/>
             <a:ext cx="543178" cy="538194"/>
             <a:chOff x="6004176" y="1690066"/>
             <a:chExt cx="1039285" cy="1029748"/>
@@ -30153,7 +32270,7 @@
             <p:cNvPr id="9" name="Freeform 195">
               <a:extLst>
                 <a:ext uri="{FF2B5EF4-FFF2-40B4-BE49-F238E27FC236}">
-                  <a16:creationId xmlns="" xmlns:a16="http://schemas.microsoft.com/office/drawing/2014/main" id="{B426E1A2-1601-4CCF-ADA5-FD9317539629}"/>
+                  <a16:creationId xmlns:a16="http://schemas.microsoft.com/office/drawing/2014/main" id="{B426E1A2-1601-4CCF-ADA5-FD9317539629}"/>
                 </a:ext>
               </a:extLst>
             </p:cNvPr>
@@ -30315,7 +32432,7 @@
             <p:cNvPr id="10" name="Freeform 196">
               <a:extLst>
                 <a:ext uri="{FF2B5EF4-FFF2-40B4-BE49-F238E27FC236}">
-                  <a16:creationId xmlns="" xmlns:a16="http://schemas.microsoft.com/office/drawing/2014/main" id="{7CA8E433-9ACF-4A11-B832-05AE8A209954}"/>
+                  <a16:creationId xmlns:a16="http://schemas.microsoft.com/office/drawing/2014/main" id="{7CA8E433-9ACF-4A11-B832-05AE8A209954}"/>
                 </a:ext>
               </a:extLst>
             </p:cNvPr>
@@ -30477,7 +32594,7 @@
             <p:cNvPr id="11" name="Freeform 197">
               <a:extLst>
                 <a:ext uri="{FF2B5EF4-FFF2-40B4-BE49-F238E27FC236}">
-                  <a16:creationId xmlns="" xmlns:a16="http://schemas.microsoft.com/office/drawing/2014/main" id="{B1AA219A-44DC-4DD1-B062-924FC970BD8C}"/>
+                  <a16:creationId xmlns:a16="http://schemas.microsoft.com/office/drawing/2014/main" id="{B1AA219A-44DC-4DD1-B062-924FC970BD8C}"/>
                 </a:ext>
               </a:extLst>
             </p:cNvPr>
@@ -30635,7 +32752,7 @@
             <p:cNvPr id="12" name="Freeform 198">
               <a:extLst>
                 <a:ext uri="{FF2B5EF4-FFF2-40B4-BE49-F238E27FC236}">
-                  <a16:creationId xmlns="" xmlns:a16="http://schemas.microsoft.com/office/drawing/2014/main" id="{D93843A3-5211-4329-AAB5-9A71A272F9BF}"/>
+                  <a16:creationId xmlns:a16="http://schemas.microsoft.com/office/drawing/2014/main" id="{D93843A3-5211-4329-AAB5-9A71A272F9BF}"/>
                 </a:ext>
               </a:extLst>
             </p:cNvPr>
@@ -30827,7 +32944,7 @@
       </p:grpSp>
       <p:pic>
         <p:nvPicPr>
-          <p:cNvPr id="13" name="Image 12"/>
+          <p:cNvPr id="6" name="Image 5"/>
           <p:cNvPicPr>
             <a:picLocks noChangeAspect="1"/>
           </p:cNvPicPr>
@@ -30847,973 +32964,25 @@
         </p:blipFill>
         <p:spPr>
           <a:xfrm>
-            <a:off x="4127317" y="1190122"/>
-            <a:ext cx="6889077" cy="4618120"/>
+            <a:off x="4065483" y="1500263"/>
+            <a:ext cx="7929704" cy="4846753"/>
           </a:xfrm>
           <a:prstGeom prst="rect">
             <a:avLst/>
           </a:prstGeom>
+          <a:ln w="19050">
+            <a:solidFill>
+              <a:schemeClr val="bg1">
+                <a:lumMod val="50000"/>
+              </a:schemeClr>
+            </a:solidFill>
+          </a:ln>
         </p:spPr>
       </p:pic>
-      <p:sp>
-        <p:nvSpPr>
-          <p:cNvPr id="14" name="Rectangle 13"/>
-          <p:cNvSpPr/>
-          <p:nvPr/>
-        </p:nvSpPr>
-        <p:spPr>
-          <a:xfrm>
-            <a:off x="901700" y="6036322"/>
-            <a:ext cx="11209020" cy="400110"/>
-          </a:xfrm>
-          <a:prstGeom prst="rect">
-            <a:avLst/>
-          </a:prstGeom>
-        </p:spPr>
-        <p:txBody>
-          <a:bodyPr wrap="square">
-            <a:spAutoFit/>
-          </a:bodyPr>
-          <a:lstStyle/>
-          <a:p>
-            <a:r>
-              <a:rPr lang="fr-FR" sz="2000" dirty="0">
-                <a:latin typeface="Corbel" panose="020B0503020204020204" pitchFamily="34" charset="0"/>
-              </a:rPr>
-              <a:t>Voir notre tuto </a:t>
-            </a:r>
-            <a:r>
-              <a:rPr lang="fr-FR" sz="2000" dirty="0" err="1">
-                <a:latin typeface="Corbel" panose="020B0503020204020204" pitchFamily="34" charset="0"/>
-              </a:rPr>
-              <a:t>doc’Isped</a:t>
-            </a:r>
-            <a:r>
-              <a:rPr lang="fr-FR" sz="2000" dirty="0">
-                <a:latin typeface="Corbel" panose="020B0503020204020204" pitchFamily="34" charset="0"/>
-              </a:rPr>
-              <a:t> : </a:t>
-            </a:r>
-            <a:r>
-              <a:rPr lang="fr-FR" sz="2000" dirty="0">
-                <a:latin typeface="Corbel" panose="020B0503020204020204" pitchFamily="34" charset="0"/>
-                <a:hlinkClick r:id="rId5"/>
-              </a:rPr>
-              <a:t>Trouver rapidement le texte intégral d’une publication scientifique</a:t>
-            </a:r>
-            <a:r>
-              <a:rPr lang="fr-FR" sz="2000" dirty="0">
-                <a:latin typeface="Corbel" panose="020B0503020204020204" pitchFamily="34" charset="0"/>
-              </a:rPr>
-              <a:t> </a:t>
-            </a:r>
-          </a:p>
-        </p:txBody>
-      </p:sp>
-      <p:grpSp>
-        <p:nvGrpSpPr>
-          <p:cNvPr id="15" name="Arrow19" descr="{&quot;Key&quot;:&quot;POWER_USER_SHAPE_ICON&quot;,&quot;Value&quot;:&quot;POWER_USER_SHAPE_ICON_STYLE_1&quot;}"/>
-          <p:cNvGrpSpPr>
-            <a:grpSpLocks noChangeAspect="1"/>
-          </p:cNvGrpSpPr>
-          <p:nvPr/>
-        </p:nvGrpSpPr>
-        <p:grpSpPr>
-          <a:xfrm>
-            <a:off x="433743" y="6069261"/>
-            <a:ext cx="404457" cy="351782"/>
-            <a:chOff x="1412032" y="2732632"/>
-            <a:chExt cx="1016496" cy="884112"/>
-          </a:xfrm>
-          <a:solidFill>
-            <a:schemeClr val="bg1">
-              <a:lumMod val="50000"/>
-            </a:schemeClr>
-          </a:solidFill>
-        </p:grpSpPr>
-        <p:sp>
-          <p:nvSpPr>
-            <p:cNvPr id="16" name="Chevron 15"/>
-            <p:cNvSpPr/>
-            <p:nvPr/>
-          </p:nvSpPr>
-          <p:spPr>
-            <a:xfrm>
-              <a:off x="1412032" y="2732632"/>
-              <a:ext cx="576064" cy="884112"/>
-            </a:xfrm>
-            <a:prstGeom prst="chevron">
-              <a:avLst>
-                <a:gd name="adj" fmla="val 56184"/>
-              </a:avLst>
-            </a:prstGeom>
-            <a:grpFill/>
-            <a:ln>
-              <a:solidFill>
-                <a:schemeClr val="bg1">
-                  <a:lumMod val="50000"/>
-                </a:schemeClr>
-              </a:solidFill>
-            </a:ln>
-          </p:spPr>
-          <p:style>
-            <a:lnRef idx="2">
-              <a:schemeClr val="accent1">
-                <a:shade val="50000"/>
-              </a:schemeClr>
-            </a:lnRef>
-            <a:fillRef idx="1">
-              <a:schemeClr val="accent1"/>
-            </a:fillRef>
-            <a:effectRef idx="0">
-              <a:schemeClr val="accent1"/>
-            </a:effectRef>
-            <a:fontRef idx="minor">
-              <a:schemeClr val="lt1"/>
-            </a:fontRef>
-          </p:style>
-          <p:txBody>
-            <a:bodyPr rtlCol="0" anchor="ctr"/>
-            <a:lstStyle/>
-            <a:p>
-              <a:pPr marL="0" marR="0" lvl="0" indent="0" algn="ctr" defTabSz="914400" rtl="0" eaLnBrk="1" fontAlgn="auto" latinLnBrk="0" hangingPunct="1">
-                <a:lnSpc>
-                  <a:spcPct val="100000"/>
-                </a:lnSpc>
-                <a:spcBef>
-                  <a:spcPts val="0"/>
-                </a:spcBef>
-                <a:spcAft>
-                  <a:spcPts val="0"/>
-                </a:spcAft>
-                <a:buClrTx/>
-                <a:buSzTx/>
-                <a:buFontTx/>
-                <a:buNone/>
-                <a:tabLst/>
-                <a:defRPr/>
-              </a:pPr>
-              <a:endParaRPr kumimoji="0" lang="fr-FR" sz="1800" b="0" i="0" u="none" strike="noStrike" kern="1200" cap="none" spc="0" normalizeH="0" baseline="0" noProof="0" dirty="0">
-                <a:ln>
-                  <a:noFill/>
-                </a:ln>
-                <a:solidFill>
-                  <a:schemeClr val="bg1">
-                    <a:lumMod val="50000"/>
-                  </a:schemeClr>
-                </a:solidFill>
-                <a:effectLst/>
-                <a:uLnTx/>
-                <a:uFillTx/>
-                <a:latin typeface="Corbel" panose="020B0503020204020204" pitchFamily="34" charset="0"/>
-                <a:ea typeface="+mn-ea"/>
-                <a:cs typeface="+mn-cs"/>
-              </a:endParaRPr>
-            </a:p>
-          </p:txBody>
-        </p:sp>
-        <p:sp>
-          <p:nvSpPr>
-            <p:cNvPr id="17" name="Chevron 16"/>
-            <p:cNvSpPr/>
-            <p:nvPr/>
-          </p:nvSpPr>
-          <p:spPr>
-            <a:xfrm>
-              <a:off x="1852464" y="2732632"/>
-              <a:ext cx="576064" cy="884112"/>
-            </a:xfrm>
-            <a:prstGeom prst="chevron">
-              <a:avLst>
-                <a:gd name="adj" fmla="val 56184"/>
-              </a:avLst>
-            </a:prstGeom>
-            <a:grpFill/>
-            <a:ln>
-              <a:solidFill>
-                <a:schemeClr val="bg1">
-                  <a:lumMod val="50000"/>
-                </a:schemeClr>
-              </a:solidFill>
-            </a:ln>
-          </p:spPr>
-          <p:style>
-            <a:lnRef idx="2">
-              <a:schemeClr val="accent1">
-                <a:shade val="50000"/>
-              </a:schemeClr>
-            </a:lnRef>
-            <a:fillRef idx="1">
-              <a:schemeClr val="accent1"/>
-            </a:fillRef>
-            <a:effectRef idx="0">
-              <a:schemeClr val="accent1"/>
-            </a:effectRef>
-            <a:fontRef idx="minor">
-              <a:schemeClr val="lt1"/>
-            </a:fontRef>
-          </p:style>
-          <p:txBody>
-            <a:bodyPr rtlCol="0" anchor="ctr"/>
-            <a:lstStyle/>
-            <a:p>
-              <a:pPr marL="0" marR="0" lvl="0" indent="0" algn="ctr" defTabSz="914400" rtl="0" eaLnBrk="1" fontAlgn="auto" latinLnBrk="0" hangingPunct="1">
-                <a:lnSpc>
-                  <a:spcPct val="100000"/>
-                </a:lnSpc>
-                <a:spcBef>
-                  <a:spcPts val="0"/>
-                </a:spcBef>
-                <a:spcAft>
-                  <a:spcPts val="0"/>
-                </a:spcAft>
-                <a:buClrTx/>
-                <a:buSzTx/>
-                <a:buFontTx/>
-                <a:buNone/>
-                <a:tabLst/>
-                <a:defRPr/>
-              </a:pPr>
-              <a:endParaRPr kumimoji="0" lang="fr-FR" sz="1800" b="0" i="0" u="none" strike="noStrike" kern="1200" cap="none" spc="0" normalizeH="0" baseline="0" noProof="0" dirty="0">
-                <a:ln>
-                  <a:noFill/>
-                </a:ln>
-                <a:solidFill>
-                  <a:schemeClr val="bg1">
-                    <a:lumMod val="50000"/>
-                  </a:schemeClr>
-                </a:solidFill>
-                <a:effectLst/>
-                <a:uLnTx/>
-                <a:uFillTx/>
-                <a:latin typeface="Corbel" panose="020B0503020204020204" pitchFamily="34" charset="0"/>
-                <a:ea typeface="+mn-ea"/>
-                <a:cs typeface="+mn-cs"/>
-              </a:endParaRPr>
-            </a:p>
-          </p:txBody>
-        </p:sp>
-      </p:grpSp>
     </p:spTree>
     <p:extLst>
       <p:ext uri="{BB962C8B-B14F-4D97-AF65-F5344CB8AC3E}">
         <p14:creationId xmlns:p14="http://schemas.microsoft.com/office/powerpoint/2010/main" val="2510103139"/>
-      </p:ext>
-    </p:extLst>
-  </p:cSld>
-  <p:clrMapOvr>
-    <a:masterClrMapping/>
-  </p:clrMapOvr>
-</p:sld>
-</file>
-
-<file path=ppt/slides/slide31.xml><?xml version="1.0" encoding="utf-8"?>
-<p:sld xmlns:a="http://schemas.openxmlformats.org/drawingml/2006/main" xmlns:r="http://schemas.openxmlformats.org/officeDocument/2006/relationships" xmlns:p="http://schemas.openxmlformats.org/presentationml/2006/main">
-  <p:cSld>
-    <p:spTree>
-      <p:nvGrpSpPr>
-        <p:cNvPr id="1" name=""/>
-        <p:cNvGrpSpPr/>
-        <p:nvPr/>
-      </p:nvGrpSpPr>
-      <p:grpSpPr>
-        <a:xfrm>
-          <a:off x="0" y="0"/>
-          <a:ext cx="0" cy="0"/>
-          <a:chOff x="0" y="0"/>
-          <a:chExt cx="0" cy="0"/>
-        </a:xfrm>
-      </p:grpSpPr>
-      <p:sp>
-        <p:nvSpPr>
-          <p:cNvPr id="9" name="Titre 8"/>
-          <p:cNvSpPr>
-            <a:spLocks noGrp="1"/>
-          </p:cNvSpPr>
-          <p:nvPr>
-            <p:ph type="title"/>
-          </p:nvPr>
-        </p:nvSpPr>
-        <p:spPr/>
-        <p:txBody>
-          <a:bodyPr/>
-          <a:lstStyle/>
-          <a:p>
-            <a:r>
-              <a:rPr lang="fr-FR" dirty="0" smtClean="0"/>
-              <a:t>Accès institutionnels : dans votre logiciel de gestion bibliographique</a:t>
-            </a:r>
-            <a:endParaRPr lang="fr-FR" dirty="0"/>
-          </a:p>
-        </p:txBody>
-      </p:sp>
-      <p:sp>
-        <p:nvSpPr>
-          <p:cNvPr id="10" name="Espace réservé du contenu 9"/>
-          <p:cNvSpPr>
-            <a:spLocks noGrp="1"/>
-          </p:cNvSpPr>
-          <p:nvPr>
-            <p:ph idx="1"/>
-          </p:nvPr>
-        </p:nvSpPr>
-        <p:spPr>
-          <a:xfrm>
-            <a:off x="838200" y="1825625"/>
-            <a:ext cx="10408920" cy="4351338"/>
-          </a:xfrm>
-        </p:spPr>
-        <p:txBody>
-          <a:bodyPr/>
-          <a:lstStyle/>
-          <a:p>
-            <a:pPr marL="0" indent="0">
-              <a:lnSpc>
-                <a:spcPct val="100000"/>
-              </a:lnSpc>
-              <a:buNone/>
-            </a:pPr>
-            <a:r>
-              <a:rPr lang="fr-FR" dirty="0" smtClean="0"/>
-              <a:t>Ces paramétrages sont disponibles pour </a:t>
-            </a:r>
-            <a:r>
-              <a:rPr lang="fr-FR" dirty="0" err="1"/>
-              <a:t>EndNote</a:t>
-            </a:r>
-            <a:r>
-              <a:rPr lang="fr-FR" dirty="0"/>
-              <a:t> et </a:t>
-            </a:r>
-            <a:r>
-              <a:rPr lang="fr-FR" dirty="0" smtClean="0"/>
-              <a:t>Zotero. Voir </a:t>
-            </a:r>
-            <a:r>
-              <a:rPr lang="fr-FR" dirty="0"/>
-              <a:t>nos tutos </a:t>
-            </a:r>
-            <a:r>
-              <a:rPr lang="fr-FR" dirty="0" err="1"/>
-              <a:t>doc’Isped</a:t>
-            </a:r>
-            <a:r>
-              <a:rPr lang="fr-FR" dirty="0"/>
-              <a:t> sur le site de </a:t>
-            </a:r>
-            <a:r>
-              <a:rPr lang="fr-FR" dirty="0" smtClean="0"/>
-              <a:t>l’</a:t>
-            </a:r>
-            <a:r>
-              <a:rPr lang="fr-FR" dirty="0" err="1" smtClean="0"/>
-              <a:t>Isped</a:t>
-            </a:r>
-            <a:r>
-              <a:rPr lang="fr-FR" dirty="0" smtClean="0"/>
-              <a:t> </a:t>
-            </a:r>
-          </a:p>
-          <a:p>
-            <a:pPr marL="0" indent="0">
-              <a:lnSpc>
-                <a:spcPct val="100000"/>
-              </a:lnSpc>
-              <a:buNone/>
-            </a:pPr>
-            <a:r>
-              <a:rPr lang="fr-FR" dirty="0" smtClean="0">
-                <a:hlinkClick r:id="rId2"/>
-              </a:rPr>
-              <a:t>Vie </a:t>
-            </a:r>
-            <a:r>
-              <a:rPr lang="fr-FR" dirty="0">
-                <a:hlinkClick r:id="rId2"/>
-              </a:rPr>
-              <a:t>étudiante &gt; Espace documentation &gt; </a:t>
-            </a:r>
-            <a:r>
-              <a:rPr lang="fr-FR" dirty="0" smtClean="0">
-                <a:hlinkClick r:id="rId2"/>
-              </a:rPr>
-              <a:t>Tutoriels</a:t>
-            </a:r>
-            <a:endParaRPr lang="fr-FR" dirty="0" smtClean="0"/>
-          </a:p>
-          <a:p>
-            <a:pPr>
-              <a:lnSpc>
-                <a:spcPct val="100000"/>
-              </a:lnSpc>
-            </a:pPr>
-            <a:r>
-              <a:rPr lang="fr-FR" dirty="0" smtClean="0">
-                <a:hlinkClick r:id="rId3"/>
-              </a:rPr>
-              <a:t> Lancer </a:t>
-            </a:r>
-            <a:r>
-              <a:rPr lang="fr-FR" dirty="0">
-                <a:hlinkClick r:id="rId3"/>
-              </a:rPr>
-              <a:t>une recherche dans les ressources de votre institution depuis </a:t>
-            </a:r>
-            <a:r>
-              <a:rPr lang="fr-FR" dirty="0" smtClean="0">
-                <a:hlinkClick r:id="rId3"/>
-              </a:rPr>
-              <a:t>Zotero</a:t>
-            </a:r>
-            <a:endParaRPr lang="fr-FR" dirty="0" smtClean="0"/>
-          </a:p>
-          <a:p>
-            <a:pPr>
-              <a:lnSpc>
-                <a:spcPct val="100000"/>
-              </a:lnSpc>
-            </a:pPr>
-            <a:r>
-              <a:rPr lang="fr-FR" dirty="0">
-                <a:hlinkClick r:id="rId4"/>
-              </a:rPr>
-              <a:t> </a:t>
-            </a:r>
-            <a:r>
-              <a:rPr lang="fr-FR" dirty="0" err="1" smtClean="0">
-                <a:hlinkClick r:id="rId4"/>
-              </a:rPr>
-              <a:t>EndNote</a:t>
-            </a:r>
-            <a:r>
-              <a:rPr lang="fr-FR" dirty="0" smtClean="0">
-                <a:hlinkClick r:id="rId4"/>
-              </a:rPr>
-              <a:t> </a:t>
-            </a:r>
-            <a:r>
-              <a:rPr lang="fr-FR" dirty="0">
-                <a:hlinkClick r:id="rId4"/>
-              </a:rPr>
-              <a:t>: récupérer le texte intégral des références (</a:t>
-            </a:r>
-            <a:r>
-              <a:rPr lang="fr-FR" i="1" dirty="0" err="1">
-                <a:hlinkClick r:id="rId4"/>
-              </a:rPr>
-              <a:t>Find</a:t>
-            </a:r>
-            <a:r>
-              <a:rPr lang="fr-FR" i="1" dirty="0">
-                <a:hlinkClick r:id="rId4"/>
-              </a:rPr>
-              <a:t> Full </a:t>
-            </a:r>
-            <a:r>
-              <a:rPr lang="fr-FR" i="1" dirty="0" err="1">
-                <a:hlinkClick r:id="rId4"/>
-              </a:rPr>
-              <a:t>Text</a:t>
-            </a:r>
-            <a:r>
-              <a:rPr lang="fr-FR" dirty="0">
-                <a:hlinkClick r:id="rId4"/>
-              </a:rPr>
-              <a:t>)</a:t>
-            </a:r>
-            <a:endParaRPr lang="fr-FR" dirty="0" smtClean="0"/>
-          </a:p>
-          <a:p>
-            <a:pPr marL="0" indent="0">
-              <a:buNone/>
-            </a:pPr>
-            <a:endParaRPr lang="fr-FR" dirty="0" smtClean="0"/>
-          </a:p>
-          <a:p>
-            <a:pPr marL="0" indent="0">
-              <a:buNone/>
-            </a:pPr>
-            <a:endParaRPr lang="fr-FR" dirty="0"/>
-          </a:p>
-        </p:txBody>
-      </p:sp>
-      <p:sp>
-        <p:nvSpPr>
-          <p:cNvPr id="4" name="Espace réservé du pied de page 3"/>
-          <p:cNvSpPr>
-            <a:spLocks noGrp="1"/>
-          </p:cNvSpPr>
-          <p:nvPr>
-            <p:ph type="ftr" sz="quarter" idx="11"/>
-          </p:nvPr>
-        </p:nvSpPr>
-        <p:spPr/>
-        <p:txBody>
-          <a:bodyPr/>
-          <a:lstStyle/>
-          <a:p>
-            <a:r>
-              <a:rPr lang="fr-FR" smtClean="0"/>
-              <a:t>F. Flamerie - Recherche doc - 2022-05-03</a:t>
-            </a:r>
-            <a:endParaRPr lang="fr-FR"/>
-          </a:p>
-        </p:txBody>
-      </p:sp>
-      <p:sp>
-        <p:nvSpPr>
-          <p:cNvPr id="5" name="Espace réservé du numéro de diapositive 4"/>
-          <p:cNvSpPr>
-            <a:spLocks noGrp="1"/>
-          </p:cNvSpPr>
-          <p:nvPr>
-            <p:ph type="sldNum" sz="quarter" idx="12"/>
-          </p:nvPr>
-        </p:nvSpPr>
-        <p:spPr/>
-        <p:txBody>
-          <a:bodyPr/>
-          <a:lstStyle/>
-          <a:p>
-            <a:fld id="{99E13252-68E5-4994-B57B-B03F39B52C7D}" type="slidenum">
-              <a:rPr lang="fr-FR" smtClean="0"/>
-              <a:t>31</a:t>
-            </a:fld>
-            <a:endParaRPr lang="fr-FR"/>
-          </a:p>
-        </p:txBody>
-      </p:sp>
-    </p:spTree>
-    <p:extLst>
-      <p:ext uri="{BB962C8B-B14F-4D97-AF65-F5344CB8AC3E}">
-        <p14:creationId xmlns:p14="http://schemas.microsoft.com/office/powerpoint/2010/main" val="287007440"/>
-      </p:ext>
-    </p:extLst>
-  </p:cSld>
-  <p:clrMapOvr>
-    <a:masterClrMapping/>
-  </p:clrMapOvr>
-</p:sld>
-</file>
-
-<file path=ppt/slides/slide32.xml><?xml version="1.0" encoding="utf-8"?>
-<p:sld xmlns:a="http://schemas.openxmlformats.org/drawingml/2006/main" xmlns:r="http://schemas.openxmlformats.org/officeDocument/2006/relationships" xmlns:p="http://schemas.openxmlformats.org/presentationml/2006/main">
-  <p:cSld>
-    <p:spTree>
-      <p:nvGrpSpPr>
-        <p:cNvPr id="1" name=""/>
-        <p:cNvGrpSpPr/>
-        <p:nvPr/>
-      </p:nvGrpSpPr>
-      <p:grpSpPr>
-        <a:xfrm>
-          <a:off x="0" y="0"/>
-          <a:ext cx="0" cy="0"/>
-          <a:chOff x="0" y="0"/>
-          <a:chExt cx="0" cy="0"/>
-        </a:xfrm>
-      </p:grpSpPr>
-      <p:sp>
-        <p:nvSpPr>
-          <p:cNvPr id="9" name="Titre 8"/>
-          <p:cNvSpPr>
-            <a:spLocks noGrp="1"/>
-          </p:cNvSpPr>
-          <p:nvPr>
-            <p:ph type="title"/>
-          </p:nvPr>
-        </p:nvSpPr>
-        <p:spPr/>
-        <p:txBody>
-          <a:bodyPr/>
-          <a:lstStyle/>
-          <a:p>
-            <a:r>
-              <a:rPr lang="fr-FR" dirty="0"/>
-              <a:t>Alternatives légales lorsque les accès institutionnels font défaut </a:t>
-            </a:r>
-          </a:p>
-        </p:txBody>
-      </p:sp>
-      <p:sp>
-        <p:nvSpPr>
-          <p:cNvPr id="10" name="Espace réservé du contenu 9"/>
-          <p:cNvSpPr>
-            <a:spLocks noGrp="1"/>
-          </p:cNvSpPr>
-          <p:nvPr>
-            <p:ph idx="1"/>
-          </p:nvPr>
-        </p:nvSpPr>
-        <p:spPr/>
-        <p:txBody>
-          <a:bodyPr/>
-          <a:lstStyle/>
-          <a:p>
-            <a:pPr>
-              <a:lnSpc>
-                <a:spcPct val="100000"/>
-              </a:lnSpc>
-            </a:pPr>
-            <a:r>
-              <a:rPr lang="fr-FR" dirty="0" smtClean="0"/>
-              <a:t> Site de l’éditeur : certains articles sont en lecture gratuite à l’unité ou temporairement, sans que cela puisse être repérable par nos outils institutionnels</a:t>
-            </a:r>
-          </a:p>
-          <a:p>
-            <a:pPr>
-              <a:lnSpc>
-                <a:spcPct val="100000"/>
-              </a:lnSpc>
-            </a:pPr>
-            <a:r>
-              <a:rPr lang="fr-FR" dirty="0"/>
-              <a:t> </a:t>
-            </a:r>
-            <a:r>
-              <a:rPr lang="fr-FR" dirty="0" smtClean="0"/>
-              <a:t>Recherche Google pour les possibilités non indexées par Google </a:t>
-            </a:r>
-            <a:r>
-              <a:rPr lang="fr-FR" dirty="0" err="1" smtClean="0"/>
-              <a:t>Scholar</a:t>
-            </a:r>
-            <a:r>
-              <a:rPr lang="fr-FR" dirty="0" smtClean="0"/>
-              <a:t>, fiche d’un article sans PDF associé sur </a:t>
-            </a:r>
-            <a:r>
-              <a:rPr lang="fr-FR" dirty="0" err="1" smtClean="0"/>
-              <a:t>ResearchGate</a:t>
-            </a:r>
-            <a:r>
-              <a:rPr lang="fr-FR" dirty="0" smtClean="0"/>
-              <a:t> par exemple</a:t>
-            </a:r>
-          </a:p>
-          <a:p>
-            <a:pPr>
-              <a:lnSpc>
-                <a:spcPct val="100000"/>
-              </a:lnSpc>
-            </a:pPr>
-            <a:r>
-              <a:rPr lang="fr-FR" dirty="0"/>
-              <a:t> </a:t>
-            </a:r>
-            <a:r>
-              <a:rPr lang="fr-FR" dirty="0" smtClean="0"/>
-              <a:t>Prêt entre bibliothèques</a:t>
-            </a:r>
-          </a:p>
-        </p:txBody>
-      </p:sp>
-      <p:sp>
-        <p:nvSpPr>
-          <p:cNvPr id="4" name="Espace réservé du pied de page 3"/>
-          <p:cNvSpPr>
-            <a:spLocks noGrp="1"/>
-          </p:cNvSpPr>
-          <p:nvPr>
-            <p:ph type="ftr" sz="quarter" idx="11"/>
-          </p:nvPr>
-        </p:nvSpPr>
-        <p:spPr/>
-        <p:txBody>
-          <a:bodyPr/>
-          <a:lstStyle/>
-          <a:p>
-            <a:r>
-              <a:rPr lang="fr-FR" dirty="0" smtClean="0"/>
-              <a:t>F. Flamerie - Recherche doc - 2022-05-03</a:t>
-            </a:r>
-            <a:endParaRPr lang="fr-FR" dirty="0"/>
-          </a:p>
-        </p:txBody>
-      </p:sp>
-      <p:sp>
-        <p:nvSpPr>
-          <p:cNvPr id="5" name="Espace réservé du numéro de diapositive 4"/>
-          <p:cNvSpPr>
-            <a:spLocks noGrp="1"/>
-          </p:cNvSpPr>
-          <p:nvPr>
-            <p:ph type="sldNum" sz="quarter" idx="12"/>
-          </p:nvPr>
-        </p:nvSpPr>
-        <p:spPr/>
-        <p:txBody>
-          <a:bodyPr/>
-          <a:lstStyle/>
-          <a:p>
-            <a:fld id="{99E13252-68E5-4994-B57B-B03F39B52C7D}" type="slidenum">
-              <a:rPr lang="fr-FR" smtClean="0"/>
-              <a:t>32</a:t>
-            </a:fld>
-            <a:endParaRPr lang="fr-FR"/>
-          </a:p>
-        </p:txBody>
-      </p:sp>
-      <p:grpSp>
-        <p:nvGrpSpPr>
-          <p:cNvPr id="6" name="Arrow19" descr="{&quot;Key&quot;:&quot;POWER_USER_SHAPE_ICON&quot;,&quot;Value&quot;:&quot;POWER_USER_SHAPE_ICON_STYLE_1&quot;}"/>
-          <p:cNvGrpSpPr>
-            <a:grpSpLocks noChangeAspect="1"/>
-          </p:cNvGrpSpPr>
-          <p:nvPr/>
-        </p:nvGrpSpPr>
-        <p:grpSpPr>
-          <a:xfrm>
-            <a:off x="433743" y="5825181"/>
-            <a:ext cx="404457" cy="351782"/>
-            <a:chOff x="1412032" y="2732632"/>
-            <a:chExt cx="1016496" cy="884112"/>
-          </a:xfrm>
-          <a:solidFill>
-            <a:schemeClr val="bg1">
-              <a:lumMod val="50000"/>
-            </a:schemeClr>
-          </a:solidFill>
-        </p:grpSpPr>
-        <p:sp>
-          <p:nvSpPr>
-            <p:cNvPr id="7" name="Chevron 6"/>
-            <p:cNvSpPr/>
-            <p:nvPr/>
-          </p:nvSpPr>
-          <p:spPr>
-            <a:xfrm>
-              <a:off x="1412032" y="2732632"/>
-              <a:ext cx="576064" cy="884112"/>
-            </a:xfrm>
-            <a:prstGeom prst="chevron">
-              <a:avLst>
-                <a:gd name="adj" fmla="val 56184"/>
-              </a:avLst>
-            </a:prstGeom>
-            <a:grpFill/>
-            <a:ln>
-              <a:solidFill>
-                <a:schemeClr val="bg1">
-                  <a:lumMod val="50000"/>
-                </a:schemeClr>
-              </a:solidFill>
-            </a:ln>
-          </p:spPr>
-          <p:style>
-            <a:lnRef idx="2">
-              <a:schemeClr val="accent1">
-                <a:shade val="50000"/>
-              </a:schemeClr>
-            </a:lnRef>
-            <a:fillRef idx="1">
-              <a:schemeClr val="accent1"/>
-            </a:fillRef>
-            <a:effectRef idx="0">
-              <a:schemeClr val="accent1"/>
-            </a:effectRef>
-            <a:fontRef idx="minor">
-              <a:schemeClr val="lt1"/>
-            </a:fontRef>
-          </p:style>
-          <p:txBody>
-            <a:bodyPr rtlCol="0" anchor="ctr"/>
-            <a:lstStyle/>
-            <a:p>
-              <a:pPr marL="0" marR="0" lvl="0" indent="0" algn="ctr" defTabSz="914400" rtl="0" eaLnBrk="1" fontAlgn="auto" latinLnBrk="0" hangingPunct="1">
-                <a:lnSpc>
-                  <a:spcPct val="100000"/>
-                </a:lnSpc>
-                <a:spcBef>
-                  <a:spcPts val="0"/>
-                </a:spcBef>
-                <a:spcAft>
-                  <a:spcPts val="0"/>
-                </a:spcAft>
-                <a:buClrTx/>
-                <a:buSzTx/>
-                <a:buFontTx/>
-                <a:buNone/>
-                <a:tabLst/>
-                <a:defRPr/>
-              </a:pPr>
-              <a:endParaRPr kumimoji="0" lang="fr-FR" sz="1800" b="0" i="0" u="none" strike="noStrike" kern="1200" cap="none" spc="0" normalizeH="0" baseline="0" noProof="0" dirty="0">
-                <a:ln>
-                  <a:noFill/>
-                </a:ln>
-                <a:solidFill>
-                  <a:schemeClr val="bg1">
-                    <a:lumMod val="50000"/>
-                  </a:schemeClr>
-                </a:solidFill>
-                <a:effectLst/>
-                <a:uLnTx/>
-                <a:uFillTx/>
-                <a:latin typeface="Corbel" panose="020B0503020204020204" pitchFamily="34" charset="0"/>
-                <a:ea typeface="+mn-ea"/>
-                <a:cs typeface="+mn-cs"/>
-              </a:endParaRPr>
-            </a:p>
-          </p:txBody>
-        </p:sp>
-        <p:sp>
-          <p:nvSpPr>
-            <p:cNvPr id="8" name="Chevron 7"/>
-            <p:cNvSpPr/>
-            <p:nvPr/>
-          </p:nvSpPr>
-          <p:spPr>
-            <a:xfrm>
-              <a:off x="1852464" y="2732632"/>
-              <a:ext cx="576064" cy="884112"/>
-            </a:xfrm>
-            <a:prstGeom prst="chevron">
-              <a:avLst>
-                <a:gd name="adj" fmla="val 56184"/>
-              </a:avLst>
-            </a:prstGeom>
-            <a:grpFill/>
-            <a:ln>
-              <a:solidFill>
-                <a:schemeClr val="bg1">
-                  <a:lumMod val="50000"/>
-                </a:schemeClr>
-              </a:solidFill>
-            </a:ln>
-          </p:spPr>
-          <p:style>
-            <a:lnRef idx="2">
-              <a:schemeClr val="accent1">
-                <a:shade val="50000"/>
-              </a:schemeClr>
-            </a:lnRef>
-            <a:fillRef idx="1">
-              <a:schemeClr val="accent1"/>
-            </a:fillRef>
-            <a:effectRef idx="0">
-              <a:schemeClr val="accent1"/>
-            </a:effectRef>
-            <a:fontRef idx="minor">
-              <a:schemeClr val="lt1"/>
-            </a:fontRef>
-          </p:style>
-          <p:txBody>
-            <a:bodyPr rtlCol="0" anchor="ctr"/>
-            <a:lstStyle/>
-            <a:p>
-              <a:pPr marL="0" marR="0" lvl="0" indent="0" algn="ctr" defTabSz="914400" rtl="0" eaLnBrk="1" fontAlgn="auto" latinLnBrk="0" hangingPunct="1">
-                <a:lnSpc>
-                  <a:spcPct val="100000"/>
-                </a:lnSpc>
-                <a:spcBef>
-                  <a:spcPts val="0"/>
-                </a:spcBef>
-                <a:spcAft>
-                  <a:spcPts val="0"/>
-                </a:spcAft>
-                <a:buClrTx/>
-                <a:buSzTx/>
-                <a:buFontTx/>
-                <a:buNone/>
-                <a:tabLst/>
-                <a:defRPr/>
-              </a:pPr>
-              <a:endParaRPr kumimoji="0" lang="fr-FR" sz="1800" b="0" i="0" u="none" strike="noStrike" kern="1200" cap="none" spc="0" normalizeH="0" baseline="0" noProof="0" dirty="0">
-                <a:ln>
-                  <a:noFill/>
-                </a:ln>
-                <a:solidFill>
-                  <a:schemeClr val="bg1">
-                    <a:lumMod val="50000"/>
-                  </a:schemeClr>
-                </a:solidFill>
-                <a:effectLst/>
-                <a:uLnTx/>
-                <a:uFillTx/>
-                <a:latin typeface="Corbel" panose="020B0503020204020204" pitchFamily="34" charset="0"/>
-                <a:ea typeface="+mn-ea"/>
-                <a:cs typeface="+mn-cs"/>
-              </a:endParaRPr>
-            </a:p>
-          </p:txBody>
-        </p:sp>
-      </p:grpSp>
-      <p:sp>
-        <p:nvSpPr>
-          <p:cNvPr id="3" name="Rectangle 2"/>
-          <p:cNvSpPr/>
-          <p:nvPr/>
-        </p:nvSpPr>
-        <p:spPr>
-          <a:xfrm>
-            <a:off x="1013445" y="5585573"/>
-            <a:ext cx="10461633" cy="830997"/>
-          </a:xfrm>
-          <a:prstGeom prst="rect">
-            <a:avLst/>
-          </a:prstGeom>
-        </p:spPr>
-        <p:txBody>
-          <a:bodyPr wrap="square">
-            <a:spAutoFit/>
-          </a:bodyPr>
-          <a:lstStyle/>
-          <a:p>
-            <a:pPr lvl="0">
-              <a:spcBef>
-                <a:spcPts val="1000"/>
-              </a:spcBef>
-            </a:pPr>
-            <a:r>
-              <a:rPr lang="fr-FR" sz="2400" dirty="0">
-                <a:solidFill>
-                  <a:prstClr val="black"/>
-                </a:solidFill>
-                <a:latin typeface="Corbel" panose="020B0503020204020204" pitchFamily="34" charset="0"/>
-              </a:rPr>
-              <a:t>Voir notre tuto </a:t>
-            </a:r>
-            <a:r>
-              <a:rPr lang="fr-FR" sz="2400" dirty="0" err="1">
-                <a:solidFill>
-                  <a:prstClr val="black"/>
-                </a:solidFill>
-                <a:latin typeface="Corbel" panose="020B0503020204020204" pitchFamily="34" charset="0"/>
-              </a:rPr>
-              <a:t>doc’Isped</a:t>
-            </a:r>
-            <a:r>
-              <a:rPr lang="fr-FR" sz="2400" dirty="0">
-                <a:solidFill>
-                  <a:prstClr val="black"/>
-                </a:solidFill>
-                <a:latin typeface="Corbel" panose="020B0503020204020204" pitchFamily="34" charset="0"/>
-              </a:rPr>
-              <a:t> : </a:t>
-            </a:r>
-            <a:r>
-              <a:rPr lang="fr-FR" sz="2400" dirty="0">
-                <a:solidFill>
-                  <a:prstClr val="black"/>
-                </a:solidFill>
-                <a:latin typeface="Corbel" panose="020B0503020204020204" pitchFamily="34" charset="0"/>
-                <a:hlinkClick r:id="rId2"/>
-              </a:rPr>
-              <a:t>Trouver rapidement le texte intégral d’une publication scientifique</a:t>
-            </a:r>
-            <a:endParaRPr lang="fr-FR" sz="2400" dirty="0">
-              <a:solidFill>
-                <a:prstClr val="black"/>
-              </a:solidFill>
-              <a:latin typeface="Corbel" panose="020B0503020204020204" pitchFamily="34" charset="0"/>
-            </a:endParaRPr>
-          </a:p>
-        </p:txBody>
-      </p:sp>
-    </p:spTree>
-    <p:extLst>
-      <p:ext uri="{BB962C8B-B14F-4D97-AF65-F5344CB8AC3E}">
-        <p14:creationId xmlns:p14="http://schemas.microsoft.com/office/powerpoint/2010/main" val="612170197"/>
       </p:ext>
     </p:extLst>
   </p:cSld>
@@ -31890,13 +33059,8 @@
             </a:r>
             <a:r>
               <a:rPr lang="fr-FR" dirty="0" smtClean="0"/>
-              <a:t>Contact </a:t>
-            </a:r>
-            <a:r>
-              <a:rPr lang="fr-FR" dirty="0" smtClean="0"/>
-              <a:t>:</a:t>
-            </a:r>
-            <a:endParaRPr lang="fr-FR" dirty="0" smtClean="0"/>
+              <a:t>Contact : doc.isped@u-bordeaux.fr</a:t>
+            </a:r>
           </a:p>
         </p:txBody>
       </p:sp>
@@ -31917,7 +33081,7 @@
           <a:p>
             <a:r>
               <a:rPr lang="fr-FR" smtClean="0"/>
-              <a:t>F. Flamerie - Recherche doc - 2022-05-03</a:t>
+              <a:t>F. Flamerie - Recherche doc - 2023-05-02</a:t>
             </a:r>
             <a:endParaRPr lang="fr-FR" dirty="0"/>
           </a:p>
@@ -33833,10 +34997,26 @@
               <a:t>citation, manuellement ou avec l’assistance de services comme </a:t>
             </a:r>
             <a:r>
+              <a:rPr lang="fr-FR" sz="2800" dirty="0" err="1" smtClean="0">
+                <a:hlinkClick r:id="rId3"/>
+              </a:rPr>
+              <a:t>ResearchRabbit</a:t>
+            </a:r>
+            <a:r>
               <a:rPr lang="fr-FR" sz="2800" dirty="0" smtClean="0">
                 <a:hlinkClick r:id="rId3"/>
               </a:rPr>
-              <a:t>Citation Gecko</a:t>
+              <a:t> </a:t>
+            </a:r>
+            <a:r>
+              <a:rPr lang="fr-FR" sz="2800" dirty="0" smtClean="0"/>
+              <a:t>ou </a:t>
+            </a:r>
+            <a:r>
+              <a:rPr lang="fr-FR" sz="2800" dirty="0" err="1" smtClean="0">
+                <a:hlinkClick r:id="rId4"/>
+              </a:rPr>
+              <a:t>VisualBib</a:t>
             </a:r>
             <a:endParaRPr lang="fr-FR" sz="2800" dirty="0" smtClean="0"/>
           </a:p>
@@ -33924,7 +35104,7 @@
           <a:p>
             <a:r>
               <a:rPr lang="fr-FR" smtClean="0"/>
-              <a:t>F. Flamerie - Recherche doc - 2022-05-03</a:t>
+              <a:t>F. Flamerie - Recherche doc - 2023-05-02</a:t>
             </a:r>
             <a:endParaRPr lang="fr-FR"/>
           </a:p>
@@ -34060,7 +35240,7 @@
           <a:p>
             <a:r>
               <a:rPr lang="fr-FR" smtClean="0"/>
-              <a:t>F. Flamerie - Recherche doc - 2022-05-03</a:t>
+              <a:t>F. Flamerie - Recherche doc - 2023-05-02</a:t>
             </a:r>
             <a:endParaRPr lang="fr-FR" dirty="0"/>
           </a:p>
@@ -36067,7 +37247,7 @@
             </a:pPr>
             <a:r>
               <a:rPr lang="fr-FR" smtClean="0"/>
-              <a:t>F. Flamerie - Recherche doc - 2022-05-03</a:t>
+              <a:t>F. Flamerie - Recherche doc - 2023-05-02</a:t>
             </a:r>
             <a:endParaRPr lang="fr-FR" dirty="0"/>
           </a:p>
@@ -36381,7 +37561,7 @@
             </a:pPr>
             <a:r>
               <a:rPr lang="fr-FR" smtClean="0"/>
-              <a:t>F. Flamerie - Recherche doc - 2022-05-03</a:t>
+              <a:t>F. Flamerie - Recherche doc - 2023-05-02</a:t>
             </a:r>
             <a:endParaRPr lang="fr-FR" dirty="0"/>
           </a:p>
@@ -36510,13 +37690,13 @@
         </p:nvSpPr>
         <p:spPr>
           <a:xfrm>
-            <a:off x="969941" y="1384970"/>
-            <a:ext cx="10209420" cy="5159265"/>
+            <a:off x="969940" y="1244192"/>
+            <a:ext cx="10383859" cy="5159265"/>
           </a:xfrm>
         </p:spPr>
         <p:txBody>
           <a:bodyPr>
-            <a:normAutofit/>
+            <a:normAutofit fontScale="92500"/>
           </a:bodyPr>
           <a:lstStyle/>
           <a:p>
@@ -36531,12 +37711,16 @@
           <a:p>
             <a:pPr lvl="0"/>
             <a:r>
-              <a:rPr lang="fr-FR" sz="3200" b="1" dirty="0"/>
-              <a:t>Dictionnaires</a:t>
+              <a:rPr lang="fr-FR" sz="3200" b="1" dirty="0" smtClean="0"/>
+              <a:t> Dictionnaires</a:t>
+            </a:r>
+            <a:r>
+              <a:rPr lang="fr-FR" sz="3200" dirty="0" smtClean="0"/>
+              <a:t> </a:t>
             </a:r>
             <a:r>
               <a:rPr lang="fr-FR" sz="3200" dirty="0"/>
-              <a:t> généralistes comme le </a:t>
+              <a:t>généralistes comme le </a:t>
             </a:r>
             <a:r>
               <a:rPr lang="fr-FR" sz="3200" b="1" u="sng" dirty="0">
@@ -36560,18 +37744,31 @@
             </a:r>
             <a:r>
               <a:rPr lang="fr-FR" sz="3200" dirty="0"/>
-              <a:t>[FR]</a:t>
-            </a:r>
-          </a:p>
-          <a:p>
-            <a:pPr lvl="0"/>
-            <a:r>
-              <a:rPr lang="fr-FR" sz="3200" b="1" dirty="0"/>
-              <a:t>Terminologies</a:t>
+              <a:t>[</a:t>
+            </a:r>
+            <a:r>
+              <a:rPr lang="fr-FR" sz="3200" dirty="0" smtClean="0"/>
+              <a:t>FR et EN]</a:t>
+            </a:r>
+            <a:endParaRPr lang="fr-FR" sz="3200" dirty="0"/>
+          </a:p>
+          <a:p>
+            <a:pPr>
+              <a:lnSpc>
+                <a:spcPct val="110000"/>
+              </a:lnSpc>
+            </a:pPr>
+            <a:r>
+              <a:rPr lang="fr-FR" sz="3200" b="1" dirty="0" smtClean="0"/>
+              <a:t> Terminologies</a:t>
+            </a:r>
+            <a:r>
+              <a:rPr lang="fr-FR" sz="3200" dirty="0" smtClean="0"/>
+              <a:t> </a:t>
             </a:r>
             <a:r>
               <a:rPr lang="fr-FR" sz="3200" dirty="0"/>
-              <a:t> spécialisées comme</a:t>
+              <a:t>spécialisées comme</a:t>
             </a:r>
             <a:r>
               <a:rPr lang="fr-FR" sz="3200" b="1" dirty="0"/>
@@ -36589,10 +37786,10 @@
             </a:r>
             <a:r>
               <a:rPr lang="fr-FR" sz="3200" dirty="0"/>
-              <a:t> [FR] ou le portail </a:t>
-            </a:r>
-            <a:r>
-              <a:rPr lang="fr-FR" sz="3200" b="1" dirty="0">
+              <a:t> [FR], le portail </a:t>
+            </a:r>
+            <a:r>
+              <a:rPr lang="fr-FR" sz="3200" b="1" dirty="0" err="1">
                 <a:hlinkClick r:id="rId6"/>
               </a:rPr>
               <a:t>HeTOP</a:t>
@@ -36602,6 +37799,24 @@
               <a:t> </a:t>
             </a:r>
             <a:r>
+              <a:rPr lang="fr-FR" sz="3200" dirty="0" smtClean="0"/>
+              <a:t>[MUL] </a:t>
+            </a:r>
+            <a:r>
+              <a:rPr lang="fr-FR" sz="3200" dirty="0"/>
+              <a:t>ou le </a:t>
+            </a:r>
+            <a:r>
+              <a:rPr lang="fr-FR" sz="3200" b="1" dirty="0">
+                <a:hlinkClick r:id="rId7"/>
+              </a:rPr>
+              <a:t>Glossaire franco-anglais des termes en économie de la santé</a:t>
+            </a:r>
+            <a:r>
+              <a:rPr lang="fr-FR" sz="3200" b="1" dirty="0"/>
+              <a:t> </a:t>
+            </a:r>
+            <a:r>
               <a:rPr lang="fr-FR" sz="3200" dirty="0"/>
               <a:t>[FR et EN]</a:t>
             </a:r>
@@ -36609,7 +37824,7 @@
           <a:p>
             <a:pPr lvl="0"/>
             <a:r>
-              <a:rPr lang="fr-FR" sz="3200" b="1" dirty="0"/>
+              <a:rPr lang="fr-FR" sz="3200" b="1" dirty="0" smtClean="0"/>
               <a:t> </a:t>
             </a:r>
             <a:r>
@@ -36673,7 +37888,7 @@
             </a:pPr>
             <a:r>
               <a:rPr lang="fr-FR" smtClean="0"/>
-              <a:t>F. Flamerie - Recherche doc - 2022-05-03</a:t>
+              <a:t>F. Flamerie - Recherche doc - 2023-05-02</a:t>
             </a:r>
             <a:endParaRPr lang="fr-FR" dirty="0"/>
           </a:p>
@@ -36870,9 +38085,27 @@
                 <a:tableStyleId>{8EC20E35-A176-4012-BC5E-935CFFF8708E}</a:tableStyleId>
               </a:tblPr>
               <a:tblGrid>
-                <a:gridCol w="2544283"/>
-                <a:gridCol w="2544283"/>
-                <a:gridCol w="2544283"/>
+                <a:gridCol w="2544283">
+                  <a:extLst>
+                    <a:ext uri="{9D8B030D-6E8A-4147-A177-3AD203B41FA5}">
+                      <a16:colId xmlns:a16="http://schemas.microsoft.com/office/drawing/2014/main" val="20000"/>
+                    </a:ext>
+                  </a:extLst>
+                </a:gridCol>
+                <a:gridCol w="2544283">
+                  <a:extLst>
+                    <a:ext uri="{9D8B030D-6E8A-4147-A177-3AD203B41FA5}">
+                      <a16:colId xmlns:a16="http://schemas.microsoft.com/office/drawing/2014/main" val="20001"/>
+                    </a:ext>
+                  </a:extLst>
+                </a:gridCol>
+                <a:gridCol w="2544283">
+                  <a:extLst>
+                    <a:ext uri="{9D8B030D-6E8A-4147-A177-3AD203B41FA5}">
+                      <a16:colId xmlns:a16="http://schemas.microsoft.com/office/drawing/2014/main" val="20002"/>
+                    </a:ext>
+                  </a:extLst>
+                </a:gridCol>
               </a:tblGrid>
               <a:tr h="349880">
                 <a:tc>
@@ -36932,6 +38165,11 @@
                   </a:txBody>
                   <a:tcPr/>
                 </a:tc>
+                <a:extLst>
+                  <a:ext uri="{0D108BD9-81ED-4DB2-BD59-A6C34878D82A}">
+                    <a16:rowId xmlns:a16="http://schemas.microsoft.com/office/drawing/2014/main" val="10000"/>
+                  </a:ext>
+                </a:extLst>
               </a:tr>
               <a:tr h="370840">
                 <a:tc>
@@ -36970,6 +38208,11 @@
                   </a:txBody>
                   <a:tcPr/>
                 </a:tc>
+                <a:extLst>
+                  <a:ext uri="{0D108BD9-81ED-4DB2-BD59-A6C34878D82A}">
+                    <a16:rowId xmlns:a16="http://schemas.microsoft.com/office/drawing/2014/main" val="10001"/>
+                  </a:ext>
+                </a:extLst>
               </a:tr>
               <a:tr h="370840">
                 <a:tc>
@@ -37008,6 +38251,11 @@
                   </a:txBody>
                   <a:tcPr/>
                 </a:tc>
+                <a:extLst>
+                  <a:ext uri="{0D108BD9-81ED-4DB2-BD59-A6C34878D82A}">
+                    <a16:rowId xmlns:a16="http://schemas.microsoft.com/office/drawing/2014/main" val="10002"/>
+                  </a:ext>
+                </a:extLst>
               </a:tr>
               <a:tr h="370840">
                 <a:tc>
@@ -37046,6 +38294,11 @@
                   </a:txBody>
                   <a:tcPr/>
                 </a:tc>
+                <a:extLst>
+                  <a:ext uri="{0D108BD9-81ED-4DB2-BD59-A6C34878D82A}">
+                    <a16:rowId xmlns:a16="http://schemas.microsoft.com/office/drawing/2014/main" val="10003"/>
+                  </a:ext>
+                </a:extLst>
               </a:tr>
               <a:tr h="370840">
                 <a:tc>
@@ -37084,6 +38337,11 @@
                   </a:txBody>
                   <a:tcPr/>
                 </a:tc>
+                <a:extLst>
+                  <a:ext uri="{0D108BD9-81ED-4DB2-BD59-A6C34878D82A}">
+                    <a16:rowId xmlns:a16="http://schemas.microsoft.com/office/drawing/2014/main" val="10004"/>
+                  </a:ext>
+                </a:extLst>
               </a:tr>
             </a:tbl>
           </a:graphicData>
@@ -37117,7 +38375,7 @@
             </a:pPr>
             <a:r>
               <a:rPr lang="fr-FR" smtClean="0"/>
-              <a:t>F. Flamerie - Recherche doc - 2022-05-03</a:t>
+              <a:t>F. Flamerie - Recherche doc - 2023-05-02</a:t>
             </a:r>
             <a:endParaRPr lang="fr-FR" dirty="0"/>
           </a:p>
